--- a/papers/DRCPA/docs/PerfTest - Profiling.pptx
+++ b/papers/DRCPA/docs/PerfTest - Profiling.pptx
@@ -5,16 +5,19 @@
     <p:sldMasterId id="2147483648" r:id="rId1"/>
   </p:sldMasterIdLst>
   <p:notesMasterIdLst>
-    <p:notesMasterId r:id="rId30"/>
+    <p:notesMasterId r:id="rId33"/>
   </p:notesMasterIdLst>
+  <p:handoutMasterIdLst>
+    <p:handoutMasterId r:id="rId34"/>
+  </p:handoutMasterIdLst>
   <p:sldIdLst>
     <p:sldId id="256" r:id="rId2"/>
     <p:sldId id="348" r:id="rId3"/>
-    <p:sldId id="341" r:id="rId4"/>
-    <p:sldId id="366" r:id="rId5"/>
-    <p:sldId id="363" r:id="rId6"/>
-    <p:sldId id="338" r:id="rId7"/>
-    <p:sldId id="358" r:id="rId8"/>
+    <p:sldId id="363" r:id="rId4"/>
+    <p:sldId id="370" r:id="rId5"/>
+    <p:sldId id="338" r:id="rId6"/>
+    <p:sldId id="358" r:id="rId7"/>
+    <p:sldId id="372" r:id="rId8"/>
     <p:sldId id="339" r:id="rId9"/>
     <p:sldId id="364" r:id="rId10"/>
     <p:sldId id="365" r:id="rId11"/>
@@ -27,15 +30,18 @@
     <p:sldId id="353" r:id="rId18"/>
     <p:sldId id="354" r:id="rId19"/>
     <p:sldId id="355" r:id="rId20"/>
-    <p:sldId id="359" r:id="rId21"/>
-    <p:sldId id="360" r:id="rId22"/>
-    <p:sldId id="361" r:id="rId23"/>
-    <p:sldId id="362" r:id="rId24"/>
-    <p:sldId id="356" r:id="rId25"/>
+    <p:sldId id="360" r:id="rId21"/>
+    <p:sldId id="368" r:id="rId22"/>
+    <p:sldId id="369" r:id="rId23"/>
+    <p:sldId id="367" r:id="rId24"/>
+    <p:sldId id="359" r:id="rId25"/>
     <p:sldId id="342" r:id="rId26"/>
-    <p:sldId id="349" r:id="rId27"/>
-    <p:sldId id="267" r:id="rId28"/>
-    <p:sldId id="268" r:id="rId29"/>
+    <p:sldId id="361" r:id="rId27"/>
+    <p:sldId id="356" r:id="rId28"/>
+    <p:sldId id="362" r:id="rId29"/>
+    <p:sldId id="349" r:id="rId30"/>
+    <p:sldId id="267" r:id="rId31"/>
+    <p:sldId id="268" r:id="rId32"/>
   </p:sldIdLst>
   <p:sldSz cx="9144000" cy="6858000" type="screen4x3"/>
   <p:notesSz cx="6858000" cy="9144000"/>
@@ -137,6 +143,166 @@
 </p:presentation>
 </file>
 
+<file path=ppt/handoutMasters/handoutMaster1.xml><?xml version="1.0" encoding="utf-8"?>
+<p:handoutMaster xmlns:a="http://schemas.openxmlformats.org/drawingml/2006/main" xmlns:r="http://schemas.openxmlformats.org/officeDocument/2006/relationships" xmlns:p="http://schemas.openxmlformats.org/presentationml/2006/main">
+  <p:cSld>
+    <p:bg>
+      <p:bgRef idx="1001">
+        <a:schemeClr val="bg1"/>
+      </p:bgRef>
+    </p:bg>
+    <p:spTree>
+      <p:nvGrpSpPr>
+        <p:cNvPr id="1" name=""/>
+        <p:cNvGrpSpPr/>
+        <p:nvPr/>
+      </p:nvGrpSpPr>
+      <p:grpSpPr>
+        <a:xfrm>
+          <a:off x="0" y="0"/>
+          <a:ext cx="0" cy="0"/>
+          <a:chOff x="0" y="0"/>
+          <a:chExt cx="0" cy="0"/>
+        </a:xfrm>
+      </p:grpSpPr>
+      <p:sp>
+        <p:nvSpPr>
+          <p:cNvPr id="2" name="Header Placeholder 1"/>
+          <p:cNvSpPr>
+            <a:spLocks noGrp="1"/>
+          </p:cNvSpPr>
+          <p:nvPr>
+            <p:ph type="hdr" sz="quarter"/>
+          </p:nvPr>
+        </p:nvSpPr>
+        <p:spPr>
+          <a:xfrm>
+            <a:off x="0" y="0"/>
+            <a:ext cx="2971800" cy="457200"/>
+          </a:xfrm>
+          <a:prstGeom prst="rect">
+            <a:avLst/>
+          </a:prstGeom>
+        </p:spPr>
+        <p:txBody>
+          <a:bodyPr vert="horz" lIns="91440" tIns="45720" rIns="91440" bIns="45720" rtlCol="0"/>
+          <a:lstStyle>
+            <a:lvl1pPr algn="l">
+              <a:defRPr sz="1200"/>
+            </a:lvl1pPr>
+          </a:lstStyle>
+          <a:p>
+            <a:endParaRPr lang="en-US"/>
+          </a:p>
+        </p:txBody>
+      </p:sp>
+      <p:sp>
+        <p:nvSpPr>
+          <p:cNvPr id="3" name="Date Placeholder 2"/>
+          <p:cNvSpPr>
+            <a:spLocks noGrp="1"/>
+          </p:cNvSpPr>
+          <p:nvPr>
+            <p:ph type="dt" sz="quarter" idx="1"/>
+          </p:nvPr>
+        </p:nvSpPr>
+        <p:spPr>
+          <a:xfrm>
+            <a:off x="3884613" y="0"/>
+            <a:ext cx="2971800" cy="457200"/>
+          </a:xfrm>
+          <a:prstGeom prst="rect">
+            <a:avLst/>
+          </a:prstGeom>
+        </p:spPr>
+        <p:txBody>
+          <a:bodyPr vert="horz" lIns="91440" tIns="45720" rIns="91440" bIns="45720" rtlCol="0"/>
+          <a:lstStyle>
+            <a:lvl1pPr algn="r">
+              <a:defRPr sz="1200"/>
+            </a:lvl1pPr>
+          </a:lstStyle>
+          <a:p>
+            <a:fld id="{C1876738-C24C-400B-BE8B-5F8C502DDA77}" type="datetimeFigureOut">
+              <a:rPr lang="en-US" smtClean="0"/>
+              <a:t>9/16/2009</a:t>
+            </a:fld>
+            <a:endParaRPr lang="en-US"/>
+          </a:p>
+        </p:txBody>
+      </p:sp>
+      <p:sp>
+        <p:nvSpPr>
+          <p:cNvPr id="4" name="Footer Placeholder 3"/>
+          <p:cNvSpPr>
+            <a:spLocks noGrp="1"/>
+          </p:cNvSpPr>
+          <p:nvPr>
+            <p:ph type="ftr" sz="quarter" idx="2"/>
+          </p:nvPr>
+        </p:nvSpPr>
+        <p:spPr>
+          <a:xfrm>
+            <a:off x="0" y="8685213"/>
+            <a:ext cx="2971800" cy="457200"/>
+          </a:xfrm>
+          <a:prstGeom prst="rect">
+            <a:avLst/>
+          </a:prstGeom>
+        </p:spPr>
+        <p:txBody>
+          <a:bodyPr vert="horz" lIns="91440" tIns="45720" rIns="91440" bIns="45720" rtlCol="0" anchor="b"/>
+          <a:lstStyle>
+            <a:lvl1pPr algn="l">
+              <a:defRPr sz="1200"/>
+            </a:lvl1pPr>
+          </a:lstStyle>
+          <a:p>
+            <a:endParaRPr lang="en-US"/>
+          </a:p>
+        </p:txBody>
+      </p:sp>
+      <p:sp>
+        <p:nvSpPr>
+          <p:cNvPr id="5" name="Slide Number Placeholder 4"/>
+          <p:cNvSpPr>
+            <a:spLocks noGrp="1"/>
+          </p:cNvSpPr>
+          <p:nvPr>
+            <p:ph type="sldNum" sz="quarter" idx="3"/>
+          </p:nvPr>
+        </p:nvSpPr>
+        <p:spPr>
+          <a:xfrm>
+            <a:off x="3884613" y="8685213"/>
+            <a:ext cx="2971800" cy="457200"/>
+          </a:xfrm>
+          <a:prstGeom prst="rect">
+            <a:avLst/>
+          </a:prstGeom>
+        </p:spPr>
+        <p:txBody>
+          <a:bodyPr vert="horz" lIns="91440" tIns="45720" rIns="91440" bIns="45720" rtlCol="0" anchor="b"/>
+          <a:lstStyle>
+            <a:lvl1pPr algn="r">
+              <a:defRPr sz="1200"/>
+            </a:lvl1pPr>
+          </a:lstStyle>
+          <a:p>
+            <a:fld id="{FFEAFF57-4F5B-4784-A30E-3E49D964D372}" type="slidenum">
+              <a:rPr lang="en-US" smtClean="0"/>
+              <a:t>‹#›</a:t>
+            </a:fld>
+            <a:endParaRPr lang="en-US"/>
+          </a:p>
+        </p:txBody>
+      </p:sp>
+    </p:spTree>
+  </p:cSld>
+  <p:clrMap bg1="lt1" tx1="dk1" bg2="lt2" tx2="dk2" accent1="accent1" accent2="accent2" accent3="accent3" accent4="accent4" accent5="accent5" accent6="accent6" hlink="hlink" folHlink="folHlink"/>
+</p:handoutMaster>
+</file>
+
 <file path=ppt/notesMasters/notesMaster1.xml><?xml version="1.0" encoding="utf-8"?>
 <p:notesMaster xmlns:a="http://schemas.openxmlformats.org/drawingml/2006/main" xmlns:r="http://schemas.openxmlformats.org/officeDocument/2006/relationships" xmlns:p="http://schemas.openxmlformats.org/presentationml/2006/main">
   <p:cSld>
@@ -220,7 +386,7 @@
             <a:fld id="{23B74013-A8FD-4950-914A-947FD22947D7}" type="datetimeFigureOut">
               <a:rPr lang="en-US" smtClean="0"/>
               <a:pPr/>
-              <a:t>9/11/2009</a:t>
+              <a:t>9/16/2009</a:t>
             </a:fld>
             <a:endParaRPr lang="en-US"/>
           </a:p>
@@ -566,7 +732,7 @@
             <a:fld id="{DCBA3738-5D15-4DEB-AF16-C90C2A9CF5FF}" type="slidenum">
               <a:rPr lang="en-US" smtClean="0"/>
               <a:pPr/>
-              <a:t>6</a:t>
+              <a:t>5</a:t>
             </a:fld>
             <a:endParaRPr lang="en-US"/>
           </a:p>
@@ -767,7 +933,7 @@
             <a:fld id="{C60591B3-B4ED-4C31-8AEF-63EEC6A32F51}" type="datetimeFigureOut">
               <a:rPr lang="en-US" smtClean="0"/>
               <a:pPr/>
-              <a:t>9/11/2009</a:t>
+              <a:t>9/16/2009</a:t>
             </a:fld>
             <a:endParaRPr lang="en-US"/>
           </a:p>
@@ -934,7 +1100,7 @@
             <a:fld id="{C60591B3-B4ED-4C31-8AEF-63EEC6A32F51}" type="datetimeFigureOut">
               <a:rPr lang="en-US" smtClean="0"/>
               <a:pPr/>
-              <a:t>9/11/2009</a:t>
+              <a:t>9/16/2009</a:t>
             </a:fld>
             <a:endParaRPr lang="en-US"/>
           </a:p>
@@ -1111,7 +1277,7 @@
             <a:fld id="{C60591B3-B4ED-4C31-8AEF-63EEC6A32F51}" type="datetimeFigureOut">
               <a:rPr lang="en-US" smtClean="0"/>
               <a:pPr/>
-              <a:t>9/11/2009</a:t>
+              <a:t>9/16/2009</a:t>
             </a:fld>
             <a:endParaRPr lang="en-US"/>
           </a:p>
@@ -1278,7 +1444,7 @@
             <a:fld id="{C60591B3-B4ED-4C31-8AEF-63EEC6A32F51}" type="datetimeFigureOut">
               <a:rPr lang="en-US" smtClean="0"/>
               <a:pPr/>
-              <a:t>9/11/2009</a:t>
+              <a:t>9/16/2009</a:t>
             </a:fld>
             <a:endParaRPr lang="en-US"/>
           </a:p>
@@ -1526,7 +1692,7 @@
             <a:fld id="{C60591B3-B4ED-4C31-8AEF-63EEC6A32F51}" type="datetimeFigureOut">
               <a:rPr lang="en-US" smtClean="0"/>
               <a:pPr/>
-              <a:t>9/11/2009</a:t>
+              <a:t>9/16/2009</a:t>
             </a:fld>
             <a:endParaRPr lang="en-US"/>
           </a:p>
@@ -1811,7 +1977,7 @@
             <a:fld id="{C60591B3-B4ED-4C31-8AEF-63EEC6A32F51}" type="datetimeFigureOut">
               <a:rPr lang="en-US" smtClean="0"/>
               <a:pPr/>
-              <a:t>9/11/2009</a:t>
+              <a:t>9/16/2009</a:t>
             </a:fld>
             <a:endParaRPr lang="en-US"/>
           </a:p>
@@ -2230,7 +2396,7 @@
             <a:fld id="{C60591B3-B4ED-4C31-8AEF-63EEC6A32F51}" type="datetimeFigureOut">
               <a:rPr lang="en-US" smtClean="0"/>
               <a:pPr/>
-              <a:t>9/11/2009</a:t>
+              <a:t>9/16/2009</a:t>
             </a:fld>
             <a:endParaRPr lang="en-US"/>
           </a:p>
@@ -2345,7 +2511,7 @@
             <a:fld id="{C60591B3-B4ED-4C31-8AEF-63EEC6A32F51}" type="datetimeFigureOut">
               <a:rPr lang="en-US" smtClean="0"/>
               <a:pPr/>
-              <a:t>9/11/2009</a:t>
+              <a:t>9/16/2009</a:t>
             </a:fld>
             <a:endParaRPr lang="en-US"/>
           </a:p>
@@ -2437,7 +2603,7 @@
             <a:fld id="{C60591B3-B4ED-4C31-8AEF-63EEC6A32F51}" type="datetimeFigureOut">
               <a:rPr lang="en-US" smtClean="0"/>
               <a:pPr/>
-              <a:t>9/11/2009</a:t>
+              <a:t>9/16/2009</a:t>
             </a:fld>
             <a:endParaRPr lang="en-US"/>
           </a:p>
@@ -2711,7 +2877,7 @@
             <a:fld id="{C60591B3-B4ED-4C31-8AEF-63EEC6A32F51}" type="datetimeFigureOut">
               <a:rPr lang="en-US" smtClean="0"/>
               <a:pPr/>
-              <a:t>9/11/2009</a:t>
+              <a:t>9/16/2009</a:t>
             </a:fld>
             <a:endParaRPr lang="en-US"/>
           </a:p>
@@ -2961,7 +3127,7 @@
             <a:fld id="{C60591B3-B4ED-4C31-8AEF-63EEC6A32F51}" type="datetimeFigureOut">
               <a:rPr lang="en-US" smtClean="0"/>
               <a:pPr/>
-              <a:t>9/11/2009</a:t>
+              <a:t>9/16/2009</a:t>
             </a:fld>
             <a:endParaRPr lang="en-US"/>
           </a:p>
@@ -3171,7 +3337,7 @@
             <a:fld id="{C60591B3-B4ED-4C31-8AEF-63EEC6A32F51}" type="datetimeFigureOut">
               <a:rPr lang="en-US" smtClean="0"/>
               <a:pPr/>
-              <a:t>9/11/2009</a:t>
+              <a:t>9/16/2009</a:t>
             </a:fld>
             <a:endParaRPr lang="en-US"/>
           </a:p>
@@ -3683,8 +3849,8 @@
               <a:t>Last Updated: Sep. </a:t>
             </a:r>
             <a:r>
-              <a:rPr lang="en-US" dirty="0" smtClean="0"/>
-              <a:t>11, </a:t>
+              <a:rPr lang="en-US" smtClean="0"/>
+              <a:t>16, </a:t>
             </a:r>
             <a:r>
               <a:rPr lang="en-US" dirty="0" smtClean="0"/>
@@ -3824,14 +3990,7 @@
                 <a:latin typeface="Courier New" pitchFamily="49" charset="0"/>
                 <a:cs typeface="Courier New" pitchFamily="49" charset="0"/>
               </a:rPr>
-              <a:t>(TPTP)” </a:t>
-            </a:r>
-            <a:r>
-              <a:rPr lang="en-US" sz="1200" dirty="0" smtClean="0">
-                <a:latin typeface="Courier New" pitchFamily="49" charset="0"/>
-                <a:cs typeface="Courier New" pitchFamily="49" charset="0"/>
-              </a:rPr>
-              <a:t>project</a:t>
+              <a:t>(TPTP)” project</a:t>
             </a:r>
           </a:p>
           <a:p>
@@ -5758,105 +5917,6 @@
           <a:bodyPr/>
           <a:lstStyle/>
           <a:p>
-            <a:r>
-              <a:rPr lang="en-US" dirty="0" smtClean="0"/>
-              <a:t>IWAT0284E</a:t>
-            </a:r>
-            <a:endParaRPr lang="en-US" dirty="0"/>
-          </a:p>
-        </p:txBody>
-      </p:sp>
-      <p:pic>
-        <p:nvPicPr>
-          <p:cNvPr id="1026" name="Picture 2"/>
-          <p:cNvPicPr>
-            <a:picLocks noChangeAspect="1" noChangeArrowheads="1"/>
-          </p:cNvPicPr>
-          <p:nvPr/>
-        </p:nvPicPr>
-        <p:blipFill>
-          <a:blip r:embed="rId2" cstate="print"/>
-          <a:srcRect/>
-          <a:stretch>
-            <a:fillRect/>
-          </a:stretch>
-        </p:blipFill>
-        <p:spPr bwMode="auto">
-          <a:xfrm>
-            <a:off x="2209800" y="2514600"/>
-            <a:ext cx="4219575" cy="2581275"/>
-          </a:xfrm>
-          <a:prstGeom prst="rect">
-            <a:avLst/>
-          </a:prstGeom>
-          <a:noFill/>
-          <a:ln w="9525">
-            <a:noFill/>
-            <a:miter lim="800000"/>
-            <a:headEnd/>
-            <a:tailEnd/>
-          </a:ln>
-        </p:spPr>
-      </p:pic>
-    </p:spTree>
-  </p:cSld>
-  <p:clrMapOvr>
-    <a:masterClrMapping/>
-  </p:clrMapOvr>
-</p:sld>
-</file>
-
-<file path=ppt/slides/slide21.xml><?xml version="1.0" encoding="utf-8"?>
-<p:sld xmlns:a="http://schemas.openxmlformats.org/drawingml/2006/main" xmlns:r="http://schemas.openxmlformats.org/officeDocument/2006/relationships" xmlns:p="http://schemas.openxmlformats.org/presentationml/2006/main">
-  <p:cSld>
-    <p:spTree>
-      <p:nvGrpSpPr>
-        <p:cNvPr id="1" name=""/>
-        <p:cNvGrpSpPr/>
-        <p:nvPr/>
-      </p:nvGrpSpPr>
-      <p:grpSpPr>
-        <a:xfrm>
-          <a:off x="0" y="0"/>
-          <a:ext cx="0" cy="0"/>
-          <a:chOff x="0" y="0"/>
-          <a:chExt cx="0" cy="0"/>
-        </a:xfrm>
-      </p:grpSpPr>
-      <p:sp>
-        <p:nvSpPr>
-          <p:cNvPr id="2" name="Title 1"/>
-          <p:cNvSpPr>
-            <a:spLocks noGrp="1"/>
-          </p:cNvSpPr>
-          <p:nvPr>
-            <p:ph type="title"/>
-          </p:nvPr>
-        </p:nvSpPr>
-        <p:spPr/>
-        <p:txBody>
-          <a:bodyPr/>
-          <a:lstStyle/>
-          <a:p>
-            <a:endParaRPr lang="en-US"/>
-          </a:p>
-        </p:txBody>
-      </p:sp>
-      <p:sp>
-        <p:nvSpPr>
-          <p:cNvPr id="3" name="Content Placeholder 2"/>
-          <p:cNvSpPr>
-            <a:spLocks noGrp="1"/>
-          </p:cNvSpPr>
-          <p:nvPr>
-            <p:ph idx="1"/>
-          </p:nvPr>
-        </p:nvSpPr>
-        <p:spPr/>
-        <p:txBody>
-          <a:bodyPr/>
-          <a:lstStyle/>
-          <a:p>
             <a:endParaRPr lang="en-US"/>
           </a:p>
         </p:txBody>
@@ -5901,6 +5961,77 @@
 </p:sld>
 </file>
 
+<file path=ppt/slides/slide21.xml><?xml version="1.0" encoding="utf-8"?>
+<p:sld xmlns:a="http://schemas.openxmlformats.org/drawingml/2006/main" xmlns:r="http://schemas.openxmlformats.org/officeDocument/2006/relationships" xmlns:p="http://schemas.openxmlformats.org/presentationml/2006/main">
+  <p:cSld>
+    <p:spTree>
+      <p:nvGrpSpPr>
+        <p:cNvPr id="1" name=""/>
+        <p:cNvGrpSpPr/>
+        <p:nvPr/>
+      </p:nvGrpSpPr>
+      <p:grpSpPr>
+        <a:xfrm>
+          <a:off x="0" y="0"/>
+          <a:ext cx="0" cy="0"/>
+          <a:chOff x="0" y="0"/>
+          <a:chExt cx="0" cy="0"/>
+        </a:xfrm>
+      </p:grpSpPr>
+      <p:sp>
+        <p:nvSpPr>
+          <p:cNvPr id="4" name="Title 3"/>
+          <p:cNvSpPr>
+            <a:spLocks noGrp="1"/>
+          </p:cNvSpPr>
+          <p:nvPr>
+            <p:ph type="title"/>
+          </p:nvPr>
+        </p:nvSpPr>
+        <p:spPr/>
+        <p:txBody>
+          <a:bodyPr/>
+          <a:lstStyle/>
+          <a:p>
+            <a:r>
+              <a:rPr lang="en-US" smtClean="0"/>
+              <a:t>Comparing </a:t>
+            </a:r>
+            <a:r>
+              <a:rPr lang="en-US" dirty="0" smtClean="0"/>
+              <a:t>Trace data from RPT and TPTP</a:t>
+            </a:r>
+            <a:endParaRPr lang="en-US" dirty="0"/>
+          </a:p>
+        </p:txBody>
+      </p:sp>
+      <p:sp>
+        <p:nvSpPr>
+          <p:cNvPr id="5" name="Text Placeholder 4"/>
+          <p:cNvSpPr>
+            <a:spLocks noGrp="1"/>
+          </p:cNvSpPr>
+          <p:nvPr>
+            <p:ph type="body" idx="1"/>
+          </p:nvPr>
+        </p:nvSpPr>
+        <p:spPr/>
+        <p:txBody>
+          <a:bodyPr/>
+          <a:lstStyle/>
+          <a:p>
+            <a:endParaRPr lang="en-US"/>
+          </a:p>
+        </p:txBody>
+      </p:sp>
+    </p:spTree>
+  </p:cSld>
+  <p:clrMapOvr>
+    <a:masterClrMapping/>
+  </p:clrMapOvr>
+</p:sld>
+</file>
+
 <file path=ppt/slides/slide22.xml><?xml version="1.0" encoding="utf-8"?>
 <p:sld xmlns:a="http://schemas.openxmlformats.org/drawingml/2006/main" xmlns:r="http://schemas.openxmlformats.org/officeDocument/2006/relationships" xmlns:p="http://schemas.openxmlformats.org/presentationml/2006/main">
   <p:cSld>
@@ -5949,49 +6080,117 @@
         </p:nvSpPr>
         <p:spPr/>
         <p:txBody>
-          <a:bodyPr/>
-          <a:lstStyle/>
-          <a:p>
-            <a:r>
-              <a:rPr lang="en-US" dirty="0" smtClean="0"/>
-              <a:t>IWAT0435E</a:t>
+          <a:bodyPr>
+            <a:normAutofit fontScale="70000" lnSpcReduction="20000"/>
+          </a:bodyPr>
+          <a:lstStyle/>
+          <a:p>
+            <a:pPr marL="514350" indent="-514350">
+              <a:buFont typeface="+mj-lt"/>
+              <a:buAutoNum type="arabicPeriod"/>
+            </a:pPr>
+            <a:r>
+              <a:rPr lang="en-US" dirty="0" smtClean="0"/>
+              <a:t>Start the Plant web application (AppSrv02, 9083, 9063)</a:t>
+            </a:r>
+          </a:p>
+          <a:p>
+            <a:pPr marL="514350" indent="-514350">
+              <a:buFont typeface="+mj-lt"/>
+              <a:buAutoNum type="arabicPeriod"/>
+            </a:pPr>
+            <a:r>
+              <a:rPr lang="en-US" dirty="0" smtClean="0"/>
+              <a:t>Setup the environment for RPT profiling </a:t>
+            </a:r>
+          </a:p>
+          <a:p>
+            <a:pPr marL="514350" indent="-514350">
+              <a:buFont typeface="+mj-lt"/>
+              <a:buAutoNum type="arabicPeriod"/>
+            </a:pPr>
+            <a:r>
+              <a:rPr lang="en-US" dirty="0" smtClean="0"/>
+              <a:t>Create a performance test suite for the Plant web application.</a:t>
+            </a:r>
+          </a:p>
+          <a:p>
+            <a:pPr marL="514350" indent="-514350">
+              <a:buFont typeface="+mj-lt"/>
+              <a:buAutoNum type="arabicPeriod"/>
+            </a:pPr>
+            <a:r>
+              <a:rPr lang="en-US" dirty="0" smtClean="0"/>
+              <a:t>Run the performance test suite by RPT while collecting profiling data by RPT. The profiling data is stored in a local </a:t>
+            </a:r>
+            <a:r>
+              <a:rPr lang="en-US" dirty="0" err="1" smtClean="0"/>
+              <a:t>trcxml</a:t>
+            </a:r>
+            <a:r>
+              <a:rPr lang="en-US" dirty="0" smtClean="0"/>
+              <a:t> file (t1_rpt.trcxml)</a:t>
+            </a:r>
+          </a:p>
+          <a:p>
+            <a:pPr marL="514350" indent="-514350">
+              <a:buFont typeface="+mj-lt"/>
+              <a:buAutoNum type="arabicPeriod"/>
+            </a:pPr>
+            <a:r>
+              <a:rPr lang="en-US" dirty="0" smtClean="0"/>
+              <a:t>Restart the Plant web application (after </a:t>
+            </a:r>
+            <a:r>
+              <a:rPr lang="en-US" dirty="0" err="1" smtClean="0"/>
+              <a:t>uninstrumentation</a:t>
+            </a:r>
+            <a:r>
+              <a:rPr lang="en-US" dirty="0" smtClean="0"/>
+              <a:t>)</a:t>
+            </a:r>
+          </a:p>
+          <a:p>
+            <a:pPr marL="514350" indent="-514350">
+              <a:buFont typeface="+mj-lt"/>
+              <a:buAutoNum type="arabicPeriod"/>
+            </a:pPr>
+            <a:r>
+              <a:rPr lang="en-US" dirty="0" smtClean="0"/>
+              <a:t>Setup the environment for TPTP profiling </a:t>
+            </a:r>
+          </a:p>
+          <a:p>
+            <a:pPr marL="514350" indent="-514350">
+              <a:buFont typeface="+mj-lt"/>
+              <a:buAutoNum type="arabicPeriod"/>
+            </a:pPr>
+            <a:r>
+              <a:rPr lang="en-US" dirty="0" smtClean="0"/>
+              <a:t>Run the performance test suite by RPT while collecting profiling data by TPTP. The profiling data is stored in a local </a:t>
+            </a:r>
+            <a:r>
+              <a:rPr lang="en-US" dirty="0" err="1" smtClean="0"/>
+              <a:t>trcxml</a:t>
+            </a:r>
+            <a:r>
+              <a:rPr lang="en-US" dirty="0" smtClean="0"/>
+              <a:t> file (t1_tptp.trcxml)</a:t>
+            </a:r>
+          </a:p>
+          <a:p>
+            <a:pPr marL="514350" indent="-514350">
+              <a:buFont typeface="+mj-lt"/>
+              <a:buAutoNum type="arabicPeriod"/>
+            </a:pPr>
+            <a:r>
+              <a:rPr lang="en-US" dirty="0" smtClean="0"/>
+              <a:t>Compare t1_rpt.trcxml and t1_tptp.trcxml to figure out the difference.</a:t>
             </a:r>
             <a:endParaRPr lang="en-US" dirty="0"/>
           </a:p>
         </p:txBody>
       </p:sp>
-      <p:pic>
-        <p:nvPicPr>
-          <p:cNvPr id="3074" name="Picture 2"/>
-          <p:cNvPicPr>
-            <a:picLocks noChangeAspect="1" noChangeArrowheads="1"/>
-          </p:cNvPicPr>
-          <p:nvPr/>
-        </p:nvPicPr>
-        <p:blipFill>
-          <a:blip r:embed="rId2" cstate="print"/>
-          <a:srcRect/>
-          <a:stretch>
-            <a:fillRect/>
-          </a:stretch>
-        </p:blipFill>
-        <p:spPr bwMode="auto">
-          <a:xfrm>
-            <a:off x="762000" y="2152650"/>
-            <a:ext cx="7543800" cy="4705350"/>
-          </a:xfrm>
-          <a:prstGeom prst="rect">
-            <a:avLst/>
-          </a:prstGeom>
-          <a:noFill/>
-          <a:ln w="9525">
-            <a:noFill/>
-            <a:miter lim="800000"/>
-            <a:headEnd/>
-            <a:tailEnd/>
-          </a:ln>
-        </p:spPr>
-      </p:pic>
     </p:spTree>
   </p:cSld>
   <p:clrMapOvr>
@@ -6019,7 +6218,7 @@
       </p:grpSpPr>
       <p:sp>
         <p:nvSpPr>
-          <p:cNvPr id="2" name="Title 1"/>
+          <p:cNvPr id="4" name="Title 3"/>
           <p:cNvSpPr>
             <a:spLocks noGrp="1"/>
           </p:cNvSpPr>
@@ -6032,30 +6231,30 @@
           <a:bodyPr/>
           <a:lstStyle/>
           <a:p>
+            <a:r>
+              <a:rPr lang="en-US" dirty="0" smtClean="0"/>
+              <a:t>Trouble Shooting</a:t>
+            </a:r>
+            <a:endParaRPr lang="en-US" dirty="0"/>
+          </a:p>
+        </p:txBody>
+      </p:sp>
+      <p:sp>
+        <p:nvSpPr>
+          <p:cNvPr id="5" name="Text Placeholder 4"/>
+          <p:cNvSpPr>
+            <a:spLocks noGrp="1"/>
+          </p:cNvSpPr>
+          <p:nvPr>
+            <p:ph type="body" idx="1"/>
+          </p:nvPr>
+        </p:nvSpPr>
+        <p:spPr/>
+        <p:txBody>
+          <a:bodyPr/>
+          <a:lstStyle/>
+          <a:p>
             <a:endParaRPr lang="en-US"/>
-          </a:p>
-        </p:txBody>
-      </p:sp>
-      <p:sp>
-        <p:nvSpPr>
-          <p:cNvPr id="3" name="Content Placeholder 2"/>
-          <p:cNvSpPr>
-            <a:spLocks noGrp="1"/>
-          </p:cNvSpPr>
-          <p:nvPr>
-            <p:ph idx="1"/>
-          </p:nvPr>
-        </p:nvSpPr>
-        <p:spPr/>
-        <p:txBody>
-          <a:bodyPr/>
-          <a:lstStyle/>
-          <a:p>
-            <a:r>
-              <a:rPr lang="en-US" dirty="0" smtClean="0"/>
-              <a:t>IWAT0284E</a:t>
-            </a:r>
-            <a:endParaRPr lang="en-US" dirty="0"/>
           </a:p>
         </p:txBody>
       </p:sp>
@@ -6099,11 +6298,7 @@
           <a:bodyPr/>
           <a:lstStyle/>
           <a:p>
-            <a:r>
-              <a:rPr lang="en-US" dirty="0" smtClean="0"/>
-              <a:t>Trouble Shooting</a:t>
-            </a:r>
-            <a:endParaRPr lang="en-US" dirty="0"/>
+            <a:endParaRPr lang="en-US"/>
           </a:p>
         </p:txBody>
       </p:sp>
@@ -6124,7 +6319,7 @@
           <a:p>
             <a:r>
               <a:rPr lang="en-US" dirty="0" smtClean="0"/>
-              <a:t>No data available for display</a:t>
+              <a:t>IWAT0284E</a:t>
             </a:r>
             <a:endParaRPr lang="en-US" dirty="0"/>
           </a:p>
@@ -6132,7 +6327,7 @@
       </p:sp>
       <p:pic>
         <p:nvPicPr>
-          <p:cNvPr id="4098" name="Picture 2"/>
+          <p:cNvPr id="1026" name="Picture 2"/>
           <p:cNvPicPr>
             <a:picLocks noChangeAspect="1" noChangeArrowheads="1"/>
           </p:cNvPicPr>
@@ -6147,8 +6342,8 @@
         </p:blipFill>
         <p:spPr bwMode="auto">
           <a:xfrm>
-            <a:off x="1752600" y="2286000"/>
-            <a:ext cx="5181600" cy="3762375"/>
+            <a:off x="2209800" y="2514600"/>
+            <a:ext cx="4219575" cy="2581275"/>
           </a:xfrm>
           <a:prstGeom prst="rect">
             <a:avLst/>
@@ -6301,33 +6496,65 @@
           <a:bodyPr/>
           <a:lstStyle/>
           <a:p>
-            <a:r>
-              <a:rPr lang="en-US" dirty="0" smtClean="0"/>
-              <a:t>Trouble Shooting</a:t>
+            <a:endParaRPr lang="en-US"/>
+          </a:p>
+        </p:txBody>
+      </p:sp>
+      <p:sp>
+        <p:nvSpPr>
+          <p:cNvPr id="3" name="Content Placeholder 2"/>
+          <p:cNvSpPr>
+            <a:spLocks noGrp="1"/>
+          </p:cNvSpPr>
+          <p:nvPr>
+            <p:ph idx="1"/>
+          </p:nvPr>
+        </p:nvSpPr>
+        <p:spPr/>
+        <p:txBody>
+          <a:bodyPr/>
+          <a:lstStyle/>
+          <a:p>
+            <a:r>
+              <a:rPr lang="en-US" dirty="0" smtClean="0"/>
+              <a:t>IWAT0435E</a:t>
             </a:r>
             <a:endParaRPr lang="en-US" dirty="0"/>
           </a:p>
         </p:txBody>
       </p:sp>
-      <p:sp>
-        <p:nvSpPr>
-          <p:cNvPr id="3" name="Content Placeholder 2"/>
-          <p:cNvSpPr>
-            <a:spLocks noGrp="1"/>
-          </p:cNvSpPr>
-          <p:nvPr>
-            <p:ph idx="1"/>
-          </p:nvPr>
-        </p:nvSpPr>
-        <p:spPr/>
-        <p:txBody>
-          <a:bodyPr/>
-          <a:lstStyle/>
-          <a:p>
-            <a:endParaRPr lang="en-US"/>
-          </a:p>
-        </p:txBody>
-      </p:sp>
+      <p:pic>
+        <p:nvPicPr>
+          <p:cNvPr id="3074" name="Picture 2"/>
+          <p:cNvPicPr>
+            <a:picLocks noChangeAspect="1" noChangeArrowheads="1"/>
+          </p:cNvPicPr>
+          <p:nvPr/>
+        </p:nvPicPr>
+        <p:blipFill>
+          <a:blip r:embed="rId2" cstate="print"/>
+          <a:srcRect/>
+          <a:stretch>
+            <a:fillRect/>
+          </a:stretch>
+        </p:blipFill>
+        <p:spPr bwMode="auto">
+          <a:xfrm>
+            <a:off x="762000" y="2152650"/>
+            <a:ext cx="7543800" cy="4705350"/>
+          </a:xfrm>
+          <a:prstGeom prst="rect">
+            <a:avLst/>
+          </a:prstGeom>
+          <a:noFill/>
+          <a:ln w="9525">
+            <a:noFill/>
+            <a:miter lim="800000"/>
+            <a:headEnd/>
+            <a:tailEnd/>
+          </a:ln>
+        </p:spPr>
+      </p:pic>
     </p:spTree>
   </p:cSld>
   <p:clrMapOvr>
@@ -6365,14 +6592,12 @@
         </p:nvSpPr>
         <p:spPr/>
         <p:txBody>
-          <a:bodyPr>
-            <a:normAutofit/>
-          </a:bodyPr>
-          <a:lstStyle/>
-          <a:p>
-            <a:r>
-              <a:rPr lang="en-US" dirty="0" smtClean="0"/>
-              <a:t>References</a:t>
+          <a:bodyPr/>
+          <a:lstStyle/>
+          <a:p>
+            <a:r>
+              <a:rPr lang="en-US" dirty="0" smtClean="0"/>
+              <a:t>Trouble Shooting</a:t>
             </a:r>
             <a:endParaRPr lang="en-US" dirty="0"/>
           </a:p>
@@ -6390,57 +6615,49 @@
         </p:nvSpPr>
         <p:spPr/>
         <p:txBody>
-          <a:bodyPr>
-            <a:normAutofit/>
-          </a:bodyPr>
-          <a:lstStyle/>
-          <a:p>
-            <a:r>
-              <a:rPr lang="en-US" sz="2800" dirty="0" smtClean="0"/>
-              <a:t>Install </a:t>
-            </a:r>
-            <a:r>
-              <a:rPr lang="en-US" sz="2800" dirty="0" err="1" smtClean="0"/>
-              <a:t>WebSphere</a:t>
-            </a:r>
-            <a:r>
-              <a:rPr lang="en-US" sz="2800" dirty="0" smtClean="0"/>
-              <a:t> Application Server V6.0 for Linux on POWER (</a:t>
-            </a:r>
-            <a:r>
-              <a:rPr lang="en-US" sz="2800" dirty="0" smtClean="0">
-                <a:hlinkClick r:id="rId2"/>
-              </a:rPr>
-              <a:t>http://www.ibm.com/developerworks/systems/library/es-webapp/index.html</a:t>
-            </a:r>
-            <a:r>
-              <a:rPr lang="en-US" sz="2800" dirty="0" smtClean="0"/>
-              <a:t>)</a:t>
-            </a:r>
-          </a:p>
-          <a:p>
-            <a:r>
-              <a:rPr lang="en-US" sz="2800" dirty="0" err="1" smtClean="0"/>
-              <a:t>WebSphere</a:t>
-            </a:r>
-            <a:r>
-              <a:rPr lang="en-US" sz="2800" dirty="0" smtClean="0"/>
-              <a:t> Application Server 6.1 Headless Install (</a:t>
-            </a:r>
-            <a:r>
-              <a:rPr lang="en-US" sz="2800" dirty="0" smtClean="0">
-                <a:hlinkClick r:id="rId3"/>
-              </a:rPr>
-              <a:t>http://bishop.camp.clarkson.edu/wiki/en/WebSphere_Application_Server_6.1_Headless_Install</a:t>
-            </a:r>
-            <a:r>
-              <a:rPr lang="en-US" sz="2800" dirty="0" smtClean="0"/>
-              <a:t>)</a:t>
-            </a:r>
-            <a:endParaRPr lang="en-US" sz="2800" dirty="0"/>
-          </a:p>
-        </p:txBody>
-      </p:sp>
+          <a:bodyPr/>
+          <a:lstStyle/>
+          <a:p>
+            <a:r>
+              <a:rPr lang="en-US" dirty="0" smtClean="0"/>
+              <a:t>No data available for display</a:t>
+            </a:r>
+            <a:endParaRPr lang="en-US" dirty="0"/>
+          </a:p>
+        </p:txBody>
+      </p:sp>
+      <p:pic>
+        <p:nvPicPr>
+          <p:cNvPr id="4098" name="Picture 2"/>
+          <p:cNvPicPr>
+            <a:picLocks noChangeAspect="1" noChangeArrowheads="1"/>
+          </p:cNvPicPr>
+          <p:nvPr/>
+        </p:nvPicPr>
+        <p:blipFill>
+          <a:blip r:embed="rId2" cstate="print"/>
+          <a:srcRect/>
+          <a:stretch>
+            <a:fillRect/>
+          </a:stretch>
+        </p:blipFill>
+        <p:spPr bwMode="auto">
+          <a:xfrm>
+            <a:off x="1752600" y="2286000"/>
+            <a:ext cx="5181600" cy="3762375"/>
+          </a:xfrm>
+          <a:prstGeom prst="rect">
+            <a:avLst/>
+          </a:prstGeom>
+          <a:noFill/>
+          <a:ln w="9525">
+            <a:noFill/>
+            <a:miter lim="800000"/>
+            <a:headEnd/>
+            <a:tailEnd/>
+          </a:ln>
+        </p:spPr>
+      </p:pic>
     </p:spTree>
   </p:cSld>
   <p:clrMapOvr>
@@ -6481,14 +6698,81 @@
           <a:bodyPr/>
           <a:lstStyle/>
           <a:p>
-            <a:r>
-              <a:rPr lang="en-US" dirty="0" smtClean="0"/>
-              <a:t>References</a:t>
+            <a:endParaRPr lang="en-US"/>
+          </a:p>
+        </p:txBody>
+      </p:sp>
+      <p:sp>
+        <p:nvSpPr>
+          <p:cNvPr id="3" name="Content Placeholder 2"/>
+          <p:cNvSpPr>
+            <a:spLocks noGrp="1"/>
+          </p:cNvSpPr>
+          <p:nvPr>
+            <p:ph idx="1"/>
+          </p:nvPr>
+        </p:nvSpPr>
+        <p:spPr/>
+        <p:txBody>
+          <a:bodyPr/>
+          <a:lstStyle/>
+          <a:p>
+            <a:r>
+              <a:rPr lang="en-US" dirty="0" smtClean="0"/>
+              <a:t>IWAT0284E</a:t>
             </a:r>
             <a:endParaRPr lang="en-US" dirty="0"/>
           </a:p>
         </p:txBody>
       </p:sp>
+    </p:spTree>
+  </p:cSld>
+  <p:clrMapOvr>
+    <a:masterClrMapping/>
+  </p:clrMapOvr>
+</p:sld>
+</file>
+
+<file path=ppt/slides/slide29.xml><?xml version="1.0" encoding="utf-8"?>
+<p:sld xmlns:a="http://schemas.openxmlformats.org/drawingml/2006/main" xmlns:r="http://schemas.openxmlformats.org/officeDocument/2006/relationships" xmlns:p="http://schemas.openxmlformats.org/presentationml/2006/main">
+  <p:cSld>
+    <p:spTree>
+      <p:nvGrpSpPr>
+        <p:cNvPr id="1" name=""/>
+        <p:cNvGrpSpPr/>
+        <p:nvPr/>
+      </p:nvGrpSpPr>
+      <p:grpSpPr>
+        <a:xfrm>
+          <a:off x="0" y="0"/>
+          <a:ext cx="0" cy="0"/>
+          <a:chOff x="0" y="0"/>
+          <a:chExt cx="0" cy="0"/>
+        </a:xfrm>
+      </p:grpSpPr>
+      <p:sp>
+        <p:nvSpPr>
+          <p:cNvPr id="2" name="Title 1"/>
+          <p:cNvSpPr>
+            <a:spLocks noGrp="1"/>
+          </p:cNvSpPr>
+          <p:nvPr>
+            <p:ph type="title"/>
+          </p:nvPr>
+        </p:nvSpPr>
+        <p:spPr/>
+        <p:txBody>
+          <a:bodyPr/>
+          <a:lstStyle/>
+          <a:p>
+            <a:r>
+              <a:rPr lang="en-US" dirty="0" smtClean="0"/>
+              <a:t>Trouble Shooting</a:t>
+            </a:r>
+            <a:endParaRPr lang="en-US" dirty="0"/>
+          </a:p>
+        </p:txBody>
+      </p:sp>
       <p:sp>
         <p:nvSpPr>
           <p:cNvPr id="3" name="Content Placeholder 2"/>
@@ -6501,58 +6785,10 @@
         </p:nvSpPr>
         <p:spPr/>
         <p:txBody>
-          <a:bodyPr>
-            <a:normAutofit fontScale="77500" lnSpcReduction="20000"/>
-          </a:bodyPr>
-          <a:lstStyle/>
-          <a:p>
-            <a:r>
-              <a:rPr lang="en-US" dirty="0" smtClean="0"/>
-              <a:t>Using IBM Rational Performance Tester: Application Monitoring Part 1, Configuring your environment (</a:t>
-            </a:r>
-            <a:r>
-              <a:rPr lang="en-US" dirty="0" smtClean="0">
-                <a:hlinkClick r:id="rId2"/>
-              </a:rPr>
-              <a:t>http://www.ibm.com/developerworks/rational/library/07/0515_patel/index.html</a:t>
-            </a:r>
-            <a:r>
-              <a:rPr lang="en-US" dirty="0" smtClean="0"/>
-              <a:t>)</a:t>
-            </a:r>
-          </a:p>
-          <a:p>
-            <a:r>
-              <a:rPr lang="en-US" dirty="0" smtClean="0"/>
-              <a:t>Using IBM Rational Performance Tester: Application Monitoring Part 2, Enabling real-time monitoring (</a:t>
-            </a:r>
-            <a:r>
-              <a:rPr lang="en-US" dirty="0" smtClean="0">
-                <a:hlinkClick r:id="rId3"/>
-              </a:rPr>
-              <a:t>http://www.ibm.com/developerworks/rational/library/07/0515_patel2/index.html</a:t>
-            </a:r>
-            <a:r>
-              <a:rPr lang="en-US" dirty="0" smtClean="0"/>
-              <a:t>)</a:t>
-            </a:r>
-          </a:p>
-          <a:p>
-            <a:r>
-              <a:rPr lang="en-US" dirty="0" smtClean="0"/>
-              <a:t>Using IBM Rational Performance Tester: Application monitoring, Part 3: Importing data from IBM Tivoli database products (</a:t>
-            </a:r>
-            <a:r>
-              <a:rPr lang="en-US" dirty="0" smtClean="0">
-                <a:hlinkClick r:id="rId4"/>
-              </a:rPr>
-              <a:t>http://www.ibm.com/developerworks/rational/library/07/0605_patel/index.html</a:t>
-            </a:r>
-            <a:r>
-              <a:rPr lang="en-US" dirty="0" smtClean="0"/>
-              <a:t>)</a:t>
-            </a:r>
-            <a:endParaRPr lang="en-US" dirty="0"/>
+          <a:bodyPr/>
+          <a:lstStyle/>
+          <a:p>
+            <a:endParaRPr lang="en-US"/>
           </a:p>
         </p:txBody>
       </p:sp>
@@ -6583,299 +6819,6 @@
       </p:grpSpPr>
       <p:sp>
         <p:nvSpPr>
-          <p:cNvPr id="4" name="Title 3"/>
-          <p:cNvSpPr>
-            <a:spLocks noGrp="1"/>
-          </p:cNvSpPr>
-          <p:nvPr>
-            <p:ph type="title"/>
-          </p:nvPr>
-        </p:nvSpPr>
-        <p:spPr/>
-        <p:txBody>
-          <a:bodyPr/>
-          <a:lstStyle/>
-          <a:p>
-            <a:r>
-              <a:rPr lang="en-US" dirty="0" smtClean="0"/>
-              <a:t>Ports</a:t>
-            </a:r>
-            <a:endParaRPr lang="en-US" dirty="0"/>
-          </a:p>
-        </p:txBody>
-      </p:sp>
-      <p:sp>
-        <p:nvSpPr>
-          <p:cNvPr id="5" name="Content Placeholder 4"/>
-          <p:cNvSpPr>
-            <a:spLocks noGrp="1"/>
-          </p:cNvSpPr>
-          <p:nvPr>
-            <p:ph idx="1"/>
-          </p:nvPr>
-        </p:nvSpPr>
-        <p:spPr/>
-        <p:txBody>
-          <a:bodyPr>
-            <a:normAutofit fontScale="92500" lnSpcReduction="20000"/>
-          </a:bodyPr>
-          <a:lstStyle/>
-          <a:p>
-            <a:r>
-              <a:rPr lang="en-US" dirty="0" smtClean="0"/>
-              <a:t>10002</a:t>
-            </a:r>
-          </a:p>
-          <a:p>
-            <a:r>
-              <a:rPr lang="en-US" dirty="0" smtClean="0"/>
-              <a:t>10003</a:t>
-            </a:r>
-          </a:p>
-          <a:p>
-            <a:r>
-              <a:rPr lang="en-US" dirty="0" smtClean="0"/>
-              <a:t>10004</a:t>
-            </a:r>
-          </a:p>
-          <a:p>
-            <a:r>
-              <a:rPr lang="en-US" dirty="0" smtClean="0"/>
-              <a:t>10005</a:t>
-            </a:r>
-          </a:p>
-          <a:p>
-            <a:r>
-              <a:rPr lang="en-US" dirty="0" smtClean="0"/>
-              <a:t>10006</a:t>
-            </a:r>
-          </a:p>
-          <a:p>
-            <a:r>
-              <a:rPr lang="en-US" dirty="0" smtClean="0"/>
-              <a:t>5900</a:t>
-            </a:r>
-          </a:p>
-          <a:p>
-            <a:r>
-              <a:rPr lang="en-US" dirty="0" smtClean="0"/>
-              <a:t>5901</a:t>
-            </a:r>
-          </a:p>
-          <a:p>
-            <a:r>
-              <a:rPr lang="en-US" dirty="0" smtClean="0"/>
-              <a:t>9080</a:t>
-            </a:r>
-          </a:p>
-          <a:p>
-            <a:r>
-              <a:rPr lang="en-US" dirty="0" smtClean="0"/>
-              <a:t>9090</a:t>
-            </a:r>
-            <a:endParaRPr lang="en-US" dirty="0"/>
-          </a:p>
-        </p:txBody>
-      </p:sp>
-      <p:pic>
-        <p:nvPicPr>
-          <p:cNvPr id="47107" name="Picture 3"/>
-          <p:cNvPicPr>
-            <a:picLocks noChangeAspect="1" noChangeArrowheads="1"/>
-          </p:cNvPicPr>
-          <p:nvPr/>
-        </p:nvPicPr>
-        <p:blipFill>
-          <a:blip r:embed="rId2" cstate="print"/>
-          <a:srcRect/>
-          <a:stretch>
-            <a:fillRect/>
-          </a:stretch>
-        </p:blipFill>
-        <p:spPr bwMode="auto">
-          <a:xfrm>
-            <a:off x="4267200" y="1600200"/>
-            <a:ext cx="4038600" cy="4989807"/>
-          </a:xfrm>
-          <a:prstGeom prst="rect">
-            <a:avLst/>
-          </a:prstGeom>
-          <a:noFill/>
-          <a:ln w="9525">
-            <a:noFill/>
-            <a:miter lim="800000"/>
-            <a:headEnd/>
-            <a:tailEnd/>
-          </a:ln>
-        </p:spPr>
-      </p:pic>
-      <p:sp>
-        <p:nvSpPr>
-          <p:cNvPr id="8" name="Rounded Rectangular Callout 7"/>
-          <p:cNvSpPr/>
-          <p:nvPr/>
-        </p:nvSpPr>
-        <p:spPr>
-          <a:xfrm>
-            <a:off x="5486400" y="2362200"/>
-            <a:ext cx="2895600" cy="381000"/>
-          </a:xfrm>
-          <a:prstGeom prst="wedgeRoundRectCallout">
-            <a:avLst>
-              <a:gd name="adj1" fmla="val -34325"/>
-              <a:gd name="adj2" fmla="val 90130"/>
-              <a:gd name="adj3" fmla="val 16667"/>
-            </a:avLst>
-          </a:prstGeom>
-          <a:solidFill>
-            <a:srgbClr val="FFC000"/>
-          </a:solidFill>
-        </p:spPr>
-        <p:style>
-          <a:lnRef idx="2">
-            <a:schemeClr val="accent1">
-              <a:shade val="50000"/>
-            </a:schemeClr>
-          </a:lnRef>
-          <a:fillRef idx="1">
-            <a:schemeClr val="accent1"/>
-          </a:fillRef>
-          <a:effectRef idx="0">
-            <a:schemeClr val="accent1"/>
-          </a:effectRef>
-          <a:fontRef idx="minor">
-            <a:schemeClr val="lt1"/>
-          </a:fontRef>
-        </p:style>
-        <p:txBody>
-          <a:bodyPr rtlCol="0" anchor="ctr"/>
-          <a:lstStyle/>
-          <a:p>
-            <a:pPr algn="ctr"/>
-            <a:r>
-              <a:rPr lang="en-US" dirty="0" smtClean="0"/>
-              <a:t>system-</a:t>
-            </a:r>
-            <a:r>
-              <a:rPr lang="en-US" dirty="0" err="1" smtClean="0"/>
-              <a:t>config</a:t>
-            </a:r>
-            <a:r>
-              <a:rPr lang="en-US" dirty="0" smtClean="0"/>
-              <a:t>-</a:t>
-            </a:r>
-            <a:r>
-              <a:rPr lang="en-US" dirty="0" err="1" smtClean="0"/>
-              <a:t>securitylevel</a:t>
-            </a:r>
-            <a:endParaRPr lang="en-US" dirty="0"/>
-          </a:p>
-        </p:txBody>
-      </p:sp>
-    </p:spTree>
-  </p:cSld>
-  <p:clrMapOvr>
-    <a:masterClrMapping/>
-  </p:clrMapOvr>
-</p:sld>
-</file>
-
-<file path=ppt/slides/slide4.xml><?xml version="1.0" encoding="utf-8"?>
-<p:sld xmlns:a="http://schemas.openxmlformats.org/drawingml/2006/main" xmlns:r="http://schemas.openxmlformats.org/officeDocument/2006/relationships" xmlns:p="http://schemas.openxmlformats.org/presentationml/2006/main">
-  <p:cSld>
-    <p:spTree>
-      <p:nvGrpSpPr>
-        <p:cNvPr id="1" name=""/>
-        <p:cNvGrpSpPr/>
-        <p:nvPr/>
-      </p:nvGrpSpPr>
-      <p:grpSpPr>
-        <a:xfrm>
-          <a:off x="0" y="0"/>
-          <a:ext cx="0" cy="0"/>
-          <a:chOff x="0" y="0"/>
-          <a:chExt cx="0" cy="0"/>
-        </a:xfrm>
-      </p:grpSpPr>
-      <p:sp>
-        <p:nvSpPr>
-          <p:cNvPr id="2" name="Title 1"/>
-          <p:cNvSpPr>
-            <a:spLocks noGrp="1"/>
-          </p:cNvSpPr>
-          <p:nvPr>
-            <p:ph type="title"/>
-          </p:nvPr>
-        </p:nvSpPr>
-        <p:spPr/>
-        <p:txBody>
-          <a:bodyPr/>
-          <a:lstStyle/>
-          <a:p>
-            <a:endParaRPr lang="en-US"/>
-          </a:p>
-        </p:txBody>
-      </p:sp>
-      <p:sp>
-        <p:nvSpPr>
-          <p:cNvPr id="3" name="Content Placeholder 2"/>
-          <p:cNvSpPr>
-            <a:spLocks noGrp="1"/>
-          </p:cNvSpPr>
-          <p:nvPr>
-            <p:ph idx="1"/>
-          </p:nvPr>
-        </p:nvSpPr>
-        <p:spPr/>
-        <p:txBody>
-          <a:bodyPr/>
-          <a:lstStyle/>
-          <a:p>
-            <a:r>
-              <a:rPr lang="en-US" smtClean="0"/>
-              <a:t>IBM Rational Agent Controller (</a:t>
-            </a:r>
-            <a:r>
-              <a:rPr lang="en-US" smtClean="0"/>
-              <a:t>ACWinService.exe</a:t>
-            </a:r>
-            <a:r>
-              <a:rPr lang="en-US" smtClean="0"/>
-              <a:t>)</a:t>
-            </a:r>
-          </a:p>
-          <a:p>
-            <a:endParaRPr lang="en-US"/>
-          </a:p>
-        </p:txBody>
-      </p:sp>
-    </p:spTree>
-  </p:cSld>
-  <p:clrMapOvr>
-    <a:masterClrMapping/>
-  </p:clrMapOvr>
-</p:sld>
-</file>
-
-<file path=ppt/slides/slide5.xml><?xml version="1.0" encoding="utf-8"?>
-<p:sld xmlns:a="http://schemas.openxmlformats.org/drawingml/2006/main" xmlns:r="http://schemas.openxmlformats.org/officeDocument/2006/relationships" xmlns:p="http://schemas.openxmlformats.org/presentationml/2006/main">
-  <p:cSld>
-    <p:spTree>
-      <p:nvGrpSpPr>
-        <p:cNvPr id="1" name=""/>
-        <p:cNvGrpSpPr/>
-        <p:nvPr/>
-      </p:nvGrpSpPr>
-      <p:grpSpPr>
-        <a:xfrm>
-          <a:off x="0" y="0"/>
-          <a:ext cx="0" cy="0"/>
-          <a:chOff x="0" y="0"/>
-          <a:chExt cx="0" cy="0"/>
-        </a:xfrm>
-      </p:grpSpPr>
-      <p:sp>
-        <p:nvSpPr>
           <p:cNvPr id="2" name="Title 1"/>
           <p:cNvSpPr>
             <a:spLocks noGrp="1"/>
@@ -6953,11 +6896,7 @@
             </a:r>
             <a:r>
               <a:rPr lang="en-US" dirty="0" smtClean="0"/>
-              <a:t> Application Server </a:t>
-            </a:r>
-            <a:r>
-              <a:rPr lang="en-US" dirty="0" smtClean="0"/>
-              <a:t>(WSAS)</a:t>
+              <a:t> Application Server (WSAS)</a:t>
             </a:r>
           </a:p>
           <a:p>
@@ -6968,7 +6907,6 @@
               <a:rPr lang="en-US" dirty="0" smtClean="0"/>
               <a:t>Note: WSAS should be running before applications are instrumented.</a:t>
             </a:r>
-            <a:endParaRPr lang="en-US" dirty="0" smtClean="0"/>
           </a:p>
           <a:p>
             <a:pPr marL="914400" lvl="1" indent="-514350">
@@ -7061,7 +6999,7 @@
 </p:sld>
 </file>
 
-<file path=ppt/slides/slide6.xml><?xml version="1.0" encoding="utf-8"?>
+<file path=ppt/slides/slide30.xml><?xml version="1.0" encoding="utf-8"?>
 <p:sld xmlns:a="http://schemas.openxmlformats.org/drawingml/2006/main" xmlns:r="http://schemas.openxmlformats.org/officeDocument/2006/relationships" xmlns:p="http://schemas.openxmlformats.org/presentationml/2006/main">
   <p:cSld>
     <p:spTree>
@@ -7080,7 +7018,235 @@
       </p:grpSpPr>
       <p:sp>
         <p:nvSpPr>
-          <p:cNvPr id="9" name="Title 8"/>
+          <p:cNvPr id="2" name="Title 1"/>
+          <p:cNvSpPr>
+            <a:spLocks noGrp="1"/>
+          </p:cNvSpPr>
+          <p:nvPr>
+            <p:ph type="title"/>
+          </p:nvPr>
+        </p:nvSpPr>
+        <p:spPr/>
+        <p:txBody>
+          <a:bodyPr>
+            <a:normAutofit/>
+          </a:bodyPr>
+          <a:lstStyle/>
+          <a:p>
+            <a:r>
+              <a:rPr lang="en-US" dirty="0" smtClean="0"/>
+              <a:t>References</a:t>
+            </a:r>
+            <a:endParaRPr lang="en-US" dirty="0"/>
+          </a:p>
+        </p:txBody>
+      </p:sp>
+      <p:sp>
+        <p:nvSpPr>
+          <p:cNvPr id="3" name="Content Placeholder 2"/>
+          <p:cNvSpPr>
+            <a:spLocks noGrp="1"/>
+          </p:cNvSpPr>
+          <p:nvPr>
+            <p:ph idx="1"/>
+          </p:nvPr>
+        </p:nvSpPr>
+        <p:spPr/>
+        <p:txBody>
+          <a:bodyPr>
+            <a:normAutofit/>
+          </a:bodyPr>
+          <a:lstStyle/>
+          <a:p>
+            <a:r>
+              <a:rPr lang="en-US" sz="2800" dirty="0" smtClean="0"/>
+              <a:t>Install </a:t>
+            </a:r>
+            <a:r>
+              <a:rPr lang="en-US" sz="2800" dirty="0" err="1" smtClean="0"/>
+              <a:t>WebSphere</a:t>
+            </a:r>
+            <a:r>
+              <a:rPr lang="en-US" sz="2800" dirty="0" smtClean="0"/>
+              <a:t> Application Server V6.0 for Linux on POWER (</a:t>
+            </a:r>
+            <a:r>
+              <a:rPr lang="en-US" sz="2800" dirty="0" smtClean="0">
+                <a:hlinkClick r:id="rId2"/>
+              </a:rPr>
+              <a:t>http://www.ibm.com/developerworks/systems/library/es-webapp/index.html</a:t>
+            </a:r>
+            <a:r>
+              <a:rPr lang="en-US" sz="2800" dirty="0" smtClean="0"/>
+              <a:t>)</a:t>
+            </a:r>
+          </a:p>
+          <a:p>
+            <a:r>
+              <a:rPr lang="en-US" sz="2800" dirty="0" err="1" smtClean="0"/>
+              <a:t>WebSphere</a:t>
+            </a:r>
+            <a:r>
+              <a:rPr lang="en-US" sz="2800" dirty="0" smtClean="0"/>
+              <a:t> Application Server 6.1 Headless Install (</a:t>
+            </a:r>
+            <a:r>
+              <a:rPr lang="en-US" sz="2800" dirty="0" smtClean="0">
+                <a:hlinkClick r:id="rId3"/>
+              </a:rPr>
+              <a:t>http://bishop.camp.clarkson.edu/wiki/en/WebSphere_Application_Server_6.1_Headless_Install</a:t>
+            </a:r>
+            <a:r>
+              <a:rPr lang="en-US" sz="2800" dirty="0" smtClean="0"/>
+              <a:t>)</a:t>
+            </a:r>
+            <a:endParaRPr lang="en-US" sz="2800" dirty="0"/>
+          </a:p>
+        </p:txBody>
+      </p:sp>
+    </p:spTree>
+  </p:cSld>
+  <p:clrMapOvr>
+    <a:masterClrMapping/>
+  </p:clrMapOvr>
+</p:sld>
+</file>
+
+<file path=ppt/slides/slide31.xml><?xml version="1.0" encoding="utf-8"?>
+<p:sld xmlns:a="http://schemas.openxmlformats.org/drawingml/2006/main" xmlns:r="http://schemas.openxmlformats.org/officeDocument/2006/relationships" xmlns:p="http://schemas.openxmlformats.org/presentationml/2006/main">
+  <p:cSld>
+    <p:spTree>
+      <p:nvGrpSpPr>
+        <p:cNvPr id="1" name=""/>
+        <p:cNvGrpSpPr/>
+        <p:nvPr/>
+      </p:nvGrpSpPr>
+      <p:grpSpPr>
+        <a:xfrm>
+          <a:off x="0" y="0"/>
+          <a:ext cx="0" cy="0"/>
+          <a:chOff x="0" y="0"/>
+          <a:chExt cx="0" cy="0"/>
+        </a:xfrm>
+      </p:grpSpPr>
+      <p:sp>
+        <p:nvSpPr>
+          <p:cNvPr id="2" name="Title 1"/>
+          <p:cNvSpPr>
+            <a:spLocks noGrp="1"/>
+          </p:cNvSpPr>
+          <p:nvPr>
+            <p:ph type="title"/>
+          </p:nvPr>
+        </p:nvSpPr>
+        <p:spPr/>
+        <p:txBody>
+          <a:bodyPr/>
+          <a:lstStyle/>
+          <a:p>
+            <a:r>
+              <a:rPr lang="en-US" dirty="0" smtClean="0"/>
+              <a:t>References</a:t>
+            </a:r>
+            <a:endParaRPr lang="en-US" dirty="0"/>
+          </a:p>
+        </p:txBody>
+      </p:sp>
+      <p:sp>
+        <p:nvSpPr>
+          <p:cNvPr id="3" name="Content Placeholder 2"/>
+          <p:cNvSpPr>
+            <a:spLocks noGrp="1"/>
+          </p:cNvSpPr>
+          <p:nvPr>
+            <p:ph idx="1"/>
+          </p:nvPr>
+        </p:nvSpPr>
+        <p:spPr/>
+        <p:txBody>
+          <a:bodyPr>
+            <a:normAutofit fontScale="77500" lnSpcReduction="20000"/>
+          </a:bodyPr>
+          <a:lstStyle/>
+          <a:p>
+            <a:r>
+              <a:rPr lang="en-US" dirty="0" smtClean="0"/>
+              <a:t>Using IBM Rational Performance Tester: Application Monitoring Part 1, Configuring your environment (</a:t>
+            </a:r>
+            <a:r>
+              <a:rPr lang="en-US" dirty="0" smtClean="0">
+                <a:hlinkClick r:id="rId2"/>
+              </a:rPr>
+              <a:t>http://www.ibm.com/developerworks/rational/library/07/0515_patel/index.html</a:t>
+            </a:r>
+            <a:r>
+              <a:rPr lang="en-US" dirty="0" smtClean="0"/>
+              <a:t>)</a:t>
+            </a:r>
+          </a:p>
+          <a:p>
+            <a:r>
+              <a:rPr lang="en-US" dirty="0" smtClean="0"/>
+              <a:t>Using IBM Rational Performance Tester: Application Monitoring Part 2, Enabling real-time monitoring (</a:t>
+            </a:r>
+            <a:r>
+              <a:rPr lang="en-US" dirty="0" smtClean="0">
+                <a:hlinkClick r:id="rId3"/>
+              </a:rPr>
+              <a:t>http://www.ibm.com/developerworks/rational/library/07/0515_patel2/index.html</a:t>
+            </a:r>
+            <a:r>
+              <a:rPr lang="en-US" dirty="0" smtClean="0"/>
+              <a:t>)</a:t>
+            </a:r>
+          </a:p>
+          <a:p>
+            <a:r>
+              <a:rPr lang="en-US" dirty="0" smtClean="0"/>
+              <a:t>Using IBM Rational Performance Tester: Application monitoring, Part 3: Importing data from IBM Tivoli database products (</a:t>
+            </a:r>
+            <a:r>
+              <a:rPr lang="en-US" dirty="0" smtClean="0">
+                <a:hlinkClick r:id="rId4"/>
+              </a:rPr>
+              <a:t>http://www.ibm.com/developerworks/rational/library/07/0605_patel/index.html</a:t>
+            </a:r>
+            <a:r>
+              <a:rPr lang="en-US" dirty="0" smtClean="0"/>
+              <a:t>)</a:t>
+            </a:r>
+            <a:endParaRPr lang="en-US" dirty="0"/>
+          </a:p>
+        </p:txBody>
+      </p:sp>
+    </p:spTree>
+  </p:cSld>
+  <p:clrMapOvr>
+    <a:masterClrMapping/>
+  </p:clrMapOvr>
+</p:sld>
+</file>
+
+<file path=ppt/slides/slide4.xml><?xml version="1.0" encoding="utf-8"?>
+<p:sld xmlns:a="http://schemas.openxmlformats.org/drawingml/2006/main" xmlns:r="http://schemas.openxmlformats.org/officeDocument/2006/relationships" xmlns:p="http://schemas.openxmlformats.org/presentationml/2006/main">
+  <p:cSld>
+    <p:spTree>
+      <p:nvGrpSpPr>
+        <p:cNvPr id="1" name=""/>
+        <p:cNvGrpSpPr/>
+        <p:nvPr/>
+      </p:nvGrpSpPr>
+      <p:grpSpPr>
+        <a:xfrm>
+          <a:off x="0" y="0"/>
+          <a:ext cx="0" cy="0"/>
+          <a:chOff x="0" y="0"/>
+          <a:chExt cx="0" cy="0"/>
+        </a:xfrm>
+      </p:grpSpPr>
+      <p:sp>
+        <p:nvSpPr>
+          <p:cNvPr id="2" name="Title 1"/>
           <p:cNvSpPr>
             <a:spLocks noGrp="1"/>
           </p:cNvSpPr>
@@ -7097,19 +7263,384 @@
           <a:p>
             <a:r>
               <a:rPr lang="en-US" dirty="0" smtClean="0"/>
-              <a:t>Sequence for Collecting Trace </a:t>
-            </a:r>
-            <a:r>
-              <a:rPr lang="en-US" dirty="0" smtClean="0"/>
-              <a:t>data </a:t>
-            </a:r>
-            <a:r>
-              <a:rPr lang="en-US" dirty="0" smtClean="0"/>
-              <a:t>with </a:t>
-            </a:r>
-            <a:r>
-              <a:rPr lang="en-US" dirty="0" smtClean="0"/>
-              <a:t>Instrumentation (RPT-ARM)</a:t>
+              <a:t>Environment for ARM Instrumentation</a:t>
+            </a:r>
+            <a:endParaRPr lang="en-US" dirty="0"/>
+          </a:p>
+        </p:txBody>
+      </p:sp>
+      <p:sp>
+        <p:nvSpPr>
+          <p:cNvPr id="3" name="Content Placeholder 2"/>
+          <p:cNvSpPr>
+            <a:spLocks noGrp="1"/>
+          </p:cNvSpPr>
+          <p:nvPr>
+            <p:ph idx="1"/>
+          </p:nvPr>
+        </p:nvSpPr>
+        <p:spPr>
+          <a:xfrm>
+            <a:off x="457200" y="1600200"/>
+            <a:ext cx="8229600" cy="4571999"/>
+          </a:xfrm>
+        </p:spPr>
+        <p:txBody>
+          <a:bodyPr/>
+          <a:lstStyle/>
+          <a:p>
+            <a:endParaRPr lang="en-US" dirty="0"/>
+          </a:p>
+        </p:txBody>
+      </p:sp>
+      <p:pic>
+        <p:nvPicPr>
+          <p:cNvPr id="4" name="Picture 2" descr="C:\Documents and Settings\Yoonki\Local Settings\Temporary Internet Files\Content.IE5\JGH7Q211\j0431616[1].png"/>
+          <p:cNvPicPr>
+            <a:picLocks noChangeAspect="1" noChangeArrowheads="1"/>
+          </p:cNvPicPr>
+          <p:nvPr/>
+        </p:nvPicPr>
+        <p:blipFill>
+          <a:blip r:embed="rId2" cstate="print"/>
+          <a:srcRect/>
+          <a:stretch>
+            <a:fillRect/>
+          </a:stretch>
+        </p:blipFill>
+        <p:spPr bwMode="auto">
+          <a:xfrm>
+            <a:off x="1524000" y="1676400"/>
+            <a:ext cx="1828572" cy="1828572"/>
+          </a:xfrm>
+          <a:prstGeom prst="rect">
+            <a:avLst/>
+          </a:prstGeom>
+          <a:noFill/>
+        </p:spPr>
+      </p:pic>
+      <p:pic>
+        <p:nvPicPr>
+          <p:cNvPr id="5" name="Picture 3" descr="C:\Documents and Settings\Yoonki\Local Settings\Temporary Internet Files\Content.IE5\1UZTH24C\j0431595[1].png"/>
+          <p:cNvPicPr>
+            <a:picLocks noChangeAspect="1" noChangeArrowheads="1"/>
+          </p:cNvPicPr>
+          <p:nvPr/>
+        </p:nvPicPr>
+        <p:blipFill>
+          <a:blip r:embed="rId3" cstate="print"/>
+          <a:srcRect/>
+          <a:stretch>
+            <a:fillRect/>
+          </a:stretch>
+        </p:blipFill>
+        <p:spPr bwMode="auto">
+          <a:xfrm>
+            <a:off x="3048000" y="4800600"/>
+            <a:ext cx="1828572" cy="1828572"/>
+          </a:xfrm>
+          <a:prstGeom prst="rect">
+            <a:avLst/>
+          </a:prstGeom>
+          <a:noFill/>
+        </p:spPr>
+      </p:pic>
+      <p:pic>
+        <p:nvPicPr>
+          <p:cNvPr id="6" name="Picture 4" descr="C:\Documents and Settings\Yoonki\Local Settings\Temporary Internet Files\Content.IE5\79GYPFSZ\j0431637[1].png"/>
+          <p:cNvPicPr>
+            <a:picLocks noChangeAspect="1" noChangeArrowheads="1"/>
+          </p:cNvPicPr>
+          <p:nvPr/>
+        </p:nvPicPr>
+        <p:blipFill>
+          <a:blip r:embed="rId4" cstate="print"/>
+          <a:srcRect/>
+          <a:stretch>
+            <a:fillRect/>
+          </a:stretch>
+        </p:blipFill>
+        <p:spPr bwMode="auto">
+          <a:xfrm>
+            <a:off x="6019800" y="1676400"/>
+            <a:ext cx="1714500" cy="1714500"/>
+          </a:xfrm>
+          <a:prstGeom prst="rect">
+            <a:avLst/>
+          </a:prstGeom>
+          <a:noFill/>
+        </p:spPr>
+      </p:pic>
+      <p:sp>
+        <p:nvSpPr>
+          <p:cNvPr id="8" name="Rounded Rectangle 7"/>
+          <p:cNvSpPr/>
+          <p:nvPr/>
+        </p:nvSpPr>
+        <p:spPr>
+          <a:xfrm>
+            <a:off x="4724400" y="3581400"/>
+            <a:ext cx="3962400" cy="2590800"/>
+          </a:xfrm>
+          <a:prstGeom prst="roundRect">
+            <a:avLst/>
+          </a:prstGeom>
+        </p:spPr>
+        <p:style>
+          <a:lnRef idx="1">
+            <a:schemeClr val="dk1"/>
+          </a:lnRef>
+          <a:fillRef idx="2">
+            <a:schemeClr val="dk1"/>
+          </a:fillRef>
+          <a:effectRef idx="1">
+            <a:schemeClr val="dk1"/>
+          </a:effectRef>
+          <a:fontRef idx="minor">
+            <a:schemeClr val="dk1"/>
+          </a:fontRef>
+        </p:style>
+        <p:txBody>
+          <a:bodyPr rtlCol="0" anchor="t"/>
+          <a:lstStyle/>
+          <a:p>
+            <a:pPr algn="ctr"/>
+            <a:r>
+              <a:rPr lang="en-US" sz="1400" dirty="0" smtClean="0"/>
+              <a:t>Server:</a:t>
+            </a:r>
+          </a:p>
+          <a:p>
+            <a:pPr algn="ctr"/>
+            <a:r>
+              <a:rPr lang="en-US" sz="1400" dirty="0" smtClean="0"/>
+              <a:t>eb2-2241-grd03.csc.ncsu.edu (152.14.90.72)</a:t>
+            </a:r>
+          </a:p>
+          <a:p>
+            <a:pPr algn="ctr"/>
+            <a:endParaRPr lang="en-US" sz="1400" dirty="0" smtClean="0"/>
+          </a:p>
+          <a:p>
+            <a:pPr>
+              <a:buFont typeface="Wingdings" pitchFamily="2" charset="2"/>
+              <a:buChar char="§"/>
+            </a:pPr>
+            <a:r>
+              <a:rPr lang="en-US" sz="1400" dirty="0" smtClean="0"/>
+              <a:t> </a:t>
+            </a:r>
+            <a:r>
+              <a:rPr lang="en-US" sz="1400" dirty="0" err="1" smtClean="0"/>
+              <a:t>WebSphere</a:t>
+            </a:r>
+            <a:r>
+              <a:rPr lang="en-US" sz="1400" dirty="0" smtClean="0"/>
+              <a:t> Application Server v6.1</a:t>
+            </a:r>
+          </a:p>
+          <a:p>
+            <a:pPr>
+              <a:buFont typeface="Wingdings" pitchFamily="2" charset="2"/>
+              <a:buChar char="§"/>
+            </a:pPr>
+            <a:r>
+              <a:rPr lang="en-US" sz="1400" dirty="0" smtClean="0"/>
+              <a:t> Rational Performance Tester Agent  </a:t>
+            </a:r>
+          </a:p>
+          <a:p>
+            <a:r>
+              <a:rPr lang="en-US" sz="1400" dirty="0" smtClean="0"/>
+              <a:t>   (Data Collection </a:t>
+            </a:r>
+            <a:r>
+              <a:rPr lang="en-US" sz="1400" dirty="0" err="1" smtClean="0"/>
+              <a:t>Inftrastructure</a:t>
+            </a:r>
+            <a:r>
+              <a:rPr lang="en-US" sz="1400" dirty="0" smtClean="0"/>
+              <a:t> v7.0)</a:t>
+            </a:r>
+          </a:p>
+        </p:txBody>
+      </p:sp>
+      <p:sp>
+        <p:nvSpPr>
+          <p:cNvPr id="9" name="Rounded Rectangle 8"/>
+          <p:cNvSpPr/>
+          <p:nvPr/>
+        </p:nvSpPr>
+        <p:spPr>
+          <a:xfrm>
+            <a:off x="457200" y="3581400"/>
+            <a:ext cx="3962400" cy="2590800"/>
+          </a:xfrm>
+          <a:prstGeom prst="roundRect">
+            <a:avLst/>
+          </a:prstGeom>
+        </p:spPr>
+        <p:style>
+          <a:lnRef idx="1">
+            <a:schemeClr val="dk1"/>
+          </a:lnRef>
+          <a:fillRef idx="2">
+            <a:schemeClr val="dk1"/>
+          </a:fillRef>
+          <a:effectRef idx="1">
+            <a:schemeClr val="dk1"/>
+          </a:effectRef>
+          <a:fontRef idx="minor">
+            <a:schemeClr val="dk1"/>
+          </a:fontRef>
+        </p:style>
+        <p:txBody>
+          <a:bodyPr rtlCol="0" anchor="t"/>
+          <a:lstStyle/>
+          <a:p>
+            <a:pPr algn="ctr"/>
+            <a:r>
+              <a:rPr lang="en-US" sz="1400" dirty="0" smtClean="0"/>
+              <a:t>Client:</a:t>
+            </a:r>
+          </a:p>
+          <a:p>
+            <a:pPr algn="ctr"/>
+            <a:r>
+              <a:rPr lang="en-US" sz="1400" dirty="0" smtClean="0"/>
+              <a:t>My desktop (Dynamic IP)</a:t>
+            </a:r>
+          </a:p>
+          <a:p>
+            <a:pPr algn="ctr"/>
+            <a:endParaRPr lang="en-US" sz="1400" dirty="0" smtClean="0"/>
+          </a:p>
+          <a:p>
+            <a:pPr>
+              <a:buFont typeface="Wingdings" pitchFamily="2" charset="2"/>
+              <a:buChar char="§"/>
+            </a:pPr>
+            <a:r>
+              <a:rPr lang="en-US" sz="1400" dirty="0" smtClean="0"/>
+              <a:t> Rational Performance Tester v8.0</a:t>
+            </a:r>
+          </a:p>
+          <a:p>
+            <a:pPr marL="177800" lvl="1">
+              <a:buFont typeface="Wingdings" pitchFamily="2" charset="2"/>
+              <a:buChar char="§"/>
+            </a:pPr>
+            <a:r>
+              <a:rPr lang="en-US" sz="1400" dirty="0" smtClean="0"/>
+              <a:t> with Agent (Data Collection </a:t>
+            </a:r>
+            <a:r>
+              <a:rPr lang="en-US" sz="1400" dirty="0" err="1" smtClean="0"/>
+              <a:t>Inftrastructure</a:t>
+            </a:r>
+            <a:r>
+              <a:rPr lang="en-US" sz="1400" dirty="0" smtClean="0"/>
+              <a:t> v7.0)</a:t>
+            </a:r>
+          </a:p>
+          <a:p>
+            <a:pPr algn="ctr"/>
+            <a:endParaRPr lang="en-US" sz="1400" dirty="0"/>
+          </a:p>
+        </p:txBody>
+      </p:sp>
+      <p:sp>
+        <p:nvSpPr>
+          <p:cNvPr id="10" name="Left-Right Arrow 9"/>
+          <p:cNvSpPr/>
+          <p:nvPr/>
+        </p:nvSpPr>
+        <p:spPr>
+          <a:xfrm>
+            <a:off x="4038600" y="2133600"/>
+            <a:ext cx="1066800" cy="533400"/>
+          </a:xfrm>
+          <a:prstGeom prst="leftRightArrow">
+            <a:avLst/>
+          </a:prstGeom>
+        </p:spPr>
+        <p:style>
+          <a:lnRef idx="2">
+            <a:schemeClr val="accent1">
+              <a:shade val="50000"/>
+            </a:schemeClr>
+          </a:lnRef>
+          <a:fillRef idx="1">
+            <a:schemeClr val="accent1"/>
+          </a:fillRef>
+          <a:effectRef idx="0">
+            <a:schemeClr val="accent1"/>
+          </a:effectRef>
+          <a:fontRef idx="minor">
+            <a:schemeClr val="lt1"/>
+          </a:fontRef>
+        </p:style>
+        <p:txBody>
+          <a:bodyPr rtlCol="0" anchor="ctr"/>
+          <a:lstStyle/>
+          <a:p>
+            <a:pPr algn="ctr"/>
+            <a:endParaRPr lang="en-US"/>
+          </a:p>
+        </p:txBody>
+      </p:sp>
+    </p:spTree>
+  </p:cSld>
+  <p:clrMapOvr>
+    <a:masterClrMapping/>
+  </p:clrMapOvr>
+  <p:timing>
+    <p:tnLst>
+      <p:par>
+        <p:cTn id="1" dur="indefinite" restart="never" nodeType="tmRoot"/>
+      </p:par>
+    </p:tnLst>
+  </p:timing>
+</p:sld>
+</file>
+
+<file path=ppt/slides/slide5.xml><?xml version="1.0" encoding="utf-8"?>
+<p:sld xmlns:a="http://schemas.openxmlformats.org/drawingml/2006/main" xmlns:r="http://schemas.openxmlformats.org/officeDocument/2006/relationships" xmlns:p="http://schemas.openxmlformats.org/presentationml/2006/main">
+  <p:cSld>
+    <p:spTree>
+      <p:nvGrpSpPr>
+        <p:cNvPr id="1" name=""/>
+        <p:cNvGrpSpPr/>
+        <p:nvPr/>
+      </p:nvGrpSpPr>
+      <p:grpSpPr>
+        <a:xfrm>
+          <a:off x="0" y="0"/>
+          <a:ext cx="0" cy="0"/>
+          <a:chOff x="0" y="0"/>
+          <a:chExt cx="0" cy="0"/>
+        </a:xfrm>
+      </p:grpSpPr>
+      <p:sp>
+        <p:nvSpPr>
+          <p:cNvPr id="9" name="Title 8"/>
+          <p:cNvSpPr>
+            <a:spLocks noGrp="1"/>
+          </p:cNvSpPr>
+          <p:nvPr>
+            <p:ph type="title"/>
+          </p:nvPr>
+        </p:nvSpPr>
+        <p:spPr/>
+        <p:txBody>
+          <a:bodyPr>
+            <a:normAutofit fontScale="90000"/>
+          </a:bodyPr>
+          <a:lstStyle/>
+          <a:p>
+            <a:r>
+              <a:rPr lang="en-US" dirty="0" smtClean="0"/>
+              <a:t>Sequence for Collecting Trace data with Instrumentation (RPT-ARM)</a:t>
             </a:r>
             <a:endParaRPr lang="en-US" dirty="0"/>
           </a:p>
@@ -7165,11 +7696,7 @@
             </a:pPr>
             <a:r>
               <a:rPr lang="en-US" sz="1800" dirty="0" smtClean="0"/>
-              <a:t>4. Start </a:t>
-            </a:r>
-            <a:r>
-              <a:rPr lang="en-US" sz="1800" dirty="0" smtClean="0"/>
-              <a:t>DCI</a:t>
+              <a:t>4. Start DCI</a:t>
             </a:r>
           </a:p>
           <a:p>
@@ -7180,7 +7707,6 @@
               <a:rPr lang="en-US" sz="1800" dirty="0" smtClean="0"/>
               <a:t>5. Start RPTv8.0</a:t>
             </a:r>
-            <a:endParaRPr lang="en-US" sz="1800" dirty="0" smtClean="0"/>
           </a:p>
           <a:p>
             <a:pPr>
@@ -7188,11 +7714,7 @@
             </a:pPr>
             <a:r>
               <a:rPr lang="en-US" sz="1800" dirty="0" smtClean="0"/>
-              <a:t>6. </a:t>
-            </a:r>
-            <a:r>
-              <a:rPr lang="en-US" sz="1800" dirty="0" smtClean="0"/>
-              <a:t>Start Recording and Launching Test/Schedule via RPT</a:t>
+              <a:t>6. Start Recording and Launching Test/Schedule via RPT</a:t>
             </a:r>
             <a:endParaRPr lang="en-US" sz="1800" dirty="0"/>
           </a:p>
@@ -7277,11 +7799,7 @@
             </a:pPr>
             <a:r>
               <a:rPr lang="en-US" sz="1400" dirty="0" smtClean="0"/>
-              <a:t>Start Rational Agent Controller (RAC</a:t>
-            </a:r>
-            <a:r>
-              <a:rPr lang="en-US" sz="1400" dirty="0" smtClean="0"/>
-              <a:t>)</a:t>
+              <a:t>Start Rational Agent Controller (RAC)</a:t>
             </a:r>
           </a:p>
           <a:p>
@@ -7290,7 +7808,6 @@
               <a:rPr lang="en-US" sz="1200" dirty="0" smtClean="0"/>
               <a:t>Note: RAC should be running prior to DCI</a:t>
             </a:r>
-            <a:endParaRPr lang="en-US" sz="1200" dirty="0" smtClean="0"/>
           </a:p>
           <a:p>
             <a:pPr marL="466725" lvl="1" indent="-234950">
@@ -7298,11 +7815,7 @@
             </a:pPr>
             <a:r>
               <a:rPr lang="en-US" sz="1400" dirty="0" smtClean="0"/>
-              <a:t>Start Data Collection Infrastructure (DCI</a:t>
-            </a:r>
-            <a:r>
-              <a:rPr lang="en-US" sz="1400" dirty="0" smtClean="0"/>
-              <a:t>)</a:t>
+              <a:t>Start Data Collection Infrastructure (DCI)</a:t>
             </a:r>
           </a:p>
           <a:p>
@@ -7311,7 +7824,6 @@
               <a:rPr lang="en-US" sz="1200" dirty="0" smtClean="0"/>
               <a:t>Note: DCI should be running prior to WSAS</a:t>
             </a:r>
-            <a:endParaRPr lang="en-US" sz="1200" dirty="0" smtClean="0"/>
           </a:p>
           <a:p>
             <a:pPr marL="466725" lvl="1" indent="-234950">
@@ -7387,7 +7899,7 @@
                   <a:srgbClr val="FF0000"/>
                 </a:solidFill>
               </a:rPr>
-              <a:t>Note:  This task should be done whenever the server/client reboots.</a:t>
+              <a:t>Note:  This task should be always done whenever the server/client reboots.</a:t>
             </a:r>
             <a:endParaRPr lang="en-US" dirty="0">
               <a:solidFill>
@@ -7474,27 +7986,7 @@
                   </a:schemeClr>
                 </a:solidFill>
               </a:rPr>
-              <a:t>Trace </a:t>
-            </a:r>
-            <a:r>
-              <a:rPr lang="en-US" dirty="0" smtClean="0">
-                <a:solidFill>
-                  <a:schemeClr val="accent6">
-                    <a:lumMod val="50000"/>
-                  </a:schemeClr>
-                </a:solidFill>
-              </a:rPr>
-              <a:t>data </a:t>
-            </a:r>
-            <a:r>
-              <a:rPr lang="en-US" dirty="0" smtClean="0">
-                <a:solidFill>
-                  <a:schemeClr val="accent6">
-                    <a:lumMod val="50000"/>
-                  </a:schemeClr>
-                </a:solidFill>
-              </a:rPr>
-              <a:t>(A)</a:t>
+              <a:t>Trace data (A)</a:t>
             </a:r>
             <a:endParaRPr lang="en-US" dirty="0">
               <a:solidFill>
@@ -7503,6 +7995,198 @@
                 </a:schemeClr>
               </a:solidFill>
             </a:endParaRPr>
+          </a:p>
+        </p:txBody>
+      </p:sp>
+    </p:spTree>
+  </p:cSld>
+  <p:clrMapOvr>
+    <a:masterClrMapping/>
+  </p:clrMapOvr>
+  <p:timing>
+    <p:tnLst>
+      <p:par>
+        <p:cTn id="1" dur="indefinite" restart="never" nodeType="tmRoot"/>
+      </p:par>
+    </p:tnLst>
+  </p:timing>
+</p:sld>
+</file>
+
+<file path=ppt/slides/slide6.xml><?xml version="1.0" encoding="utf-8"?>
+<p:sld xmlns:a="http://schemas.openxmlformats.org/drawingml/2006/main" xmlns:r="http://schemas.openxmlformats.org/officeDocument/2006/relationships" xmlns:p="http://schemas.openxmlformats.org/presentationml/2006/main">
+  <p:cSld>
+    <p:spTree>
+      <p:nvGrpSpPr>
+        <p:cNvPr id="1" name=""/>
+        <p:cNvGrpSpPr/>
+        <p:nvPr/>
+      </p:nvGrpSpPr>
+      <p:grpSpPr>
+        <a:xfrm>
+          <a:off x="0" y="0"/>
+          <a:ext cx="0" cy="0"/>
+          <a:chOff x="0" y="0"/>
+          <a:chExt cx="0" cy="0"/>
+        </a:xfrm>
+      </p:grpSpPr>
+      <p:sp>
+        <p:nvSpPr>
+          <p:cNvPr id="2" name="Title 1"/>
+          <p:cNvSpPr>
+            <a:spLocks noGrp="1"/>
+          </p:cNvSpPr>
+          <p:nvPr>
+            <p:ph type="title"/>
+          </p:nvPr>
+        </p:nvSpPr>
+        <p:spPr/>
+        <p:txBody>
+          <a:bodyPr>
+            <a:normAutofit fontScale="90000"/>
+          </a:bodyPr>
+          <a:lstStyle/>
+          <a:p>
+            <a:r>
+              <a:rPr lang="en-US" dirty="0" smtClean="0"/>
+              <a:t>Converting ARM-instrumented to </a:t>
+            </a:r>
+            <a:br>
+              <a:rPr lang="en-US" dirty="0" smtClean="0"/>
+            </a:br>
+            <a:r>
+              <a:rPr lang="en-US" dirty="0" smtClean="0"/>
+              <a:t>TPTP Environment</a:t>
+            </a:r>
+            <a:endParaRPr lang="en-US" dirty="0"/>
+          </a:p>
+        </p:txBody>
+      </p:sp>
+      <p:sp>
+        <p:nvSpPr>
+          <p:cNvPr id="3" name="Text Placeholder 2"/>
+          <p:cNvSpPr>
+            <a:spLocks noGrp="1"/>
+          </p:cNvSpPr>
+          <p:nvPr>
+            <p:ph type="body" idx="1"/>
+          </p:nvPr>
+        </p:nvSpPr>
+        <p:spPr/>
+        <p:txBody>
+          <a:bodyPr/>
+          <a:lstStyle/>
+          <a:p>
+            <a:r>
+              <a:rPr lang="en-US" dirty="0" smtClean="0"/>
+              <a:t>Client</a:t>
+            </a:r>
+            <a:endParaRPr lang="en-US" dirty="0"/>
+          </a:p>
+        </p:txBody>
+      </p:sp>
+      <p:sp>
+        <p:nvSpPr>
+          <p:cNvPr id="4" name="Content Placeholder 3"/>
+          <p:cNvSpPr>
+            <a:spLocks noGrp="1"/>
+          </p:cNvSpPr>
+          <p:nvPr>
+            <p:ph sz="half" idx="2"/>
+          </p:nvPr>
+        </p:nvSpPr>
+        <p:spPr/>
+        <p:txBody>
+          <a:bodyPr/>
+          <a:lstStyle/>
+          <a:p>
+            <a:pPr marL="457200" indent="-457200">
+              <a:buFont typeface="+mj-lt"/>
+              <a:buAutoNum type="arabicPeriod"/>
+            </a:pPr>
+            <a:endParaRPr lang="en-US" dirty="0"/>
+          </a:p>
+        </p:txBody>
+      </p:sp>
+      <p:sp>
+        <p:nvSpPr>
+          <p:cNvPr id="5" name="Text Placeholder 4"/>
+          <p:cNvSpPr>
+            <a:spLocks noGrp="1"/>
+          </p:cNvSpPr>
+          <p:nvPr>
+            <p:ph type="body" sz="quarter" idx="3"/>
+          </p:nvPr>
+        </p:nvSpPr>
+        <p:spPr/>
+        <p:txBody>
+          <a:bodyPr/>
+          <a:lstStyle/>
+          <a:p>
+            <a:r>
+              <a:rPr lang="en-US" dirty="0" smtClean="0"/>
+              <a:t>Server</a:t>
+            </a:r>
+            <a:endParaRPr lang="en-US" dirty="0"/>
+          </a:p>
+        </p:txBody>
+      </p:sp>
+      <p:sp>
+        <p:nvSpPr>
+          <p:cNvPr id="6" name="Content Placeholder 5"/>
+          <p:cNvSpPr>
+            <a:spLocks noGrp="1"/>
+          </p:cNvSpPr>
+          <p:nvPr>
+            <p:ph sz="quarter" idx="4"/>
+          </p:nvPr>
+        </p:nvSpPr>
+        <p:spPr/>
+        <p:txBody>
+          <a:bodyPr/>
+          <a:lstStyle/>
+          <a:p>
+            <a:pPr marL="457200" indent="-457200">
+              <a:buFont typeface="+mj-lt"/>
+              <a:buAutoNum type="arabicPeriod"/>
+            </a:pPr>
+            <a:r>
+              <a:rPr lang="en-US" dirty="0" smtClean="0"/>
+              <a:t>Check if WSAS is running</a:t>
+            </a:r>
+          </a:p>
+          <a:p>
+            <a:pPr marL="914400" lvl="1" indent="-457200">
+              <a:buFont typeface="Wingdings" pitchFamily="2" charset="2"/>
+              <a:buChar char="§"/>
+            </a:pPr>
+            <a:r>
+              <a:rPr lang="en-US" dirty="0" smtClean="0"/>
+              <a:t>If not, start WSAS</a:t>
+            </a:r>
+          </a:p>
+          <a:p>
+            <a:pPr marL="457200" indent="-457200">
+              <a:buFont typeface="+mj-lt"/>
+              <a:buAutoNum type="arabicPeriod"/>
+            </a:pPr>
+            <a:r>
+              <a:rPr lang="en-US" dirty="0" smtClean="0"/>
+              <a:t>Un-instrumentation</a:t>
+            </a:r>
+          </a:p>
+          <a:p>
+            <a:pPr marL="457200" indent="-457200">
+              <a:buFont typeface="+mj-lt"/>
+              <a:buAutoNum type="arabicPeriod"/>
+            </a:pPr>
+            <a:r>
+              <a:rPr lang="en-US" dirty="0" smtClean="0"/>
+              <a:t>Reboot the server</a:t>
+            </a:r>
+          </a:p>
+          <a:p>
+            <a:endParaRPr lang="en-US" dirty="0"/>
           </a:p>
         </p:txBody>
       </p:sp>
@@ -7550,14 +8234,7 @@
           <a:p>
             <a:r>
               <a:rPr lang="en-US" dirty="0" smtClean="0"/>
-              <a:t>Converting ARM-instrumented to </a:t>
-            </a:r>
-            <a:br>
-              <a:rPr lang="en-US" dirty="0" smtClean="0"/>
-            </a:br>
-            <a:r>
-              <a:rPr lang="en-US" dirty="0" smtClean="0"/>
-              <a:t>TPTP Environment</a:t>
+              <a:t>Environment for non-ARM Instrumentation</a:t>
             </a:r>
             <a:endParaRPr lang="en-US" dirty="0"/>
           </a:p>
@@ -7565,115 +8242,295 @@
       </p:sp>
       <p:sp>
         <p:nvSpPr>
-          <p:cNvPr id="3" name="Text Placeholder 2"/>
-          <p:cNvSpPr>
-            <a:spLocks noGrp="1"/>
-          </p:cNvSpPr>
-          <p:nvPr>
-            <p:ph type="body" idx="1"/>
-          </p:nvPr>
-        </p:nvSpPr>
-        <p:spPr/>
-        <p:txBody>
-          <a:bodyPr/>
-          <a:lstStyle/>
-          <a:p>
+          <p:cNvPr id="3" name="Content Placeholder 2"/>
+          <p:cNvSpPr>
+            <a:spLocks noGrp="1"/>
+          </p:cNvSpPr>
+          <p:nvPr>
+            <p:ph idx="1"/>
+          </p:nvPr>
+        </p:nvSpPr>
+        <p:spPr/>
+        <p:txBody>
+          <a:bodyPr/>
+          <a:lstStyle/>
+          <a:p>
+            <a:endParaRPr lang="en-US" dirty="0"/>
+          </a:p>
+        </p:txBody>
+      </p:sp>
+      <p:pic>
+        <p:nvPicPr>
+          <p:cNvPr id="5" name="Picture 3" descr="C:\Documents and Settings\Yoonki\Local Settings\Temporary Internet Files\Content.IE5\1UZTH24C\j0431595[1].png"/>
+          <p:cNvPicPr>
+            <a:picLocks noChangeAspect="1" noChangeArrowheads="1"/>
+          </p:cNvPicPr>
+          <p:nvPr/>
+        </p:nvPicPr>
+        <p:blipFill>
+          <a:blip r:embed="rId2" cstate="print"/>
+          <a:srcRect/>
+          <a:stretch>
+            <a:fillRect/>
+          </a:stretch>
+        </p:blipFill>
+        <p:spPr bwMode="auto">
+          <a:xfrm>
+            <a:off x="1447800" y="1600200"/>
+            <a:ext cx="1828572" cy="1828572"/>
+          </a:xfrm>
+          <a:prstGeom prst="rect">
+            <a:avLst/>
+          </a:prstGeom>
+          <a:noFill/>
+        </p:spPr>
+      </p:pic>
+      <p:pic>
+        <p:nvPicPr>
+          <p:cNvPr id="6" name="Picture 4" descr="C:\Documents and Settings\Yoonki\Local Settings\Temporary Internet Files\Content.IE5\79GYPFSZ\j0431637[1].png"/>
+          <p:cNvPicPr>
+            <a:picLocks noChangeAspect="1" noChangeArrowheads="1"/>
+          </p:cNvPicPr>
+          <p:nvPr/>
+        </p:nvPicPr>
+        <p:blipFill>
+          <a:blip r:embed="rId3" cstate="print"/>
+          <a:srcRect/>
+          <a:stretch>
+            <a:fillRect/>
+          </a:stretch>
+        </p:blipFill>
+        <p:spPr bwMode="auto">
+          <a:xfrm>
+            <a:off x="5943600" y="1600200"/>
+            <a:ext cx="1714500" cy="1714500"/>
+          </a:xfrm>
+          <a:prstGeom prst="rect">
+            <a:avLst/>
+          </a:prstGeom>
+          <a:noFill/>
+        </p:spPr>
+      </p:pic>
+      <p:sp>
+        <p:nvSpPr>
+          <p:cNvPr id="10" name="Left-Right Arrow 9"/>
+          <p:cNvSpPr/>
+          <p:nvPr/>
+        </p:nvSpPr>
+        <p:spPr>
+          <a:xfrm>
+            <a:off x="4038600" y="2133600"/>
+            <a:ext cx="1066800" cy="533400"/>
+          </a:xfrm>
+          <a:prstGeom prst="leftRightArrow">
+            <a:avLst/>
+          </a:prstGeom>
+        </p:spPr>
+        <p:style>
+          <a:lnRef idx="2">
+            <a:schemeClr val="accent1">
+              <a:shade val="50000"/>
+            </a:schemeClr>
+          </a:lnRef>
+          <a:fillRef idx="1">
+            <a:schemeClr val="accent1"/>
+          </a:fillRef>
+          <a:effectRef idx="0">
+            <a:schemeClr val="accent1"/>
+          </a:effectRef>
+          <a:fontRef idx="minor">
+            <a:schemeClr val="lt1"/>
+          </a:fontRef>
+        </p:style>
+        <p:txBody>
+          <a:bodyPr rtlCol="0" anchor="ctr"/>
+          <a:lstStyle/>
+          <a:p>
+            <a:pPr algn="ctr"/>
             <a:endParaRPr lang="en-US"/>
           </a:p>
         </p:txBody>
       </p:sp>
       <p:sp>
         <p:nvSpPr>
-          <p:cNvPr id="4" name="Content Placeholder 3"/>
-          <p:cNvSpPr>
-            <a:spLocks noGrp="1"/>
-          </p:cNvSpPr>
-          <p:nvPr>
-            <p:ph sz="half" idx="2"/>
-          </p:nvPr>
-        </p:nvSpPr>
-        <p:spPr/>
-        <p:txBody>
-          <a:bodyPr/>
-          <a:lstStyle/>
-          <a:p>
-            <a:pPr marL="457200" indent="-457200">
-              <a:buFont typeface="+mj-lt"/>
-              <a:buAutoNum type="arabicPeriod"/>
-            </a:pPr>
-            <a:r>
-              <a:rPr lang="en-US" dirty="0" smtClean="0"/>
-              <a:t>Check if WSAS is running</a:t>
-            </a:r>
-          </a:p>
-          <a:p>
-            <a:pPr marL="914400" lvl="1" indent="-457200">
+          <p:cNvPr id="11" name="Rounded Rectangle 10"/>
+          <p:cNvSpPr/>
+          <p:nvPr/>
+        </p:nvSpPr>
+        <p:spPr>
+          <a:xfrm>
+            <a:off x="4724400" y="3505200"/>
+            <a:ext cx="3962400" cy="2590800"/>
+          </a:xfrm>
+          <a:prstGeom prst="roundRect">
+            <a:avLst/>
+          </a:prstGeom>
+        </p:spPr>
+        <p:style>
+          <a:lnRef idx="1">
+            <a:schemeClr val="dk1"/>
+          </a:lnRef>
+          <a:fillRef idx="2">
+            <a:schemeClr val="dk1"/>
+          </a:fillRef>
+          <a:effectRef idx="1">
+            <a:schemeClr val="dk1"/>
+          </a:effectRef>
+          <a:fontRef idx="minor">
+            <a:schemeClr val="dk1"/>
+          </a:fontRef>
+        </p:style>
+        <p:txBody>
+          <a:bodyPr rtlCol="0" anchor="t"/>
+          <a:lstStyle/>
+          <a:p>
+            <a:pPr algn="ctr"/>
+            <a:r>
+              <a:rPr lang="en-US" sz="1400" dirty="0" smtClean="0"/>
+              <a:t>Server:</a:t>
+            </a:r>
+          </a:p>
+          <a:p>
+            <a:pPr algn="ctr"/>
+            <a:r>
+              <a:rPr lang="en-US" sz="1400" dirty="0" smtClean="0"/>
+              <a:t>eb2-2241-grd02.csc.ncsu.edu (152.14.90.8)</a:t>
+            </a:r>
+          </a:p>
+          <a:p>
+            <a:pPr algn="ctr"/>
+            <a:endParaRPr lang="en-US" sz="1400" dirty="0" smtClean="0"/>
+          </a:p>
+          <a:p>
+            <a:pPr>
               <a:buFont typeface="Wingdings" pitchFamily="2" charset="2"/>
               <a:buChar char="§"/>
             </a:pPr>
             <a:r>
-              <a:rPr lang="en-US" dirty="0" smtClean="0"/>
-              <a:t>If not, start WSAS</a:t>
-            </a:r>
-          </a:p>
-          <a:p>
-            <a:pPr marL="457200" indent="-457200">
-              <a:buFont typeface="+mj-lt"/>
-              <a:buAutoNum type="arabicPeriod"/>
+              <a:rPr lang="en-US" sz="1400" dirty="0" smtClean="0"/>
+              <a:t> </a:t>
+            </a:r>
+            <a:r>
+              <a:rPr lang="en-US" sz="1400" dirty="0" err="1" smtClean="0"/>
+              <a:t>WebSphere</a:t>
+            </a:r>
+            <a:r>
+              <a:rPr lang="en-US" sz="1400" dirty="0" smtClean="0"/>
+              <a:t> Application Server v6.1</a:t>
+            </a:r>
+          </a:p>
+          <a:p>
+            <a:pPr>
+              <a:buFont typeface="Wingdings" pitchFamily="2" charset="2"/>
+              <a:buChar char="§"/>
             </a:pPr>
             <a:r>
-              <a:rPr lang="en-US" dirty="0" smtClean="0"/>
-              <a:t>Un-instrumentation</a:t>
-            </a:r>
-          </a:p>
-          <a:p>
-            <a:pPr marL="457200" indent="-457200">
-              <a:buFont typeface="+mj-lt"/>
-              <a:buAutoNum type="arabicPeriod"/>
+              <a:rPr lang="en-US" sz="1400" dirty="0" smtClean="0"/>
+              <a:t> Standalone </a:t>
+            </a:r>
+            <a:r>
+              <a:rPr lang="en-US" sz="1400" smtClean="0"/>
+              <a:t>Agent Controller  </a:t>
+            </a:r>
+            <a:endParaRPr lang="en-US" sz="1400" dirty="0" smtClean="0"/>
+          </a:p>
+          <a:p>
+            <a:r>
+              <a:rPr lang="en-US" sz="1400" dirty="0" smtClean="0"/>
+              <a:t>   (Data Collection </a:t>
+            </a:r>
+            <a:r>
+              <a:rPr lang="en-US" sz="1400" dirty="0" err="1" smtClean="0"/>
+              <a:t>Inftrastructure</a:t>
+            </a:r>
+            <a:r>
+              <a:rPr lang="en-US" sz="1400" dirty="0" smtClean="0"/>
+              <a:t> v7.0)</a:t>
+            </a:r>
+          </a:p>
+        </p:txBody>
+      </p:sp>
+      <p:sp>
+        <p:nvSpPr>
+          <p:cNvPr id="12" name="Rounded Rectangle 11"/>
+          <p:cNvSpPr/>
+          <p:nvPr/>
+        </p:nvSpPr>
+        <p:spPr>
+          <a:xfrm>
+            <a:off x="457200" y="3505200"/>
+            <a:ext cx="3962400" cy="2590800"/>
+          </a:xfrm>
+          <a:prstGeom prst="roundRect">
+            <a:avLst/>
+          </a:prstGeom>
+        </p:spPr>
+        <p:style>
+          <a:lnRef idx="1">
+            <a:schemeClr val="dk1"/>
+          </a:lnRef>
+          <a:fillRef idx="2">
+            <a:schemeClr val="dk1"/>
+          </a:fillRef>
+          <a:effectRef idx="1">
+            <a:schemeClr val="dk1"/>
+          </a:effectRef>
+          <a:fontRef idx="minor">
+            <a:schemeClr val="dk1"/>
+          </a:fontRef>
+        </p:style>
+        <p:txBody>
+          <a:bodyPr rtlCol="0" anchor="t"/>
+          <a:lstStyle/>
+          <a:p>
+            <a:pPr algn="ctr"/>
+            <a:r>
+              <a:rPr lang="en-US" sz="1400" dirty="0" smtClean="0"/>
+              <a:t>Client:</a:t>
+            </a:r>
+          </a:p>
+          <a:p>
+            <a:pPr algn="ctr"/>
+            <a:r>
+              <a:rPr lang="en-US" sz="1400" dirty="0" smtClean="0"/>
+              <a:t>My laptop (Dynamic IP)</a:t>
+            </a:r>
+          </a:p>
+          <a:p>
+            <a:pPr algn="ctr"/>
+            <a:endParaRPr lang="en-US" sz="1400" dirty="0" smtClean="0"/>
+          </a:p>
+          <a:p>
+            <a:pPr>
+              <a:buFont typeface="Wingdings" pitchFamily="2" charset="2"/>
+              <a:buChar char="§"/>
             </a:pPr>
             <a:r>
-              <a:rPr lang="en-US" dirty="0" smtClean="0"/>
-              <a:t>Reboot the server</a:t>
-            </a:r>
-            <a:endParaRPr lang="en-US" dirty="0"/>
-          </a:p>
-        </p:txBody>
-      </p:sp>
-      <p:sp>
-        <p:nvSpPr>
-          <p:cNvPr id="5" name="Text Placeholder 4"/>
-          <p:cNvSpPr>
-            <a:spLocks noGrp="1"/>
-          </p:cNvSpPr>
-          <p:nvPr>
-            <p:ph type="body" sz="quarter" idx="3"/>
-          </p:nvPr>
-        </p:nvSpPr>
-        <p:spPr/>
-        <p:txBody>
-          <a:bodyPr/>
-          <a:lstStyle/>
-          <a:p>
-            <a:endParaRPr lang="en-US"/>
-          </a:p>
-        </p:txBody>
-      </p:sp>
-      <p:sp>
-        <p:nvSpPr>
-          <p:cNvPr id="6" name="Content Placeholder 5"/>
-          <p:cNvSpPr>
-            <a:spLocks noGrp="1"/>
-          </p:cNvSpPr>
-          <p:nvPr>
-            <p:ph sz="quarter" idx="4"/>
-          </p:nvPr>
-        </p:nvSpPr>
-        <p:spPr/>
-        <p:txBody>
-          <a:bodyPr/>
-          <a:lstStyle/>
-          <a:p>
-            <a:endParaRPr lang="en-US" dirty="0"/>
+              <a:rPr lang="en-US" sz="1400" dirty="0" smtClean="0"/>
+              <a:t> TPTP all-in-one v4.5.1</a:t>
+            </a:r>
+          </a:p>
+          <a:p>
+            <a:pPr marL="177800" lvl="1">
+              <a:buFont typeface="Wingdings" pitchFamily="2" charset="2"/>
+              <a:buChar char="§"/>
+            </a:pPr>
+            <a:r>
+              <a:rPr lang="en-US" sz="1400" dirty="0" smtClean="0"/>
+              <a:t> with Agent (Data Collection </a:t>
+            </a:r>
+            <a:r>
+              <a:rPr lang="en-US" sz="1400" dirty="0" err="1" smtClean="0"/>
+              <a:t>Inftrastructure</a:t>
+            </a:r>
+            <a:r>
+              <a:rPr lang="en-US" sz="1400" dirty="0" smtClean="0"/>
+              <a:t> v7.0)</a:t>
+            </a:r>
+          </a:p>
+          <a:p>
+            <a:pPr algn="ctr"/>
+            <a:endParaRPr lang="en-US" sz="1400" dirty="0"/>
           </a:p>
         </p:txBody>
       </p:sp>
@@ -7721,11 +8578,7 @@
           <a:p>
             <a:r>
               <a:rPr lang="en-US" dirty="0" smtClean="0"/>
-              <a:t>Sequence for Collecting Trace data with Instrumentation(TPTP</a:t>
-            </a:r>
-            <a:r>
-              <a:rPr lang="en-US" dirty="0" smtClean="0"/>
-              <a:t>)</a:t>
+              <a:t>Sequence for Collecting Trace data with non-ARM Instrumentation(TPTP)</a:t>
             </a:r>
             <a:endParaRPr lang="en-US" dirty="0"/>
           </a:p>
@@ -7766,8 +8619,8 @@
         </p:nvSpPr>
         <p:spPr>
           <a:xfrm>
-            <a:off x="457200" y="4190999"/>
-            <a:ext cx="4040188" cy="1935163"/>
+            <a:off x="457200" y="3810001"/>
+            <a:ext cx="4040188" cy="2316162"/>
           </a:xfrm>
         </p:spPr>
         <p:txBody>
@@ -7776,16 +8629,21 @@
           </a:bodyPr>
           <a:lstStyle/>
           <a:p>
+            <a:pPr marL="342900" lvl="1" indent="-342900">
+              <a:buNone/>
+            </a:pPr>
+            <a:r>
+              <a:rPr lang="en-US" sz="1800" dirty="0" smtClean="0"/>
+              <a:t>4. Use TPTP to collect trace data</a:t>
+            </a:r>
+          </a:p>
+          <a:p>
             <a:pPr>
               <a:buNone/>
             </a:pPr>
             <a:r>
               <a:rPr lang="en-US" sz="1800" dirty="0" smtClean="0"/>
-              <a:t>5. Our plug-in analyzes trace data </a:t>
-            </a:r>
-            <a:r>
-              <a:rPr lang="en-US" sz="1800" dirty="0" smtClean="0"/>
-              <a:t>(B)</a:t>
+              <a:t>5. Our plug-in analyzes trace data (B)</a:t>
             </a:r>
             <a:endParaRPr lang="en-US" sz="1800" dirty="0"/>
           </a:p>
@@ -7856,11 +8714,7 @@
             </a:pPr>
             <a:r>
               <a:rPr lang="en-US" sz="1400" dirty="0" smtClean="0"/>
-              <a:t>Start </a:t>
-            </a:r>
-            <a:r>
-              <a:rPr lang="en-US" sz="1400" dirty="0" smtClean="0"/>
-              <a:t>TPTP Agent Controller (TPTP-AC)</a:t>
+              <a:t>Start TPTP Agent Controller (TPTP-AC)</a:t>
             </a:r>
           </a:p>
           <a:p>
@@ -7888,16 +8742,6 @@
               <a:rPr lang="en-US" sz="1400" dirty="0" smtClean="0"/>
               <a:t> Application Server (WSAS)</a:t>
             </a:r>
-          </a:p>
-          <a:p>
-            <a:pPr marL="857250" lvl="1" indent="-457200">
-              <a:buAutoNum type="arabicPeriod"/>
-            </a:pPr>
-            <a:r>
-              <a:rPr lang="en-US" sz="1400" dirty="0" smtClean="0"/>
-              <a:t>Use TPTP to collect trace data</a:t>
-            </a:r>
-            <a:endParaRPr lang="en-US" sz="1400" dirty="0"/>
           </a:p>
         </p:txBody>
       </p:sp>
@@ -7952,27 +8796,7 @@
                   </a:schemeClr>
                 </a:solidFill>
               </a:rPr>
-              <a:t>Trace </a:t>
-            </a:r>
-            <a:r>
-              <a:rPr lang="en-US" dirty="0" smtClean="0">
-                <a:solidFill>
-                  <a:schemeClr val="accent6">
-                    <a:lumMod val="50000"/>
-                  </a:schemeClr>
-                </a:solidFill>
-              </a:rPr>
-              <a:t>data </a:t>
-            </a:r>
-            <a:r>
-              <a:rPr lang="en-US" dirty="0" smtClean="0">
-                <a:solidFill>
-                  <a:schemeClr val="accent6">
-                    <a:lumMod val="50000"/>
-                  </a:schemeClr>
-                </a:solidFill>
-              </a:rPr>
-              <a:t>(B)</a:t>
+              <a:t>Trace data (B)</a:t>
             </a:r>
             <a:endParaRPr lang="en-US" dirty="0">
               <a:solidFill>
@@ -8680,4 +9504,287 @@
   <a:objectDefaults/>
   <a:extraClrSchemeLst/>
 </a:theme>
+</file>
+
+<file path=ppt/theme/theme3.xml><?xml version="1.0" encoding="utf-8"?>
+<a:theme xmlns:a="http://schemas.openxmlformats.org/drawingml/2006/main" name="Office Theme">
+  <a:themeElements>
+    <a:clrScheme name="Office">
+      <a:dk1>
+        <a:sysClr val="windowText" lastClr="000000"/>
+      </a:dk1>
+      <a:lt1>
+        <a:sysClr val="window" lastClr="FFFFFF"/>
+      </a:lt1>
+      <a:dk2>
+        <a:srgbClr val="1F497D"/>
+      </a:dk2>
+      <a:lt2>
+        <a:srgbClr val="EEECE1"/>
+      </a:lt2>
+      <a:accent1>
+        <a:srgbClr val="4F81BD"/>
+      </a:accent1>
+      <a:accent2>
+        <a:srgbClr val="C0504D"/>
+      </a:accent2>
+      <a:accent3>
+        <a:srgbClr val="9BBB59"/>
+      </a:accent3>
+      <a:accent4>
+        <a:srgbClr val="8064A2"/>
+      </a:accent4>
+      <a:accent5>
+        <a:srgbClr val="4BACC6"/>
+      </a:accent5>
+      <a:accent6>
+        <a:srgbClr val="F79646"/>
+      </a:accent6>
+      <a:hlink>
+        <a:srgbClr val="0000FF"/>
+      </a:hlink>
+      <a:folHlink>
+        <a:srgbClr val="800080"/>
+      </a:folHlink>
+    </a:clrScheme>
+    <a:fontScheme name="Office">
+      <a:majorFont>
+        <a:latin typeface="Calibri"/>
+        <a:ea typeface=""/>
+        <a:cs typeface=""/>
+        <a:font script="Jpan" typeface="ＭＳ Ｐゴシック"/>
+        <a:font script="Hang" typeface="맑은 고딕"/>
+        <a:font script="Hans" typeface="宋体"/>
+        <a:font script="Hant" typeface="新細明體"/>
+        <a:font script="Arab" typeface="Times New Roman"/>
+        <a:font script="Hebr" typeface="Times New Roman"/>
+        <a:font script="Thai" typeface="Angsana New"/>
+        <a:font script="Ethi" typeface="Nyala"/>
+        <a:font script="Beng" typeface="Vrinda"/>
+        <a:font script="Gujr" typeface="Shruti"/>
+        <a:font script="Khmr" typeface="MoolBoran"/>
+        <a:font script="Knda" typeface="Tunga"/>
+        <a:font script="Guru" typeface="Raavi"/>
+        <a:font script="Cans" typeface="Euphemia"/>
+        <a:font script="Cher" typeface="Plantagenet Cherokee"/>
+        <a:font script="Yiii" typeface="Microsoft Yi Baiti"/>
+        <a:font script="Tibt" typeface="Microsoft Himalaya"/>
+        <a:font script="Thaa" typeface="MV Boli"/>
+        <a:font script="Deva" typeface="Mangal"/>
+        <a:font script="Telu" typeface="Gautami"/>
+        <a:font script="Taml" typeface="Latha"/>
+        <a:font script="Syrc" typeface="Estrangelo Edessa"/>
+        <a:font script="Orya" typeface="Kalinga"/>
+        <a:font script="Mlym" typeface="Kartika"/>
+        <a:font script="Laoo" typeface="DokChampa"/>
+        <a:font script="Sinh" typeface="Iskoola Pota"/>
+        <a:font script="Mong" typeface="Mongolian Baiti"/>
+        <a:font script="Viet" typeface="Times New Roman"/>
+        <a:font script="Uigh" typeface="Microsoft Uighur"/>
+      </a:majorFont>
+      <a:minorFont>
+        <a:latin typeface="Calibri"/>
+        <a:ea typeface=""/>
+        <a:cs typeface=""/>
+        <a:font script="Jpan" typeface="ＭＳ Ｐゴシック"/>
+        <a:font script="Hang" typeface="맑은 고딕"/>
+        <a:font script="Hans" typeface="宋体"/>
+        <a:font script="Hant" typeface="新細明體"/>
+        <a:font script="Arab" typeface="Arial"/>
+        <a:font script="Hebr" typeface="Arial"/>
+        <a:font script="Thai" typeface="Cordia New"/>
+        <a:font script="Ethi" typeface="Nyala"/>
+        <a:font script="Beng" typeface="Vrinda"/>
+        <a:font script="Gujr" typeface="Shruti"/>
+        <a:font script="Khmr" typeface="DaunPenh"/>
+        <a:font script="Knda" typeface="Tunga"/>
+        <a:font script="Guru" typeface="Raavi"/>
+        <a:font script="Cans" typeface="Euphemia"/>
+        <a:font script="Cher" typeface="Plantagenet Cherokee"/>
+        <a:font script="Yiii" typeface="Microsoft Yi Baiti"/>
+        <a:font script="Tibt" typeface="Microsoft Himalaya"/>
+        <a:font script="Thaa" typeface="MV Boli"/>
+        <a:font script="Deva" typeface="Mangal"/>
+        <a:font script="Telu" typeface="Gautami"/>
+        <a:font script="Taml" typeface="Latha"/>
+        <a:font script="Syrc" typeface="Estrangelo Edessa"/>
+        <a:font script="Orya" typeface="Kalinga"/>
+        <a:font script="Mlym" typeface="Kartika"/>
+        <a:font script="Laoo" typeface="DokChampa"/>
+        <a:font script="Sinh" typeface="Iskoola Pota"/>
+        <a:font script="Mong" typeface="Mongolian Baiti"/>
+        <a:font script="Viet" typeface="Arial"/>
+        <a:font script="Uigh" typeface="Microsoft Uighur"/>
+      </a:minorFont>
+    </a:fontScheme>
+    <a:fmtScheme name="Office">
+      <a:fillStyleLst>
+        <a:solidFill>
+          <a:schemeClr val="phClr"/>
+        </a:solidFill>
+        <a:gradFill rotWithShape="1">
+          <a:gsLst>
+            <a:gs pos="0">
+              <a:schemeClr val="phClr">
+                <a:tint val="50000"/>
+                <a:satMod val="300000"/>
+              </a:schemeClr>
+            </a:gs>
+            <a:gs pos="35000">
+              <a:schemeClr val="phClr">
+                <a:tint val="37000"/>
+                <a:satMod val="300000"/>
+              </a:schemeClr>
+            </a:gs>
+            <a:gs pos="100000">
+              <a:schemeClr val="phClr">
+                <a:tint val="15000"/>
+                <a:satMod val="350000"/>
+              </a:schemeClr>
+            </a:gs>
+          </a:gsLst>
+          <a:lin ang="16200000" scaled="1"/>
+        </a:gradFill>
+        <a:gradFill rotWithShape="1">
+          <a:gsLst>
+            <a:gs pos="0">
+              <a:schemeClr val="phClr">
+                <a:shade val="51000"/>
+                <a:satMod val="130000"/>
+              </a:schemeClr>
+            </a:gs>
+            <a:gs pos="80000">
+              <a:schemeClr val="phClr">
+                <a:shade val="93000"/>
+                <a:satMod val="130000"/>
+              </a:schemeClr>
+            </a:gs>
+            <a:gs pos="100000">
+              <a:schemeClr val="phClr">
+                <a:shade val="94000"/>
+                <a:satMod val="135000"/>
+              </a:schemeClr>
+            </a:gs>
+          </a:gsLst>
+          <a:lin ang="16200000" scaled="0"/>
+        </a:gradFill>
+      </a:fillStyleLst>
+      <a:lnStyleLst>
+        <a:ln w="9525" cap="flat" cmpd="sng" algn="ctr">
+          <a:solidFill>
+            <a:schemeClr val="phClr">
+              <a:shade val="95000"/>
+              <a:satMod val="105000"/>
+            </a:schemeClr>
+          </a:solidFill>
+          <a:prstDash val="solid"/>
+        </a:ln>
+        <a:ln w="25400" cap="flat" cmpd="sng" algn="ctr">
+          <a:solidFill>
+            <a:schemeClr val="phClr"/>
+          </a:solidFill>
+          <a:prstDash val="solid"/>
+        </a:ln>
+        <a:ln w="38100" cap="flat" cmpd="sng" algn="ctr">
+          <a:solidFill>
+            <a:schemeClr val="phClr"/>
+          </a:solidFill>
+          <a:prstDash val="solid"/>
+        </a:ln>
+      </a:lnStyleLst>
+      <a:effectStyleLst>
+        <a:effectStyle>
+          <a:effectLst>
+            <a:outerShdw blurRad="40000" dist="20000" dir="5400000" rotWithShape="0">
+              <a:srgbClr val="000000">
+                <a:alpha val="38000"/>
+              </a:srgbClr>
+            </a:outerShdw>
+          </a:effectLst>
+        </a:effectStyle>
+        <a:effectStyle>
+          <a:effectLst>
+            <a:outerShdw blurRad="40000" dist="23000" dir="5400000" rotWithShape="0">
+              <a:srgbClr val="000000">
+                <a:alpha val="35000"/>
+              </a:srgbClr>
+            </a:outerShdw>
+          </a:effectLst>
+        </a:effectStyle>
+        <a:effectStyle>
+          <a:effectLst>
+            <a:outerShdw blurRad="40000" dist="23000" dir="5400000" rotWithShape="0">
+              <a:srgbClr val="000000">
+                <a:alpha val="35000"/>
+              </a:srgbClr>
+            </a:outerShdw>
+          </a:effectLst>
+          <a:scene3d>
+            <a:camera prst="orthographicFront">
+              <a:rot lat="0" lon="0" rev="0"/>
+            </a:camera>
+            <a:lightRig rig="threePt" dir="t">
+              <a:rot lat="0" lon="0" rev="1200000"/>
+            </a:lightRig>
+          </a:scene3d>
+          <a:sp3d>
+            <a:bevelT w="63500" h="25400"/>
+          </a:sp3d>
+        </a:effectStyle>
+      </a:effectStyleLst>
+      <a:bgFillStyleLst>
+        <a:solidFill>
+          <a:schemeClr val="phClr"/>
+        </a:solidFill>
+        <a:gradFill rotWithShape="1">
+          <a:gsLst>
+            <a:gs pos="0">
+              <a:schemeClr val="phClr">
+                <a:tint val="40000"/>
+                <a:satMod val="350000"/>
+              </a:schemeClr>
+            </a:gs>
+            <a:gs pos="40000">
+              <a:schemeClr val="phClr">
+                <a:tint val="45000"/>
+                <a:shade val="99000"/>
+                <a:satMod val="350000"/>
+              </a:schemeClr>
+            </a:gs>
+            <a:gs pos="100000">
+              <a:schemeClr val="phClr">
+                <a:shade val="20000"/>
+                <a:satMod val="255000"/>
+              </a:schemeClr>
+            </a:gs>
+          </a:gsLst>
+          <a:path path="circle">
+            <a:fillToRect l="50000" t="-80000" r="50000" b="180000"/>
+          </a:path>
+        </a:gradFill>
+        <a:gradFill rotWithShape="1">
+          <a:gsLst>
+            <a:gs pos="0">
+              <a:schemeClr val="phClr">
+                <a:tint val="80000"/>
+                <a:satMod val="300000"/>
+              </a:schemeClr>
+            </a:gs>
+            <a:gs pos="100000">
+              <a:schemeClr val="phClr">
+                <a:shade val="30000"/>
+                <a:satMod val="200000"/>
+              </a:schemeClr>
+            </a:gs>
+          </a:gsLst>
+          <a:path path="circle">
+            <a:fillToRect l="50000" t="50000" r="50000" b="50000"/>
+          </a:path>
+        </a:gradFill>
+      </a:bgFillStyleLst>
+    </a:fmtScheme>
+  </a:themeElements>
+  <a:objectDefaults/>
+  <a:extraClrSchemeLst/>
+</a:theme>
 </file>
--- a/papers/DRCPA/docs/PerfTest - Profiling.pptx
+++ b/papers/DRCPA/docs/PerfTest - Profiling.pptx
@@ -5,43 +5,46 @@
     <p:sldMasterId id="2147483648" r:id="rId1"/>
   </p:sldMasterIdLst>
   <p:notesMasterIdLst>
-    <p:notesMasterId r:id="rId33"/>
+    <p:notesMasterId r:id="rId36"/>
   </p:notesMasterIdLst>
   <p:handoutMasterIdLst>
-    <p:handoutMasterId r:id="rId34"/>
+    <p:handoutMasterId r:id="rId37"/>
   </p:handoutMasterIdLst>
   <p:sldIdLst>
     <p:sldId id="256" r:id="rId2"/>
     <p:sldId id="348" r:id="rId3"/>
-    <p:sldId id="363" r:id="rId4"/>
-    <p:sldId id="370" r:id="rId5"/>
-    <p:sldId id="338" r:id="rId6"/>
-    <p:sldId id="358" r:id="rId7"/>
-    <p:sldId id="372" r:id="rId8"/>
-    <p:sldId id="339" r:id="rId9"/>
-    <p:sldId id="364" r:id="rId10"/>
-    <p:sldId id="365" r:id="rId11"/>
-    <p:sldId id="340" r:id="rId12"/>
-    <p:sldId id="264" r:id="rId13"/>
-    <p:sldId id="352" r:id="rId14"/>
-    <p:sldId id="326" r:id="rId15"/>
-    <p:sldId id="350" r:id="rId16"/>
-    <p:sldId id="351" r:id="rId17"/>
-    <p:sldId id="353" r:id="rId18"/>
-    <p:sldId id="354" r:id="rId19"/>
-    <p:sldId id="355" r:id="rId20"/>
-    <p:sldId id="360" r:id="rId21"/>
-    <p:sldId id="368" r:id="rId22"/>
-    <p:sldId id="369" r:id="rId23"/>
-    <p:sldId id="367" r:id="rId24"/>
-    <p:sldId id="359" r:id="rId25"/>
-    <p:sldId id="342" r:id="rId26"/>
-    <p:sldId id="361" r:id="rId27"/>
-    <p:sldId id="356" r:id="rId28"/>
-    <p:sldId id="362" r:id="rId29"/>
-    <p:sldId id="349" r:id="rId30"/>
-    <p:sldId id="267" r:id="rId31"/>
-    <p:sldId id="268" r:id="rId32"/>
+    <p:sldId id="375" r:id="rId4"/>
+    <p:sldId id="363" r:id="rId5"/>
+    <p:sldId id="370" r:id="rId6"/>
+    <p:sldId id="338" r:id="rId7"/>
+    <p:sldId id="340" r:id="rId8"/>
+    <p:sldId id="264" r:id="rId9"/>
+    <p:sldId id="352" r:id="rId10"/>
+    <p:sldId id="326" r:id="rId11"/>
+    <p:sldId id="350" r:id="rId12"/>
+    <p:sldId id="351" r:id="rId13"/>
+    <p:sldId id="353" r:id="rId14"/>
+    <p:sldId id="354" r:id="rId15"/>
+    <p:sldId id="355" r:id="rId16"/>
+    <p:sldId id="360" r:id="rId17"/>
+    <p:sldId id="377" r:id="rId18"/>
+    <p:sldId id="379" r:id="rId19"/>
+    <p:sldId id="380" r:id="rId20"/>
+    <p:sldId id="381" r:id="rId21"/>
+    <p:sldId id="382" r:id="rId22"/>
+    <p:sldId id="376" r:id="rId23"/>
+    <p:sldId id="378" r:id="rId24"/>
+    <p:sldId id="368" r:id="rId25"/>
+    <p:sldId id="369" r:id="rId26"/>
+    <p:sldId id="367" r:id="rId27"/>
+    <p:sldId id="359" r:id="rId28"/>
+    <p:sldId id="373" r:id="rId29"/>
+    <p:sldId id="361" r:id="rId30"/>
+    <p:sldId id="342" r:id="rId31"/>
+    <p:sldId id="356" r:id="rId32"/>
+    <p:sldId id="374" r:id="rId33"/>
+    <p:sldId id="267" r:id="rId34"/>
+    <p:sldId id="268" r:id="rId35"/>
   </p:sldIdLst>
   <p:sldSz cx="9144000" cy="6858000" type="screen4x3"/>
   <p:notesSz cx="6858000" cy="9144000"/>
@@ -225,7 +228,8 @@
           <a:p>
             <a:fld id="{C1876738-C24C-400B-BE8B-5F8C502DDA77}" type="datetimeFigureOut">
               <a:rPr lang="en-US" smtClean="0"/>
-              <a:t>9/16/2009</a:t>
+              <a:pPr/>
+              <a:t>9/22/2009</a:t>
             </a:fld>
             <a:endParaRPr lang="en-US"/>
           </a:p>
@@ -291,6 +295,7 @@
           <a:p>
             <a:fld id="{FFEAFF57-4F5B-4784-A30E-3E49D964D372}" type="slidenum">
               <a:rPr lang="en-US" smtClean="0"/>
+              <a:pPr/>
               <a:t>‹#›</a:t>
             </a:fld>
             <a:endParaRPr lang="en-US"/>
@@ -386,7 +391,7 @@
             <a:fld id="{23B74013-A8FD-4950-914A-947FD22947D7}" type="datetimeFigureOut">
               <a:rPr lang="en-US" smtClean="0"/>
               <a:pPr/>
-              <a:t>9/16/2009</a:t>
+              <a:t>9/22/2009</a:t>
             </a:fld>
             <a:endParaRPr lang="en-US"/>
           </a:p>
@@ -732,7 +737,7 @@
             <a:fld id="{DCBA3738-5D15-4DEB-AF16-C90C2A9CF5FF}" type="slidenum">
               <a:rPr lang="en-US" smtClean="0"/>
               <a:pPr/>
-              <a:t>5</a:t>
+              <a:t>6</a:t>
             </a:fld>
             <a:endParaRPr lang="en-US"/>
           </a:p>
@@ -933,7 +938,7 @@
             <a:fld id="{C60591B3-B4ED-4C31-8AEF-63EEC6A32F51}" type="datetimeFigureOut">
               <a:rPr lang="en-US" smtClean="0"/>
               <a:pPr/>
-              <a:t>9/16/2009</a:t>
+              <a:t>9/22/2009</a:t>
             </a:fld>
             <a:endParaRPr lang="en-US"/>
           </a:p>
@@ -1100,7 +1105,7 @@
             <a:fld id="{C60591B3-B4ED-4C31-8AEF-63EEC6A32F51}" type="datetimeFigureOut">
               <a:rPr lang="en-US" smtClean="0"/>
               <a:pPr/>
-              <a:t>9/16/2009</a:t>
+              <a:t>9/22/2009</a:t>
             </a:fld>
             <a:endParaRPr lang="en-US"/>
           </a:p>
@@ -1277,7 +1282,7 @@
             <a:fld id="{C60591B3-B4ED-4C31-8AEF-63EEC6A32F51}" type="datetimeFigureOut">
               <a:rPr lang="en-US" smtClean="0"/>
               <a:pPr/>
-              <a:t>9/16/2009</a:t>
+              <a:t>9/22/2009</a:t>
             </a:fld>
             <a:endParaRPr lang="en-US"/>
           </a:p>
@@ -1444,7 +1449,7 @@
             <a:fld id="{C60591B3-B4ED-4C31-8AEF-63EEC6A32F51}" type="datetimeFigureOut">
               <a:rPr lang="en-US" smtClean="0"/>
               <a:pPr/>
-              <a:t>9/16/2009</a:t>
+              <a:t>9/22/2009</a:t>
             </a:fld>
             <a:endParaRPr lang="en-US"/>
           </a:p>
@@ -1692,7 +1697,7 @@
             <a:fld id="{C60591B3-B4ED-4C31-8AEF-63EEC6A32F51}" type="datetimeFigureOut">
               <a:rPr lang="en-US" smtClean="0"/>
               <a:pPr/>
-              <a:t>9/16/2009</a:t>
+              <a:t>9/22/2009</a:t>
             </a:fld>
             <a:endParaRPr lang="en-US"/>
           </a:p>
@@ -1977,7 +1982,7 @@
             <a:fld id="{C60591B3-B4ED-4C31-8AEF-63EEC6A32F51}" type="datetimeFigureOut">
               <a:rPr lang="en-US" smtClean="0"/>
               <a:pPr/>
-              <a:t>9/16/2009</a:t>
+              <a:t>9/22/2009</a:t>
             </a:fld>
             <a:endParaRPr lang="en-US"/>
           </a:p>
@@ -2396,7 +2401,7 @@
             <a:fld id="{C60591B3-B4ED-4C31-8AEF-63EEC6A32F51}" type="datetimeFigureOut">
               <a:rPr lang="en-US" smtClean="0"/>
               <a:pPr/>
-              <a:t>9/16/2009</a:t>
+              <a:t>9/22/2009</a:t>
             </a:fld>
             <a:endParaRPr lang="en-US"/>
           </a:p>
@@ -2511,7 +2516,7 @@
             <a:fld id="{C60591B3-B4ED-4C31-8AEF-63EEC6A32F51}" type="datetimeFigureOut">
               <a:rPr lang="en-US" smtClean="0"/>
               <a:pPr/>
-              <a:t>9/16/2009</a:t>
+              <a:t>9/22/2009</a:t>
             </a:fld>
             <a:endParaRPr lang="en-US"/>
           </a:p>
@@ -2603,7 +2608,7 @@
             <a:fld id="{C60591B3-B4ED-4C31-8AEF-63EEC6A32F51}" type="datetimeFigureOut">
               <a:rPr lang="en-US" smtClean="0"/>
               <a:pPr/>
-              <a:t>9/16/2009</a:t>
+              <a:t>9/22/2009</a:t>
             </a:fld>
             <a:endParaRPr lang="en-US"/>
           </a:p>
@@ -2877,7 +2882,7 @@
             <a:fld id="{C60591B3-B4ED-4C31-8AEF-63EEC6A32F51}" type="datetimeFigureOut">
               <a:rPr lang="en-US" smtClean="0"/>
               <a:pPr/>
-              <a:t>9/16/2009</a:t>
+              <a:t>9/22/2009</a:t>
             </a:fld>
             <a:endParaRPr lang="en-US"/>
           </a:p>
@@ -3127,7 +3132,7 @@
             <a:fld id="{C60591B3-B4ED-4C31-8AEF-63EEC6A32F51}" type="datetimeFigureOut">
               <a:rPr lang="en-US" smtClean="0"/>
               <a:pPr/>
-              <a:t>9/16/2009</a:t>
+              <a:t>9/22/2009</a:t>
             </a:fld>
             <a:endParaRPr lang="en-US"/>
           </a:p>
@@ -3337,7 +3342,7 @@
             <a:fld id="{C60591B3-B4ED-4C31-8AEF-63EEC6A32F51}" type="datetimeFigureOut">
               <a:rPr lang="en-US" smtClean="0"/>
               <a:pPr/>
-              <a:t>9/16/2009</a:t>
+              <a:t>9/22/2009</a:t>
             </a:fld>
             <a:endParaRPr lang="en-US"/>
           </a:p>
@@ -3897,20 +3902,22 @@
         </p:nvSpPr>
         <p:spPr/>
         <p:txBody>
-          <a:bodyPr/>
-          <a:lstStyle/>
-          <a:p>
-            <a:r>
-              <a:rPr lang="en-US" dirty="0" smtClean="0"/>
-              <a:t>.</a:t>
+          <a:bodyPr>
+            <a:normAutofit fontScale="90000"/>
+          </a:bodyPr>
+          <a:lstStyle/>
+          <a:p>
+            <a:r>
+              <a:rPr lang="en-US" dirty="0" smtClean="0"/>
+              <a:t>Application Server </a:t>
             </a:r>
             <a:r>
               <a:rPr lang="en-US" dirty="0" err="1" smtClean="0"/>
-              <a:t>bashrc</a:t>
-            </a:r>
-            <a:r>
-              <a:rPr lang="en-US" dirty="0" smtClean="0"/>
-              <a:t> on Linux</a:t>
+              <a:t>Instrumenter</a:t>
+            </a:r>
+            <a:r>
+              <a:rPr lang="en-US" dirty="0" smtClean="0"/>
+              <a:t> (ASI)</a:t>
             </a:r>
             <a:endParaRPr lang="en-US" dirty="0"/>
           </a:p>
@@ -3929,201 +3936,130 @@
         <p:spPr/>
         <p:txBody>
           <a:bodyPr>
-            <a:normAutofit/>
+            <a:normAutofit fontScale="85000" lnSpcReduction="20000"/>
           </a:bodyPr>
           <a:lstStyle/>
           <a:p>
-            <a:pPr>
-              <a:buNone/>
-            </a:pPr>
-            <a:r>
-              <a:rPr lang="en-US" sz="1200" dirty="0" smtClean="0">
-                <a:latin typeface="Courier New" pitchFamily="49" charset="0"/>
-                <a:cs typeface="Courier New" pitchFamily="49" charset="0"/>
+            <a:r>
+              <a:rPr lang="en-US" dirty="0" smtClean="0"/>
+              <a:t>Application Server Tab</a:t>
+            </a:r>
+          </a:p>
+          <a:p>
+            <a:pPr lvl="1"/>
+            <a:r>
+              <a:rPr lang="en-US" dirty="0" smtClean="0"/>
+              <a:t>Type: IBM </a:t>
+            </a:r>
+            <a:r>
+              <a:rPr lang="en-US" dirty="0" err="1" smtClean="0"/>
+              <a:t>WebSphere</a:t>
+            </a:r>
+            <a:r>
+              <a:rPr lang="en-US" dirty="0" smtClean="0"/>
+              <a:t> Application Server v6.x</a:t>
+            </a:r>
+          </a:p>
+          <a:p>
+            <a:pPr lvl="1"/>
+            <a:r>
+              <a:rPr lang="en-US" dirty="0" smtClean="0"/>
+              <a:t>Profile name: AppSrv01</a:t>
+            </a:r>
+          </a:p>
+          <a:p>
+            <a:pPr lvl="1"/>
+            <a:r>
+              <a:rPr lang="en-US" dirty="0" smtClean="0"/>
+              <a:t>Server name: eb2-2241-grd03.csc.ncsu.edu</a:t>
+            </a:r>
+          </a:p>
+          <a:p>
+            <a:pPr lvl="1"/>
+            <a:r>
+              <a:rPr lang="en-US" dirty="0" smtClean="0"/>
+              <a:t>Server home: /opt/IBM/</a:t>
+            </a:r>
+            <a:r>
+              <a:rPr lang="en-US" dirty="0" err="1" smtClean="0"/>
+              <a:t>WebSphere</a:t>
+            </a:r>
+            <a:r>
+              <a:rPr lang="en-US" dirty="0" smtClean="0"/>
+              <a:t>/</a:t>
+            </a:r>
+            <a:r>
+              <a:rPr lang="en-US" dirty="0" err="1" smtClean="0"/>
+              <a:t>AppServer</a:t>
+            </a:r>
+            <a:endParaRPr lang="en-US" dirty="0" smtClean="0"/>
+          </a:p>
+          <a:p>
+            <a:pPr lvl="1"/>
+            <a:r>
+              <a:rPr lang="en-US" dirty="0" smtClean="0"/>
+              <a:t>User: </a:t>
+            </a:r>
+            <a:r>
+              <a:rPr lang="en-US" dirty="0" err="1" smtClean="0"/>
+              <a:t>perftest</a:t>
+            </a:r>
+            <a:endParaRPr lang="en-US" dirty="0" smtClean="0"/>
+          </a:p>
+          <a:p>
+            <a:pPr lvl="1"/>
+            <a:r>
+              <a:rPr lang="en-US" dirty="0" smtClean="0"/>
+              <a:t>Password: </a:t>
+            </a:r>
+            <a:r>
+              <a:rPr lang="en-US" dirty="0" err="1" smtClean="0"/>
+              <a:t>perftest</a:t>
+            </a:r>
+            <a:endParaRPr lang="en-US" dirty="0" smtClean="0"/>
+          </a:p>
+          <a:p>
+            <a:r>
+              <a:rPr lang="en-US" dirty="0" smtClean="0"/>
+              <a:t>Connection Tab</a:t>
+            </a:r>
+          </a:p>
+          <a:p>
+            <a:pPr lvl="1"/>
+            <a:r>
+              <a:rPr lang="en-US" dirty="0" smtClean="0"/>
+              <a:t>Host: eb2-2241-grd03.csc.ncsu.edu or ldap.ncsu.edu (?)</a:t>
+            </a:r>
+          </a:p>
+          <a:p>
+            <a:pPr lvl="1"/>
+            <a:r>
+              <a:rPr lang="en-US" dirty="0" smtClean="0"/>
+              <a:t>User: ysong2</a:t>
+            </a:r>
+          </a:p>
+          <a:p>
+            <a:pPr lvl="1"/>
+            <a:r>
+              <a:rPr lang="en-US" dirty="0" smtClean="0"/>
+              <a:t>Password: </a:t>
+            </a:r>
+            <a:r>
+              <a:rPr lang="en-US" i="1" dirty="0" smtClean="0">
+                <a:solidFill>
+                  <a:schemeClr val="bg1">
+                    <a:lumMod val="75000"/>
+                  </a:schemeClr>
+                </a:solidFill>
               </a:rPr>
-              <a:t># “</a:t>
-            </a:r>
-            <a:r>
-              <a:rPr lang="en-US" sz="1200" dirty="0" err="1" smtClean="0">
-                <a:latin typeface="Courier New" pitchFamily="49" charset="0"/>
-                <a:cs typeface="Courier New" pitchFamily="49" charset="0"/>
-              </a:rPr>
-              <a:t>PerftTest</a:t>
-            </a:r>
-            <a:r>
-              <a:rPr lang="en-US" sz="1200" dirty="0" smtClean="0">
-                <a:latin typeface="Courier New" pitchFamily="49" charset="0"/>
-                <a:cs typeface="Courier New" pitchFamily="49" charset="0"/>
-              </a:rPr>
-              <a:t>(ARM)” project</a:t>
-            </a:r>
-          </a:p>
-          <a:p>
-            <a:pPr>
-              <a:buNone/>
-            </a:pPr>
-            <a:endParaRPr lang="en-US" sz="1200" dirty="0" smtClean="0">
-              <a:latin typeface="Courier New" pitchFamily="49" charset="0"/>
-              <a:cs typeface="Courier New" pitchFamily="49" charset="0"/>
-            </a:endParaRPr>
-          </a:p>
-          <a:p>
-            <a:pPr>
-              <a:buNone/>
-            </a:pPr>
-            <a:r>
-              <a:rPr lang="en-US" sz="1200" dirty="0" smtClean="0">
-                <a:latin typeface="Courier New" pitchFamily="49" charset="0"/>
-                <a:cs typeface="Courier New" pitchFamily="49" charset="0"/>
-              </a:rPr>
-              <a:t># “</a:t>
-            </a:r>
-            <a:r>
-              <a:rPr lang="en-US" sz="1200" dirty="0" err="1" smtClean="0">
-                <a:latin typeface="Courier New" pitchFamily="49" charset="0"/>
-                <a:cs typeface="Courier New" pitchFamily="49" charset="0"/>
-              </a:rPr>
-              <a:t>PerftTest</a:t>
-            </a:r>
-            <a:r>
-              <a:rPr lang="en-US" sz="1200" dirty="0" smtClean="0">
-                <a:latin typeface="Courier New" pitchFamily="49" charset="0"/>
-                <a:cs typeface="Courier New" pitchFamily="49" charset="0"/>
-              </a:rPr>
-              <a:t>(TPTP)” project</a:t>
-            </a:r>
-          </a:p>
-          <a:p>
-            <a:pPr>
-              <a:buNone/>
-            </a:pPr>
-            <a:r>
-              <a:rPr lang="en-US" sz="1200" dirty="0" smtClean="0">
-                <a:latin typeface="Courier New" pitchFamily="49" charset="0"/>
-                <a:cs typeface="Courier New" pitchFamily="49" charset="0"/>
-              </a:rPr>
-              <a:t>export </a:t>
-            </a:r>
-            <a:r>
-              <a:rPr lang="en-US" sz="1200" b="1" dirty="0" smtClean="0">
-                <a:latin typeface="Courier New" pitchFamily="49" charset="0"/>
-                <a:cs typeface="Courier New" pitchFamily="49" charset="0"/>
-              </a:rPr>
-              <a:t>TPTP_AC_HOME</a:t>
-            </a:r>
-            <a:r>
-              <a:rPr lang="en-US" sz="1200" dirty="0" smtClean="0">
-                <a:latin typeface="Courier New" pitchFamily="49" charset="0"/>
-                <a:cs typeface="Courier New" pitchFamily="49" charset="0"/>
-              </a:rPr>
-              <a:t>=/opt/TPTP</a:t>
-            </a:r>
-          </a:p>
-          <a:p>
-            <a:pPr>
-              <a:buNone/>
-            </a:pPr>
-            <a:r>
-              <a:rPr lang="en-US" sz="1200" dirty="0" smtClean="0">
-                <a:latin typeface="Courier New" pitchFamily="49" charset="0"/>
-                <a:cs typeface="Courier New" pitchFamily="49" charset="0"/>
-              </a:rPr>
-              <a:t>export </a:t>
-            </a:r>
-            <a:r>
-              <a:rPr lang="en-US" sz="1200" b="1" dirty="0" smtClean="0">
-                <a:latin typeface="Courier New" pitchFamily="49" charset="0"/>
-                <a:cs typeface="Courier New" pitchFamily="49" charset="0"/>
-              </a:rPr>
-              <a:t>JAVA_PROFILER_HOME</a:t>
-            </a:r>
-            <a:r>
-              <a:rPr lang="en-US" sz="1200" dirty="0" smtClean="0">
-                <a:latin typeface="Courier New" pitchFamily="49" charset="0"/>
-                <a:cs typeface="Courier New" pitchFamily="49" charset="0"/>
-              </a:rPr>
-              <a:t>=$TPTP_AC_HOME/</a:t>
-            </a:r>
-            <a:r>
-              <a:rPr lang="en-US" sz="1200" dirty="0" err="1" smtClean="0">
-                <a:latin typeface="Courier New" pitchFamily="49" charset="0"/>
-                <a:cs typeface="Courier New" pitchFamily="49" charset="0"/>
-              </a:rPr>
-              <a:t>plugins</a:t>
-            </a:r>
-            <a:r>
-              <a:rPr lang="en-US" sz="1200" dirty="0" smtClean="0">
-                <a:latin typeface="Courier New" pitchFamily="49" charset="0"/>
-                <a:cs typeface="Courier New" pitchFamily="49" charset="0"/>
-              </a:rPr>
-              <a:t>/</a:t>
-            </a:r>
-            <a:r>
-              <a:rPr lang="en-US" sz="1200" dirty="0" err="1" smtClean="0">
-                <a:latin typeface="Courier New" pitchFamily="49" charset="0"/>
-                <a:cs typeface="Courier New" pitchFamily="49" charset="0"/>
-              </a:rPr>
-              <a:t>org.eclipse.tptp.javaprofiler</a:t>
-            </a:r>
-            <a:endParaRPr lang="en-US" sz="1200" dirty="0" smtClean="0">
-              <a:latin typeface="Courier New" pitchFamily="49" charset="0"/>
-              <a:cs typeface="Courier New" pitchFamily="49" charset="0"/>
-            </a:endParaRPr>
-          </a:p>
-          <a:p>
-            <a:pPr>
-              <a:buNone/>
-            </a:pPr>
-            <a:r>
-              <a:rPr lang="en-US" sz="1200" dirty="0" smtClean="0">
-                <a:latin typeface="Courier New" pitchFamily="49" charset="0"/>
-                <a:cs typeface="Courier New" pitchFamily="49" charset="0"/>
-              </a:rPr>
-              <a:t>export </a:t>
-            </a:r>
-            <a:r>
-              <a:rPr lang="en-US" sz="1200" b="1" dirty="0" smtClean="0">
-                <a:latin typeface="Courier New" pitchFamily="49" charset="0"/>
-                <a:cs typeface="Courier New" pitchFamily="49" charset="0"/>
-              </a:rPr>
-              <a:t>PATH</a:t>
-            </a:r>
-            <a:r>
-              <a:rPr lang="en-US" sz="1200" dirty="0" smtClean="0">
-                <a:latin typeface="Courier New" pitchFamily="49" charset="0"/>
-                <a:cs typeface="Courier New" pitchFamily="49" charset="0"/>
-              </a:rPr>
-              <a:t>=$TPTP_AC_HOME/bin:$JAVA_PROFILER_HOME</a:t>
-            </a:r>
-          </a:p>
-          <a:p>
-            <a:pPr>
-              <a:buNone/>
-            </a:pPr>
-            <a:r>
-              <a:rPr lang="en-US" sz="1200" dirty="0" smtClean="0">
-                <a:latin typeface="Courier New" pitchFamily="49" charset="0"/>
-                <a:cs typeface="Courier New" pitchFamily="49" charset="0"/>
-              </a:rPr>
-              <a:t>export </a:t>
-            </a:r>
-            <a:r>
-              <a:rPr lang="en-US" sz="1200" b="1" dirty="0" smtClean="0">
-                <a:latin typeface="Courier New" pitchFamily="49" charset="0"/>
-                <a:cs typeface="Courier New" pitchFamily="49" charset="0"/>
-              </a:rPr>
-              <a:t>LD_LIBRARY_HOME</a:t>
-            </a:r>
-            <a:r>
-              <a:rPr lang="en-US" sz="1200" dirty="0" smtClean="0">
-                <a:latin typeface="Courier New" pitchFamily="49" charset="0"/>
-                <a:cs typeface="Courier New" pitchFamily="49" charset="0"/>
-              </a:rPr>
-              <a:t>=$LD_LIBRARY_HOME:</a:t>
-            </a:r>
-            <a:endParaRPr lang="en-US" sz="1200" dirty="0">
-              <a:latin typeface="Courier New" pitchFamily="49" charset="0"/>
-              <a:cs typeface="Courier New" pitchFamily="49" charset="0"/>
+              <a:t>&lt;?&gt;</a:t>
+            </a:r>
+            <a:endParaRPr lang="en-US" i="1" dirty="0">
+              <a:solidFill>
+                <a:schemeClr val="bg1">
+                  <a:lumMod val="75000"/>
+                </a:schemeClr>
+              </a:solidFill>
             </a:endParaRPr>
           </a:p>
         </p:txBody>
@@ -4137,6 +4073,4444 @@
 </file>
 
 <file path=ppt/slides/slide11.xml><?xml version="1.0" encoding="utf-8"?>
+<p:sld xmlns:a="http://schemas.openxmlformats.org/drawingml/2006/main" xmlns:r="http://schemas.openxmlformats.org/officeDocument/2006/relationships" xmlns:p="http://schemas.openxmlformats.org/presentationml/2006/main">
+  <p:cSld>
+    <p:spTree>
+      <p:nvGrpSpPr>
+        <p:cNvPr id="1" name=""/>
+        <p:cNvGrpSpPr/>
+        <p:nvPr/>
+      </p:nvGrpSpPr>
+      <p:grpSpPr>
+        <a:xfrm>
+          <a:off x="0" y="0"/>
+          <a:ext cx="0" cy="0"/>
+          <a:chOff x="0" y="0"/>
+          <a:chExt cx="0" cy="0"/>
+        </a:xfrm>
+      </p:grpSpPr>
+      <p:sp>
+        <p:nvSpPr>
+          <p:cNvPr id="2" name="Title 1"/>
+          <p:cNvSpPr>
+            <a:spLocks noGrp="1"/>
+          </p:cNvSpPr>
+          <p:nvPr>
+            <p:ph type="title"/>
+          </p:nvPr>
+        </p:nvSpPr>
+        <p:spPr/>
+        <p:txBody>
+          <a:bodyPr/>
+          <a:lstStyle/>
+          <a:p>
+            <a:r>
+              <a:rPr lang="en-US" dirty="0" smtClean="0"/>
+              <a:t>…</a:t>
+            </a:r>
+            <a:endParaRPr lang="en-US" dirty="0"/>
+          </a:p>
+        </p:txBody>
+      </p:sp>
+      <p:sp>
+        <p:nvSpPr>
+          <p:cNvPr id="3" name="Content Placeholder 2"/>
+          <p:cNvSpPr>
+            <a:spLocks noGrp="1"/>
+          </p:cNvSpPr>
+          <p:nvPr>
+            <p:ph idx="1"/>
+          </p:nvPr>
+        </p:nvSpPr>
+        <p:spPr/>
+        <p:txBody>
+          <a:bodyPr>
+            <a:normAutofit fontScale="92500" lnSpcReduction="10000"/>
+          </a:bodyPr>
+          <a:lstStyle/>
+          <a:p>
+            <a:r>
+              <a:rPr lang="en-US" i="1" dirty="0" smtClean="0"/>
+              <a:t>{WAS_PROFILE_HOME}</a:t>
+            </a:r>
+            <a:r>
+              <a:rPr lang="en-US" dirty="0" smtClean="0"/>
+              <a:t>/</a:t>
+            </a:r>
+            <a:r>
+              <a:rPr lang="en-US" dirty="0" err="1" smtClean="0"/>
+              <a:t>config</a:t>
+            </a:r>
+            <a:r>
+              <a:rPr lang="en-US" dirty="0" smtClean="0"/>
+              <a:t>/cells/</a:t>
+            </a:r>
+            <a:r>
+              <a:rPr lang="en-US" i="1" dirty="0" smtClean="0"/>
+              <a:t>{</a:t>
+            </a:r>
+            <a:r>
+              <a:rPr lang="en-US" i="1" dirty="0" err="1" smtClean="0"/>
+              <a:t>cell_name</a:t>
+            </a:r>
+            <a:r>
+              <a:rPr lang="en-US" i="1" dirty="0" smtClean="0"/>
+              <a:t>}</a:t>
+            </a:r>
+            <a:r>
+              <a:rPr lang="en-US" dirty="0" smtClean="0"/>
+              <a:t>/nodes/</a:t>
+            </a:r>
+            <a:r>
+              <a:rPr lang="en-US" i="1" dirty="0" smtClean="0"/>
+              <a:t>{</a:t>
+            </a:r>
+            <a:r>
+              <a:rPr lang="en-US" i="1" dirty="0" err="1" smtClean="0"/>
+              <a:t>node_name</a:t>
+            </a:r>
+            <a:r>
+              <a:rPr lang="en-US" i="1" dirty="0" smtClean="0"/>
+              <a:t>}</a:t>
+            </a:r>
+            <a:r>
+              <a:rPr lang="en-US" dirty="0" smtClean="0"/>
+              <a:t>/servers/</a:t>
+            </a:r>
+            <a:r>
+              <a:rPr lang="en-US" i="1" dirty="0" smtClean="0"/>
+              <a:t>{</a:t>
+            </a:r>
+            <a:r>
+              <a:rPr lang="en-US" i="1" dirty="0" err="1" smtClean="0"/>
+              <a:t>server_name</a:t>
+            </a:r>
+            <a:r>
+              <a:rPr lang="en-US" i="1" dirty="0" smtClean="0"/>
+              <a:t>}</a:t>
+            </a:r>
+          </a:p>
+          <a:p>
+            <a:pPr lvl="1"/>
+            <a:r>
+              <a:rPr lang="en-US" dirty="0" smtClean="0"/>
+              <a:t>/opt/IBM/</a:t>
+            </a:r>
+            <a:r>
+              <a:rPr lang="en-US" dirty="0" err="1" smtClean="0"/>
+              <a:t>WebSphere</a:t>
+            </a:r>
+            <a:r>
+              <a:rPr lang="en-US" dirty="0" smtClean="0"/>
+              <a:t>/</a:t>
+            </a:r>
+            <a:r>
+              <a:rPr lang="en-US" dirty="0" err="1" smtClean="0"/>
+              <a:t>AppServer</a:t>
+            </a:r>
+            <a:r>
+              <a:rPr lang="en-US" dirty="0" smtClean="0"/>
+              <a:t>/profiles/AppSrv01/</a:t>
+            </a:r>
+            <a:r>
+              <a:rPr lang="en-US" dirty="0" err="1" smtClean="0"/>
+              <a:t>config</a:t>
+            </a:r>
+            <a:r>
+              <a:rPr lang="en-US" dirty="0" smtClean="0"/>
+              <a:t>/cells/eb2-2241-grd03Node01Cell/nodes/eb2-2241-grd03Node01/servers/server1/</a:t>
+            </a:r>
+            <a:r>
+              <a:rPr lang="en-US" dirty="0" smtClean="0">
+                <a:solidFill>
+                  <a:srgbClr val="00B0F0"/>
+                </a:solidFill>
+              </a:rPr>
+              <a:t>server.xml</a:t>
+            </a:r>
+          </a:p>
+          <a:p>
+            <a:pPr lvl="1"/>
+            <a:r>
+              <a:rPr lang="en-US" dirty="0" smtClean="0"/>
+              <a:t>/opt/IBM/</a:t>
+            </a:r>
+            <a:r>
+              <a:rPr lang="en-US" dirty="0" err="1" smtClean="0"/>
+              <a:t>WebSphere</a:t>
+            </a:r>
+            <a:r>
+              <a:rPr lang="en-US" dirty="0" smtClean="0"/>
+              <a:t>/</a:t>
+            </a:r>
+            <a:r>
+              <a:rPr lang="en-US" dirty="0" err="1" smtClean="0"/>
+              <a:t>AppServer</a:t>
+            </a:r>
+            <a:r>
+              <a:rPr lang="en-US" dirty="0" smtClean="0"/>
+              <a:t>/profiles/AppSrv01/</a:t>
+            </a:r>
+            <a:r>
+              <a:rPr lang="en-US" dirty="0" err="1" smtClean="0"/>
+              <a:t>config</a:t>
+            </a:r>
+            <a:r>
+              <a:rPr lang="en-US" dirty="0" smtClean="0"/>
+              <a:t>/cells/eb2-2241-grd03Node01Cell/nodes/eb2-2241-grd03Node01/servers/server1/</a:t>
+            </a:r>
+            <a:r>
+              <a:rPr lang="en-US" dirty="0" smtClean="0">
+                <a:solidFill>
+                  <a:srgbClr val="00B0F0"/>
+                </a:solidFill>
+              </a:rPr>
+              <a:t>variables.xml</a:t>
+            </a:r>
+          </a:p>
+          <a:p>
+            <a:r>
+              <a:rPr lang="en-US" dirty="0" smtClean="0"/>
+              <a:t>{WAS_PROFILE_HOME}/</a:t>
+            </a:r>
+            <a:r>
+              <a:rPr lang="en-US" dirty="0" err="1" smtClean="0"/>
+              <a:t>config</a:t>
+            </a:r>
+            <a:r>
+              <a:rPr lang="en-US" dirty="0" smtClean="0"/>
+              <a:t>/cells/{</a:t>
+            </a:r>
+            <a:r>
+              <a:rPr lang="en-US" dirty="0" err="1" smtClean="0"/>
+              <a:t>cell_name</a:t>
+            </a:r>
+            <a:r>
+              <a:rPr lang="en-US" dirty="0" smtClean="0"/>
+              <a:t>}</a:t>
+            </a:r>
+          </a:p>
+          <a:p>
+            <a:pPr lvl="1"/>
+            <a:r>
+              <a:rPr lang="en-US" dirty="0" smtClean="0"/>
+              <a:t>/opt/IBM/</a:t>
+            </a:r>
+            <a:r>
+              <a:rPr lang="en-US" dirty="0" err="1" smtClean="0"/>
+              <a:t>WebSphere</a:t>
+            </a:r>
+            <a:r>
+              <a:rPr lang="en-US" dirty="0" smtClean="0"/>
+              <a:t>/</a:t>
+            </a:r>
+            <a:r>
+              <a:rPr lang="en-US" dirty="0" err="1" smtClean="0"/>
+              <a:t>AppServer</a:t>
+            </a:r>
+            <a:r>
+              <a:rPr lang="en-US" dirty="0" smtClean="0"/>
+              <a:t>/profiles/AppSrv01/</a:t>
+            </a:r>
+            <a:r>
+              <a:rPr lang="en-US" dirty="0" err="1" smtClean="0"/>
+              <a:t>config</a:t>
+            </a:r>
+            <a:r>
+              <a:rPr lang="en-US" dirty="0" smtClean="0"/>
+              <a:t>/cells/eb2-2241-grd03Node01Cell/</a:t>
+            </a:r>
+            <a:r>
+              <a:rPr lang="en-US" dirty="0" smtClean="0">
+                <a:solidFill>
+                  <a:srgbClr val="00B0F0"/>
+                </a:solidFill>
+              </a:rPr>
+              <a:t>pmirm.xml</a:t>
+            </a:r>
+          </a:p>
+        </p:txBody>
+      </p:sp>
+    </p:spTree>
+  </p:cSld>
+  <p:clrMapOvr>
+    <a:masterClrMapping/>
+  </p:clrMapOvr>
+</p:sld>
+</file>
+
+<file path=ppt/slides/slide12.xml><?xml version="1.0" encoding="utf-8"?>
+<p:sld xmlns:a="http://schemas.openxmlformats.org/drawingml/2006/main" xmlns:r="http://schemas.openxmlformats.org/officeDocument/2006/relationships" xmlns:p="http://schemas.openxmlformats.org/presentationml/2006/main">
+  <p:cSld>
+    <p:spTree>
+      <p:nvGrpSpPr>
+        <p:cNvPr id="1" name=""/>
+        <p:cNvGrpSpPr/>
+        <p:nvPr/>
+      </p:nvGrpSpPr>
+      <p:grpSpPr>
+        <a:xfrm>
+          <a:off x="0" y="0"/>
+          <a:ext cx="0" cy="0"/>
+          <a:chOff x="0" y="0"/>
+          <a:chExt cx="0" cy="0"/>
+        </a:xfrm>
+      </p:grpSpPr>
+      <p:sp>
+        <p:nvSpPr>
+          <p:cNvPr id="2" name="Title 1"/>
+          <p:cNvSpPr>
+            <a:spLocks noGrp="1"/>
+          </p:cNvSpPr>
+          <p:nvPr>
+            <p:ph type="title"/>
+          </p:nvPr>
+        </p:nvSpPr>
+        <p:spPr/>
+        <p:txBody>
+          <a:bodyPr/>
+          <a:lstStyle/>
+          <a:p>
+            <a:r>
+              <a:rPr lang="en-US" dirty="0" smtClean="0"/>
+              <a:t>…</a:t>
+            </a:r>
+            <a:endParaRPr lang="en-US" dirty="0"/>
+          </a:p>
+        </p:txBody>
+      </p:sp>
+      <p:sp>
+        <p:nvSpPr>
+          <p:cNvPr id="3" name="Content Placeholder 2"/>
+          <p:cNvSpPr>
+            <a:spLocks noGrp="1"/>
+          </p:cNvSpPr>
+          <p:nvPr>
+            <p:ph idx="1"/>
+          </p:nvPr>
+        </p:nvSpPr>
+        <p:spPr/>
+        <p:txBody>
+          <a:bodyPr/>
+          <a:lstStyle/>
+          <a:p>
+            <a:r>
+              <a:rPr lang="en-US" dirty="0" smtClean="0"/>
+              <a:t>/opt/IBM/SDP/DCI/</a:t>
+            </a:r>
+            <a:r>
+              <a:rPr lang="en-US" dirty="0" err="1" smtClean="0"/>
+              <a:t>rpa_prod</a:t>
+            </a:r>
+            <a:r>
+              <a:rPr lang="en-US" dirty="0" smtClean="0"/>
+              <a:t>/</a:t>
+            </a:r>
+            <a:r>
+              <a:rPr lang="en-US" dirty="0" err="1" smtClean="0"/>
+              <a:t>tivoli_comp</a:t>
+            </a:r>
+            <a:r>
+              <a:rPr lang="en-US" dirty="0" smtClean="0"/>
+              <a:t>/app/instrument/6.103.0000/</a:t>
+            </a:r>
+            <a:r>
+              <a:rPr lang="en-US" dirty="0" err="1" smtClean="0"/>
+              <a:t>appServers</a:t>
+            </a:r>
+            <a:r>
+              <a:rPr lang="en-US" dirty="0" smtClean="0"/>
+              <a:t>/server1_101/</a:t>
+            </a:r>
+            <a:r>
+              <a:rPr lang="en-US" dirty="0" err="1" smtClean="0"/>
+              <a:t>config</a:t>
+            </a:r>
+            <a:endParaRPr lang="en-US" dirty="0" smtClean="0"/>
+          </a:p>
+          <a:p>
+            <a:endParaRPr lang="en-US" dirty="0"/>
+          </a:p>
+        </p:txBody>
+      </p:sp>
+    </p:spTree>
+  </p:cSld>
+  <p:clrMapOvr>
+    <a:masterClrMapping/>
+  </p:clrMapOvr>
+</p:sld>
+</file>
+
+<file path=ppt/slides/slide13.xml><?xml version="1.0" encoding="utf-8"?>
+<p:sld xmlns:a="http://schemas.openxmlformats.org/drawingml/2006/main" xmlns:r="http://schemas.openxmlformats.org/officeDocument/2006/relationships" xmlns:p="http://schemas.openxmlformats.org/presentationml/2006/main">
+  <p:cSld>
+    <p:spTree>
+      <p:nvGrpSpPr>
+        <p:cNvPr id="1" name=""/>
+        <p:cNvGrpSpPr/>
+        <p:nvPr/>
+      </p:nvGrpSpPr>
+      <p:grpSpPr>
+        <a:xfrm>
+          <a:off x="0" y="0"/>
+          <a:ext cx="0" cy="0"/>
+          <a:chOff x="0" y="0"/>
+          <a:chExt cx="0" cy="0"/>
+        </a:xfrm>
+      </p:grpSpPr>
+      <p:sp>
+        <p:nvSpPr>
+          <p:cNvPr id="2" name="Title 1"/>
+          <p:cNvSpPr>
+            <a:spLocks noGrp="1"/>
+          </p:cNvSpPr>
+          <p:nvPr>
+            <p:ph type="title"/>
+          </p:nvPr>
+        </p:nvSpPr>
+        <p:spPr/>
+        <p:txBody>
+          <a:bodyPr/>
+          <a:lstStyle/>
+          <a:p>
+            <a:r>
+              <a:rPr lang="en-US" dirty="0" smtClean="0"/>
+              <a:t>Profile Configurations</a:t>
+            </a:r>
+            <a:endParaRPr lang="en-US" dirty="0"/>
+          </a:p>
+        </p:txBody>
+      </p:sp>
+      <p:sp>
+        <p:nvSpPr>
+          <p:cNvPr id="3" name="Content Placeholder 2"/>
+          <p:cNvSpPr>
+            <a:spLocks noGrp="1"/>
+          </p:cNvSpPr>
+          <p:nvPr>
+            <p:ph idx="1"/>
+          </p:nvPr>
+        </p:nvSpPr>
+        <p:spPr/>
+        <p:txBody>
+          <a:bodyPr/>
+          <a:lstStyle/>
+          <a:p>
+            <a:endParaRPr lang="en-US"/>
+          </a:p>
+        </p:txBody>
+      </p:sp>
+      <p:pic>
+        <p:nvPicPr>
+          <p:cNvPr id="1026" name="Picture 2"/>
+          <p:cNvPicPr>
+            <a:picLocks noChangeAspect="1" noChangeArrowheads="1"/>
+          </p:cNvPicPr>
+          <p:nvPr/>
+        </p:nvPicPr>
+        <p:blipFill>
+          <a:blip r:embed="rId2" cstate="print"/>
+          <a:srcRect/>
+          <a:stretch>
+            <a:fillRect/>
+          </a:stretch>
+        </p:blipFill>
+        <p:spPr bwMode="auto">
+          <a:xfrm>
+            <a:off x="990600" y="1600200"/>
+            <a:ext cx="7134225" cy="4714875"/>
+          </a:xfrm>
+          <a:prstGeom prst="rect">
+            <a:avLst/>
+          </a:prstGeom>
+          <a:noFill/>
+          <a:ln w="9525">
+            <a:noFill/>
+            <a:miter lim="800000"/>
+            <a:headEnd/>
+            <a:tailEnd/>
+          </a:ln>
+        </p:spPr>
+      </p:pic>
+    </p:spTree>
+  </p:cSld>
+  <p:clrMapOvr>
+    <a:masterClrMapping/>
+  </p:clrMapOvr>
+</p:sld>
+</file>
+
+<file path=ppt/slides/slide14.xml><?xml version="1.0" encoding="utf-8"?>
+<p:sld xmlns:a="http://schemas.openxmlformats.org/drawingml/2006/main" xmlns:r="http://schemas.openxmlformats.org/officeDocument/2006/relationships" xmlns:p="http://schemas.openxmlformats.org/presentationml/2006/main">
+  <p:cSld>
+    <p:spTree>
+      <p:nvGrpSpPr>
+        <p:cNvPr id="1" name=""/>
+        <p:cNvGrpSpPr/>
+        <p:nvPr/>
+      </p:nvGrpSpPr>
+      <p:grpSpPr>
+        <a:xfrm>
+          <a:off x="0" y="0"/>
+          <a:ext cx="0" cy="0"/>
+          <a:chOff x="0" y="0"/>
+          <a:chExt cx="0" cy="0"/>
+        </a:xfrm>
+      </p:grpSpPr>
+      <p:sp>
+        <p:nvSpPr>
+          <p:cNvPr id="2" name="Title 1"/>
+          <p:cNvSpPr>
+            <a:spLocks noGrp="1"/>
+          </p:cNvSpPr>
+          <p:nvPr>
+            <p:ph type="title"/>
+          </p:nvPr>
+        </p:nvSpPr>
+        <p:spPr/>
+        <p:txBody>
+          <a:bodyPr/>
+          <a:lstStyle/>
+          <a:p>
+            <a:r>
+              <a:rPr lang="en-US" dirty="0" smtClean="0"/>
+              <a:t>Profile Configurations (Cont’d)</a:t>
+            </a:r>
+            <a:endParaRPr lang="en-US" dirty="0"/>
+          </a:p>
+        </p:txBody>
+      </p:sp>
+      <p:sp>
+        <p:nvSpPr>
+          <p:cNvPr id="3" name="Content Placeholder 2"/>
+          <p:cNvSpPr>
+            <a:spLocks noGrp="1"/>
+          </p:cNvSpPr>
+          <p:nvPr>
+            <p:ph idx="1"/>
+          </p:nvPr>
+        </p:nvSpPr>
+        <p:spPr/>
+        <p:txBody>
+          <a:bodyPr/>
+          <a:lstStyle/>
+          <a:p>
+            <a:endParaRPr lang="en-US"/>
+          </a:p>
+        </p:txBody>
+      </p:sp>
+      <p:pic>
+        <p:nvPicPr>
+          <p:cNvPr id="2050" name="Picture 2"/>
+          <p:cNvPicPr>
+            <a:picLocks noChangeAspect="1" noChangeArrowheads="1"/>
+          </p:cNvPicPr>
+          <p:nvPr/>
+        </p:nvPicPr>
+        <p:blipFill>
+          <a:blip r:embed="rId2" cstate="print"/>
+          <a:srcRect/>
+          <a:stretch>
+            <a:fillRect/>
+          </a:stretch>
+        </p:blipFill>
+        <p:spPr bwMode="auto">
+          <a:xfrm>
+            <a:off x="990600" y="1600200"/>
+            <a:ext cx="7134225" cy="4714875"/>
+          </a:xfrm>
+          <a:prstGeom prst="rect">
+            <a:avLst/>
+          </a:prstGeom>
+          <a:noFill/>
+          <a:ln w="9525">
+            <a:noFill/>
+            <a:miter lim="800000"/>
+            <a:headEnd/>
+            <a:tailEnd/>
+          </a:ln>
+        </p:spPr>
+      </p:pic>
+    </p:spTree>
+  </p:cSld>
+  <p:clrMapOvr>
+    <a:masterClrMapping/>
+  </p:clrMapOvr>
+</p:sld>
+</file>
+
+<file path=ppt/slides/slide15.xml><?xml version="1.0" encoding="utf-8"?>
+<p:sld xmlns:a="http://schemas.openxmlformats.org/drawingml/2006/main" xmlns:r="http://schemas.openxmlformats.org/officeDocument/2006/relationships" xmlns:p="http://schemas.openxmlformats.org/presentationml/2006/main">
+  <p:cSld>
+    <p:spTree>
+      <p:nvGrpSpPr>
+        <p:cNvPr id="1" name=""/>
+        <p:cNvGrpSpPr/>
+        <p:nvPr/>
+      </p:nvGrpSpPr>
+      <p:grpSpPr>
+        <a:xfrm>
+          <a:off x="0" y="0"/>
+          <a:ext cx="0" cy="0"/>
+          <a:chOff x="0" y="0"/>
+          <a:chExt cx="0" cy="0"/>
+        </a:xfrm>
+      </p:grpSpPr>
+      <p:sp>
+        <p:nvSpPr>
+          <p:cNvPr id="2" name="Title 1"/>
+          <p:cNvSpPr>
+            <a:spLocks noGrp="1"/>
+          </p:cNvSpPr>
+          <p:nvPr>
+            <p:ph type="title"/>
+          </p:nvPr>
+        </p:nvSpPr>
+        <p:spPr/>
+        <p:txBody>
+          <a:bodyPr/>
+          <a:lstStyle/>
+          <a:p>
+            <a:r>
+              <a:rPr lang="en-US" dirty="0" smtClean="0"/>
+              <a:t>Profile Configurations (Cont’d)</a:t>
+            </a:r>
+            <a:endParaRPr lang="en-US" dirty="0"/>
+          </a:p>
+        </p:txBody>
+      </p:sp>
+      <p:sp>
+        <p:nvSpPr>
+          <p:cNvPr id="3" name="Content Placeholder 2"/>
+          <p:cNvSpPr>
+            <a:spLocks noGrp="1"/>
+          </p:cNvSpPr>
+          <p:nvPr>
+            <p:ph idx="1"/>
+          </p:nvPr>
+        </p:nvSpPr>
+        <p:spPr/>
+        <p:txBody>
+          <a:bodyPr/>
+          <a:lstStyle/>
+          <a:p>
+            <a:endParaRPr lang="en-US"/>
+          </a:p>
+        </p:txBody>
+      </p:sp>
+      <p:pic>
+        <p:nvPicPr>
+          <p:cNvPr id="3074" name="Picture 2"/>
+          <p:cNvPicPr>
+            <a:picLocks noChangeAspect="1" noChangeArrowheads="1"/>
+          </p:cNvPicPr>
+          <p:nvPr/>
+        </p:nvPicPr>
+        <p:blipFill>
+          <a:blip r:embed="rId2" cstate="print"/>
+          <a:srcRect/>
+          <a:stretch>
+            <a:fillRect/>
+          </a:stretch>
+        </p:blipFill>
+        <p:spPr bwMode="auto">
+          <a:xfrm>
+            <a:off x="990600" y="1600200"/>
+            <a:ext cx="7134225" cy="4714875"/>
+          </a:xfrm>
+          <a:prstGeom prst="rect">
+            <a:avLst/>
+          </a:prstGeom>
+          <a:noFill/>
+          <a:ln w="9525">
+            <a:noFill/>
+            <a:miter lim="800000"/>
+            <a:headEnd/>
+            <a:tailEnd/>
+          </a:ln>
+        </p:spPr>
+      </p:pic>
+    </p:spTree>
+  </p:cSld>
+  <p:clrMapOvr>
+    <a:masterClrMapping/>
+  </p:clrMapOvr>
+</p:sld>
+</file>
+
+<file path=ppt/slides/slide16.xml><?xml version="1.0" encoding="utf-8"?>
+<p:sld xmlns:a="http://schemas.openxmlformats.org/drawingml/2006/main" xmlns:r="http://schemas.openxmlformats.org/officeDocument/2006/relationships" xmlns:p="http://schemas.openxmlformats.org/presentationml/2006/main">
+  <p:cSld>
+    <p:spTree>
+      <p:nvGrpSpPr>
+        <p:cNvPr id="1" name=""/>
+        <p:cNvGrpSpPr/>
+        <p:nvPr/>
+      </p:nvGrpSpPr>
+      <p:grpSpPr>
+        <a:xfrm>
+          <a:off x="0" y="0"/>
+          <a:ext cx="0" cy="0"/>
+          <a:chOff x="0" y="0"/>
+          <a:chExt cx="0" cy="0"/>
+        </a:xfrm>
+      </p:grpSpPr>
+      <p:sp>
+        <p:nvSpPr>
+          <p:cNvPr id="2" name="Title 1"/>
+          <p:cNvSpPr>
+            <a:spLocks noGrp="1"/>
+          </p:cNvSpPr>
+          <p:nvPr>
+            <p:ph type="title"/>
+          </p:nvPr>
+        </p:nvSpPr>
+        <p:spPr/>
+        <p:txBody>
+          <a:bodyPr/>
+          <a:lstStyle/>
+          <a:p>
+            <a:endParaRPr lang="en-US"/>
+          </a:p>
+        </p:txBody>
+      </p:sp>
+      <p:sp>
+        <p:nvSpPr>
+          <p:cNvPr id="3" name="Content Placeholder 2"/>
+          <p:cNvSpPr>
+            <a:spLocks noGrp="1"/>
+          </p:cNvSpPr>
+          <p:nvPr>
+            <p:ph idx="1"/>
+          </p:nvPr>
+        </p:nvSpPr>
+        <p:spPr/>
+        <p:txBody>
+          <a:bodyPr/>
+          <a:lstStyle/>
+          <a:p>
+            <a:endParaRPr lang="en-US"/>
+          </a:p>
+        </p:txBody>
+      </p:sp>
+      <p:pic>
+        <p:nvPicPr>
+          <p:cNvPr id="2050" name="Picture 2"/>
+          <p:cNvPicPr>
+            <a:picLocks noChangeAspect="1" noChangeArrowheads="1"/>
+          </p:cNvPicPr>
+          <p:nvPr/>
+        </p:nvPicPr>
+        <p:blipFill>
+          <a:blip r:embed="rId2" cstate="print"/>
+          <a:srcRect/>
+          <a:stretch>
+            <a:fillRect/>
+          </a:stretch>
+        </p:blipFill>
+        <p:spPr bwMode="auto">
+          <a:xfrm>
+            <a:off x="800100" y="1076325"/>
+            <a:ext cx="7543800" cy="4705350"/>
+          </a:xfrm>
+          <a:prstGeom prst="rect">
+            <a:avLst/>
+          </a:prstGeom>
+          <a:noFill/>
+          <a:ln w="9525">
+            <a:noFill/>
+            <a:miter lim="800000"/>
+            <a:headEnd/>
+            <a:tailEnd/>
+          </a:ln>
+        </p:spPr>
+      </p:pic>
+    </p:spTree>
+  </p:cSld>
+  <p:clrMapOvr>
+    <a:masterClrMapping/>
+  </p:clrMapOvr>
+</p:sld>
+</file>
+
+<file path=ppt/slides/slide17.xml><?xml version="1.0" encoding="utf-8"?>
+<p:sld xmlns:a="http://schemas.openxmlformats.org/drawingml/2006/main" xmlns:r="http://schemas.openxmlformats.org/officeDocument/2006/relationships" xmlns:p="http://schemas.openxmlformats.org/presentationml/2006/main">
+  <p:cSld>
+    <p:spTree>
+      <p:nvGrpSpPr>
+        <p:cNvPr id="1" name=""/>
+        <p:cNvGrpSpPr/>
+        <p:nvPr/>
+      </p:nvGrpSpPr>
+      <p:grpSpPr>
+        <a:xfrm>
+          <a:off x="0" y="0"/>
+          <a:ext cx="0" cy="0"/>
+          <a:chOff x="0" y="0"/>
+          <a:chExt cx="0" cy="0"/>
+        </a:xfrm>
+      </p:grpSpPr>
+      <p:sp>
+        <p:nvSpPr>
+          <p:cNvPr id="4" name="Title 3"/>
+          <p:cNvSpPr>
+            <a:spLocks noGrp="1"/>
+          </p:cNvSpPr>
+          <p:nvPr>
+            <p:ph type="title"/>
+          </p:nvPr>
+        </p:nvSpPr>
+        <p:spPr/>
+        <p:txBody>
+          <a:bodyPr/>
+          <a:lstStyle/>
+          <a:p>
+            <a:r>
+              <a:rPr lang="en-US" dirty="0" smtClean="0"/>
+              <a:t>Profiling Applications via TPTP</a:t>
+            </a:r>
+            <a:endParaRPr lang="en-US" dirty="0"/>
+          </a:p>
+        </p:txBody>
+      </p:sp>
+      <p:sp>
+        <p:nvSpPr>
+          <p:cNvPr id="5" name="Text Placeholder 4"/>
+          <p:cNvSpPr>
+            <a:spLocks noGrp="1"/>
+          </p:cNvSpPr>
+          <p:nvPr>
+            <p:ph type="body" idx="1"/>
+          </p:nvPr>
+        </p:nvSpPr>
+        <p:spPr/>
+        <p:txBody>
+          <a:bodyPr/>
+          <a:lstStyle/>
+          <a:p>
+            <a:r>
+              <a:rPr lang="en-US" dirty="0" smtClean="0"/>
+              <a:t>Part II</a:t>
+            </a:r>
+            <a:endParaRPr lang="en-US" dirty="0"/>
+          </a:p>
+        </p:txBody>
+      </p:sp>
+    </p:spTree>
+  </p:cSld>
+  <p:clrMapOvr>
+    <a:masterClrMapping/>
+  </p:clrMapOvr>
+</p:sld>
+</file>
+
+<file path=ppt/slides/slide18.xml><?xml version="1.0" encoding="utf-8"?>
+<p:sld xmlns:a="http://schemas.openxmlformats.org/drawingml/2006/main" xmlns:r="http://schemas.openxmlformats.org/officeDocument/2006/relationships" xmlns:p="http://schemas.openxmlformats.org/presentationml/2006/main">
+  <p:cSld>
+    <p:spTree>
+      <p:nvGrpSpPr>
+        <p:cNvPr id="1" name=""/>
+        <p:cNvGrpSpPr/>
+        <p:nvPr/>
+      </p:nvGrpSpPr>
+      <p:grpSpPr>
+        <a:xfrm>
+          <a:off x="0" y="0"/>
+          <a:ext cx="0" cy="0"/>
+          <a:chOff x="0" y="0"/>
+          <a:chExt cx="0" cy="0"/>
+        </a:xfrm>
+      </p:grpSpPr>
+      <p:sp>
+        <p:nvSpPr>
+          <p:cNvPr id="2" name="Title 1"/>
+          <p:cNvSpPr>
+            <a:spLocks noGrp="1"/>
+          </p:cNvSpPr>
+          <p:nvPr>
+            <p:ph type="title"/>
+          </p:nvPr>
+        </p:nvSpPr>
+        <p:spPr/>
+        <p:txBody>
+          <a:bodyPr>
+            <a:normAutofit fontScale="90000"/>
+          </a:bodyPr>
+          <a:lstStyle/>
+          <a:p>
+            <a:r>
+              <a:rPr lang="en-US" dirty="0" smtClean="0"/>
+              <a:t>Environment for non-ARM Instrumentation</a:t>
+            </a:r>
+            <a:endParaRPr lang="en-US" dirty="0"/>
+          </a:p>
+        </p:txBody>
+      </p:sp>
+      <p:sp>
+        <p:nvSpPr>
+          <p:cNvPr id="3" name="Content Placeholder 2"/>
+          <p:cNvSpPr>
+            <a:spLocks noGrp="1"/>
+          </p:cNvSpPr>
+          <p:nvPr>
+            <p:ph idx="1"/>
+          </p:nvPr>
+        </p:nvSpPr>
+        <p:spPr/>
+        <p:txBody>
+          <a:bodyPr/>
+          <a:lstStyle/>
+          <a:p>
+            <a:endParaRPr lang="en-US" dirty="0"/>
+          </a:p>
+        </p:txBody>
+      </p:sp>
+      <p:pic>
+        <p:nvPicPr>
+          <p:cNvPr id="5" name="Picture 3" descr="C:\Documents and Settings\Yoonki\Local Settings\Temporary Internet Files\Content.IE5\1UZTH24C\j0431595[1].png"/>
+          <p:cNvPicPr>
+            <a:picLocks noChangeAspect="1" noChangeArrowheads="1"/>
+          </p:cNvPicPr>
+          <p:nvPr/>
+        </p:nvPicPr>
+        <p:blipFill>
+          <a:blip r:embed="rId2" cstate="print"/>
+          <a:srcRect/>
+          <a:stretch>
+            <a:fillRect/>
+          </a:stretch>
+        </p:blipFill>
+        <p:spPr bwMode="auto">
+          <a:xfrm>
+            <a:off x="1447800" y="1600200"/>
+            <a:ext cx="1828572" cy="1828572"/>
+          </a:xfrm>
+          <a:prstGeom prst="rect">
+            <a:avLst/>
+          </a:prstGeom>
+          <a:noFill/>
+        </p:spPr>
+      </p:pic>
+      <p:pic>
+        <p:nvPicPr>
+          <p:cNvPr id="6" name="Picture 4" descr="C:\Documents and Settings\Yoonki\Local Settings\Temporary Internet Files\Content.IE5\79GYPFSZ\j0431637[1].png"/>
+          <p:cNvPicPr>
+            <a:picLocks noChangeAspect="1" noChangeArrowheads="1"/>
+          </p:cNvPicPr>
+          <p:nvPr/>
+        </p:nvPicPr>
+        <p:blipFill>
+          <a:blip r:embed="rId3" cstate="print"/>
+          <a:srcRect/>
+          <a:stretch>
+            <a:fillRect/>
+          </a:stretch>
+        </p:blipFill>
+        <p:spPr bwMode="auto">
+          <a:xfrm>
+            <a:off x="5943600" y="1600200"/>
+            <a:ext cx="1714500" cy="1714500"/>
+          </a:xfrm>
+          <a:prstGeom prst="rect">
+            <a:avLst/>
+          </a:prstGeom>
+          <a:noFill/>
+        </p:spPr>
+      </p:pic>
+      <p:sp>
+        <p:nvSpPr>
+          <p:cNvPr id="10" name="Left-Right Arrow 9"/>
+          <p:cNvSpPr/>
+          <p:nvPr/>
+        </p:nvSpPr>
+        <p:spPr>
+          <a:xfrm>
+            <a:off x="4038600" y="2133600"/>
+            <a:ext cx="1066800" cy="533400"/>
+          </a:xfrm>
+          <a:prstGeom prst="leftRightArrow">
+            <a:avLst/>
+          </a:prstGeom>
+        </p:spPr>
+        <p:style>
+          <a:lnRef idx="2">
+            <a:schemeClr val="accent1">
+              <a:shade val="50000"/>
+            </a:schemeClr>
+          </a:lnRef>
+          <a:fillRef idx="1">
+            <a:schemeClr val="accent1"/>
+          </a:fillRef>
+          <a:effectRef idx="0">
+            <a:schemeClr val="accent1"/>
+          </a:effectRef>
+          <a:fontRef idx="minor">
+            <a:schemeClr val="lt1"/>
+          </a:fontRef>
+        </p:style>
+        <p:txBody>
+          <a:bodyPr rtlCol="0" anchor="ctr"/>
+          <a:lstStyle/>
+          <a:p>
+            <a:pPr algn="ctr"/>
+            <a:endParaRPr lang="en-US"/>
+          </a:p>
+        </p:txBody>
+      </p:sp>
+      <p:sp>
+        <p:nvSpPr>
+          <p:cNvPr id="11" name="Rounded Rectangle 10"/>
+          <p:cNvSpPr/>
+          <p:nvPr/>
+        </p:nvSpPr>
+        <p:spPr>
+          <a:xfrm>
+            <a:off x="4724400" y="3505200"/>
+            <a:ext cx="3962400" cy="2590800"/>
+          </a:xfrm>
+          <a:prstGeom prst="roundRect">
+            <a:avLst/>
+          </a:prstGeom>
+        </p:spPr>
+        <p:style>
+          <a:lnRef idx="1">
+            <a:schemeClr val="dk1"/>
+          </a:lnRef>
+          <a:fillRef idx="2">
+            <a:schemeClr val="dk1"/>
+          </a:fillRef>
+          <a:effectRef idx="1">
+            <a:schemeClr val="dk1"/>
+          </a:effectRef>
+          <a:fontRef idx="minor">
+            <a:schemeClr val="dk1"/>
+          </a:fontRef>
+        </p:style>
+        <p:txBody>
+          <a:bodyPr rtlCol="0" anchor="t"/>
+          <a:lstStyle/>
+          <a:p>
+            <a:pPr algn="ctr"/>
+            <a:r>
+              <a:rPr lang="en-US" sz="1400" dirty="0" smtClean="0"/>
+              <a:t>Server:</a:t>
+            </a:r>
+          </a:p>
+          <a:p>
+            <a:pPr algn="ctr"/>
+            <a:r>
+              <a:rPr lang="en-US" sz="1400" dirty="0" smtClean="0"/>
+              <a:t>eb2-2241-grd02.csc.ncsu.edu (152.14.90.8)</a:t>
+            </a:r>
+          </a:p>
+          <a:p>
+            <a:pPr algn="ctr"/>
+            <a:endParaRPr lang="en-US" sz="1400" dirty="0" smtClean="0"/>
+          </a:p>
+          <a:p>
+            <a:pPr>
+              <a:buFont typeface="Wingdings" pitchFamily="2" charset="2"/>
+              <a:buChar char="§"/>
+            </a:pPr>
+            <a:r>
+              <a:rPr lang="en-US" sz="1400" dirty="0" smtClean="0"/>
+              <a:t> </a:t>
+            </a:r>
+            <a:r>
+              <a:rPr lang="en-US" sz="1400" dirty="0" smtClean="0"/>
+              <a:t>Java 1.5 or lower</a:t>
+            </a:r>
+          </a:p>
+          <a:p>
+            <a:pPr>
+              <a:buFont typeface="Wingdings" pitchFamily="2" charset="2"/>
+              <a:buChar char="§"/>
+            </a:pPr>
+            <a:r>
+              <a:rPr lang="en-US" sz="1400" dirty="0" smtClean="0"/>
+              <a:t> </a:t>
+            </a:r>
+            <a:r>
+              <a:rPr lang="en-US" sz="1400" dirty="0" err="1" smtClean="0"/>
+              <a:t>WebSphere</a:t>
+            </a:r>
+            <a:r>
+              <a:rPr lang="en-US" sz="1400" dirty="0" smtClean="0"/>
+              <a:t> </a:t>
+            </a:r>
+            <a:r>
+              <a:rPr lang="en-US" sz="1400" dirty="0" smtClean="0"/>
+              <a:t>Application Server v6.1</a:t>
+            </a:r>
+          </a:p>
+          <a:p>
+            <a:pPr>
+              <a:buFont typeface="Wingdings" pitchFamily="2" charset="2"/>
+              <a:buChar char="§"/>
+            </a:pPr>
+            <a:r>
+              <a:rPr lang="en-US" sz="1400" dirty="0" smtClean="0"/>
+              <a:t> Standalone Agent Controller  </a:t>
+            </a:r>
+          </a:p>
+          <a:p>
+            <a:endParaRPr lang="en-US" sz="1400" dirty="0" smtClean="0"/>
+          </a:p>
+        </p:txBody>
+      </p:sp>
+      <p:sp>
+        <p:nvSpPr>
+          <p:cNvPr id="12" name="Rounded Rectangle 11"/>
+          <p:cNvSpPr/>
+          <p:nvPr/>
+        </p:nvSpPr>
+        <p:spPr>
+          <a:xfrm>
+            <a:off x="457200" y="3505200"/>
+            <a:ext cx="3962400" cy="2590800"/>
+          </a:xfrm>
+          <a:prstGeom prst="roundRect">
+            <a:avLst/>
+          </a:prstGeom>
+        </p:spPr>
+        <p:style>
+          <a:lnRef idx="1">
+            <a:schemeClr val="dk1"/>
+          </a:lnRef>
+          <a:fillRef idx="2">
+            <a:schemeClr val="dk1"/>
+          </a:fillRef>
+          <a:effectRef idx="1">
+            <a:schemeClr val="dk1"/>
+          </a:effectRef>
+          <a:fontRef idx="minor">
+            <a:schemeClr val="dk1"/>
+          </a:fontRef>
+        </p:style>
+        <p:txBody>
+          <a:bodyPr rtlCol="0" anchor="t"/>
+          <a:lstStyle/>
+          <a:p>
+            <a:pPr algn="ctr"/>
+            <a:r>
+              <a:rPr lang="en-US" sz="1400" dirty="0" smtClean="0"/>
+              <a:t>Client:</a:t>
+            </a:r>
+          </a:p>
+          <a:p>
+            <a:pPr algn="ctr"/>
+            <a:r>
+              <a:rPr lang="en-US" sz="1400" dirty="0" smtClean="0"/>
+              <a:t>My laptop (Dynamic IP)</a:t>
+            </a:r>
+          </a:p>
+          <a:p>
+            <a:pPr algn="ctr"/>
+            <a:endParaRPr lang="en-US" sz="1400" dirty="0" smtClean="0"/>
+          </a:p>
+          <a:p>
+            <a:pPr>
+              <a:buFont typeface="Wingdings" pitchFamily="2" charset="2"/>
+              <a:buChar char="§"/>
+            </a:pPr>
+            <a:r>
+              <a:rPr lang="en-US" sz="1400" dirty="0" smtClean="0"/>
+              <a:t> Java 1.5 or lower </a:t>
+            </a:r>
+          </a:p>
+          <a:p>
+            <a:pPr>
+              <a:buFont typeface="Wingdings" pitchFamily="2" charset="2"/>
+              <a:buChar char="§"/>
+            </a:pPr>
+            <a:r>
+              <a:rPr lang="en-US" sz="1400" dirty="0" smtClean="0"/>
+              <a:t>TPTP </a:t>
+            </a:r>
+            <a:r>
+              <a:rPr lang="en-US" sz="1400" dirty="0" smtClean="0"/>
+              <a:t>all-in-one </a:t>
+            </a:r>
+            <a:r>
+              <a:rPr lang="en-US" sz="1400" dirty="0" smtClean="0"/>
+              <a:t>v4.5.1</a:t>
+            </a:r>
+            <a:endParaRPr lang="en-US" sz="1400" dirty="0" smtClean="0"/>
+          </a:p>
+        </p:txBody>
+      </p:sp>
+    </p:spTree>
+  </p:cSld>
+  <p:clrMapOvr>
+    <a:masterClrMapping/>
+  </p:clrMapOvr>
+</p:sld>
+</file>
+
+<file path=ppt/slides/slide19.xml><?xml version="1.0" encoding="utf-8"?>
+<p:sld xmlns:a="http://schemas.openxmlformats.org/drawingml/2006/main" xmlns:r="http://schemas.openxmlformats.org/officeDocument/2006/relationships" xmlns:p="http://schemas.openxmlformats.org/presentationml/2006/main">
+  <p:cSld>
+    <p:spTree>
+      <p:nvGrpSpPr>
+        <p:cNvPr id="1" name=""/>
+        <p:cNvGrpSpPr/>
+        <p:nvPr/>
+      </p:nvGrpSpPr>
+      <p:grpSpPr>
+        <a:xfrm>
+          <a:off x="0" y="0"/>
+          <a:ext cx="0" cy="0"/>
+          <a:chOff x="0" y="0"/>
+          <a:chExt cx="0" cy="0"/>
+        </a:xfrm>
+      </p:grpSpPr>
+      <p:sp>
+        <p:nvSpPr>
+          <p:cNvPr id="9" name="Title 8"/>
+          <p:cNvSpPr>
+            <a:spLocks noGrp="1"/>
+          </p:cNvSpPr>
+          <p:nvPr>
+            <p:ph type="title"/>
+          </p:nvPr>
+        </p:nvSpPr>
+        <p:spPr/>
+        <p:txBody>
+          <a:bodyPr>
+            <a:normAutofit fontScale="90000"/>
+          </a:bodyPr>
+          <a:lstStyle/>
+          <a:p>
+            <a:r>
+              <a:rPr lang="en-US" dirty="0" smtClean="0"/>
+              <a:t>Sequence for Collecting Trace data with non-ARM Instrumentation(TPTP)</a:t>
+            </a:r>
+            <a:endParaRPr lang="en-US" dirty="0"/>
+          </a:p>
+        </p:txBody>
+      </p:sp>
+      <p:sp>
+        <p:nvSpPr>
+          <p:cNvPr id="10" name="Text Placeholder 9"/>
+          <p:cNvSpPr>
+            <a:spLocks noGrp="1"/>
+          </p:cNvSpPr>
+          <p:nvPr>
+            <p:ph type="body" idx="1"/>
+          </p:nvPr>
+        </p:nvSpPr>
+        <p:spPr/>
+        <p:txBody>
+          <a:bodyPr/>
+          <a:lstStyle/>
+          <a:p>
+            <a:r>
+              <a:rPr lang="en-US" dirty="0" smtClean="0"/>
+              <a:t>Client</a:t>
+            </a:r>
+            <a:endParaRPr lang="en-US" dirty="0"/>
+          </a:p>
+        </p:txBody>
+      </p:sp>
+      <p:sp>
+        <p:nvSpPr>
+          <p:cNvPr id="11" name="Content Placeholder 10"/>
+          <p:cNvSpPr>
+            <a:spLocks noGrp="1"/>
+          </p:cNvSpPr>
+          <p:nvPr>
+            <p:ph sz="half" idx="2"/>
+          </p:nvPr>
+        </p:nvSpPr>
+        <p:spPr>
+          <a:xfrm>
+            <a:off x="457200" y="3810001"/>
+            <a:ext cx="4040188" cy="2316162"/>
+          </a:xfrm>
+        </p:spPr>
+        <p:txBody>
+          <a:bodyPr>
+            <a:normAutofit/>
+          </a:bodyPr>
+          <a:lstStyle/>
+          <a:p>
+            <a:pPr marL="342900" lvl="1" indent="-342900">
+              <a:buNone/>
+            </a:pPr>
+            <a:r>
+              <a:rPr lang="en-US" sz="1800" dirty="0" smtClean="0"/>
+              <a:t>3. </a:t>
+            </a:r>
+            <a:r>
+              <a:rPr lang="en-US" sz="1800" dirty="0" smtClean="0"/>
+              <a:t>Use TPTP to collect trace data</a:t>
+            </a:r>
+          </a:p>
+          <a:p>
+            <a:pPr>
+              <a:buNone/>
+            </a:pPr>
+            <a:r>
+              <a:rPr lang="en-US" sz="1800" smtClean="0"/>
+              <a:t>4. </a:t>
+            </a:r>
+            <a:r>
+              <a:rPr lang="en-US" sz="1800" dirty="0" smtClean="0"/>
+              <a:t>Our plug-in analyzes trace data (B)</a:t>
+            </a:r>
+            <a:endParaRPr lang="en-US" sz="1800" dirty="0"/>
+          </a:p>
+        </p:txBody>
+      </p:sp>
+      <p:sp>
+        <p:nvSpPr>
+          <p:cNvPr id="12" name="Text Placeholder 11"/>
+          <p:cNvSpPr>
+            <a:spLocks noGrp="1"/>
+          </p:cNvSpPr>
+          <p:nvPr>
+            <p:ph type="body" sz="quarter" idx="3"/>
+          </p:nvPr>
+        </p:nvSpPr>
+        <p:spPr/>
+        <p:txBody>
+          <a:bodyPr/>
+          <a:lstStyle/>
+          <a:p>
+            <a:r>
+              <a:rPr lang="en-US" dirty="0" smtClean="0"/>
+              <a:t>Server</a:t>
+            </a:r>
+            <a:endParaRPr lang="en-US" dirty="0"/>
+          </a:p>
+        </p:txBody>
+      </p:sp>
+      <p:sp>
+        <p:nvSpPr>
+          <p:cNvPr id="13" name="Content Placeholder 12"/>
+          <p:cNvSpPr>
+            <a:spLocks noGrp="1"/>
+          </p:cNvSpPr>
+          <p:nvPr>
+            <p:ph sz="quarter" idx="4"/>
+          </p:nvPr>
+        </p:nvSpPr>
+        <p:spPr>
+          <a:xfrm>
+            <a:off x="4343401" y="2286000"/>
+            <a:ext cx="4343400" cy="3840162"/>
+          </a:xfrm>
+        </p:spPr>
+        <p:txBody>
+          <a:bodyPr>
+            <a:normAutofit/>
+          </a:bodyPr>
+          <a:lstStyle/>
+          <a:p>
+            <a:pPr marL="457200" indent="-457200"/>
+            <a:r>
+              <a:rPr lang="en-US" sz="1800" dirty="0" smtClean="0"/>
+              <a:t>/root/</a:t>
+            </a:r>
+            <a:r>
+              <a:rPr lang="en-US" sz="1800" dirty="0" err="1" smtClean="0"/>
+              <a:t>perftest</a:t>
+            </a:r>
+            <a:r>
+              <a:rPr lang="en-US" sz="1800" dirty="0" smtClean="0"/>
+              <a:t>/*.sh</a:t>
+            </a:r>
+          </a:p>
+          <a:p>
+            <a:pPr marL="857250" lvl="1" indent="-457200">
+              <a:buAutoNum type="arabicPeriod"/>
+            </a:pPr>
+            <a:r>
+              <a:rPr lang="en-US" sz="1400" dirty="0" smtClean="0"/>
+              <a:t>Start TPTP Agent Controller (</a:t>
+            </a:r>
+            <a:r>
+              <a:rPr lang="en-US" sz="1400" dirty="0" smtClean="0"/>
+              <a:t>TPTP-AC)</a:t>
+            </a:r>
+          </a:p>
+          <a:p>
+            <a:pPr marL="857250" lvl="1" indent="-457200">
+              <a:buAutoNum type="arabicPeriod"/>
+            </a:pPr>
+            <a:r>
+              <a:rPr lang="en-US" sz="1400" dirty="0" smtClean="0"/>
+              <a:t>Start </a:t>
+            </a:r>
+            <a:r>
+              <a:rPr lang="en-US" sz="1400" dirty="0" err="1" smtClean="0"/>
+              <a:t>WebSphere</a:t>
+            </a:r>
+            <a:r>
+              <a:rPr lang="en-US" sz="1400" dirty="0" smtClean="0"/>
+              <a:t> Application Server (WSAS)</a:t>
+            </a:r>
+          </a:p>
+        </p:txBody>
+      </p:sp>
+      <p:sp>
+        <p:nvSpPr>
+          <p:cNvPr id="7" name="Rounded Rectangular Callout 6"/>
+          <p:cNvSpPr/>
+          <p:nvPr/>
+        </p:nvSpPr>
+        <p:spPr>
+          <a:xfrm>
+            <a:off x="2667000" y="5105400"/>
+            <a:ext cx="1676400" cy="457200"/>
+          </a:xfrm>
+          <a:prstGeom prst="wedgeRoundRectCallout">
+            <a:avLst>
+              <a:gd name="adj1" fmla="val -55102"/>
+              <a:gd name="adj2" fmla="val 3436"/>
+              <a:gd name="adj3" fmla="val 16667"/>
+            </a:avLst>
+          </a:prstGeom>
+          <a:solidFill>
+            <a:schemeClr val="bg1"/>
+          </a:solidFill>
+        </p:spPr>
+        <p:style>
+          <a:lnRef idx="2">
+            <a:schemeClr val="accent1">
+              <a:shade val="50000"/>
+            </a:schemeClr>
+          </a:lnRef>
+          <a:fillRef idx="1">
+            <a:schemeClr val="accent1"/>
+          </a:fillRef>
+          <a:effectRef idx="0">
+            <a:schemeClr val="accent1"/>
+          </a:effectRef>
+          <a:fontRef idx="minor">
+            <a:schemeClr val="lt1"/>
+          </a:fontRef>
+        </p:style>
+        <p:txBody>
+          <a:bodyPr rtlCol="0" anchor="ctr"/>
+          <a:lstStyle/>
+          <a:p>
+            <a:pPr algn="ctr"/>
+            <a:r>
+              <a:rPr lang="en-US" dirty="0" smtClean="0">
+                <a:solidFill>
+                  <a:schemeClr val="accent6">
+                    <a:lumMod val="50000"/>
+                  </a:schemeClr>
+                </a:solidFill>
+              </a:rPr>
+              <a:t>Trace data (B)</a:t>
+            </a:r>
+            <a:endParaRPr lang="en-US" dirty="0">
+              <a:solidFill>
+                <a:schemeClr val="accent6">
+                  <a:lumMod val="50000"/>
+                </a:schemeClr>
+              </a:solidFill>
+            </a:endParaRPr>
+          </a:p>
+        </p:txBody>
+      </p:sp>
+      <p:pic>
+        <p:nvPicPr>
+          <p:cNvPr id="14" name="Picture 3" descr="C:\Documents and Settings\Yoonki\Local Settings\Temporary Internet Files\Content.IE5\U9BQB4VW\j0432605[1].png"/>
+          <p:cNvPicPr>
+            <a:picLocks noChangeAspect="1" noChangeArrowheads="1"/>
+          </p:cNvPicPr>
+          <p:nvPr/>
+        </p:nvPicPr>
+        <p:blipFill>
+          <a:blip r:embed="rId2" cstate="print"/>
+          <a:srcRect/>
+          <a:stretch>
+            <a:fillRect/>
+          </a:stretch>
+        </p:blipFill>
+        <p:spPr bwMode="auto">
+          <a:xfrm>
+            <a:off x="1676400" y="4800600"/>
+            <a:ext cx="990600" cy="990600"/>
+          </a:xfrm>
+          <a:prstGeom prst="rect">
+            <a:avLst/>
+          </a:prstGeom>
+          <a:noFill/>
+        </p:spPr>
+      </p:pic>
+    </p:spTree>
+  </p:cSld>
+  <p:clrMapOvr>
+    <a:masterClrMapping/>
+  </p:clrMapOvr>
+</p:sld>
+</file>
+
+<file path=ppt/slides/slide2.xml><?xml version="1.0" encoding="utf-8"?>
+<p:sld xmlns:a="http://schemas.openxmlformats.org/drawingml/2006/main" xmlns:r="http://schemas.openxmlformats.org/officeDocument/2006/relationships" xmlns:p="http://schemas.openxmlformats.org/presentationml/2006/main">
+  <p:cSld>
+    <p:spTree>
+      <p:nvGrpSpPr>
+        <p:cNvPr id="1" name=""/>
+        <p:cNvGrpSpPr/>
+        <p:nvPr/>
+      </p:nvGrpSpPr>
+      <p:grpSpPr>
+        <a:xfrm>
+          <a:off x="0" y="0"/>
+          <a:ext cx="0" cy="0"/>
+          <a:chOff x="0" y="0"/>
+          <a:chExt cx="0" cy="0"/>
+        </a:xfrm>
+      </p:grpSpPr>
+      <p:sp>
+        <p:nvSpPr>
+          <p:cNvPr id="2" name="Title 1"/>
+          <p:cNvSpPr>
+            <a:spLocks noGrp="1"/>
+          </p:cNvSpPr>
+          <p:nvPr>
+            <p:ph type="title"/>
+          </p:nvPr>
+        </p:nvSpPr>
+        <p:spPr/>
+        <p:txBody>
+          <a:bodyPr/>
+          <a:lstStyle/>
+          <a:p>
+            <a:r>
+              <a:rPr lang="en-US" dirty="0" smtClean="0"/>
+              <a:t>Profiling Applications via ARM</a:t>
+            </a:r>
+            <a:endParaRPr lang="en-US" dirty="0"/>
+          </a:p>
+        </p:txBody>
+      </p:sp>
+      <p:sp>
+        <p:nvSpPr>
+          <p:cNvPr id="3" name="Text Placeholder 2"/>
+          <p:cNvSpPr>
+            <a:spLocks noGrp="1"/>
+          </p:cNvSpPr>
+          <p:nvPr>
+            <p:ph type="body" idx="1"/>
+          </p:nvPr>
+        </p:nvSpPr>
+        <p:spPr/>
+        <p:txBody>
+          <a:bodyPr/>
+          <a:lstStyle/>
+          <a:p>
+            <a:r>
+              <a:rPr lang="en-US" dirty="0" smtClean="0"/>
+              <a:t>Part I</a:t>
+            </a:r>
+            <a:endParaRPr lang="en-US" dirty="0"/>
+          </a:p>
+        </p:txBody>
+      </p:sp>
+    </p:spTree>
+  </p:cSld>
+  <p:clrMapOvr>
+    <a:masterClrMapping/>
+  </p:clrMapOvr>
+</p:sld>
+</file>
+
+<file path=ppt/slides/slide20.xml><?xml version="1.0" encoding="utf-8"?>
+<p:sld xmlns:a="http://schemas.openxmlformats.org/drawingml/2006/main" xmlns:r="http://schemas.openxmlformats.org/officeDocument/2006/relationships" xmlns:p="http://schemas.openxmlformats.org/presentationml/2006/main">
+  <p:cSld>
+    <p:spTree>
+      <p:nvGrpSpPr>
+        <p:cNvPr id="1" name=""/>
+        <p:cNvGrpSpPr/>
+        <p:nvPr/>
+      </p:nvGrpSpPr>
+      <p:grpSpPr>
+        <a:xfrm>
+          <a:off x="0" y="0"/>
+          <a:ext cx="0" cy="0"/>
+          <a:chOff x="0" y="0"/>
+          <a:chExt cx="0" cy="0"/>
+        </a:xfrm>
+      </p:grpSpPr>
+      <p:sp>
+        <p:nvSpPr>
+          <p:cNvPr id="7" name="Title 6"/>
+          <p:cNvSpPr>
+            <a:spLocks noGrp="1"/>
+          </p:cNvSpPr>
+          <p:nvPr>
+            <p:ph type="title"/>
+          </p:nvPr>
+        </p:nvSpPr>
+        <p:spPr/>
+        <p:txBody>
+          <a:bodyPr>
+            <a:normAutofit fontScale="90000"/>
+          </a:bodyPr>
+          <a:lstStyle/>
+          <a:p>
+            <a:r>
+              <a:rPr lang="en-US" dirty="0" smtClean="0"/>
+              <a:t>Environment Variables on Windows</a:t>
+            </a:r>
+            <a:endParaRPr lang="en-US" dirty="0"/>
+          </a:p>
+        </p:txBody>
+      </p:sp>
+      <p:sp>
+        <p:nvSpPr>
+          <p:cNvPr id="8" name="Content Placeholder 7"/>
+          <p:cNvSpPr>
+            <a:spLocks noGrp="1"/>
+          </p:cNvSpPr>
+          <p:nvPr>
+            <p:ph idx="1"/>
+          </p:nvPr>
+        </p:nvSpPr>
+        <p:spPr/>
+        <p:txBody>
+          <a:bodyPr/>
+          <a:lstStyle/>
+          <a:p>
+            <a:r>
+              <a:rPr lang="en-US" dirty="0" smtClean="0"/>
+              <a:t>JAVA_PROFILER_HOME=%TPTP_AC_HOME%\</a:t>
+            </a:r>
+            <a:r>
+              <a:rPr lang="en-US" dirty="0" err="1" smtClean="0"/>
+              <a:t>plugins</a:t>
+            </a:r>
+            <a:r>
+              <a:rPr lang="en-US" dirty="0" smtClean="0"/>
+              <a:t>\</a:t>
+            </a:r>
+            <a:r>
+              <a:rPr lang="en-US" dirty="0" err="1" smtClean="0"/>
+              <a:t>org.eclipse.tptp.javaprofiler</a:t>
+            </a:r>
+            <a:endParaRPr lang="en-US" dirty="0" smtClean="0"/>
+          </a:p>
+          <a:p>
+            <a:r>
+              <a:rPr lang="en-US" dirty="0" smtClean="0"/>
+              <a:t>TPTP_AC_HOME=C:\DevTools\eclipse\tptp.runtime.allInOne.win32.win32.x86-TPTP-4.5.1</a:t>
+            </a:r>
+          </a:p>
+          <a:p>
+            <a:r>
+              <a:rPr lang="en-US" dirty="0" smtClean="0"/>
+              <a:t>PATH=%PATH%;%JAVA_PROFILER_HOME%;%TPTP_AC_HOME%\bin</a:t>
+            </a:r>
+            <a:endParaRPr lang="en-US" dirty="0"/>
+          </a:p>
+        </p:txBody>
+      </p:sp>
+    </p:spTree>
+  </p:cSld>
+  <p:clrMapOvr>
+    <a:masterClrMapping/>
+  </p:clrMapOvr>
+</p:sld>
+</file>
+
+<file path=ppt/slides/slide21.xml><?xml version="1.0" encoding="utf-8"?>
+<p:sld xmlns:a="http://schemas.openxmlformats.org/drawingml/2006/main" xmlns:r="http://schemas.openxmlformats.org/officeDocument/2006/relationships" xmlns:p="http://schemas.openxmlformats.org/presentationml/2006/main">
+  <p:cSld>
+    <p:spTree>
+      <p:nvGrpSpPr>
+        <p:cNvPr id="1" name=""/>
+        <p:cNvGrpSpPr/>
+        <p:nvPr/>
+      </p:nvGrpSpPr>
+      <p:grpSpPr>
+        <a:xfrm>
+          <a:off x="0" y="0"/>
+          <a:ext cx="0" cy="0"/>
+          <a:chOff x="0" y="0"/>
+          <a:chExt cx="0" cy="0"/>
+        </a:xfrm>
+      </p:grpSpPr>
+      <p:sp>
+        <p:nvSpPr>
+          <p:cNvPr id="2" name="Title 1"/>
+          <p:cNvSpPr>
+            <a:spLocks noGrp="1"/>
+          </p:cNvSpPr>
+          <p:nvPr>
+            <p:ph type="title"/>
+          </p:nvPr>
+        </p:nvSpPr>
+        <p:spPr/>
+        <p:txBody>
+          <a:bodyPr/>
+          <a:lstStyle/>
+          <a:p>
+            <a:r>
+              <a:rPr lang="en-US" dirty="0" smtClean="0"/>
+              <a:t>.</a:t>
+            </a:r>
+            <a:r>
+              <a:rPr lang="en-US" dirty="0" err="1" smtClean="0"/>
+              <a:t>bashrc</a:t>
+            </a:r>
+            <a:r>
+              <a:rPr lang="en-US" dirty="0" smtClean="0"/>
+              <a:t> on Linux</a:t>
+            </a:r>
+            <a:endParaRPr lang="en-US" dirty="0"/>
+          </a:p>
+        </p:txBody>
+      </p:sp>
+      <p:sp>
+        <p:nvSpPr>
+          <p:cNvPr id="3" name="Content Placeholder 2"/>
+          <p:cNvSpPr>
+            <a:spLocks noGrp="1"/>
+          </p:cNvSpPr>
+          <p:nvPr>
+            <p:ph idx="1"/>
+          </p:nvPr>
+        </p:nvSpPr>
+        <p:spPr/>
+        <p:txBody>
+          <a:bodyPr>
+            <a:normAutofit/>
+          </a:bodyPr>
+          <a:lstStyle/>
+          <a:p>
+            <a:pPr>
+              <a:buNone/>
+            </a:pPr>
+            <a:r>
+              <a:rPr lang="en-US" sz="1200" dirty="0" smtClean="0">
+                <a:latin typeface="Courier New" pitchFamily="49" charset="0"/>
+                <a:cs typeface="Courier New" pitchFamily="49" charset="0"/>
+              </a:rPr>
+              <a:t># “</a:t>
+            </a:r>
+            <a:r>
+              <a:rPr lang="en-US" sz="1200" dirty="0" err="1" smtClean="0">
+                <a:latin typeface="Courier New" pitchFamily="49" charset="0"/>
+                <a:cs typeface="Courier New" pitchFamily="49" charset="0"/>
+              </a:rPr>
+              <a:t>PerftTest</a:t>
+            </a:r>
+            <a:r>
+              <a:rPr lang="en-US" sz="1200" dirty="0" smtClean="0">
+                <a:latin typeface="Courier New" pitchFamily="49" charset="0"/>
+                <a:cs typeface="Courier New" pitchFamily="49" charset="0"/>
+              </a:rPr>
+              <a:t>(ARM)” project</a:t>
+            </a:r>
+          </a:p>
+          <a:p>
+            <a:pPr>
+              <a:buNone/>
+            </a:pPr>
+            <a:endParaRPr lang="en-US" sz="1200" dirty="0" smtClean="0">
+              <a:latin typeface="Courier New" pitchFamily="49" charset="0"/>
+              <a:cs typeface="Courier New" pitchFamily="49" charset="0"/>
+            </a:endParaRPr>
+          </a:p>
+          <a:p>
+            <a:pPr>
+              <a:buNone/>
+            </a:pPr>
+            <a:r>
+              <a:rPr lang="en-US" sz="1200" dirty="0" smtClean="0">
+                <a:latin typeface="Courier New" pitchFamily="49" charset="0"/>
+                <a:cs typeface="Courier New" pitchFamily="49" charset="0"/>
+              </a:rPr>
+              <a:t># “</a:t>
+            </a:r>
+            <a:r>
+              <a:rPr lang="en-US" sz="1200" dirty="0" err="1" smtClean="0">
+                <a:latin typeface="Courier New" pitchFamily="49" charset="0"/>
+                <a:cs typeface="Courier New" pitchFamily="49" charset="0"/>
+              </a:rPr>
+              <a:t>PerftTest</a:t>
+            </a:r>
+            <a:r>
+              <a:rPr lang="en-US" sz="1200" dirty="0" smtClean="0">
+                <a:latin typeface="Courier New" pitchFamily="49" charset="0"/>
+                <a:cs typeface="Courier New" pitchFamily="49" charset="0"/>
+              </a:rPr>
+              <a:t>(TPTP)” project</a:t>
+            </a:r>
+          </a:p>
+          <a:p>
+            <a:pPr>
+              <a:buNone/>
+            </a:pPr>
+            <a:r>
+              <a:rPr lang="en-US" sz="1200" dirty="0" smtClean="0">
+                <a:latin typeface="Courier New" pitchFamily="49" charset="0"/>
+                <a:cs typeface="Courier New" pitchFamily="49" charset="0"/>
+              </a:rPr>
+              <a:t>export </a:t>
+            </a:r>
+            <a:r>
+              <a:rPr lang="en-US" sz="1200" b="1" dirty="0" smtClean="0">
+                <a:latin typeface="Courier New" pitchFamily="49" charset="0"/>
+                <a:cs typeface="Courier New" pitchFamily="49" charset="0"/>
+              </a:rPr>
+              <a:t>TPTP_AC_HOME</a:t>
+            </a:r>
+            <a:r>
+              <a:rPr lang="en-US" sz="1200" dirty="0" smtClean="0">
+                <a:latin typeface="Courier New" pitchFamily="49" charset="0"/>
+                <a:cs typeface="Courier New" pitchFamily="49" charset="0"/>
+              </a:rPr>
+              <a:t>=/opt/TPTP</a:t>
+            </a:r>
+          </a:p>
+          <a:p>
+            <a:pPr>
+              <a:buNone/>
+            </a:pPr>
+            <a:r>
+              <a:rPr lang="en-US" sz="1200" dirty="0" smtClean="0">
+                <a:latin typeface="Courier New" pitchFamily="49" charset="0"/>
+                <a:cs typeface="Courier New" pitchFamily="49" charset="0"/>
+              </a:rPr>
+              <a:t>export </a:t>
+            </a:r>
+            <a:r>
+              <a:rPr lang="en-US" sz="1200" b="1" dirty="0" smtClean="0">
+                <a:latin typeface="Courier New" pitchFamily="49" charset="0"/>
+                <a:cs typeface="Courier New" pitchFamily="49" charset="0"/>
+              </a:rPr>
+              <a:t>JAVA_PROFILER_HOME</a:t>
+            </a:r>
+            <a:r>
+              <a:rPr lang="en-US" sz="1200" dirty="0" smtClean="0">
+                <a:latin typeface="Courier New" pitchFamily="49" charset="0"/>
+                <a:cs typeface="Courier New" pitchFamily="49" charset="0"/>
+              </a:rPr>
+              <a:t>=$TPTP_AC_HOME/</a:t>
+            </a:r>
+            <a:r>
+              <a:rPr lang="en-US" sz="1200" dirty="0" err="1" smtClean="0">
+                <a:latin typeface="Courier New" pitchFamily="49" charset="0"/>
+                <a:cs typeface="Courier New" pitchFamily="49" charset="0"/>
+              </a:rPr>
+              <a:t>plugins</a:t>
+            </a:r>
+            <a:r>
+              <a:rPr lang="en-US" sz="1200" dirty="0" smtClean="0">
+                <a:latin typeface="Courier New" pitchFamily="49" charset="0"/>
+                <a:cs typeface="Courier New" pitchFamily="49" charset="0"/>
+              </a:rPr>
+              <a:t>/</a:t>
+            </a:r>
+            <a:r>
+              <a:rPr lang="en-US" sz="1200" dirty="0" err="1" smtClean="0">
+                <a:latin typeface="Courier New" pitchFamily="49" charset="0"/>
+                <a:cs typeface="Courier New" pitchFamily="49" charset="0"/>
+              </a:rPr>
+              <a:t>org.eclipse.tptp.javaprofiler</a:t>
+            </a:r>
+            <a:endParaRPr lang="en-US" sz="1200" dirty="0" smtClean="0">
+              <a:latin typeface="Courier New" pitchFamily="49" charset="0"/>
+              <a:cs typeface="Courier New" pitchFamily="49" charset="0"/>
+            </a:endParaRPr>
+          </a:p>
+          <a:p>
+            <a:pPr>
+              <a:buNone/>
+            </a:pPr>
+            <a:r>
+              <a:rPr lang="en-US" sz="1200" dirty="0" smtClean="0">
+                <a:latin typeface="Courier New" pitchFamily="49" charset="0"/>
+                <a:cs typeface="Courier New" pitchFamily="49" charset="0"/>
+              </a:rPr>
+              <a:t>export </a:t>
+            </a:r>
+            <a:r>
+              <a:rPr lang="en-US" sz="1200" b="1" dirty="0" smtClean="0">
+                <a:latin typeface="Courier New" pitchFamily="49" charset="0"/>
+                <a:cs typeface="Courier New" pitchFamily="49" charset="0"/>
+              </a:rPr>
+              <a:t>PATH</a:t>
+            </a:r>
+            <a:r>
+              <a:rPr lang="en-US" sz="1200" dirty="0" smtClean="0">
+                <a:latin typeface="Courier New" pitchFamily="49" charset="0"/>
+                <a:cs typeface="Courier New" pitchFamily="49" charset="0"/>
+              </a:rPr>
+              <a:t>=$TPTP_AC_HOME/bin:$JAVA_PROFILER_HOME</a:t>
+            </a:r>
+          </a:p>
+          <a:p>
+            <a:pPr>
+              <a:buNone/>
+            </a:pPr>
+            <a:r>
+              <a:rPr lang="en-US" sz="1200" dirty="0" smtClean="0">
+                <a:latin typeface="Courier New" pitchFamily="49" charset="0"/>
+                <a:cs typeface="Courier New" pitchFamily="49" charset="0"/>
+              </a:rPr>
+              <a:t>export </a:t>
+            </a:r>
+            <a:r>
+              <a:rPr lang="en-US" sz="1200" b="1" dirty="0" smtClean="0">
+                <a:latin typeface="Courier New" pitchFamily="49" charset="0"/>
+                <a:cs typeface="Courier New" pitchFamily="49" charset="0"/>
+              </a:rPr>
+              <a:t>LD_LIBRARY_HOME</a:t>
+            </a:r>
+            <a:r>
+              <a:rPr lang="en-US" sz="1200" dirty="0" smtClean="0">
+                <a:latin typeface="Courier New" pitchFamily="49" charset="0"/>
+                <a:cs typeface="Courier New" pitchFamily="49" charset="0"/>
+              </a:rPr>
+              <a:t>=$LD_LIBRARY_HOME:</a:t>
+            </a:r>
+            <a:endParaRPr lang="en-US" sz="1200" dirty="0">
+              <a:latin typeface="Courier New" pitchFamily="49" charset="0"/>
+              <a:cs typeface="Courier New" pitchFamily="49" charset="0"/>
+            </a:endParaRPr>
+          </a:p>
+        </p:txBody>
+      </p:sp>
+    </p:spTree>
+  </p:cSld>
+  <p:clrMapOvr>
+    <a:masterClrMapping/>
+  </p:clrMapOvr>
+</p:sld>
+</file>
+
+<file path=ppt/slides/slide22.xml><?xml version="1.0" encoding="utf-8"?>
+<p:sld xmlns:a="http://schemas.openxmlformats.org/drawingml/2006/main" xmlns:r="http://schemas.openxmlformats.org/officeDocument/2006/relationships" xmlns:p="http://schemas.openxmlformats.org/presentationml/2006/main">
+  <p:cSld>
+    <p:spTree>
+      <p:nvGrpSpPr>
+        <p:cNvPr id="1" name=""/>
+        <p:cNvGrpSpPr/>
+        <p:nvPr/>
+      </p:nvGrpSpPr>
+      <p:grpSpPr>
+        <a:xfrm>
+          <a:off x="0" y="0"/>
+          <a:ext cx="0" cy="0"/>
+          <a:chOff x="0" y="0"/>
+          <a:chExt cx="0" cy="0"/>
+        </a:xfrm>
+      </p:grpSpPr>
+      <p:sp>
+        <p:nvSpPr>
+          <p:cNvPr id="2" name="Title 1"/>
+          <p:cNvSpPr>
+            <a:spLocks noGrp="1"/>
+          </p:cNvSpPr>
+          <p:nvPr>
+            <p:ph type="title"/>
+          </p:nvPr>
+        </p:nvSpPr>
+        <p:spPr/>
+        <p:txBody>
+          <a:bodyPr/>
+          <a:lstStyle/>
+          <a:p>
+            <a:endParaRPr lang="en-US"/>
+          </a:p>
+        </p:txBody>
+      </p:sp>
+      <p:sp>
+        <p:nvSpPr>
+          <p:cNvPr id="3" name="Content Placeholder 2"/>
+          <p:cNvSpPr>
+            <a:spLocks noGrp="1"/>
+          </p:cNvSpPr>
+          <p:nvPr>
+            <p:ph idx="1"/>
+          </p:nvPr>
+        </p:nvSpPr>
+        <p:spPr/>
+        <p:txBody>
+          <a:bodyPr/>
+          <a:lstStyle/>
+          <a:p>
+            <a:endParaRPr lang="en-US"/>
+          </a:p>
+        </p:txBody>
+      </p:sp>
+    </p:spTree>
+  </p:cSld>
+  <p:clrMapOvr>
+    <a:masterClrMapping/>
+  </p:clrMapOvr>
+</p:sld>
+</file>
+
+<file path=ppt/slides/slide23.xml><?xml version="1.0" encoding="utf-8"?>
+<p:sld xmlns:a="http://schemas.openxmlformats.org/drawingml/2006/main" xmlns:r="http://schemas.openxmlformats.org/officeDocument/2006/relationships" xmlns:p="http://schemas.openxmlformats.org/presentationml/2006/main">
+  <p:cSld>
+    <p:spTree>
+      <p:nvGrpSpPr>
+        <p:cNvPr id="1" name=""/>
+        <p:cNvGrpSpPr/>
+        <p:nvPr/>
+      </p:nvGrpSpPr>
+      <p:grpSpPr>
+        <a:xfrm>
+          <a:off x="0" y="0"/>
+          <a:ext cx="0" cy="0"/>
+          <a:chOff x="0" y="0"/>
+          <a:chExt cx="0" cy="0"/>
+        </a:xfrm>
+      </p:grpSpPr>
+      <p:sp>
+        <p:nvSpPr>
+          <p:cNvPr id="2" name="Title 1"/>
+          <p:cNvSpPr>
+            <a:spLocks noGrp="1"/>
+          </p:cNvSpPr>
+          <p:nvPr>
+            <p:ph type="title"/>
+          </p:nvPr>
+        </p:nvSpPr>
+        <p:spPr/>
+        <p:txBody>
+          <a:bodyPr>
+            <a:normAutofit fontScale="90000"/>
+          </a:bodyPr>
+          <a:lstStyle/>
+          <a:p>
+            <a:r>
+              <a:rPr lang="en-US" dirty="0" smtClean="0"/>
+              <a:t>Workaround: </a:t>
+            </a:r>
+            <a:r>
+              <a:rPr lang="en-US" dirty="0" smtClean="0"/>
+              <a:t>Converting </a:t>
+            </a:r>
+            <a:r>
+              <a:rPr lang="en-US" dirty="0" smtClean="0"/>
+              <a:t>ARM-instrumented to </a:t>
+            </a:r>
+            <a:br>
+              <a:rPr lang="en-US" dirty="0" smtClean="0"/>
+            </a:br>
+            <a:r>
+              <a:rPr lang="en-US" dirty="0" smtClean="0"/>
+              <a:t>TPTP Environment</a:t>
+            </a:r>
+            <a:endParaRPr lang="en-US" dirty="0"/>
+          </a:p>
+        </p:txBody>
+      </p:sp>
+      <p:sp>
+        <p:nvSpPr>
+          <p:cNvPr id="3" name="Text Placeholder 2"/>
+          <p:cNvSpPr>
+            <a:spLocks noGrp="1"/>
+          </p:cNvSpPr>
+          <p:nvPr>
+            <p:ph type="body" idx="1"/>
+          </p:nvPr>
+        </p:nvSpPr>
+        <p:spPr/>
+        <p:txBody>
+          <a:bodyPr/>
+          <a:lstStyle/>
+          <a:p>
+            <a:r>
+              <a:rPr lang="en-US" dirty="0" smtClean="0"/>
+              <a:t>Client</a:t>
+            </a:r>
+            <a:endParaRPr lang="en-US" dirty="0"/>
+          </a:p>
+        </p:txBody>
+      </p:sp>
+      <p:sp>
+        <p:nvSpPr>
+          <p:cNvPr id="4" name="Content Placeholder 3"/>
+          <p:cNvSpPr>
+            <a:spLocks noGrp="1"/>
+          </p:cNvSpPr>
+          <p:nvPr>
+            <p:ph sz="half" idx="2"/>
+          </p:nvPr>
+        </p:nvSpPr>
+        <p:spPr/>
+        <p:txBody>
+          <a:bodyPr/>
+          <a:lstStyle/>
+          <a:p>
+            <a:pPr marL="457200" indent="-457200">
+              <a:buFont typeface="+mj-lt"/>
+              <a:buAutoNum type="arabicPeriod"/>
+            </a:pPr>
+            <a:endParaRPr lang="en-US" dirty="0"/>
+          </a:p>
+        </p:txBody>
+      </p:sp>
+      <p:sp>
+        <p:nvSpPr>
+          <p:cNvPr id="5" name="Text Placeholder 4"/>
+          <p:cNvSpPr>
+            <a:spLocks noGrp="1"/>
+          </p:cNvSpPr>
+          <p:nvPr>
+            <p:ph type="body" sz="quarter" idx="3"/>
+          </p:nvPr>
+        </p:nvSpPr>
+        <p:spPr/>
+        <p:txBody>
+          <a:bodyPr/>
+          <a:lstStyle/>
+          <a:p>
+            <a:r>
+              <a:rPr lang="en-US" dirty="0" smtClean="0"/>
+              <a:t>Server</a:t>
+            </a:r>
+            <a:endParaRPr lang="en-US" dirty="0"/>
+          </a:p>
+        </p:txBody>
+      </p:sp>
+      <p:sp>
+        <p:nvSpPr>
+          <p:cNvPr id="6" name="Content Placeholder 5"/>
+          <p:cNvSpPr>
+            <a:spLocks noGrp="1"/>
+          </p:cNvSpPr>
+          <p:nvPr>
+            <p:ph sz="quarter" idx="4"/>
+          </p:nvPr>
+        </p:nvSpPr>
+        <p:spPr/>
+        <p:txBody>
+          <a:bodyPr/>
+          <a:lstStyle/>
+          <a:p>
+            <a:pPr marL="457200" indent="-457200">
+              <a:buFont typeface="+mj-lt"/>
+              <a:buAutoNum type="arabicPeriod"/>
+            </a:pPr>
+            <a:r>
+              <a:rPr lang="en-US" dirty="0" smtClean="0"/>
+              <a:t>Check if WSAS is running</a:t>
+            </a:r>
+          </a:p>
+          <a:p>
+            <a:pPr marL="914400" lvl="1" indent="-457200">
+              <a:buFont typeface="Wingdings" pitchFamily="2" charset="2"/>
+              <a:buChar char="§"/>
+            </a:pPr>
+            <a:r>
+              <a:rPr lang="en-US" dirty="0" smtClean="0"/>
+              <a:t>If not, start WSAS</a:t>
+            </a:r>
+          </a:p>
+          <a:p>
+            <a:pPr marL="457200" indent="-457200">
+              <a:buFont typeface="+mj-lt"/>
+              <a:buAutoNum type="arabicPeriod"/>
+            </a:pPr>
+            <a:r>
+              <a:rPr lang="en-US" dirty="0" smtClean="0"/>
+              <a:t>Un-instrumentation</a:t>
+            </a:r>
+          </a:p>
+          <a:p>
+            <a:pPr marL="457200" indent="-457200">
+              <a:buFont typeface="+mj-lt"/>
+              <a:buAutoNum type="arabicPeriod"/>
+            </a:pPr>
+            <a:r>
+              <a:rPr lang="en-US" dirty="0" smtClean="0"/>
+              <a:t>Reboot the server</a:t>
+            </a:r>
+          </a:p>
+          <a:p>
+            <a:endParaRPr lang="en-US" dirty="0"/>
+          </a:p>
+        </p:txBody>
+      </p:sp>
+    </p:spTree>
+  </p:cSld>
+  <p:clrMapOvr>
+    <a:masterClrMapping/>
+  </p:clrMapOvr>
+</p:sld>
+</file>
+
+<file path=ppt/slides/slide24.xml><?xml version="1.0" encoding="utf-8"?>
+<p:sld xmlns:a="http://schemas.openxmlformats.org/drawingml/2006/main" xmlns:r="http://schemas.openxmlformats.org/officeDocument/2006/relationships" xmlns:p="http://schemas.openxmlformats.org/presentationml/2006/main">
+  <p:cSld>
+    <p:spTree>
+      <p:nvGrpSpPr>
+        <p:cNvPr id="1" name=""/>
+        <p:cNvGrpSpPr/>
+        <p:nvPr/>
+      </p:nvGrpSpPr>
+      <p:grpSpPr>
+        <a:xfrm>
+          <a:off x="0" y="0"/>
+          <a:ext cx="0" cy="0"/>
+          <a:chOff x="0" y="0"/>
+          <a:chExt cx="0" cy="0"/>
+        </a:xfrm>
+      </p:grpSpPr>
+      <p:sp>
+        <p:nvSpPr>
+          <p:cNvPr id="4" name="Title 3"/>
+          <p:cNvSpPr>
+            <a:spLocks noGrp="1"/>
+          </p:cNvSpPr>
+          <p:nvPr>
+            <p:ph type="title"/>
+          </p:nvPr>
+        </p:nvSpPr>
+        <p:spPr/>
+        <p:txBody>
+          <a:bodyPr/>
+          <a:lstStyle/>
+          <a:p>
+            <a:r>
+              <a:rPr lang="en-US" smtClean="0"/>
+              <a:t>Comparing </a:t>
+            </a:r>
+            <a:r>
+              <a:rPr lang="en-US" dirty="0" smtClean="0"/>
+              <a:t>Trace data from RPT and TPTP</a:t>
+            </a:r>
+            <a:endParaRPr lang="en-US" dirty="0"/>
+          </a:p>
+        </p:txBody>
+      </p:sp>
+      <p:sp>
+        <p:nvSpPr>
+          <p:cNvPr id="5" name="Text Placeholder 4"/>
+          <p:cNvSpPr>
+            <a:spLocks noGrp="1"/>
+          </p:cNvSpPr>
+          <p:nvPr>
+            <p:ph type="body" idx="1"/>
+          </p:nvPr>
+        </p:nvSpPr>
+        <p:spPr/>
+        <p:txBody>
+          <a:bodyPr/>
+          <a:lstStyle/>
+          <a:p>
+            <a:endParaRPr lang="en-US"/>
+          </a:p>
+        </p:txBody>
+      </p:sp>
+    </p:spTree>
+  </p:cSld>
+  <p:clrMapOvr>
+    <a:masterClrMapping/>
+  </p:clrMapOvr>
+</p:sld>
+</file>
+
+<file path=ppt/slides/slide25.xml><?xml version="1.0" encoding="utf-8"?>
+<p:sld xmlns:a="http://schemas.openxmlformats.org/drawingml/2006/main" xmlns:r="http://schemas.openxmlformats.org/officeDocument/2006/relationships" xmlns:p="http://schemas.openxmlformats.org/presentationml/2006/main">
+  <p:cSld>
+    <p:spTree>
+      <p:nvGrpSpPr>
+        <p:cNvPr id="1" name=""/>
+        <p:cNvGrpSpPr/>
+        <p:nvPr/>
+      </p:nvGrpSpPr>
+      <p:grpSpPr>
+        <a:xfrm>
+          <a:off x="0" y="0"/>
+          <a:ext cx="0" cy="0"/>
+          <a:chOff x="0" y="0"/>
+          <a:chExt cx="0" cy="0"/>
+        </a:xfrm>
+      </p:grpSpPr>
+      <p:sp>
+        <p:nvSpPr>
+          <p:cNvPr id="2" name="Title 1"/>
+          <p:cNvSpPr>
+            <a:spLocks noGrp="1"/>
+          </p:cNvSpPr>
+          <p:nvPr>
+            <p:ph type="title"/>
+          </p:nvPr>
+        </p:nvSpPr>
+        <p:spPr/>
+        <p:txBody>
+          <a:bodyPr/>
+          <a:lstStyle/>
+          <a:p>
+            <a:endParaRPr lang="en-US"/>
+          </a:p>
+        </p:txBody>
+      </p:sp>
+      <p:sp>
+        <p:nvSpPr>
+          <p:cNvPr id="3" name="Content Placeholder 2"/>
+          <p:cNvSpPr>
+            <a:spLocks noGrp="1"/>
+          </p:cNvSpPr>
+          <p:nvPr>
+            <p:ph idx="1"/>
+          </p:nvPr>
+        </p:nvSpPr>
+        <p:spPr/>
+        <p:txBody>
+          <a:bodyPr>
+            <a:normAutofit fontScale="70000" lnSpcReduction="20000"/>
+          </a:bodyPr>
+          <a:lstStyle/>
+          <a:p>
+            <a:pPr marL="514350" indent="-514350">
+              <a:buFont typeface="+mj-lt"/>
+              <a:buAutoNum type="arabicPeriod"/>
+            </a:pPr>
+            <a:r>
+              <a:rPr lang="en-US" dirty="0" smtClean="0"/>
+              <a:t>Start the Plant web application (AppSrv02, 9083, 9063)</a:t>
+            </a:r>
+          </a:p>
+          <a:p>
+            <a:pPr marL="514350" indent="-514350">
+              <a:buFont typeface="+mj-lt"/>
+              <a:buAutoNum type="arabicPeriod"/>
+            </a:pPr>
+            <a:r>
+              <a:rPr lang="en-US" dirty="0" smtClean="0"/>
+              <a:t>Setup the environment for RPT profiling </a:t>
+            </a:r>
+          </a:p>
+          <a:p>
+            <a:pPr marL="514350" indent="-514350">
+              <a:buFont typeface="+mj-lt"/>
+              <a:buAutoNum type="arabicPeriod"/>
+            </a:pPr>
+            <a:r>
+              <a:rPr lang="en-US" dirty="0" smtClean="0"/>
+              <a:t>Create a performance test suite for the Plant web application.</a:t>
+            </a:r>
+          </a:p>
+          <a:p>
+            <a:pPr marL="514350" indent="-514350">
+              <a:buFont typeface="+mj-lt"/>
+              <a:buAutoNum type="arabicPeriod"/>
+            </a:pPr>
+            <a:r>
+              <a:rPr lang="en-US" dirty="0" smtClean="0"/>
+              <a:t>Run the performance test suite by RPT while collecting profiling data by RPT. The profiling data is stored in a local </a:t>
+            </a:r>
+            <a:r>
+              <a:rPr lang="en-US" dirty="0" err="1" smtClean="0"/>
+              <a:t>trcxml</a:t>
+            </a:r>
+            <a:r>
+              <a:rPr lang="en-US" dirty="0" smtClean="0"/>
+              <a:t> file (t1_rpt.trcxml)</a:t>
+            </a:r>
+          </a:p>
+          <a:p>
+            <a:pPr marL="514350" indent="-514350">
+              <a:buFont typeface="+mj-lt"/>
+              <a:buAutoNum type="arabicPeriod"/>
+            </a:pPr>
+            <a:r>
+              <a:rPr lang="en-US" dirty="0" smtClean="0"/>
+              <a:t>Restart the Plant web application (after </a:t>
+            </a:r>
+            <a:r>
+              <a:rPr lang="en-US" dirty="0" err="1" smtClean="0"/>
+              <a:t>uninstrumentation</a:t>
+            </a:r>
+            <a:r>
+              <a:rPr lang="en-US" dirty="0" smtClean="0"/>
+              <a:t>)</a:t>
+            </a:r>
+          </a:p>
+          <a:p>
+            <a:pPr marL="514350" indent="-514350">
+              <a:buFont typeface="+mj-lt"/>
+              <a:buAutoNum type="arabicPeriod"/>
+            </a:pPr>
+            <a:r>
+              <a:rPr lang="en-US" dirty="0" smtClean="0"/>
+              <a:t>Setup the environment for TPTP profiling </a:t>
+            </a:r>
+          </a:p>
+          <a:p>
+            <a:pPr marL="514350" indent="-514350">
+              <a:buFont typeface="+mj-lt"/>
+              <a:buAutoNum type="arabicPeriod"/>
+            </a:pPr>
+            <a:r>
+              <a:rPr lang="en-US" dirty="0" smtClean="0"/>
+              <a:t>Run the performance test suite by RPT while collecting profiling data by TPTP. The profiling data is stored in a local </a:t>
+            </a:r>
+            <a:r>
+              <a:rPr lang="en-US" dirty="0" err="1" smtClean="0"/>
+              <a:t>trcxml</a:t>
+            </a:r>
+            <a:r>
+              <a:rPr lang="en-US" dirty="0" smtClean="0"/>
+              <a:t> file (t1_tptp.trcxml)</a:t>
+            </a:r>
+          </a:p>
+          <a:p>
+            <a:pPr marL="514350" indent="-514350">
+              <a:buFont typeface="+mj-lt"/>
+              <a:buAutoNum type="arabicPeriod"/>
+            </a:pPr>
+            <a:r>
+              <a:rPr lang="en-US" dirty="0" smtClean="0"/>
+              <a:t>Compare t1_rpt.trcxml and t1_tptp.trcxml to figure out the difference.</a:t>
+            </a:r>
+            <a:endParaRPr lang="en-US" dirty="0"/>
+          </a:p>
+        </p:txBody>
+      </p:sp>
+    </p:spTree>
+  </p:cSld>
+  <p:clrMapOvr>
+    <a:masterClrMapping/>
+  </p:clrMapOvr>
+</p:sld>
+</file>
+
+<file path=ppt/slides/slide26.xml><?xml version="1.0" encoding="utf-8"?>
+<p:sld xmlns:a="http://schemas.openxmlformats.org/drawingml/2006/main" xmlns:r="http://schemas.openxmlformats.org/officeDocument/2006/relationships" xmlns:p="http://schemas.openxmlformats.org/presentationml/2006/main">
+  <p:cSld>
+    <p:spTree>
+      <p:nvGrpSpPr>
+        <p:cNvPr id="1" name=""/>
+        <p:cNvGrpSpPr/>
+        <p:nvPr/>
+      </p:nvGrpSpPr>
+      <p:grpSpPr>
+        <a:xfrm>
+          <a:off x="0" y="0"/>
+          <a:ext cx="0" cy="0"/>
+          <a:chOff x="0" y="0"/>
+          <a:chExt cx="0" cy="0"/>
+        </a:xfrm>
+      </p:grpSpPr>
+      <p:sp>
+        <p:nvSpPr>
+          <p:cNvPr id="4" name="Title 3"/>
+          <p:cNvSpPr>
+            <a:spLocks noGrp="1"/>
+          </p:cNvSpPr>
+          <p:nvPr>
+            <p:ph type="title"/>
+          </p:nvPr>
+        </p:nvSpPr>
+        <p:spPr/>
+        <p:txBody>
+          <a:bodyPr/>
+          <a:lstStyle/>
+          <a:p>
+            <a:r>
+              <a:rPr lang="en-US" dirty="0" smtClean="0"/>
+              <a:t>Trouble Shooting</a:t>
+            </a:r>
+            <a:endParaRPr lang="en-US" dirty="0"/>
+          </a:p>
+        </p:txBody>
+      </p:sp>
+      <p:sp>
+        <p:nvSpPr>
+          <p:cNvPr id="5" name="Text Placeholder 4"/>
+          <p:cNvSpPr>
+            <a:spLocks noGrp="1"/>
+          </p:cNvSpPr>
+          <p:nvPr>
+            <p:ph type="body" idx="1"/>
+          </p:nvPr>
+        </p:nvSpPr>
+        <p:spPr/>
+        <p:txBody>
+          <a:bodyPr/>
+          <a:lstStyle/>
+          <a:p>
+            <a:endParaRPr lang="en-US"/>
+          </a:p>
+        </p:txBody>
+      </p:sp>
+    </p:spTree>
+  </p:cSld>
+  <p:clrMapOvr>
+    <a:masterClrMapping/>
+  </p:clrMapOvr>
+</p:sld>
+</file>
+
+<file path=ppt/slides/slide27.xml><?xml version="1.0" encoding="utf-8"?>
+<p:sld xmlns:a="http://schemas.openxmlformats.org/drawingml/2006/main" xmlns:r="http://schemas.openxmlformats.org/officeDocument/2006/relationships" xmlns:p="http://schemas.openxmlformats.org/presentationml/2006/main">
+  <p:cSld>
+    <p:spTree>
+      <p:nvGrpSpPr>
+        <p:cNvPr id="1" name=""/>
+        <p:cNvGrpSpPr/>
+        <p:nvPr/>
+      </p:nvGrpSpPr>
+      <p:grpSpPr>
+        <a:xfrm>
+          <a:off x="0" y="0"/>
+          <a:ext cx="0" cy="0"/>
+          <a:chOff x="0" y="0"/>
+          <a:chExt cx="0" cy="0"/>
+        </a:xfrm>
+      </p:grpSpPr>
+      <p:sp>
+        <p:nvSpPr>
+          <p:cNvPr id="2" name="Title 1"/>
+          <p:cNvSpPr>
+            <a:spLocks noGrp="1"/>
+          </p:cNvSpPr>
+          <p:nvPr>
+            <p:ph type="title"/>
+          </p:nvPr>
+        </p:nvSpPr>
+        <p:spPr/>
+        <p:txBody>
+          <a:bodyPr/>
+          <a:lstStyle/>
+          <a:p>
+            <a:r>
+              <a:rPr lang="en-US" dirty="0" smtClean="0"/>
+              <a:t>IWAT0284E</a:t>
+            </a:r>
+            <a:endParaRPr lang="en-US" dirty="0"/>
+          </a:p>
+        </p:txBody>
+      </p:sp>
+      <p:sp>
+        <p:nvSpPr>
+          <p:cNvPr id="3" name="Content Placeholder 2"/>
+          <p:cNvSpPr>
+            <a:spLocks noGrp="1"/>
+          </p:cNvSpPr>
+          <p:nvPr>
+            <p:ph idx="1"/>
+          </p:nvPr>
+        </p:nvSpPr>
+        <p:spPr/>
+        <p:txBody>
+          <a:bodyPr/>
+          <a:lstStyle/>
+          <a:p>
+            <a:r>
+              <a:rPr lang="en-US" dirty="0" smtClean="0"/>
+              <a:t>IWAT0284E</a:t>
+            </a:r>
+            <a:endParaRPr lang="en-US" dirty="0"/>
+          </a:p>
+        </p:txBody>
+      </p:sp>
+      <p:pic>
+        <p:nvPicPr>
+          <p:cNvPr id="1026" name="Picture 2"/>
+          <p:cNvPicPr>
+            <a:picLocks noChangeAspect="1" noChangeArrowheads="1"/>
+          </p:cNvPicPr>
+          <p:nvPr/>
+        </p:nvPicPr>
+        <p:blipFill>
+          <a:blip r:embed="rId2" cstate="print"/>
+          <a:srcRect/>
+          <a:stretch>
+            <a:fillRect/>
+          </a:stretch>
+        </p:blipFill>
+        <p:spPr bwMode="auto">
+          <a:xfrm>
+            <a:off x="2209800" y="2514600"/>
+            <a:ext cx="4219575" cy="2581275"/>
+          </a:xfrm>
+          <a:prstGeom prst="rect">
+            <a:avLst/>
+          </a:prstGeom>
+          <a:noFill/>
+          <a:ln w="9525">
+            <a:noFill/>
+            <a:miter lim="800000"/>
+            <a:headEnd/>
+            <a:tailEnd/>
+          </a:ln>
+        </p:spPr>
+      </p:pic>
+    </p:spTree>
+  </p:cSld>
+  <p:clrMapOvr>
+    <a:masterClrMapping/>
+  </p:clrMapOvr>
+</p:sld>
+</file>
+
+<file path=ppt/slides/slide28.xml><?xml version="1.0" encoding="utf-8"?>
+<p:sld xmlns:a="http://schemas.openxmlformats.org/drawingml/2006/main" xmlns:r="http://schemas.openxmlformats.org/officeDocument/2006/relationships" xmlns:p="http://schemas.openxmlformats.org/presentationml/2006/main">
+  <p:cSld>
+    <p:spTree>
+      <p:nvGrpSpPr>
+        <p:cNvPr id="1" name=""/>
+        <p:cNvGrpSpPr/>
+        <p:nvPr/>
+      </p:nvGrpSpPr>
+      <p:grpSpPr>
+        <a:xfrm>
+          <a:off x="0" y="0"/>
+          <a:ext cx="0" cy="0"/>
+          <a:chOff x="0" y="0"/>
+          <a:chExt cx="0" cy="0"/>
+        </a:xfrm>
+      </p:grpSpPr>
+      <p:sp>
+        <p:nvSpPr>
+          <p:cNvPr id="2" name="Title 1"/>
+          <p:cNvSpPr>
+            <a:spLocks noGrp="1"/>
+          </p:cNvSpPr>
+          <p:nvPr>
+            <p:ph type="title"/>
+          </p:nvPr>
+        </p:nvSpPr>
+        <p:spPr/>
+        <p:txBody>
+          <a:bodyPr/>
+          <a:lstStyle/>
+          <a:p>
+            <a:r>
+              <a:rPr lang="en-US" dirty="0" smtClean="0"/>
+              <a:t>IWAY0159E</a:t>
+            </a:r>
+            <a:endParaRPr lang="en-US" dirty="0"/>
+          </a:p>
+        </p:txBody>
+      </p:sp>
+      <p:sp>
+        <p:nvSpPr>
+          <p:cNvPr id="3" name="Content Placeholder 2"/>
+          <p:cNvSpPr>
+            <a:spLocks noGrp="1"/>
+          </p:cNvSpPr>
+          <p:nvPr>
+            <p:ph idx="1"/>
+          </p:nvPr>
+        </p:nvSpPr>
+        <p:spPr/>
+        <p:txBody>
+          <a:bodyPr/>
+          <a:lstStyle/>
+          <a:p>
+            <a:endParaRPr lang="en-US" dirty="0"/>
+          </a:p>
+        </p:txBody>
+      </p:sp>
+      <p:pic>
+        <p:nvPicPr>
+          <p:cNvPr id="1026" name="Picture 2"/>
+          <p:cNvPicPr>
+            <a:picLocks noChangeAspect="1" noChangeArrowheads="1"/>
+          </p:cNvPicPr>
+          <p:nvPr/>
+        </p:nvPicPr>
+        <p:blipFill>
+          <a:blip r:embed="rId2" cstate="print"/>
+          <a:srcRect/>
+          <a:stretch>
+            <a:fillRect/>
+          </a:stretch>
+        </p:blipFill>
+        <p:spPr bwMode="auto">
+          <a:xfrm>
+            <a:off x="2462213" y="2509838"/>
+            <a:ext cx="4219575" cy="1838325"/>
+          </a:xfrm>
+          <a:prstGeom prst="rect">
+            <a:avLst/>
+          </a:prstGeom>
+          <a:noFill/>
+          <a:ln w="9525">
+            <a:noFill/>
+            <a:miter lim="800000"/>
+            <a:headEnd/>
+            <a:tailEnd/>
+          </a:ln>
+        </p:spPr>
+      </p:pic>
+    </p:spTree>
+  </p:cSld>
+  <p:clrMapOvr>
+    <a:masterClrMapping/>
+  </p:clrMapOvr>
+</p:sld>
+</file>
+
+<file path=ppt/slides/slide29.xml><?xml version="1.0" encoding="utf-8"?>
+<p:sld xmlns:a="http://schemas.openxmlformats.org/drawingml/2006/main" xmlns:r="http://schemas.openxmlformats.org/officeDocument/2006/relationships" xmlns:p="http://schemas.openxmlformats.org/presentationml/2006/main">
+  <p:cSld>
+    <p:spTree>
+      <p:nvGrpSpPr>
+        <p:cNvPr id="1" name=""/>
+        <p:cNvGrpSpPr/>
+        <p:nvPr/>
+      </p:nvGrpSpPr>
+      <p:grpSpPr>
+        <a:xfrm>
+          <a:off x="0" y="0"/>
+          <a:ext cx="0" cy="0"/>
+          <a:chOff x="0" y="0"/>
+          <a:chExt cx="0" cy="0"/>
+        </a:xfrm>
+      </p:grpSpPr>
+      <p:sp>
+        <p:nvSpPr>
+          <p:cNvPr id="2" name="Title 1"/>
+          <p:cNvSpPr>
+            <a:spLocks noGrp="1"/>
+          </p:cNvSpPr>
+          <p:nvPr>
+            <p:ph type="title"/>
+          </p:nvPr>
+        </p:nvSpPr>
+        <p:spPr/>
+        <p:txBody>
+          <a:bodyPr/>
+          <a:lstStyle/>
+          <a:p>
+            <a:r>
+              <a:rPr lang="en-US" dirty="0" smtClean="0"/>
+              <a:t>IWAT0435E</a:t>
+            </a:r>
+            <a:endParaRPr lang="en-US" dirty="0"/>
+          </a:p>
+        </p:txBody>
+      </p:sp>
+      <p:sp>
+        <p:nvSpPr>
+          <p:cNvPr id="3" name="Content Placeholder 2"/>
+          <p:cNvSpPr>
+            <a:spLocks noGrp="1"/>
+          </p:cNvSpPr>
+          <p:nvPr>
+            <p:ph idx="1"/>
+          </p:nvPr>
+        </p:nvSpPr>
+        <p:spPr/>
+        <p:txBody>
+          <a:bodyPr/>
+          <a:lstStyle/>
+          <a:p>
+            <a:endParaRPr lang="en-US" dirty="0"/>
+          </a:p>
+        </p:txBody>
+      </p:sp>
+      <p:pic>
+        <p:nvPicPr>
+          <p:cNvPr id="3074" name="Picture 2"/>
+          <p:cNvPicPr>
+            <a:picLocks noChangeAspect="1" noChangeArrowheads="1"/>
+          </p:cNvPicPr>
+          <p:nvPr/>
+        </p:nvPicPr>
+        <p:blipFill>
+          <a:blip r:embed="rId2" cstate="print"/>
+          <a:srcRect/>
+          <a:stretch>
+            <a:fillRect/>
+          </a:stretch>
+        </p:blipFill>
+        <p:spPr bwMode="auto">
+          <a:xfrm>
+            <a:off x="762000" y="1600200"/>
+            <a:ext cx="7543800" cy="4705350"/>
+          </a:xfrm>
+          <a:prstGeom prst="rect">
+            <a:avLst/>
+          </a:prstGeom>
+          <a:noFill/>
+          <a:ln w="9525">
+            <a:noFill/>
+            <a:miter lim="800000"/>
+            <a:headEnd/>
+            <a:tailEnd/>
+          </a:ln>
+        </p:spPr>
+      </p:pic>
+    </p:spTree>
+  </p:cSld>
+  <p:clrMapOvr>
+    <a:masterClrMapping/>
+  </p:clrMapOvr>
+</p:sld>
+</file>
+
+<file path=ppt/slides/slide3.xml><?xml version="1.0" encoding="utf-8"?>
+<p:sld xmlns:a="http://schemas.openxmlformats.org/drawingml/2006/main" xmlns:r="http://schemas.openxmlformats.org/officeDocument/2006/relationships" xmlns:p="http://schemas.openxmlformats.org/presentationml/2006/main">
+  <p:cSld>
+    <p:spTree>
+      <p:nvGrpSpPr>
+        <p:cNvPr id="1" name=""/>
+        <p:cNvGrpSpPr/>
+        <p:nvPr/>
+      </p:nvGrpSpPr>
+      <p:grpSpPr>
+        <a:xfrm>
+          <a:off x="0" y="0"/>
+          <a:ext cx="0" cy="0"/>
+          <a:chOff x="0" y="0"/>
+          <a:chExt cx="0" cy="0"/>
+        </a:xfrm>
+      </p:grpSpPr>
+      <p:sp>
+        <p:nvSpPr>
+          <p:cNvPr id="4" name="Title 3"/>
+          <p:cNvSpPr>
+            <a:spLocks noGrp="1"/>
+          </p:cNvSpPr>
+          <p:nvPr>
+            <p:ph type="title"/>
+          </p:nvPr>
+        </p:nvSpPr>
+        <p:spPr/>
+        <p:txBody>
+          <a:bodyPr>
+            <a:normAutofit fontScale="90000"/>
+          </a:bodyPr>
+          <a:lstStyle/>
+          <a:p>
+            <a:r>
+              <a:rPr lang="en-US" dirty="0" smtClean="0"/>
+              <a:t>Using the Java Profiler with JVM 1.4 (or lower)</a:t>
+            </a:r>
+            <a:endParaRPr lang="en-US" dirty="0"/>
+          </a:p>
+        </p:txBody>
+      </p:sp>
+      <p:sp>
+        <p:nvSpPr>
+          <p:cNvPr id="5" name="Content Placeholder 4"/>
+          <p:cNvSpPr>
+            <a:spLocks noGrp="1"/>
+          </p:cNvSpPr>
+          <p:nvPr>
+            <p:ph idx="1"/>
+          </p:nvPr>
+        </p:nvSpPr>
+        <p:spPr/>
+        <p:txBody>
+          <a:bodyPr/>
+          <a:lstStyle/>
+          <a:p>
+            <a:pPr marL="514350" indent="-514350">
+              <a:buFont typeface="+mj-lt"/>
+              <a:buAutoNum type="arabicPeriod"/>
+            </a:pPr>
+            <a:r>
+              <a:rPr lang="en-US" dirty="0" smtClean="0"/>
+              <a:t>Go to &lt;profile root&gt;/</a:t>
+            </a:r>
+            <a:r>
+              <a:rPr lang="en-US" dirty="0" err="1" smtClean="0"/>
+              <a:t>config</a:t>
+            </a:r>
+            <a:r>
+              <a:rPr lang="en-US" dirty="0" smtClean="0"/>
+              <a:t>/cells/&lt;</a:t>
+            </a:r>
+            <a:r>
+              <a:rPr lang="en-US" dirty="0" err="1" smtClean="0"/>
+              <a:t>nodename</a:t>
+            </a:r>
+            <a:r>
+              <a:rPr lang="en-US" dirty="0" smtClean="0"/>
+              <a:t>&gt;Cell/nodes/&lt;</a:t>
+            </a:r>
+            <a:r>
+              <a:rPr lang="en-US" dirty="0" err="1" smtClean="0"/>
+              <a:t>nodename</a:t>
+            </a:r>
+            <a:r>
+              <a:rPr lang="en-US" dirty="0" smtClean="0"/>
+              <a:t>&gt;/servers/server1</a:t>
+            </a:r>
+          </a:p>
+          <a:p>
+            <a:pPr marL="514350" indent="-514350">
+              <a:buFont typeface="+mj-lt"/>
+              <a:buAutoNum type="arabicPeriod"/>
+            </a:pPr>
+            <a:r>
+              <a:rPr lang="en-US" dirty="0" smtClean="0"/>
+              <a:t>Edit the </a:t>
+            </a:r>
+            <a:r>
+              <a:rPr lang="en-US" dirty="0" err="1" smtClean="0">
+                <a:solidFill>
+                  <a:srgbClr val="00B0F0"/>
+                </a:solidFill>
+              </a:rPr>
+              <a:t>jvmEntries</a:t>
+            </a:r>
+            <a:r>
+              <a:rPr lang="en-US" dirty="0" smtClean="0"/>
+              <a:t> element in the server.xml Specifically, append </a:t>
+            </a:r>
+            <a:r>
+              <a:rPr lang="en-US" dirty="0" smtClean="0">
+                <a:solidFill>
+                  <a:srgbClr val="00B0F0"/>
+                </a:solidFill>
+              </a:rPr>
+              <a:t>–</a:t>
+            </a:r>
+            <a:r>
+              <a:rPr lang="en-US" dirty="0" err="1" smtClean="0">
+                <a:solidFill>
+                  <a:srgbClr val="00B0F0"/>
+                </a:solidFill>
+              </a:rPr>
+              <a:t>XrunpiAgent:server</a:t>
+            </a:r>
+            <a:r>
+              <a:rPr lang="en-US" dirty="0" smtClean="0">
+                <a:solidFill>
+                  <a:srgbClr val="00B0F0"/>
+                </a:solidFill>
+              </a:rPr>
+              <a:t>=enabled </a:t>
+            </a:r>
+            <a:r>
+              <a:rPr lang="en-US" dirty="0" smtClean="0"/>
+              <a:t>to the </a:t>
+            </a:r>
+            <a:r>
+              <a:rPr lang="en-US" dirty="0" err="1" smtClean="0">
+                <a:solidFill>
+                  <a:srgbClr val="00B0F0"/>
+                </a:solidFill>
+              </a:rPr>
+              <a:t>genericJvmArguments</a:t>
+            </a:r>
+            <a:r>
+              <a:rPr lang="en-US" dirty="0" smtClean="0"/>
+              <a:t> attribute value.</a:t>
+            </a:r>
+          </a:p>
+          <a:p>
+            <a:pPr marL="514350" indent="-514350">
+              <a:buFont typeface="+mj-lt"/>
+              <a:buAutoNum type="arabicPeriod"/>
+            </a:pPr>
+            <a:r>
+              <a:rPr lang="en-US" dirty="0" smtClean="0"/>
+              <a:t>Restart WSAS</a:t>
+            </a:r>
+            <a:endParaRPr lang="en-US" dirty="0"/>
+          </a:p>
+        </p:txBody>
+      </p:sp>
+    </p:spTree>
+  </p:cSld>
+  <p:clrMapOvr>
+    <a:masterClrMapping/>
+  </p:clrMapOvr>
+</p:sld>
+</file>
+
+<file path=ppt/slides/slide30.xml><?xml version="1.0" encoding="utf-8"?>
+<p:sld xmlns:a="http://schemas.openxmlformats.org/drawingml/2006/main" xmlns:r="http://schemas.openxmlformats.org/officeDocument/2006/relationships" xmlns:p="http://schemas.openxmlformats.org/presentationml/2006/main">
+  <p:cSld>
+    <p:spTree>
+      <p:nvGrpSpPr>
+        <p:cNvPr id="1" name=""/>
+        <p:cNvGrpSpPr/>
+        <p:nvPr/>
+      </p:nvGrpSpPr>
+      <p:grpSpPr>
+        <a:xfrm>
+          <a:off x="0" y="0"/>
+          <a:ext cx="0" cy="0"/>
+          <a:chOff x="0" y="0"/>
+          <a:chExt cx="0" cy="0"/>
+        </a:xfrm>
+      </p:grpSpPr>
+      <p:sp>
+        <p:nvSpPr>
+          <p:cNvPr id="2" name="Title 1"/>
+          <p:cNvSpPr>
+            <a:spLocks noGrp="1"/>
+          </p:cNvSpPr>
+          <p:nvPr>
+            <p:ph type="title"/>
+          </p:nvPr>
+        </p:nvSpPr>
+        <p:spPr/>
+        <p:txBody>
+          <a:bodyPr/>
+          <a:lstStyle/>
+          <a:p>
+            <a:r>
+              <a:rPr lang="en-US" dirty="0" smtClean="0"/>
+              <a:t>Trouble Shooting</a:t>
+            </a:r>
+            <a:endParaRPr lang="en-US" dirty="0"/>
+          </a:p>
+        </p:txBody>
+      </p:sp>
+      <p:sp>
+        <p:nvSpPr>
+          <p:cNvPr id="3" name="Content Placeholder 2"/>
+          <p:cNvSpPr>
+            <a:spLocks noGrp="1"/>
+          </p:cNvSpPr>
+          <p:nvPr>
+            <p:ph idx="1"/>
+          </p:nvPr>
+        </p:nvSpPr>
+        <p:spPr/>
+        <p:txBody>
+          <a:bodyPr/>
+          <a:lstStyle/>
+          <a:p>
+            <a:endParaRPr lang="en-US"/>
+          </a:p>
+        </p:txBody>
+      </p:sp>
+      <p:pic>
+        <p:nvPicPr>
+          <p:cNvPr id="1026" name="Picture 2"/>
+          <p:cNvPicPr>
+            <a:picLocks noChangeAspect="1" noChangeArrowheads="1"/>
+          </p:cNvPicPr>
+          <p:nvPr/>
+        </p:nvPicPr>
+        <p:blipFill>
+          <a:blip r:embed="rId2" cstate="print"/>
+          <a:srcRect/>
+          <a:stretch>
+            <a:fillRect/>
+          </a:stretch>
+        </p:blipFill>
+        <p:spPr bwMode="auto">
+          <a:xfrm>
+            <a:off x="519113" y="2790825"/>
+            <a:ext cx="8105775" cy="1276350"/>
+          </a:xfrm>
+          <a:prstGeom prst="rect">
+            <a:avLst/>
+          </a:prstGeom>
+          <a:noFill/>
+          <a:ln w="9525">
+            <a:noFill/>
+            <a:miter lim="800000"/>
+            <a:headEnd/>
+            <a:tailEnd/>
+          </a:ln>
+        </p:spPr>
+      </p:pic>
+    </p:spTree>
+  </p:cSld>
+  <p:clrMapOvr>
+    <a:masterClrMapping/>
+  </p:clrMapOvr>
+</p:sld>
+</file>
+
+<file path=ppt/slides/slide31.xml><?xml version="1.0" encoding="utf-8"?>
+<p:sld xmlns:a="http://schemas.openxmlformats.org/drawingml/2006/main" xmlns:r="http://schemas.openxmlformats.org/officeDocument/2006/relationships" xmlns:p="http://schemas.openxmlformats.org/presentationml/2006/main">
+  <p:cSld>
+    <p:spTree>
+      <p:nvGrpSpPr>
+        <p:cNvPr id="1" name=""/>
+        <p:cNvGrpSpPr/>
+        <p:nvPr/>
+      </p:nvGrpSpPr>
+      <p:grpSpPr>
+        <a:xfrm>
+          <a:off x="0" y="0"/>
+          <a:ext cx="0" cy="0"/>
+          <a:chOff x="0" y="0"/>
+          <a:chExt cx="0" cy="0"/>
+        </a:xfrm>
+      </p:grpSpPr>
+      <p:sp>
+        <p:nvSpPr>
+          <p:cNvPr id="2" name="Title 1"/>
+          <p:cNvSpPr>
+            <a:spLocks noGrp="1"/>
+          </p:cNvSpPr>
+          <p:nvPr>
+            <p:ph type="title"/>
+          </p:nvPr>
+        </p:nvSpPr>
+        <p:spPr/>
+        <p:txBody>
+          <a:bodyPr/>
+          <a:lstStyle/>
+          <a:p>
+            <a:r>
+              <a:rPr lang="en-US" dirty="0" smtClean="0"/>
+              <a:t>No data available for display</a:t>
+            </a:r>
+            <a:endParaRPr lang="en-US" dirty="0"/>
+          </a:p>
+        </p:txBody>
+      </p:sp>
+      <p:sp>
+        <p:nvSpPr>
+          <p:cNvPr id="3" name="Content Placeholder 2"/>
+          <p:cNvSpPr>
+            <a:spLocks noGrp="1"/>
+          </p:cNvSpPr>
+          <p:nvPr>
+            <p:ph idx="1"/>
+          </p:nvPr>
+        </p:nvSpPr>
+        <p:spPr/>
+        <p:txBody>
+          <a:bodyPr/>
+          <a:lstStyle/>
+          <a:p>
+            <a:r>
+              <a:rPr lang="en-US" dirty="0" smtClean="0"/>
+              <a:t>No data available for display</a:t>
+            </a:r>
+            <a:endParaRPr lang="en-US" dirty="0"/>
+          </a:p>
+        </p:txBody>
+      </p:sp>
+      <p:pic>
+        <p:nvPicPr>
+          <p:cNvPr id="4098" name="Picture 2"/>
+          <p:cNvPicPr>
+            <a:picLocks noChangeAspect="1" noChangeArrowheads="1"/>
+          </p:cNvPicPr>
+          <p:nvPr/>
+        </p:nvPicPr>
+        <p:blipFill>
+          <a:blip r:embed="rId2" cstate="print"/>
+          <a:srcRect/>
+          <a:stretch>
+            <a:fillRect/>
+          </a:stretch>
+        </p:blipFill>
+        <p:spPr bwMode="auto">
+          <a:xfrm>
+            <a:off x="1752600" y="2286000"/>
+            <a:ext cx="5181600" cy="3762375"/>
+          </a:xfrm>
+          <a:prstGeom prst="rect">
+            <a:avLst/>
+          </a:prstGeom>
+          <a:noFill/>
+          <a:ln w="9525">
+            <a:noFill/>
+            <a:miter lim="800000"/>
+            <a:headEnd/>
+            <a:tailEnd/>
+          </a:ln>
+        </p:spPr>
+      </p:pic>
+    </p:spTree>
+  </p:cSld>
+  <p:clrMapOvr>
+    <a:masterClrMapping/>
+  </p:clrMapOvr>
+</p:sld>
+</file>
+
+<file path=ppt/slides/slide32.xml><?xml version="1.0" encoding="utf-8"?>
+<p:sld xmlns:a="http://schemas.openxmlformats.org/drawingml/2006/main" xmlns:r="http://schemas.openxmlformats.org/officeDocument/2006/relationships" xmlns:p="http://schemas.openxmlformats.org/presentationml/2006/main">
+  <p:cSld>
+    <p:spTree>
+      <p:nvGrpSpPr>
+        <p:cNvPr id="1" name=""/>
+        <p:cNvGrpSpPr/>
+        <p:nvPr/>
+      </p:nvGrpSpPr>
+      <p:grpSpPr>
+        <a:xfrm>
+          <a:off x="0" y="0"/>
+          <a:ext cx="0" cy="0"/>
+          <a:chOff x="0" y="0"/>
+          <a:chExt cx="0" cy="0"/>
+        </a:xfrm>
+      </p:grpSpPr>
+      <p:sp>
+        <p:nvSpPr>
+          <p:cNvPr id="2" name="Title 1"/>
+          <p:cNvSpPr>
+            <a:spLocks noGrp="1"/>
+          </p:cNvSpPr>
+          <p:nvPr>
+            <p:ph type="title"/>
+          </p:nvPr>
+        </p:nvSpPr>
+        <p:spPr/>
+        <p:txBody>
+          <a:bodyPr>
+            <a:normAutofit fontScale="90000"/>
+          </a:bodyPr>
+          <a:lstStyle/>
+          <a:p>
+            <a:r>
+              <a:rPr lang="en-US" dirty="0" smtClean="0"/>
+              <a:t>Hang “Connecting to the JVMPI agent”</a:t>
+            </a:r>
+            <a:endParaRPr lang="en-US" dirty="0"/>
+          </a:p>
+        </p:txBody>
+      </p:sp>
+      <p:sp>
+        <p:nvSpPr>
+          <p:cNvPr id="3" name="Content Placeholder 2"/>
+          <p:cNvSpPr>
+            <a:spLocks noGrp="1"/>
+          </p:cNvSpPr>
+          <p:nvPr>
+            <p:ph idx="1"/>
+          </p:nvPr>
+        </p:nvSpPr>
+        <p:spPr/>
+        <p:txBody>
+          <a:bodyPr/>
+          <a:lstStyle/>
+          <a:p>
+            <a:r>
+              <a:rPr lang="en-US" dirty="0" smtClean="0"/>
+              <a:t>My guess is that JVMTI (1.6) cannot deal with multi-threaded applications</a:t>
+            </a:r>
+            <a:endParaRPr lang="en-US" dirty="0"/>
+          </a:p>
+        </p:txBody>
+      </p:sp>
+    </p:spTree>
+  </p:cSld>
+  <p:clrMapOvr>
+    <a:masterClrMapping/>
+  </p:clrMapOvr>
+</p:sld>
+</file>
+
+<file path=ppt/slides/slide33.xml><?xml version="1.0" encoding="utf-8"?>
+<p:sld xmlns:a="http://schemas.openxmlformats.org/drawingml/2006/main" xmlns:r="http://schemas.openxmlformats.org/officeDocument/2006/relationships" xmlns:p="http://schemas.openxmlformats.org/presentationml/2006/main">
+  <p:cSld>
+    <p:spTree>
+      <p:nvGrpSpPr>
+        <p:cNvPr id="1" name=""/>
+        <p:cNvGrpSpPr/>
+        <p:nvPr/>
+      </p:nvGrpSpPr>
+      <p:grpSpPr>
+        <a:xfrm>
+          <a:off x="0" y="0"/>
+          <a:ext cx="0" cy="0"/>
+          <a:chOff x="0" y="0"/>
+          <a:chExt cx="0" cy="0"/>
+        </a:xfrm>
+      </p:grpSpPr>
+      <p:sp>
+        <p:nvSpPr>
+          <p:cNvPr id="2" name="Title 1"/>
+          <p:cNvSpPr>
+            <a:spLocks noGrp="1"/>
+          </p:cNvSpPr>
+          <p:nvPr>
+            <p:ph type="title"/>
+          </p:nvPr>
+        </p:nvSpPr>
+        <p:spPr/>
+        <p:txBody>
+          <a:bodyPr>
+            <a:normAutofit/>
+          </a:bodyPr>
+          <a:lstStyle/>
+          <a:p>
+            <a:r>
+              <a:rPr lang="en-US" dirty="0" smtClean="0"/>
+              <a:t>References</a:t>
+            </a:r>
+            <a:endParaRPr lang="en-US" dirty="0"/>
+          </a:p>
+        </p:txBody>
+      </p:sp>
+      <p:sp>
+        <p:nvSpPr>
+          <p:cNvPr id="3" name="Content Placeholder 2"/>
+          <p:cNvSpPr>
+            <a:spLocks noGrp="1"/>
+          </p:cNvSpPr>
+          <p:nvPr>
+            <p:ph idx="1"/>
+          </p:nvPr>
+        </p:nvSpPr>
+        <p:spPr/>
+        <p:txBody>
+          <a:bodyPr>
+            <a:normAutofit/>
+          </a:bodyPr>
+          <a:lstStyle/>
+          <a:p>
+            <a:r>
+              <a:rPr lang="en-US" sz="2800" dirty="0" smtClean="0"/>
+              <a:t>Install </a:t>
+            </a:r>
+            <a:r>
+              <a:rPr lang="en-US" sz="2800" dirty="0" err="1" smtClean="0"/>
+              <a:t>WebSphere</a:t>
+            </a:r>
+            <a:r>
+              <a:rPr lang="en-US" sz="2800" dirty="0" smtClean="0"/>
+              <a:t> Application Server V6.0 for Linux on POWER (</a:t>
+            </a:r>
+            <a:r>
+              <a:rPr lang="en-US" sz="2800" dirty="0" smtClean="0">
+                <a:hlinkClick r:id="rId2"/>
+              </a:rPr>
+              <a:t>http://www.ibm.com/developerworks/systems/library/es-webapp/index.html</a:t>
+            </a:r>
+            <a:r>
+              <a:rPr lang="en-US" sz="2800" dirty="0" smtClean="0"/>
+              <a:t>)</a:t>
+            </a:r>
+          </a:p>
+          <a:p>
+            <a:r>
+              <a:rPr lang="en-US" sz="2800" dirty="0" err="1" smtClean="0"/>
+              <a:t>WebSphere</a:t>
+            </a:r>
+            <a:r>
+              <a:rPr lang="en-US" sz="2800" dirty="0" smtClean="0"/>
+              <a:t> Application Server 6.1 Headless Install (</a:t>
+            </a:r>
+            <a:r>
+              <a:rPr lang="en-US" sz="2800" dirty="0" smtClean="0">
+                <a:hlinkClick r:id="rId3"/>
+              </a:rPr>
+              <a:t>http://bishop.camp.clarkson.edu/wiki/en/WebSphere_Application_Server_6.1_Headless_Install</a:t>
+            </a:r>
+            <a:r>
+              <a:rPr lang="en-US" sz="2800" dirty="0" smtClean="0"/>
+              <a:t>)</a:t>
+            </a:r>
+            <a:endParaRPr lang="en-US" sz="2800" dirty="0"/>
+          </a:p>
+        </p:txBody>
+      </p:sp>
+    </p:spTree>
+  </p:cSld>
+  <p:clrMapOvr>
+    <a:masterClrMapping/>
+  </p:clrMapOvr>
+</p:sld>
+</file>
+
+<file path=ppt/slides/slide34.xml><?xml version="1.0" encoding="utf-8"?>
+<p:sld xmlns:a="http://schemas.openxmlformats.org/drawingml/2006/main" xmlns:r="http://schemas.openxmlformats.org/officeDocument/2006/relationships" xmlns:p="http://schemas.openxmlformats.org/presentationml/2006/main">
+  <p:cSld>
+    <p:spTree>
+      <p:nvGrpSpPr>
+        <p:cNvPr id="1" name=""/>
+        <p:cNvGrpSpPr/>
+        <p:nvPr/>
+      </p:nvGrpSpPr>
+      <p:grpSpPr>
+        <a:xfrm>
+          <a:off x="0" y="0"/>
+          <a:ext cx="0" cy="0"/>
+          <a:chOff x="0" y="0"/>
+          <a:chExt cx="0" cy="0"/>
+        </a:xfrm>
+      </p:grpSpPr>
+      <p:sp>
+        <p:nvSpPr>
+          <p:cNvPr id="2" name="Title 1"/>
+          <p:cNvSpPr>
+            <a:spLocks noGrp="1"/>
+          </p:cNvSpPr>
+          <p:nvPr>
+            <p:ph type="title"/>
+          </p:nvPr>
+        </p:nvSpPr>
+        <p:spPr/>
+        <p:txBody>
+          <a:bodyPr/>
+          <a:lstStyle/>
+          <a:p>
+            <a:r>
+              <a:rPr lang="en-US" dirty="0" smtClean="0"/>
+              <a:t>References</a:t>
+            </a:r>
+            <a:endParaRPr lang="en-US" dirty="0"/>
+          </a:p>
+        </p:txBody>
+      </p:sp>
+      <p:sp>
+        <p:nvSpPr>
+          <p:cNvPr id="3" name="Content Placeholder 2"/>
+          <p:cNvSpPr>
+            <a:spLocks noGrp="1"/>
+          </p:cNvSpPr>
+          <p:nvPr>
+            <p:ph idx="1"/>
+          </p:nvPr>
+        </p:nvSpPr>
+        <p:spPr/>
+        <p:txBody>
+          <a:bodyPr>
+            <a:normAutofit fontScale="77500" lnSpcReduction="20000"/>
+          </a:bodyPr>
+          <a:lstStyle/>
+          <a:p>
+            <a:r>
+              <a:rPr lang="en-US" dirty="0" smtClean="0"/>
+              <a:t>Using IBM Rational Performance Tester: Application Monitoring Part 1, Configuring your environment (</a:t>
+            </a:r>
+            <a:r>
+              <a:rPr lang="en-US" dirty="0" smtClean="0">
+                <a:hlinkClick r:id="rId2"/>
+              </a:rPr>
+              <a:t>http://www.ibm.com/developerworks/rational/library/07/0515_patel/index.html</a:t>
+            </a:r>
+            <a:r>
+              <a:rPr lang="en-US" dirty="0" smtClean="0"/>
+              <a:t>)</a:t>
+            </a:r>
+          </a:p>
+          <a:p>
+            <a:r>
+              <a:rPr lang="en-US" dirty="0" smtClean="0"/>
+              <a:t>Using IBM Rational Performance Tester: Application Monitoring Part 2, Enabling real-time monitoring (</a:t>
+            </a:r>
+            <a:r>
+              <a:rPr lang="en-US" dirty="0" smtClean="0">
+                <a:hlinkClick r:id="rId3"/>
+              </a:rPr>
+              <a:t>http://www.ibm.com/developerworks/rational/library/07/0515_patel2/index.html</a:t>
+            </a:r>
+            <a:r>
+              <a:rPr lang="en-US" dirty="0" smtClean="0"/>
+              <a:t>)</a:t>
+            </a:r>
+          </a:p>
+          <a:p>
+            <a:r>
+              <a:rPr lang="en-US" dirty="0" smtClean="0"/>
+              <a:t>Using IBM Rational Performance Tester: Application monitoring, Part 3: Importing data from IBM Tivoli database products (</a:t>
+            </a:r>
+            <a:r>
+              <a:rPr lang="en-US" dirty="0" smtClean="0">
+                <a:hlinkClick r:id="rId4"/>
+              </a:rPr>
+              <a:t>http://www.ibm.com/developerworks/rational/library/07/0605_patel/index.html</a:t>
+            </a:r>
+            <a:r>
+              <a:rPr lang="en-US" dirty="0" smtClean="0"/>
+              <a:t>)</a:t>
+            </a:r>
+            <a:endParaRPr lang="en-US" dirty="0"/>
+          </a:p>
+        </p:txBody>
+      </p:sp>
+    </p:spTree>
+  </p:cSld>
+  <p:clrMapOvr>
+    <a:masterClrMapping/>
+  </p:clrMapOvr>
+</p:sld>
+</file>
+
+<file path=ppt/slides/slide4.xml><?xml version="1.0" encoding="utf-8"?>
+<p:sld xmlns:a="http://schemas.openxmlformats.org/drawingml/2006/main" xmlns:r="http://schemas.openxmlformats.org/officeDocument/2006/relationships" xmlns:p="http://schemas.openxmlformats.org/presentationml/2006/main">
+  <p:cSld>
+    <p:spTree>
+      <p:nvGrpSpPr>
+        <p:cNvPr id="1" name=""/>
+        <p:cNvGrpSpPr/>
+        <p:nvPr/>
+      </p:nvGrpSpPr>
+      <p:grpSpPr>
+        <a:xfrm>
+          <a:off x="0" y="0"/>
+          <a:ext cx="0" cy="0"/>
+          <a:chOff x="0" y="0"/>
+          <a:chExt cx="0" cy="0"/>
+        </a:xfrm>
+      </p:grpSpPr>
+      <p:sp>
+        <p:nvSpPr>
+          <p:cNvPr id="2" name="Title 1"/>
+          <p:cNvSpPr>
+            <a:spLocks noGrp="1"/>
+          </p:cNvSpPr>
+          <p:nvPr>
+            <p:ph type="title"/>
+          </p:nvPr>
+        </p:nvSpPr>
+        <p:spPr/>
+        <p:txBody>
+          <a:bodyPr/>
+          <a:lstStyle/>
+          <a:p>
+            <a:r>
+              <a:rPr lang="en-US" dirty="0" smtClean="0"/>
+              <a:t>Instrumentation</a:t>
+            </a:r>
+            <a:endParaRPr lang="en-US" dirty="0"/>
+          </a:p>
+        </p:txBody>
+      </p:sp>
+      <p:sp>
+        <p:nvSpPr>
+          <p:cNvPr id="3" name="Content Placeholder 2"/>
+          <p:cNvSpPr>
+            <a:spLocks noGrp="1"/>
+          </p:cNvSpPr>
+          <p:nvPr>
+            <p:ph idx="1"/>
+          </p:nvPr>
+        </p:nvSpPr>
+        <p:spPr/>
+        <p:txBody>
+          <a:bodyPr/>
+          <a:lstStyle/>
+          <a:p>
+            <a:pPr marL="514350" lvl="0" indent="-514350">
+              <a:defRPr/>
+            </a:pPr>
+            <a:r>
+              <a:rPr lang="en-US" dirty="0" smtClean="0">
+                <a:latin typeface="Courier New" pitchFamily="49" charset="0"/>
+                <a:cs typeface="Courier New" pitchFamily="49" charset="0"/>
+              </a:rPr>
+              <a:t># /root/</a:t>
+            </a:r>
+            <a:r>
+              <a:rPr lang="en-US" dirty="0" err="1" smtClean="0">
+                <a:latin typeface="Courier New" pitchFamily="49" charset="0"/>
+                <a:cs typeface="Courier New" pitchFamily="49" charset="0"/>
+              </a:rPr>
+              <a:t>perftest</a:t>
+            </a:r>
+            <a:r>
+              <a:rPr lang="en-US" dirty="0" smtClean="0">
+                <a:latin typeface="Courier New" pitchFamily="49" charset="0"/>
+                <a:cs typeface="Courier New" pitchFamily="49" charset="0"/>
+              </a:rPr>
+              <a:t>/gotoARM.sh</a:t>
+            </a:r>
+          </a:p>
+          <a:p>
+            <a:pPr marL="914400" lvl="1" indent="-514350">
+              <a:buFont typeface="+mj-lt"/>
+              <a:buAutoNum type="arabicPeriod"/>
+              <a:defRPr/>
+            </a:pPr>
+            <a:r>
+              <a:rPr lang="en-US" dirty="0" smtClean="0"/>
+              <a:t>Start </a:t>
+            </a:r>
+            <a:r>
+              <a:rPr lang="en-US" dirty="0" err="1" smtClean="0"/>
+              <a:t>WebSphere</a:t>
+            </a:r>
+            <a:r>
+              <a:rPr lang="en-US" dirty="0" smtClean="0"/>
+              <a:t> Application Server (WSAS)</a:t>
+            </a:r>
+          </a:p>
+          <a:p>
+            <a:pPr marL="1314450" lvl="2" indent="-514350">
+              <a:defRPr/>
+            </a:pPr>
+            <a:r>
+              <a:rPr lang="en-US" dirty="0" smtClean="0"/>
+              <a:t>Note: WSAS should be running before applications are instrumented.</a:t>
+            </a:r>
+          </a:p>
+          <a:p>
+            <a:pPr marL="914400" lvl="1" indent="-514350">
+              <a:buFont typeface="+mj-lt"/>
+              <a:buAutoNum type="arabicPeriod"/>
+              <a:defRPr/>
+            </a:pPr>
+            <a:r>
+              <a:rPr lang="en-US" dirty="0" smtClean="0"/>
+              <a:t>Start Instrumentation</a:t>
+            </a:r>
+          </a:p>
+          <a:p>
+            <a:pPr marL="914400" lvl="1" indent="-514350">
+              <a:buFont typeface="+mj-lt"/>
+              <a:buAutoNum type="arabicPeriod"/>
+              <a:defRPr/>
+            </a:pPr>
+            <a:r>
+              <a:rPr lang="en-US" dirty="0" smtClean="0"/>
+              <a:t>Restart the server</a:t>
+            </a:r>
+            <a:endParaRPr lang="en-US" dirty="0"/>
+          </a:p>
+        </p:txBody>
+      </p:sp>
+      <p:sp>
+        <p:nvSpPr>
+          <p:cNvPr id="4" name="Rounded Rectangular Callout 3"/>
+          <p:cNvSpPr/>
+          <p:nvPr/>
+        </p:nvSpPr>
+        <p:spPr>
+          <a:xfrm>
+            <a:off x="914400" y="5791200"/>
+            <a:ext cx="7315200" cy="457200"/>
+          </a:xfrm>
+          <a:prstGeom prst="wedgeRoundRectCallout">
+            <a:avLst>
+              <a:gd name="adj1" fmla="val -32721"/>
+              <a:gd name="adj2" fmla="val -49935"/>
+              <a:gd name="adj3" fmla="val 16667"/>
+            </a:avLst>
+          </a:prstGeom>
+          <a:solidFill>
+            <a:srgbClr val="FFC000"/>
+          </a:solidFill>
+        </p:spPr>
+        <p:style>
+          <a:lnRef idx="2">
+            <a:schemeClr val="accent1">
+              <a:shade val="50000"/>
+            </a:schemeClr>
+          </a:lnRef>
+          <a:fillRef idx="1">
+            <a:schemeClr val="accent1"/>
+          </a:fillRef>
+          <a:effectRef idx="0">
+            <a:schemeClr val="accent1"/>
+          </a:effectRef>
+          <a:fontRef idx="minor">
+            <a:schemeClr val="lt1"/>
+          </a:fontRef>
+        </p:style>
+        <p:txBody>
+          <a:bodyPr rtlCol="0" anchor="ctr"/>
+          <a:lstStyle/>
+          <a:p>
+            <a:r>
+              <a:rPr lang="en-US" dirty="0" smtClean="0">
+                <a:solidFill>
+                  <a:srgbClr val="FF0000"/>
+                </a:solidFill>
+              </a:rPr>
+              <a:t>Note:  This task should be done only once.</a:t>
+            </a:r>
+            <a:endParaRPr lang="en-US" dirty="0">
+              <a:solidFill>
+                <a:srgbClr val="FF0000"/>
+              </a:solidFill>
+            </a:endParaRPr>
+          </a:p>
+        </p:txBody>
+      </p:sp>
+    </p:spTree>
+  </p:cSld>
+  <p:clrMapOvr>
+    <a:masterClrMapping/>
+  </p:clrMapOvr>
+</p:sld>
+</file>
+
+<file path=ppt/slides/slide5.xml><?xml version="1.0" encoding="utf-8"?>
+<p:sld xmlns:a="http://schemas.openxmlformats.org/drawingml/2006/main" xmlns:r="http://schemas.openxmlformats.org/officeDocument/2006/relationships" xmlns:p="http://schemas.openxmlformats.org/presentationml/2006/main">
+  <p:cSld>
+    <p:spTree>
+      <p:nvGrpSpPr>
+        <p:cNvPr id="1" name=""/>
+        <p:cNvGrpSpPr/>
+        <p:nvPr/>
+      </p:nvGrpSpPr>
+      <p:grpSpPr>
+        <a:xfrm>
+          <a:off x="0" y="0"/>
+          <a:ext cx="0" cy="0"/>
+          <a:chOff x="0" y="0"/>
+          <a:chExt cx="0" cy="0"/>
+        </a:xfrm>
+      </p:grpSpPr>
+      <p:sp>
+        <p:nvSpPr>
+          <p:cNvPr id="2" name="Title 1"/>
+          <p:cNvSpPr>
+            <a:spLocks noGrp="1"/>
+          </p:cNvSpPr>
+          <p:nvPr>
+            <p:ph type="title"/>
+          </p:nvPr>
+        </p:nvSpPr>
+        <p:spPr/>
+        <p:txBody>
+          <a:bodyPr>
+            <a:normAutofit fontScale="90000"/>
+          </a:bodyPr>
+          <a:lstStyle/>
+          <a:p>
+            <a:r>
+              <a:rPr lang="en-US" dirty="0" smtClean="0"/>
+              <a:t>Environment for ARM Instrumentation</a:t>
+            </a:r>
+            <a:endParaRPr lang="en-US" dirty="0"/>
+          </a:p>
+        </p:txBody>
+      </p:sp>
+      <p:sp>
+        <p:nvSpPr>
+          <p:cNvPr id="3" name="Content Placeholder 2"/>
+          <p:cNvSpPr>
+            <a:spLocks noGrp="1"/>
+          </p:cNvSpPr>
+          <p:nvPr>
+            <p:ph idx="1"/>
+          </p:nvPr>
+        </p:nvSpPr>
+        <p:spPr>
+          <a:xfrm>
+            <a:off x="457200" y="1600200"/>
+            <a:ext cx="8229600" cy="4571999"/>
+          </a:xfrm>
+        </p:spPr>
+        <p:txBody>
+          <a:bodyPr/>
+          <a:lstStyle/>
+          <a:p>
+            <a:endParaRPr lang="en-US" dirty="0"/>
+          </a:p>
+        </p:txBody>
+      </p:sp>
+      <p:pic>
+        <p:nvPicPr>
+          <p:cNvPr id="4" name="Picture 2" descr="C:\Documents and Settings\Yoonki\Local Settings\Temporary Internet Files\Content.IE5\JGH7Q211\j0431616[1].png"/>
+          <p:cNvPicPr>
+            <a:picLocks noChangeAspect="1" noChangeArrowheads="1"/>
+          </p:cNvPicPr>
+          <p:nvPr/>
+        </p:nvPicPr>
+        <p:blipFill>
+          <a:blip r:embed="rId2" cstate="print"/>
+          <a:srcRect/>
+          <a:stretch>
+            <a:fillRect/>
+          </a:stretch>
+        </p:blipFill>
+        <p:spPr bwMode="auto">
+          <a:xfrm>
+            <a:off x="1524000" y="1676400"/>
+            <a:ext cx="1828572" cy="1828572"/>
+          </a:xfrm>
+          <a:prstGeom prst="rect">
+            <a:avLst/>
+          </a:prstGeom>
+          <a:noFill/>
+        </p:spPr>
+      </p:pic>
+      <p:pic>
+        <p:nvPicPr>
+          <p:cNvPr id="5" name="Picture 3" descr="C:\Documents and Settings\Yoonki\Local Settings\Temporary Internet Files\Content.IE5\1UZTH24C\j0431595[1].png"/>
+          <p:cNvPicPr>
+            <a:picLocks noChangeAspect="1" noChangeArrowheads="1"/>
+          </p:cNvPicPr>
+          <p:nvPr/>
+        </p:nvPicPr>
+        <p:blipFill>
+          <a:blip r:embed="rId3" cstate="print"/>
+          <a:srcRect/>
+          <a:stretch>
+            <a:fillRect/>
+          </a:stretch>
+        </p:blipFill>
+        <p:spPr bwMode="auto">
+          <a:xfrm>
+            <a:off x="3048000" y="4800600"/>
+            <a:ext cx="1828572" cy="1828572"/>
+          </a:xfrm>
+          <a:prstGeom prst="rect">
+            <a:avLst/>
+          </a:prstGeom>
+          <a:noFill/>
+        </p:spPr>
+      </p:pic>
+      <p:pic>
+        <p:nvPicPr>
+          <p:cNvPr id="6" name="Picture 4" descr="C:\Documents and Settings\Yoonki\Local Settings\Temporary Internet Files\Content.IE5\79GYPFSZ\j0431637[1].png"/>
+          <p:cNvPicPr>
+            <a:picLocks noChangeAspect="1" noChangeArrowheads="1"/>
+          </p:cNvPicPr>
+          <p:nvPr/>
+        </p:nvPicPr>
+        <p:blipFill>
+          <a:blip r:embed="rId4" cstate="print"/>
+          <a:srcRect/>
+          <a:stretch>
+            <a:fillRect/>
+          </a:stretch>
+        </p:blipFill>
+        <p:spPr bwMode="auto">
+          <a:xfrm>
+            <a:off x="6019800" y="1676400"/>
+            <a:ext cx="1714500" cy="1714500"/>
+          </a:xfrm>
+          <a:prstGeom prst="rect">
+            <a:avLst/>
+          </a:prstGeom>
+          <a:noFill/>
+        </p:spPr>
+      </p:pic>
+      <p:sp>
+        <p:nvSpPr>
+          <p:cNvPr id="8" name="Rounded Rectangle 7"/>
+          <p:cNvSpPr/>
+          <p:nvPr/>
+        </p:nvSpPr>
+        <p:spPr>
+          <a:xfrm>
+            <a:off x="4724400" y="3581400"/>
+            <a:ext cx="3962400" cy="2590800"/>
+          </a:xfrm>
+          <a:prstGeom prst="roundRect">
+            <a:avLst/>
+          </a:prstGeom>
+        </p:spPr>
+        <p:style>
+          <a:lnRef idx="1">
+            <a:schemeClr val="dk1"/>
+          </a:lnRef>
+          <a:fillRef idx="2">
+            <a:schemeClr val="dk1"/>
+          </a:fillRef>
+          <a:effectRef idx="1">
+            <a:schemeClr val="dk1"/>
+          </a:effectRef>
+          <a:fontRef idx="minor">
+            <a:schemeClr val="dk1"/>
+          </a:fontRef>
+        </p:style>
+        <p:txBody>
+          <a:bodyPr rtlCol="0" anchor="t"/>
+          <a:lstStyle/>
+          <a:p>
+            <a:pPr algn="ctr"/>
+            <a:r>
+              <a:rPr lang="en-US" sz="1400" dirty="0" smtClean="0"/>
+              <a:t>Server:</a:t>
+            </a:r>
+          </a:p>
+          <a:p>
+            <a:pPr algn="ctr"/>
+            <a:r>
+              <a:rPr lang="en-US" sz="1400" dirty="0" smtClean="0"/>
+              <a:t>eb2-2241-grd03.csc.ncsu.edu (152.14.90.72)</a:t>
+            </a:r>
+          </a:p>
+          <a:p>
+            <a:pPr algn="ctr"/>
+            <a:endParaRPr lang="en-US" sz="1400" dirty="0" smtClean="0"/>
+          </a:p>
+          <a:p>
+            <a:pPr>
+              <a:buFont typeface="Wingdings" pitchFamily="2" charset="2"/>
+              <a:buChar char="§"/>
+            </a:pPr>
+            <a:r>
+              <a:rPr lang="en-US" sz="1400" dirty="0" smtClean="0"/>
+              <a:t> </a:t>
+            </a:r>
+            <a:r>
+              <a:rPr lang="en-US" sz="1400" dirty="0" err="1" smtClean="0"/>
+              <a:t>WebSphere</a:t>
+            </a:r>
+            <a:r>
+              <a:rPr lang="en-US" sz="1400" dirty="0" smtClean="0"/>
+              <a:t> Application Server v6.1</a:t>
+            </a:r>
+          </a:p>
+          <a:p>
+            <a:pPr>
+              <a:buFont typeface="Wingdings" pitchFamily="2" charset="2"/>
+              <a:buChar char="§"/>
+            </a:pPr>
+            <a:r>
+              <a:rPr lang="en-US" sz="1400" dirty="0" smtClean="0"/>
+              <a:t> Rational Performance Tester Agent  </a:t>
+            </a:r>
+          </a:p>
+          <a:p>
+            <a:r>
+              <a:rPr lang="en-US" sz="1400" dirty="0" smtClean="0"/>
+              <a:t>   (Data Collection </a:t>
+            </a:r>
+            <a:r>
+              <a:rPr lang="en-US" sz="1400" dirty="0" err="1" smtClean="0"/>
+              <a:t>Inftrastructure</a:t>
+            </a:r>
+            <a:r>
+              <a:rPr lang="en-US" sz="1400" dirty="0" smtClean="0"/>
+              <a:t> v7.0)</a:t>
+            </a:r>
+          </a:p>
+        </p:txBody>
+      </p:sp>
+      <p:sp>
+        <p:nvSpPr>
+          <p:cNvPr id="9" name="Rounded Rectangle 8"/>
+          <p:cNvSpPr/>
+          <p:nvPr/>
+        </p:nvSpPr>
+        <p:spPr>
+          <a:xfrm>
+            <a:off x="457200" y="3581400"/>
+            <a:ext cx="3962400" cy="2590800"/>
+          </a:xfrm>
+          <a:prstGeom prst="roundRect">
+            <a:avLst/>
+          </a:prstGeom>
+        </p:spPr>
+        <p:style>
+          <a:lnRef idx="1">
+            <a:schemeClr val="dk1"/>
+          </a:lnRef>
+          <a:fillRef idx="2">
+            <a:schemeClr val="dk1"/>
+          </a:fillRef>
+          <a:effectRef idx="1">
+            <a:schemeClr val="dk1"/>
+          </a:effectRef>
+          <a:fontRef idx="minor">
+            <a:schemeClr val="dk1"/>
+          </a:fontRef>
+        </p:style>
+        <p:txBody>
+          <a:bodyPr rtlCol="0" anchor="t"/>
+          <a:lstStyle/>
+          <a:p>
+            <a:pPr algn="ctr"/>
+            <a:r>
+              <a:rPr lang="en-US" sz="1400" dirty="0" smtClean="0"/>
+              <a:t>Client:</a:t>
+            </a:r>
+          </a:p>
+          <a:p>
+            <a:pPr algn="ctr"/>
+            <a:r>
+              <a:rPr lang="en-US" sz="1400" dirty="0" smtClean="0"/>
+              <a:t>My desktop (Dynamic IP)</a:t>
+            </a:r>
+          </a:p>
+          <a:p>
+            <a:pPr algn="ctr"/>
+            <a:endParaRPr lang="en-US" sz="1400" dirty="0" smtClean="0"/>
+          </a:p>
+          <a:p>
+            <a:pPr>
+              <a:buFont typeface="Wingdings" pitchFamily="2" charset="2"/>
+              <a:buChar char="§"/>
+            </a:pPr>
+            <a:r>
+              <a:rPr lang="en-US" sz="1400" dirty="0" smtClean="0"/>
+              <a:t> Rational Performance Tester v8.0</a:t>
+            </a:r>
+          </a:p>
+          <a:p>
+            <a:pPr marL="177800" lvl="1">
+              <a:buFont typeface="Wingdings" pitchFamily="2" charset="2"/>
+              <a:buChar char="§"/>
+            </a:pPr>
+            <a:r>
+              <a:rPr lang="en-US" sz="1400" dirty="0" smtClean="0"/>
+              <a:t> with Agent (Data Collection </a:t>
+            </a:r>
+            <a:r>
+              <a:rPr lang="en-US" sz="1400" dirty="0" err="1" smtClean="0"/>
+              <a:t>Inftrastructure</a:t>
+            </a:r>
+            <a:r>
+              <a:rPr lang="en-US" sz="1400" dirty="0" smtClean="0"/>
+              <a:t> v7.0)</a:t>
+            </a:r>
+          </a:p>
+          <a:p>
+            <a:pPr algn="ctr"/>
+            <a:endParaRPr lang="en-US" sz="1400" dirty="0"/>
+          </a:p>
+        </p:txBody>
+      </p:sp>
+      <p:sp>
+        <p:nvSpPr>
+          <p:cNvPr id="10" name="Left-Right Arrow 9"/>
+          <p:cNvSpPr/>
+          <p:nvPr/>
+        </p:nvSpPr>
+        <p:spPr>
+          <a:xfrm>
+            <a:off x="4038600" y="2133600"/>
+            <a:ext cx="1066800" cy="533400"/>
+          </a:xfrm>
+          <a:prstGeom prst="leftRightArrow">
+            <a:avLst/>
+          </a:prstGeom>
+        </p:spPr>
+        <p:style>
+          <a:lnRef idx="2">
+            <a:schemeClr val="accent1">
+              <a:shade val="50000"/>
+            </a:schemeClr>
+          </a:lnRef>
+          <a:fillRef idx="1">
+            <a:schemeClr val="accent1"/>
+          </a:fillRef>
+          <a:effectRef idx="0">
+            <a:schemeClr val="accent1"/>
+          </a:effectRef>
+          <a:fontRef idx="minor">
+            <a:schemeClr val="lt1"/>
+          </a:fontRef>
+        </p:style>
+        <p:txBody>
+          <a:bodyPr rtlCol="0" anchor="ctr"/>
+          <a:lstStyle/>
+          <a:p>
+            <a:pPr algn="ctr"/>
+            <a:endParaRPr lang="en-US"/>
+          </a:p>
+        </p:txBody>
+      </p:sp>
+    </p:spTree>
+  </p:cSld>
+  <p:clrMapOvr>
+    <a:masterClrMapping/>
+  </p:clrMapOvr>
+  <p:timing>
+    <p:tnLst>
+      <p:par>
+        <p:cTn id="1" dur="indefinite" restart="never" nodeType="tmRoot"/>
+      </p:par>
+    </p:tnLst>
+  </p:timing>
+</p:sld>
+</file>
+
+<file path=ppt/slides/slide6.xml><?xml version="1.0" encoding="utf-8"?>
+<p:sld xmlns:a="http://schemas.openxmlformats.org/drawingml/2006/main" xmlns:r="http://schemas.openxmlformats.org/officeDocument/2006/relationships" xmlns:p="http://schemas.openxmlformats.org/presentationml/2006/main">
+  <p:cSld>
+    <p:spTree>
+      <p:nvGrpSpPr>
+        <p:cNvPr id="1" name=""/>
+        <p:cNvGrpSpPr/>
+        <p:nvPr/>
+      </p:nvGrpSpPr>
+      <p:grpSpPr>
+        <a:xfrm>
+          <a:off x="0" y="0"/>
+          <a:ext cx="0" cy="0"/>
+          <a:chOff x="0" y="0"/>
+          <a:chExt cx="0" cy="0"/>
+        </a:xfrm>
+      </p:grpSpPr>
+      <p:sp>
+        <p:nvSpPr>
+          <p:cNvPr id="9" name="Title 8"/>
+          <p:cNvSpPr>
+            <a:spLocks noGrp="1"/>
+          </p:cNvSpPr>
+          <p:nvPr>
+            <p:ph type="title"/>
+          </p:nvPr>
+        </p:nvSpPr>
+        <p:spPr/>
+        <p:txBody>
+          <a:bodyPr>
+            <a:normAutofit fontScale="90000"/>
+          </a:bodyPr>
+          <a:lstStyle/>
+          <a:p>
+            <a:r>
+              <a:rPr lang="en-US" dirty="0" smtClean="0"/>
+              <a:t>Sequence for Collecting Trace data with Instrumentation (RPT-ARM)</a:t>
+            </a:r>
+            <a:endParaRPr lang="en-US" dirty="0"/>
+          </a:p>
+        </p:txBody>
+      </p:sp>
+      <p:sp>
+        <p:nvSpPr>
+          <p:cNvPr id="10" name="Text Placeholder 9"/>
+          <p:cNvSpPr>
+            <a:spLocks noGrp="1"/>
+          </p:cNvSpPr>
+          <p:nvPr>
+            <p:ph type="body" idx="1"/>
+          </p:nvPr>
+        </p:nvSpPr>
+        <p:spPr/>
+        <p:txBody>
+          <a:bodyPr/>
+          <a:lstStyle/>
+          <a:p>
+            <a:r>
+              <a:rPr lang="en-US" dirty="0" smtClean="0"/>
+              <a:t>Client</a:t>
+            </a:r>
+            <a:endParaRPr lang="en-US" dirty="0"/>
+          </a:p>
+        </p:txBody>
+      </p:sp>
+      <p:sp>
+        <p:nvSpPr>
+          <p:cNvPr id="11" name="Content Placeholder 10"/>
+          <p:cNvSpPr>
+            <a:spLocks noGrp="1"/>
+          </p:cNvSpPr>
+          <p:nvPr>
+            <p:ph sz="half" idx="2"/>
+          </p:nvPr>
+        </p:nvSpPr>
+        <p:spPr>
+          <a:xfrm>
+            <a:off x="457200" y="3581400"/>
+            <a:ext cx="3657600" cy="1219199"/>
+          </a:xfrm>
+        </p:spPr>
+        <p:txBody>
+          <a:bodyPr>
+            <a:normAutofit fontScale="92500" lnSpcReduction="10000"/>
+          </a:bodyPr>
+          <a:lstStyle/>
+          <a:p>
+            <a:pPr>
+              <a:buNone/>
+            </a:pPr>
+            <a:r>
+              <a:rPr lang="en-US" sz="1800" dirty="0" smtClean="0"/>
+              <a:t>4. Start DCI</a:t>
+            </a:r>
+          </a:p>
+          <a:p>
+            <a:pPr>
+              <a:buNone/>
+            </a:pPr>
+            <a:r>
+              <a:rPr lang="en-US" sz="1800" dirty="0" smtClean="0"/>
+              <a:t>5. Start RPTv8.0</a:t>
+            </a:r>
+          </a:p>
+          <a:p>
+            <a:pPr>
+              <a:buNone/>
+            </a:pPr>
+            <a:r>
+              <a:rPr lang="en-US" sz="1800" dirty="0" smtClean="0"/>
+              <a:t>6. Start Recording and Launching Test/Schedule via RPT</a:t>
+            </a:r>
+            <a:endParaRPr lang="en-US" sz="1800" dirty="0"/>
+          </a:p>
+        </p:txBody>
+      </p:sp>
+      <p:sp>
+        <p:nvSpPr>
+          <p:cNvPr id="12" name="Text Placeholder 11"/>
+          <p:cNvSpPr>
+            <a:spLocks noGrp="1"/>
+          </p:cNvSpPr>
+          <p:nvPr>
+            <p:ph type="body" sz="quarter" idx="3"/>
+          </p:nvPr>
+        </p:nvSpPr>
+        <p:spPr>
+          <a:xfrm>
+            <a:off x="4343401" y="1535113"/>
+            <a:ext cx="4343400" cy="639762"/>
+          </a:xfrm>
+        </p:spPr>
+        <p:txBody>
+          <a:bodyPr/>
+          <a:lstStyle/>
+          <a:p>
+            <a:r>
+              <a:rPr lang="en-US" dirty="0" smtClean="0"/>
+              <a:t>Server</a:t>
+            </a:r>
+            <a:endParaRPr lang="en-US" dirty="0"/>
+          </a:p>
+        </p:txBody>
+      </p:sp>
+      <p:sp>
+        <p:nvSpPr>
+          <p:cNvPr id="13" name="Content Placeholder 12"/>
+          <p:cNvSpPr>
+            <a:spLocks noGrp="1"/>
+          </p:cNvSpPr>
+          <p:nvPr>
+            <p:ph sz="quarter" idx="4"/>
+          </p:nvPr>
+        </p:nvSpPr>
+        <p:spPr>
+          <a:xfrm>
+            <a:off x="4267201" y="2286000"/>
+            <a:ext cx="4419600" cy="3840162"/>
+          </a:xfrm>
+        </p:spPr>
+        <p:txBody>
+          <a:bodyPr>
+            <a:normAutofit/>
+          </a:bodyPr>
+          <a:lstStyle/>
+          <a:p>
+            <a:pPr marL="231775" indent="-231775"/>
+            <a:r>
+              <a:rPr lang="en-US" sz="1800" dirty="0" smtClean="0">
+                <a:latin typeface="Courier New" pitchFamily="49" charset="0"/>
+                <a:cs typeface="Courier New" pitchFamily="49" charset="0"/>
+              </a:rPr>
+              <a:t>#/root/</a:t>
+            </a:r>
+            <a:r>
+              <a:rPr lang="en-US" sz="1800" dirty="0" err="1" smtClean="0">
+                <a:latin typeface="Courier New" pitchFamily="49" charset="0"/>
+                <a:cs typeface="Courier New" pitchFamily="49" charset="0"/>
+              </a:rPr>
+              <a:t>perftest</a:t>
+            </a:r>
+            <a:r>
+              <a:rPr lang="en-US" sz="1800" dirty="0" smtClean="0">
+                <a:latin typeface="Courier New" pitchFamily="49" charset="0"/>
+                <a:cs typeface="Courier New" pitchFamily="49" charset="0"/>
+              </a:rPr>
+              <a:t>/startARM.sh</a:t>
+            </a:r>
+          </a:p>
+          <a:p>
+            <a:pPr marL="466725" lvl="1" indent="-234950">
+              <a:buAutoNum type="arabicPeriod"/>
+            </a:pPr>
+            <a:r>
+              <a:rPr lang="en-US" sz="1400" dirty="0" smtClean="0"/>
+              <a:t>Start Rational Agent Controller (RAC)</a:t>
+            </a:r>
+          </a:p>
+          <a:p>
+            <a:pPr marL="687388" lvl="2" indent="-234950"/>
+            <a:r>
+              <a:rPr lang="en-US" sz="1200" dirty="0" smtClean="0"/>
+              <a:t>Note: RAC should be running prior to DCI</a:t>
+            </a:r>
+          </a:p>
+          <a:p>
+            <a:pPr marL="466725" lvl="1" indent="-234950">
+              <a:buAutoNum type="arabicPeriod"/>
+            </a:pPr>
+            <a:r>
+              <a:rPr lang="en-US" sz="1400" dirty="0" smtClean="0"/>
+              <a:t>Start Data Collection Infrastructure (DCI)</a:t>
+            </a:r>
+          </a:p>
+          <a:p>
+            <a:pPr marL="677863" lvl="2" indent="-234950"/>
+            <a:r>
+              <a:rPr lang="en-US" sz="1200" dirty="0" smtClean="0"/>
+              <a:t>Note: DCI should be running prior to WSAS</a:t>
+            </a:r>
+          </a:p>
+          <a:p>
+            <a:pPr marL="466725" lvl="1" indent="-234950">
+              <a:buFont typeface="Wingdings" pitchFamily="2" charset="2"/>
+              <a:buAutoNum type="arabicPeriod"/>
+            </a:pPr>
+            <a:r>
+              <a:rPr lang="en-US" sz="1400" dirty="0" smtClean="0"/>
+              <a:t>Start </a:t>
+            </a:r>
+            <a:r>
+              <a:rPr lang="en-US" sz="1400" dirty="0" err="1" smtClean="0"/>
+              <a:t>WebSphere</a:t>
+            </a:r>
+            <a:r>
+              <a:rPr lang="en-US" sz="1400" dirty="0" smtClean="0"/>
+              <a:t> Application Server (WSAS)</a:t>
+            </a:r>
+          </a:p>
+          <a:p>
+            <a:pPr marL="457200" indent="-457200">
+              <a:buAutoNum type="arabicPeriod"/>
+            </a:pPr>
+            <a:endParaRPr lang="en-US" sz="1800" dirty="0"/>
+          </a:p>
+        </p:txBody>
+      </p:sp>
+      <p:sp>
+        <p:nvSpPr>
+          <p:cNvPr id="16" name="Rounded Rectangular Callout 15"/>
+          <p:cNvSpPr/>
+          <p:nvPr/>
+        </p:nvSpPr>
+        <p:spPr>
+          <a:xfrm>
+            <a:off x="914400" y="5791200"/>
+            <a:ext cx="7315200" cy="457200"/>
+          </a:xfrm>
+          <a:prstGeom prst="wedgeRoundRectCallout">
+            <a:avLst>
+              <a:gd name="adj1" fmla="val -32721"/>
+              <a:gd name="adj2" fmla="val -49935"/>
+              <a:gd name="adj3" fmla="val 16667"/>
+            </a:avLst>
+          </a:prstGeom>
+          <a:solidFill>
+            <a:srgbClr val="FFC000"/>
+          </a:solidFill>
+        </p:spPr>
+        <p:style>
+          <a:lnRef idx="2">
+            <a:schemeClr val="accent1">
+              <a:shade val="50000"/>
+            </a:schemeClr>
+          </a:lnRef>
+          <a:fillRef idx="1">
+            <a:schemeClr val="accent1"/>
+          </a:fillRef>
+          <a:effectRef idx="0">
+            <a:schemeClr val="accent1"/>
+          </a:effectRef>
+          <a:fontRef idx="minor">
+            <a:schemeClr val="lt1"/>
+          </a:fontRef>
+        </p:style>
+        <p:txBody>
+          <a:bodyPr rtlCol="0" anchor="ctr"/>
+          <a:lstStyle/>
+          <a:p>
+            <a:r>
+              <a:rPr lang="en-US" dirty="0" smtClean="0">
+                <a:solidFill>
+                  <a:srgbClr val="FF0000"/>
+                </a:solidFill>
+              </a:rPr>
+              <a:t>Note:  This task should be always done whenever the server/client reboots.</a:t>
+            </a:r>
+            <a:endParaRPr lang="en-US" dirty="0">
+              <a:solidFill>
+                <a:srgbClr val="FF0000"/>
+              </a:solidFill>
+            </a:endParaRPr>
+          </a:p>
+        </p:txBody>
+      </p:sp>
+      <p:pic>
+        <p:nvPicPr>
+          <p:cNvPr id="17" name="Picture 2" descr="C:\Documents and Settings\Yoonki\Local Settings\Temporary Internet Files\Content.IE5\3JR7YVV4\j0432599[1].png"/>
+          <p:cNvPicPr>
+            <a:picLocks noChangeAspect="1" noChangeArrowheads="1"/>
+          </p:cNvPicPr>
+          <p:nvPr/>
+        </p:nvPicPr>
+        <p:blipFill>
+          <a:blip r:embed="rId3" cstate="print"/>
+          <a:srcRect/>
+          <a:stretch>
+            <a:fillRect/>
+          </a:stretch>
+        </p:blipFill>
+        <p:spPr bwMode="auto">
+          <a:xfrm>
+            <a:off x="1752600" y="4876800"/>
+            <a:ext cx="990600" cy="990600"/>
+          </a:xfrm>
+          <a:prstGeom prst="rect">
+            <a:avLst/>
+          </a:prstGeom>
+          <a:noFill/>
+        </p:spPr>
+      </p:pic>
+      <p:sp>
+        <p:nvSpPr>
+          <p:cNvPr id="19" name="Rounded Rectangular Callout 18"/>
+          <p:cNvSpPr/>
+          <p:nvPr/>
+        </p:nvSpPr>
+        <p:spPr>
+          <a:xfrm>
+            <a:off x="2667000" y="5105400"/>
+            <a:ext cx="1676400" cy="457200"/>
+          </a:xfrm>
+          <a:prstGeom prst="wedgeRoundRectCallout">
+            <a:avLst>
+              <a:gd name="adj1" fmla="val -55102"/>
+              <a:gd name="adj2" fmla="val 3436"/>
+              <a:gd name="adj3" fmla="val 16667"/>
+            </a:avLst>
+          </a:prstGeom>
+          <a:solidFill>
+            <a:schemeClr val="bg1"/>
+          </a:solidFill>
+        </p:spPr>
+        <p:style>
+          <a:lnRef idx="2">
+            <a:schemeClr val="accent1">
+              <a:shade val="50000"/>
+            </a:schemeClr>
+          </a:lnRef>
+          <a:fillRef idx="1">
+            <a:schemeClr val="accent1"/>
+          </a:fillRef>
+          <a:effectRef idx="0">
+            <a:schemeClr val="accent1"/>
+          </a:effectRef>
+          <a:fontRef idx="minor">
+            <a:schemeClr val="lt1"/>
+          </a:fontRef>
+        </p:style>
+        <p:txBody>
+          <a:bodyPr rtlCol="0" anchor="ctr"/>
+          <a:lstStyle/>
+          <a:p>
+            <a:pPr algn="ctr"/>
+            <a:r>
+              <a:rPr lang="en-US" dirty="0" smtClean="0">
+                <a:solidFill>
+                  <a:schemeClr val="accent6">
+                    <a:lumMod val="50000"/>
+                  </a:schemeClr>
+                </a:solidFill>
+              </a:rPr>
+              <a:t>Trace data (A)</a:t>
+            </a:r>
+            <a:endParaRPr lang="en-US" dirty="0">
+              <a:solidFill>
+                <a:schemeClr val="accent6">
+                  <a:lumMod val="50000"/>
+                </a:schemeClr>
+              </a:solidFill>
+            </a:endParaRPr>
+          </a:p>
+        </p:txBody>
+      </p:sp>
+    </p:spTree>
+  </p:cSld>
+  <p:clrMapOvr>
+    <a:masterClrMapping/>
+  </p:clrMapOvr>
+  <p:timing>
+    <p:tnLst>
+      <p:par>
+        <p:cTn id="1" dur="indefinite" restart="never" nodeType="tmRoot"/>
+      </p:par>
+    </p:tnLst>
+  </p:timing>
+</p:sld>
+</file>
+
+<file path=ppt/slides/slide7.xml><?xml version="1.0" encoding="utf-8"?>
 <p:sld xmlns:a="http://schemas.openxmlformats.org/drawingml/2006/main" xmlns:r="http://schemas.openxmlformats.org/officeDocument/2006/relationships" xmlns:p="http://schemas.openxmlformats.org/presentationml/2006/main">
   <p:cSld>
     <p:spTree>
@@ -4632,7 +9006,7 @@
 </p:sld>
 </file>
 
-<file path=ppt/slides/slide12.xml><?xml version="1.0" encoding="utf-8"?>
+<file path=ppt/slides/slide8.xml><?xml version="1.0" encoding="utf-8"?>
 <p:sld xmlns:a="http://schemas.openxmlformats.org/drawingml/2006/main" xmlns:r="http://schemas.openxmlformats.org/officeDocument/2006/relationships" xmlns:p="http://schemas.openxmlformats.org/presentationml/2006/main">
   <p:cSld>
     <p:spTree>
@@ -4789,7 +9163,7 @@
 </p:sld>
 </file>
 
-<file path=ppt/slides/slide13.xml><?xml version="1.0" encoding="utf-8"?>
+<file path=ppt/slides/slide9.xml><?xml version="1.0" encoding="utf-8"?>
 <p:sld xmlns:a="http://schemas.openxmlformats.org/drawingml/2006/main" xmlns:r="http://schemas.openxmlformats.org/officeDocument/2006/relationships" xmlns:p="http://schemas.openxmlformats.org/presentationml/2006/main">
   <p:cSld>
     <p:spTree>
@@ -4922,4016 +9296,6 @@
           </a:ln>
         </p:spPr>
       </p:pic>
-    </p:spTree>
-  </p:cSld>
-  <p:clrMapOvr>
-    <a:masterClrMapping/>
-  </p:clrMapOvr>
-</p:sld>
-</file>
-
-<file path=ppt/slides/slide14.xml><?xml version="1.0" encoding="utf-8"?>
-<p:sld xmlns:a="http://schemas.openxmlformats.org/drawingml/2006/main" xmlns:r="http://schemas.openxmlformats.org/officeDocument/2006/relationships" xmlns:p="http://schemas.openxmlformats.org/presentationml/2006/main">
-  <p:cSld>
-    <p:spTree>
-      <p:nvGrpSpPr>
-        <p:cNvPr id="1" name=""/>
-        <p:cNvGrpSpPr/>
-        <p:nvPr/>
-      </p:nvGrpSpPr>
-      <p:grpSpPr>
-        <a:xfrm>
-          <a:off x="0" y="0"/>
-          <a:ext cx="0" cy="0"/>
-          <a:chOff x="0" y="0"/>
-          <a:chExt cx="0" cy="0"/>
-        </a:xfrm>
-      </p:grpSpPr>
-      <p:sp>
-        <p:nvSpPr>
-          <p:cNvPr id="2" name="Title 1"/>
-          <p:cNvSpPr>
-            <a:spLocks noGrp="1"/>
-          </p:cNvSpPr>
-          <p:nvPr>
-            <p:ph type="title"/>
-          </p:nvPr>
-        </p:nvSpPr>
-        <p:spPr/>
-        <p:txBody>
-          <a:bodyPr>
-            <a:normAutofit fontScale="90000"/>
-          </a:bodyPr>
-          <a:lstStyle/>
-          <a:p>
-            <a:r>
-              <a:rPr lang="en-US" dirty="0" smtClean="0"/>
-              <a:t>Application Server </a:t>
-            </a:r>
-            <a:r>
-              <a:rPr lang="en-US" dirty="0" err="1" smtClean="0"/>
-              <a:t>Instrumenter</a:t>
-            </a:r>
-            <a:r>
-              <a:rPr lang="en-US" dirty="0" smtClean="0"/>
-              <a:t> (ASI)</a:t>
-            </a:r>
-            <a:endParaRPr lang="en-US" dirty="0"/>
-          </a:p>
-        </p:txBody>
-      </p:sp>
-      <p:sp>
-        <p:nvSpPr>
-          <p:cNvPr id="3" name="Content Placeholder 2"/>
-          <p:cNvSpPr>
-            <a:spLocks noGrp="1"/>
-          </p:cNvSpPr>
-          <p:nvPr>
-            <p:ph idx="1"/>
-          </p:nvPr>
-        </p:nvSpPr>
-        <p:spPr/>
-        <p:txBody>
-          <a:bodyPr>
-            <a:normAutofit fontScale="85000" lnSpcReduction="20000"/>
-          </a:bodyPr>
-          <a:lstStyle/>
-          <a:p>
-            <a:r>
-              <a:rPr lang="en-US" dirty="0" smtClean="0"/>
-              <a:t>Application Server Tab</a:t>
-            </a:r>
-          </a:p>
-          <a:p>
-            <a:pPr lvl="1"/>
-            <a:r>
-              <a:rPr lang="en-US" dirty="0" smtClean="0"/>
-              <a:t>Type: IBM </a:t>
-            </a:r>
-            <a:r>
-              <a:rPr lang="en-US" dirty="0" err="1" smtClean="0"/>
-              <a:t>WebSphere</a:t>
-            </a:r>
-            <a:r>
-              <a:rPr lang="en-US" dirty="0" smtClean="0"/>
-              <a:t> Application Server v6.x</a:t>
-            </a:r>
-          </a:p>
-          <a:p>
-            <a:pPr lvl="1"/>
-            <a:r>
-              <a:rPr lang="en-US" dirty="0" smtClean="0"/>
-              <a:t>Profile name: AppSrv01</a:t>
-            </a:r>
-          </a:p>
-          <a:p>
-            <a:pPr lvl="1"/>
-            <a:r>
-              <a:rPr lang="en-US" dirty="0" smtClean="0"/>
-              <a:t>Server name: eb2-2241-grd03.csc.ncsu.edu</a:t>
-            </a:r>
-          </a:p>
-          <a:p>
-            <a:pPr lvl="1"/>
-            <a:r>
-              <a:rPr lang="en-US" dirty="0" smtClean="0"/>
-              <a:t>Server home: /opt/IBM/</a:t>
-            </a:r>
-            <a:r>
-              <a:rPr lang="en-US" dirty="0" err="1" smtClean="0"/>
-              <a:t>WebSphere</a:t>
-            </a:r>
-            <a:r>
-              <a:rPr lang="en-US" dirty="0" smtClean="0"/>
-              <a:t>/</a:t>
-            </a:r>
-            <a:r>
-              <a:rPr lang="en-US" dirty="0" err="1" smtClean="0"/>
-              <a:t>AppServer</a:t>
-            </a:r>
-            <a:endParaRPr lang="en-US" dirty="0" smtClean="0"/>
-          </a:p>
-          <a:p>
-            <a:pPr lvl="1"/>
-            <a:r>
-              <a:rPr lang="en-US" dirty="0" smtClean="0"/>
-              <a:t>User: </a:t>
-            </a:r>
-            <a:r>
-              <a:rPr lang="en-US" dirty="0" err="1" smtClean="0"/>
-              <a:t>perftest</a:t>
-            </a:r>
-            <a:endParaRPr lang="en-US" dirty="0" smtClean="0"/>
-          </a:p>
-          <a:p>
-            <a:pPr lvl="1"/>
-            <a:r>
-              <a:rPr lang="en-US" dirty="0" smtClean="0"/>
-              <a:t>Password: </a:t>
-            </a:r>
-            <a:r>
-              <a:rPr lang="en-US" dirty="0" err="1" smtClean="0"/>
-              <a:t>perftest</a:t>
-            </a:r>
-            <a:endParaRPr lang="en-US" dirty="0" smtClean="0"/>
-          </a:p>
-          <a:p>
-            <a:r>
-              <a:rPr lang="en-US" dirty="0" smtClean="0"/>
-              <a:t>Connection Tab</a:t>
-            </a:r>
-          </a:p>
-          <a:p>
-            <a:pPr lvl="1"/>
-            <a:r>
-              <a:rPr lang="en-US" dirty="0" smtClean="0"/>
-              <a:t>Host: eb2-2241-grd03.csc.ncsu.edu or ldap.ncsu.edu (?)</a:t>
-            </a:r>
-          </a:p>
-          <a:p>
-            <a:pPr lvl="1"/>
-            <a:r>
-              <a:rPr lang="en-US" dirty="0" smtClean="0"/>
-              <a:t>User: ysong2</a:t>
-            </a:r>
-          </a:p>
-          <a:p>
-            <a:pPr lvl="1"/>
-            <a:r>
-              <a:rPr lang="en-US" dirty="0" smtClean="0"/>
-              <a:t>Password: </a:t>
-            </a:r>
-            <a:r>
-              <a:rPr lang="en-US" i="1" dirty="0" smtClean="0">
-                <a:solidFill>
-                  <a:schemeClr val="bg1">
-                    <a:lumMod val="75000"/>
-                  </a:schemeClr>
-                </a:solidFill>
-              </a:rPr>
-              <a:t>&lt;?&gt;</a:t>
-            </a:r>
-            <a:endParaRPr lang="en-US" i="1" dirty="0">
-              <a:solidFill>
-                <a:schemeClr val="bg1">
-                  <a:lumMod val="75000"/>
-                </a:schemeClr>
-              </a:solidFill>
-            </a:endParaRPr>
-          </a:p>
-        </p:txBody>
-      </p:sp>
-    </p:spTree>
-  </p:cSld>
-  <p:clrMapOvr>
-    <a:masterClrMapping/>
-  </p:clrMapOvr>
-</p:sld>
-</file>
-
-<file path=ppt/slides/slide15.xml><?xml version="1.0" encoding="utf-8"?>
-<p:sld xmlns:a="http://schemas.openxmlformats.org/drawingml/2006/main" xmlns:r="http://schemas.openxmlformats.org/officeDocument/2006/relationships" xmlns:p="http://schemas.openxmlformats.org/presentationml/2006/main">
-  <p:cSld>
-    <p:spTree>
-      <p:nvGrpSpPr>
-        <p:cNvPr id="1" name=""/>
-        <p:cNvGrpSpPr/>
-        <p:nvPr/>
-      </p:nvGrpSpPr>
-      <p:grpSpPr>
-        <a:xfrm>
-          <a:off x="0" y="0"/>
-          <a:ext cx="0" cy="0"/>
-          <a:chOff x="0" y="0"/>
-          <a:chExt cx="0" cy="0"/>
-        </a:xfrm>
-      </p:grpSpPr>
-      <p:sp>
-        <p:nvSpPr>
-          <p:cNvPr id="2" name="Title 1"/>
-          <p:cNvSpPr>
-            <a:spLocks noGrp="1"/>
-          </p:cNvSpPr>
-          <p:nvPr>
-            <p:ph type="title"/>
-          </p:nvPr>
-        </p:nvSpPr>
-        <p:spPr/>
-        <p:txBody>
-          <a:bodyPr/>
-          <a:lstStyle/>
-          <a:p>
-            <a:r>
-              <a:rPr lang="en-US" dirty="0" smtClean="0"/>
-              <a:t>…</a:t>
-            </a:r>
-            <a:endParaRPr lang="en-US" dirty="0"/>
-          </a:p>
-        </p:txBody>
-      </p:sp>
-      <p:sp>
-        <p:nvSpPr>
-          <p:cNvPr id="3" name="Content Placeholder 2"/>
-          <p:cNvSpPr>
-            <a:spLocks noGrp="1"/>
-          </p:cNvSpPr>
-          <p:nvPr>
-            <p:ph idx="1"/>
-          </p:nvPr>
-        </p:nvSpPr>
-        <p:spPr/>
-        <p:txBody>
-          <a:bodyPr>
-            <a:normAutofit fontScale="92500" lnSpcReduction="10000"/>
-          </a:bodyPr>
-          <a:lstStyle/>
-          <a:p>
-            <a:r>
-              <a:rPr lang="en-US" i="1" dirty="0" smtClean="0"/>
-              <a:t>{WAS_PROFILE_HOME}</a:t>
-            </a:r>
-            <a:r>
-              <a:rPr lang="en-US" dirty="0" smtClean="0"/>
-              <a:t>/</a:t>
-            </a:r>
-            <a:r>
-              <a:rPr lang="en-US" dirty="0" err="1" smtClean="0"/>
-              <a:t>config</a:t>
-            </a:r>
-            <a:r>
-              <a:rPr lang="en-US" dirty="0" smtClean="0"/>
-              <a:t>/cells/</a:t>
-            </a:r>
-            <a:r>
-              <a:rPr lang="en-US" i="1" dirty="0" smtClean="0"/>
-              <a:t>{</a:t>
-            </a:r>
-            <a:r>
-              <a:rPr lang="en-US" i="1" dirty="0" err="1" smtClean="0"/>
-              <a:t>cell_name</a:t>
-            </a:r>
-            <a:r>
-              <a:rPr lang="en-US" i="1" dirty="0" smtClean="0"/>
-              <a:t>}</a:t>
-            </a:r>
-            <a:r>
-              <a:rPr lang="en-US" dirty="0" smtClean="0"/>
-              <a:t>/nodes/</a:t>
-            </a:r>
-            <a:r>
-              <a:rPr lang="en-US" i="1" dirty="0" smtClean="0"/>
-              <a:t>{</a:t>
-            </a:r>
-            <a:r>
-              <a:rPr lang="en-US" i="1" dirty="0" err="1" smtClean="0"/>
-              <a:t>node_name</a:t>
-            </a:r>
-            <a:r>
-              <a:rPr lang="en-US" i="1" dirty="0" smtClean="0"/>
-              <a:t>}</a:t>
-            </a:r>
-            <a:r>
-              <a:rPr lang="en-US" dirty="0" smtClean="0"/>
-              <a:t>/servers/</a:t>
-            </a:r>
-            <a:r>
-              <a:rPr lang="en-US" i="1" dirty="0" smtClean="0"/>
-              <a:t>{</a:t>
-            </a:r>
-            <a:r>
-              <a:rPr lang="en-US" i="1" dirty="0" err="1" smtClean="0"/>
-              <a:t>server_name</a:t>
-            </a:r>
-            <a:r>
-              <a:rPr lang="en-US" i="1" dirty="0" smtClean="0"/>
-              <a:t>}</a:t>
-            </a:r>
-          </a:p>
-          <a:p>
-            <a:pPr lvl="1"/>
-            <a:r>
-              <a:rPr lang="en-US" dirty="0" smtClean="0"/>
-              <a:t>/opt/IBM/</a:t>
-            </a:r>
-            <a:r>
-              <a:rPr lang="en-US" dirty="0" err="1" smtClean="0"/>
-              <a:t>WebSphere</a:t>
-            </a:r>
-            <a:r>
-              <a:rPr lang="en-US" dirty="0" smtClean="0"/>
-              <a:t>/</a:t>
-            </a:r>
-            <a:r>
-              <a:rPr lang="en-US" dirty="0" err="1" smtClean="0"/>
-              <a:t>AppServer</a:t>
-            </a:r>
-            <a:r>
-              <a:rPr lang="en-US" dirty="0" smtClean="0"/>
-              <a:t>/profiles/AppSrv01/</a:t>
-            </a:r>
-            <a:r>
-              <a:rPr lang="en-US" dirty="0" err="1" smtClean="0"/>
-              <a:t>config</a:t>
-            </a:r>
-            <a:r>
-              <a:rPr lang="en-US" dirty="0" smtClean="0"/>
-              <a:t>/cells/eb2-2241-grd03Node01Cell/nodes/eb2-2241-grd03Node01/servers/server1/</a:t>
-            </a:r>
-            <a:r>
-              <a:rPr lang="en-US" dirty="0" smtClean="0">
-                <a:solidFill>
-                  <a:srgbClr val="00B0F0"/>
-                </a:solidFill>
-              </a:rPr>
-              <a:t>server.xml</a:t>
-            </a:r>
-          </a:p>
-          <a:p>
-            <a:pPr lvl="1"/>
-            <a:r>
-              <a:rPr lang="en-US" dirty="0" smtClean="0"/>
-              <a:t>/opt/IBM/</a:t>
-            </a:r>
-            <a:r>
-              <a:rPr lang="en-US" dirty="0" err="1" smtClean="0"/>
-              <a:t>WebSphere</a:t>
-            </a:r>
-            <a:r>
-              <a:rPr lang="en-US" dirty="0" smtClean="0"/>
-              <a:t>/</a:t>
-            </a:r>
-            <a:r>
-              <a:rPr lang="en-US" dirty="0" err="1" smtClean="0"/>
-              <a:t>AppServer</a:t>
-            </a:r>
-            <a:r>
-              <a:rPr lang="en-US" dirty="0" smtClean="0"/>
-              <a:t>/profiles/AppSrv01/</a:t>
-            </a:r>
-            <a:r>
-              <a:rPr lang="en-US" dirty="0" err="1" smtClean="0"/>
-              <a:t>config</a:t>
-            </a:r>
-            <a:r>
-              <a:rPr lang="en-US" dirty="0" smtClean="0"/>
-              <a:t>/cells/eb2-2241-grd03Node01Cell/nodes/eb2-2241-grd03Node01/servers/server1/</a:t>
-            </a:r>
-            <a:r>
-              <a:rPr lang="en-US" dirty="0" smtClean="0">
-                <a:solidFill>
-                  <a:srgbClr val="00B0F0"/>
-                </a:solidFill>
-              </a:rPr>
-              <a:t>variables.xml</a:t>
-            </a:r>
-          </a:p>
-          <a:p>
-            <a:r>
-              <a:rPr lang="en-US" dirty="0" smtClean="0"/>
-              <a:t>{WAS_PROFILE_HOME}/</a:t>
-            </a:r>
-            <a:r>
-              <a:rPr lang="en-US" dirty="0" err="1" smtClean="0"/>
-              <a:t>config</a:t>
-            </a:r>
-            <a:r>
-              <a:rPr lang="en-US" dirty="0" smtClean="0"/>
-              <a:t>/cells/{</a:t>
-            </a:r>
-            <a:r>
-              <a:rPr lang="en-US" dirty="0" err="1" smtClean="0"/>
-              <a:t>cell_name</a:t>
-            </a:r>
-            <a:r>
-              <a:rPr lang="en-US" dirty="0" smtClean="0"/>
-              <a:t>}</a:t>
-            </a:r>
-          </a:p>
-          <a:p>
-            <a:pPr lvl="1"/>
-            <a:r>
-              <a:rPr lang="en-US" dirty="0" smtClean="0"/>
-              <a:t>/opt/IBM/</a:t>
-            </a:r>
-            <a:r>
-              <a:rPr lang="en-US" dirty="0" err="1" smtClean="0"/>
-              <a:t>WebSphere</a:t>
-            </a:r>
-            <a:r>
-              <a:rPr lang="en-US" dirty="0" smtClean="0"/>
-              <a:t>/</a:t>
-            </a:r>
-            <a:r>
-              <a:rPr lang="en-US" dirty="0" err="1" smtClean="0"/>
-              <a:t>AppServer</a:t>
-            </a:r>
-            <a:r>
-              <a:rPr lang="en-US" dirty="0" smtClean="0"/>
-              <a:t>/profiles/AppSrv01/</a:t>
-            </a:r>
-            <a:r>
-              <a:rPr lang="en-US" dirty="0" err="1" smtClean="0"/>
-              <a:t>config</a:t>
-            </a:r>
-            <a:r>
-              <a:rPr lang="en-US" dirty="0" smtClean="0"/>
-              <a:t>/cells/eb2-2241-grd03Node01Cell/</a:t>
-            </a:r>
-            <a:r>
-              <a:rPr lang="en-US" dirty="0" smtClean="0">
-                <a:solidFill>
-                  <a:srgbClr val="00B0F0"/>
-                </a:solidFill>
-              </a:rPr>
-              <a:t>pmirm.xml</a:t>
-            </a:r>
-          </a:p>
-        </p:txBody>
-      </p:sp>
-    </p:spTree>
-  </p:cSld>
-  <p:clrMapOvr>
-    <a:masterClrMapping/>
-  </p:clrMapOvr>
-</p:sld>
-</file>
-
-<file path=ppt/slides/slide16.xml><?xml version="1.0" encoding="utf-8"?>
-<p:sld xmlns:a="http://schemas.openxmlformats.org/drawingml/2006/main" xmlns:r="http://schemas.openxmlformats.org/officeDocument/2006/relationships" xmlns:p="http://schemas.openxmlformats.org/presentationml/2006/main">
-  <p:cSld>
-    <p:spTree>
-      <p:nvGrpSpPr>
-        <p:cNvPr id="1" name=""/>
-        <p:cNvGrpSpPr/>
-        <p:nvPr/>
-      </p:nvGrpSpPr>
-      <p:grpSpPr>
-        <a:xfrm>
-          <a:off x="0" y="0"/>
-          <a:ext cx="0" cy="0"/>
-          <a:chOff x="0" y="0"/>
-          <a:chExt cx="0" cy="0"/>
-        </a:xfrm>
-      </p:grpSpPr>
-      <p:sp>
-        <p:nvSpPr>
-          <p:cNvPr id="2" name="Title 1"/>
-          <p:cNvSpPr>
-            <a:spLocks noGrp="1"/>
-          </p:cNvSpPr>
-          <p:nvPr>
-            <p:ph type="title"/>
-          </p:nvPr>
-        </p:nvSpPr>
-        <p:spPr/>
-        <p:txBody>
-          <a:bodyPr/>
-          <a:lstStyle/>
-          <a:p>
-            <a:r>
-              <a:rPr lang="en-US" dirty="0" smtClean="0"/>
-              <a:t>…</a:t>
-            </a:r>
-            <a:endParaRPr lang="en-US" dirty="0"/>
-          </a:p>
-        </p:txBody>
-      </p:sp>
-      <p:sp>
-        <p:nvSpPr>
-          <p:cNvPr id="3" name="Content Placeholder 2"/>
-          <p:cNvSpPr>
-            <a:spLocks noGrp="1"/>
-          </p:cNvSpPr>
-          <p:nvPr>
-            <p:ph idx="1"/>
-          </p:nvPr>
-        </p:nvSpPr>
-        <p:spPr/>
-        <p:txBody>
-          <a:bodyPr/>
-          <a:lstStyle/>
-          <a:p>
-            <a:r>
-              <a:rPr lang="en-US" dirty="0" smtClean="0"/>
-              <a:t>/opt/IBM/SDP/DCI/</a:t>
-            </a:r>
-            <a:r>
-              <a:rPr lang="en-US" dirty="0" err="1" smtClean="0"/>
-              <a:t>rpa_prod</a:t>
-            </a:r>
-            <a:r>
-              <a:rPr lang="en-US" dirty="0" smtClean="0"/>
-              <a:t>/</a:t>
-            </a:r>
-            <a:r>
-              <a:rPr lang="en-US" dirty="0" err="1" smtClean="0"/>
-              <a:t>tivoli_comp</a:t>
-            </a:r>
-            <a:r>
-              <a:rPr lang="en-US" dirty="0" smtClean="0"/>
-              <a:t>/app/instrument/6.103.0000/</a:t>
-            </a:r>
-            <a:r>
-              <a:rPr lang="en-US" dirty="0" err="1" smtClean="0"/>
-              <a:t>appServers</a:t>
-            </a:r>
-            <a:r>
-              <a:rPr lang="en-US" dirty="0" smtClean="0"/>
-              <a:t>/server1_101/</a:t>
-            </a:r>
-            <a:r>
-              <a:rPr lang="en-US" dirty="0" err="1" smtClean="0"/>
-              <a:t>config</a:t>
-            </a:r>
-            <a:endParaRPr lang="en-US" dirty="0" smtClean="0"/>
-          </a:p>
-          <a:p>
-            <a:endParaRPr lang="en-US" dirty="0"/>
-          </a:p>
-        </p:txBody>
-      </p:sp>
-    </p:spTree>
-  </p:cSld>
-  <p:clrMapOvr>
-    <a:masterClrMapping/>
-  </p:clrMapOvr>
-</p:sld>
-</file>
-
-<file path=ppt/slides/slide17.xml><?xml version="1.0" encoding="utf-8"?>
-<p:sld xmlns:a="http://schemas.openxmlformats.org/drawingml/2006/main" xmlns:r="http://schemas.openxmlformats.org/officeDocument/2006/relationships" xmlns:p="http://schemas.openxmlformats.org/presentationml/2006/main">
-  <p:cSld>
-    <p:spTree>
-      <p:nvGrpSpPr>
-        <p:cNvPr id="1" name=""/>
-        <p:cNvGrpSpPr/>
-        <p:nvPr/>
-      </p:nvGrpSpPr>
-      <p:grpSpPr>
-        <a:xfrm>
-          <a:off x="0" y="0"/>
-          <a:ext cx="0" cy="0"/>
-          <a:chOff x="0" y="0"/>
-          <a:chExt cx="0" cy="0"/>
-        </a:xfrm>
-      </p:grpSpPr>
-      <p:sp>
-        <p:nvSpPr>
-          <p:cNvPr id="2" name="Title 1"/>
-          <p:cNvSpPr>
-            <a:spLocks noGrp="1"/>
-          </p:cNvSpPr>
-          <p:nvPr>
-            <p:ph type="title"/>
-          </p:nvPr>
-        </p:nvSpPr>
-        <p:spPr/>
-        <p:txBody>
-          <a:bodyPr/>
-          <a:lstStyle/>
-          <a:p>
-            <a:r>
-              <a:rPr lang="en-US" dirty="0" smtClean="0"/>
-              <a:t>Profile Configurations</a:t>
-            </a:r>
-            <a:endParaRPr lang="en-US" dirty="0"/>
-          </a:p>
-        </p:txBody>
-      </p:sp>
-      <p:sp>
-        <p:nvSpPr>
-          <p:cNvPr id="3" name="Content Placeholder 2"/>
-          <p:cNvSpPr>
-            <a:spLocks noGrp="1"/>
-          </p:cNvSpPr>
-          <p:nvPr>
-            <p:ph idx="1"/>
-          </p:nvPr>
-        </p:nvSpPr>
-        <p:spPr/>
-        <p:txBody>
-          <a:bodyPr/>
-          <a:lstStyle/>
-          <a:p>
-            <a:endParaRPr lang="en-US"/>
-          </a:p>
-        </p:txBody>
-      </p:sp>
-      <p:pic>
-        <p:nvPicPr>
-          <p:cNvPr id="1026" name="Picture 2"/>
-          <p:cNvPicPr>
-            <a:picLocks noChangeAspect="1" noChangeArrowheads="1"/>
-          </p:cNvPicPr>
-          <p:nvPr/>
-        </p:nvPicPr>
-        <p:blipFill>
-          <a:blip r:embed="rId2" cstate="print"/>
-          <a:srcRect/>
-          <a:stretch>
-            <a:fillRect/>
-          </a:stretch>
-        </p:blipFill>
-        <p:spPr bwMode="auto">
-          <a:xfrm>
-            <a:off x="990600" y="1600200"/>
-            <a:ext cx="7134225" cy="4714875"/>
-          </a:xfrm>
-          <a:prstGeom prst="rect">
-            <a:avLst/>
-          </a:prstGeom>
-          <a:noFill/>
-          <a:ln w="9525">
-            <a:noFill/>
-            <a:miter lim="800000"/>
-            <a:headEnd/>
-            <a:tailEnd/>
-          </a:ln>
-        </p:spPr>
-      </p:pic>
-    </p:spTree>
-  </p:cSld>
-  <p:clrMapOvr>
-    <a:masterClrMapping/>
-  </p:clrMapOvr>
-</p:sld>
-</file>
-
-<file path=ppt/slides/slide18.xml><?xml version="1.0" encoding="utf-8"?>
-<p:sld xmlns:a="http://schemas.openxmlformats.org/drawingml/2006/main" xmlns:r="http://schemas.openxmlformats.org/officeDocument/2006/relationships" xmlns:p="http://schemas.openxmlformats.org/presentationml/2006/main">
-  <p:cSld>
-    <p:spTree>
-      <p:nvGrpSpPr>
-        <p:cNvPr id="1" name=""/>
-        <p:cNvGrpSpPr/>
-        <p:nvPr/>
-      </p:nvGrpSpPr>
-      <p:grpSpPr>
-        <a:xfrm>
-          <a:off x="0" y="0"/>
-          <a:ext cx="0" cy="0"/>
-          <a:chOff x="0" y="0"/>
-          <a:chExt cx="0" cy="0"/>
-        </a:xfrm>
-      </p:grpSpPr>
-      <p:sp>
-        <p:nvSpPr>
-          <p:cNvPr id="2" name="Title 1"/>
-          <p:cNvSpPr>
-            <a:spLocks noGrp="1"/>
-          </p:cNvSpPr>
-          <p:nvPr>
-            <p:ph type="title"/>
-          </p:nvPr>
-        </p:nvSpPr>
-        <p:spPr/>
-        <p:txBody>
-          <a:bodyPr/>
-          <a:lstStyle/>
-          <a:p>
-            <a:r>
-              <a:rPr lang="en-US" dirty="0" smtClean="0"/>
-              <a:t>Profile Configurations (Cont’d)</a:t>
-            </a:r>
-            <a:endParaRPr lang="en-US" dirty="0"/>
-          </a:p>
-        </p:txBody>
-      </p:sp>
-      <p:sp>
-        <p:nvSpPr>
-          <p:cNvPr id="3" name="Content Placeholder 2"/>
-          <p:cNvSpPr>
-            <a:spLocks noGrp="1"/>
-          </p:cNvSpPr>
-          <p:nvPr>
-            <p:ph idx="1"/>
-          </p:nvPr>
-        </p:nvSpPr>
-        <p:spPr/>
-        <p:txBody>
-          <a:bodyPr/>
-          <a:lstStyle/>
-          <a:p>
-            <a:endParaRPr lang="en-US"/>
-          </a:p>
-        </p:txBody>
-      </p:sp>
-      <p:pic>
-        <p:nvPicPr>
-          <p:cNvPr id="2050" name="Picture 2"/>
-          <p:cNvPicPr>
-            <a:picLocks noChangeAspect="1" noChangeArrowheads="1"/>
-          </p:cNvPicPr>
-          <p:nvPr/>
-        </p:nvPicPr>
-        <p:blipFill>
-          <a:blip r:embed="rId2" cstate="print"/>
-          <a:srcRect/>
-          <a:stretch>
-            <a:fillRect/>
-          </a:stretch>
-        </p:blipFill>
-        <p:spPr bwMode="auto">
-          <a:xfrm>
-            <a:off x="990600" y="1600200"/>
-            <a:ext cx="7134225" cy="4714875"/>
-          </a:xfrm>
-          <a:prstGeom prst="rect">
-            <a:avLst/>
-          </a:prstGeom>
-          <a:noFill/>
-          <a:ln w="9525">
-            <a:noFill/>
-            <a:miter lim="800000"/>
-            <a:headEnd/>
-            <a:tailEnd/>
-          </a:ln>
-        </p:spPr>
-      </p:pic>
-    </p:spTree>
-  </p:cSld>
-  <p:clrMapOvr>
-    <a:masterClrMapping/>
-  </p:clrMapOvr>
-</p:sld>
-</file>
-
-<file path=ppt/slides/slide19.xml><?xml version="1.0" encoding="utf-8"?>
-<p:sld xmlns:a="http://schemas.openxmlformats.org/drawingml/2006/main" xmlns:r="http://schemas.openxmlformats.org/officeDocument/2006/relationships" xmlns:p="http://schemas.openxmlformats.org/presentationml/2006/main">
-  <p:cSld>
-    <p:spTree>
-      <p:nvGrpSpPr>
-        <p:cNvPr id="1" name=""/>
-        <p:cNvGrpSpPr/>
-        <p:nvPr/>
-      </p:nvGrpSpPr>
-      <p:grpSpPr>
-        <a:xfrm>
-          <a:off x="0" y="0"/>
-          <a:ext cx="0" cy="0"/>
-          <a:chOff x="0" y="0"/>
-          <a:chExt cx="0" cy="0"/>
-        </a:xfrm>
-      </p:grpSpPr>
-      <p:sp>
-        <p:nvSpPr>
-          <p:cNvPr id="2" name="Title 1"/>
-          <p:cNvSpPr>
-            <a:spLocks noGrp="1"/>
-          </p:cNvSpPr>
-          <p:nvPr>
-            <p:ph type="title"/>
-          </p:nvPr>
-        </p:nvSpPr>
-        <p:spPr/>
-        <p:txBody>
-          <a:bodyPr/>
-          <a:lstStyle/>
-          <a:p>
-            <a:r>
-              <a:rPr lang="en-US" dirty="0" smtClean="0"/>
-              <a:t>Profile Configurations (Cont’d)</a:t>
-            </a:r>
-            <a:endParaRPr lang="en-US" dirty="0"/>
-          </a:p>
-        </p:txBody>
-      </p:sp>
-      <p:sp>
-        <p:nvSpPr>
-          <p:cNvPr id="3" name="Content Placeholder 2"/>
-          <p:cNvSpPr>
-            <a:spLocks noGrp="1"/>
-          </p:cNvSpPr>
-          <p:nvPr>
-            <p:ph idx="1"/>
-          </p:nvPr>
-        </p:nvSpPr>
-        <p:spPr/>
-        <p:txBody>
-          <a:bodyPr/>
-          <a:lstStyle/>
-          <a:p>
-            <a:endParaRPr lang="en-US"/>
-          </a:p>
-        </p:txBody>
-      </p:sp>
-      <p:pic>
-        <p:nvPicPr>
-          <p:cNvPr id="3074" name="Picture 2"/>
-          <p:cNvPicPr>
-            <a:picLocks noChangeAspect="1" noChangeArrowheads="1"/>
-          </p:cNvPicPr>
-          <p:nvPr/>
-        </p:nvPicPr>
-        <p:blipFill>
-          <a:blip r:embed="rId2" cstate="print"/>
-          <a:srcRect/>
-          <a:stretch>
-            <a:fillRect/>
-          </a:stretch>
-        </p:blipFill>
-        <p:spPr bwMode="auto">
-          <a:xfrm>
-            <a:off x="990600" y="1600200"/>
-            <a:ext cx="7134225" cy="4714875"/>
-          </a:xfrm>
-          <a:prstGeom prst="rect">
-            <a:avLst/>
-          </a:prstGeom>
-          <a:noFill/>
-          <a:ln w="9525">
-            <a:noFill/>
-            <a:miter lim="800000"/>
-            <a:headEnd/>
-            <a:tailEnd/>
-          </a:ln>
-        </p:spPr>
-      </p:pic>
-    </p:spTree>
-  </p:cSld>
-  <p:clrMapOvr>
-    <a:masterClrMapping/>
-  </p:clrMapOvr>
-</p:sld>
-</file>
-
-<file path=ppt/slides/slide2.xml><?xml version="1.0" encoding="utf-8"?>
-<p:sld xmlns:a="http://schemas.openxmlformats.org/drawingml/2006/main" xmlns:r="http://schemas.openxmlformats.org/officeDocument/2006/relationships" xmlns:p="http://schemas.openxmlformats.org/presentationml/2006/main">
-  <p:cSld>
-    <p:spTree>
-      <p:nvGrpSpPr>
-        <p:cNvPr id="1" name=""/>
-        <p:cNvGrpSpPr/>
-        <p:nvPr/>
-      </p:nvGrpSpPr>
-      <p:grpSpPr>
-        <a:xfrm>
-          <a:off x="0" y="0"/>
-          <a:ext cx="0" cy="0"/>
-          <a:chOff x="0" y="0"/>
-          <a:chExt cx="0" cy="0"/>
-        </a:xfrm>
-      </p:grpSpPr>
-      <p:sp>
-        <p:nvSpPr>
-          <p:cNvPr id="2" name="Title 1"/>
-          <p:cNvSpPr>
-            <a:spLocks noGrp="1"/>
-          </p:cNvSpPr>
-          <p:nvPr>
-            <p:ph type="title"/>
-          </p:nvPr>
-        </p:nvSpPr>
-        <p:spPr/>
-        <p:txBody>
-          <a:bodyPr/>
-          <a:lstStyle/>
-          <a:p>
-            <a:r>
-              <a:rPr lang="en-US" dirty="0" smtClean="0"/>
-              <a:t>Profiling</a:t>
-            </a:r>
-            <a:endParaRPr lang="en-US" dirty="0"/>
-          </a:p>
-        </p:txBody>
-      </p:sp>
-      <p:sp>
-        <p:nvSpPr>
-          <p:cNvPr id="3" name="Text Placeholder 2"/>
-          <p:cNvSpPr>
-            <a:spLocks noGrp="1"/>
-          </p:cNvSpPr>
-          <p:nvPr>
-            <p:ph type="body" idx="1"/>
-          </p:nvPr>
-        </p:nvSpPr>
-        <p:spPr/>
-        <p:txBody>
-          <a:bodyPr/>
-          <a:lstStyle/>
-          <a:p>
-            <a:r>
-              <a:rPr lang="en-US" dirty="0" smtClean="0"/>
-              <a:t>Prerequisites</a:t>
-            </a:r>
-            <a:endParaRPr lang="en-US" dirty="0"/>
-          </a:p>
-        </p:txBody>
-      </p:sp>
-    </p:spTree>
-  </p:cSld>
-  <p:clrMapOvr>
-    <a:masterClrMapping/>
-  </p:clrMapOvr>
-</p:sld>
-</file>
-
-<file path=ppt/slides/slide20.xml><?xml version="1.0" encoding="utf-8"?>
-<p:sld xmlns:a="http://schemas.openxmlformats.org/drawingml/2006/main" xmlns:r="http://schemas.openxmlformats.org/officeDocument/2006/relationships" xmlns:p="http://schemas.openxmlformats.org/presentationml/2006/main">
-  <p:cSld>
-    <p:spTree>
-      <p:nvGrpSpPr>
-        <p:cNvPr id="1" name=""/>
-        <p:cNvGrpSpPr/>
-        <p:nvPr/>
-      </p:nvGrpSpPr>
-      <p:grpSpPr>
-        <a:xfrm>
-          <a:off x="0" y="0"/>
-          <a:ext cx="0" cy="0"/>
-          <a:chOff x="0" y="0"/>
-          <a:chExt cx="0" cy="0"/>
-        </a:xfrm>
-      </p:grpSpPr>
-      <p:sp>
-        <p:nvSpPr>
-          <p:cNvPr id="2" name="Title 1"/>
-          <p:cNvSpPr>
-            <a:spLocks noGrp="1"/>
-          </p:cNvSpPr>
-          <p:nvPr>
-            <p:ph type="title"/>
-          </p:nvPr>
-        </p:nvSpPr>
-        <p:spPr/>
-        <p:txBody>
-          <a:bodyPr/>
-          <a:lstStyle/>
-          <a:p>
-            <a:endParaRPr lang="en-US"/>
-          </a:p>
-        </p:txBody>
-      </p:sp>
-      <p:sp>
-        <p:nvSpPr>
-          <p:cNvPr id="3" name="Content Placeholder 2"/>
-          <p:cNvSpPr>
-            <a:spLocks noGrp="1"/>
-          </p:cNvSpPr>
-          <p:nvPr>
-            <p:ph idx="1"/>
-          </p:nvPr>
-        </p:nvSpPr>
-        <p:spPr/>
-        <p:txBody>
-          <a:bodyPr/>
-          <a:lstStyle/>
-          <a:p>
-            <a:endParaRPr lang="en-US"/>
-          </a:p>
-        </p:txBody>
-      </p:sp>
-      <p:pic>
-        <p:nvPicPr>
-          <p:cNvPr id="2050" name="Picture 2"/>
-          <p:cNvPicPr>
-            <a:picLocks noChangeAspect="1" noChangeArrowheads="1"/>
-          </p:cNvPicPr>
-          <p:nvPr/>
-        </p:nvPicPr>
-        <p:blipFill>
-          <a:blip r:embed="rId2" cstate="print"/>
-          <a:srcRect/>
-          <a:stretch>
-            <a:fillRect/>
-          </a:stretch>
-        </p:blipFill>
-        <p:spPr bwMode="auto">
-          <a:xfrm>
-            <a:off x="800100" y="1076325"/>
-            <a:ext cx="7543800" cy="4705350"/>
-          </a:xfrm>
-          <a:prstGeom prst="rect">
-            <a:avLst/>
-          </a:prstGeom>
-          <a:noFill/>
-          <a:ln w="9525">
-            <a:noFill/>
-            <a:miter lim="800000"/>
-            <a:headEnd/>
-            <a:tailEnd/>
-          </a:ln>
-        </p:spPr>
-      </p:pic>
-    </p:spTree>
-  </p:cSld>
-  <p:clrMapOvr>
-    <a:masterClrMapping/>
-  </p:clrMapOvr>
-</p:sld>
-</file>
-
-<file path=ppt/slides/slide21.xml><?xml version="1.0" encoding="utf-8"?>
-<p:sld xmlns:a="http://schemas.openxmlformats.org/drawingml/2006/main" xmlns:r="http://schemas.openxmlformats.org/officeDocument/2006/relationships" xmlns:p="http://schemas.openxmlformats.org/presentationml/2006/main">
-  <p:cSld>
-    <p:spTree>
-      <p:nvGrpSpPr>
-        <p:cNvPr id="1" name=""/>
-        <p:cNvGrpSpPr/>
-        <p:nvPr/>
-      </p:nvGrpSpPr>
-      <p:grpSpPr>
-        <a:xfrm>
-          <a:off x="0" y="0"/>
-          <a:ext cx="0" cy="0"/>
-          <a:chOff x="0" y="0"/>
-          <a:chExt cx="0" cy="0"/>
-        </a:xfrm>
-      </p:grpSpPr>
-      <p:sp>
-        <p:nvSpPr>
-          <p:cNvPr id="4" name="Title 3"/>
-          <p:cNvSpPr>
-            <a:spLocks noGrp="1"/>
-          </p:cNvSpPr>
-          <p:nvPr>
-            <p:ph type="title"/>
-          </p:nvPr>
-        </p:nvSpPr>
-        <p:spPr/>
-        <p:txBody>
-          <a:bodyPr/>
-          <a:lstStyle/>
-          <a:p>
-            <a:r>
-              <a:rPr lang="en-US" smtClean="0"/>
-              <a:t>Comparing </a:t>
-            </a:r>
-            <a:r>
-              <a:rPr lang="en-US" dirty="0" smtClean="0"/>
-              <a:t>Trace data from RPT and TPTP</a:t>
-            </a:r>
-            <a:endParaRPr lang="en-US" dirty="0"/>
-          </a:p>
-        </p:txBody>
-      </p:sp>
-      <p:sp>
-        <p:nvSpPr>
-          <p:cNvPr id="5" name="Text Placeholder 4"/>
-          <p:cNvSpPr>
-            <a:spLocks noGrp="1"/>
-          </p:cNvSpPr>
-          <p:nvPr>
-            <p:ph type="body" idx="1"/>
-          </p:nvPr>
-        </p:nvSpPr>
-        <p:spPr/>
-        <p:txBody>
-          <a:bodyPr/>
-          <a:lstStyle/>
-          <a:p>
-            <a:endParaRPr lang="en-US"/>
-          </a:p>
-        </p:txBody>
-      </p:sp>
-    </p:spTree>
-  </p:cSld>
-  <p:clrMapOvr>
-    <a:masterClrMapping/>
-  </p:clrMapOvr>
-</p:sld>
-</file>
-
-<file path=ppt/slides/slide22.xml><?xml version="1.0" encoding="utf-8"?>
-<p:sld xmlns:a="http://schemas.openxmlformats.org/drawingml/2006/main" xmlns:r="http://schemas.openxmlformats.org/officeDocument/2006/relationships" xmlns:p="http://schemas.openxmlformats.org/presentationml/2006/main">
-  <p:cSld>
-    <p:spTree>
-      <p:nvGrpSpPr>
-        <p:cNvPr id="1" name=""/>
-        <p:cNvGrpSpPr/>
-        <p:nvPr/>
-      </p:nvGrpSpPr>
-      <p:grpSpPr>
-        <a:xfrm>
-          <a:off x="0" y="0"/>
-          <a:ext cx="0" cy="0"/>
-          <a:chOff x="0" y="0"/>
-          <a:chExt cx="0" cy="0"/>
-        </a:xfrm>
-      </p:grpSpPr>
-      <p:sp>
-        <p:nvSpPr>
-          <p:cNvPr id="2" name="Title 1"/>
-          <p:cNvSpPr>
-            <a:spLocks noGrp="1"/>
-          </p:cNvSpPr>
-          <p:nvPr>
-            <p:ph type="title"/>
-          </p:nvPr>
-        </p:nvSpPr>
-        <p:spPr/>
-        <p:txBody>
-          <a:bodyPr/>
-          <a:lstStyle/>
-          <a:p>
-            <a:endParaRPr lang="en-US"/>
-          </a:p>
-        </p:txBody>
-      </p:sp>
-      <p:sp>
-        <p:nvSpPr>
-          <p:cNvPr id="3" name="Content Placeholder 2"/>
-          <p:cNvSpPr>
-            <a:spLocks noGrp="1"/>
-          </p:cNvSpPr>
-          <p:nvPr>
-            <p:ph idx="1"/>
-          </p:nvPr>
-        </p:nvSpPr>
-        <p:spPr/>
-        <p:txBody>
-          <a:bodyPr>
-            <a:normAutofit fontScale="70000" lnSpcReduction="20000"/>
-          </a:bodyPr>
-          <a:lstStyle/>
-          <a:p>
-            <a:pPr marL="514350" indent="-514350">
-              <a:buFont typeface="+mj-lt"/>
-              <a:buAutoNum type="arabicPeriod"/>
-            </a:pPr>
-            <a:r>
-              <a:rPr lang="en-US" dirty="0" smtClean="0"/>
-              <a:t>Start the Plant web application (AppSrv02, 9083, 9063)</a:t>
-            </a:r>
-          </a:p>
-          <a:p>
-            <a:pPr marL="514350" indent="-514350">
-              <a:buFont typeface="+mj-lt"/>
-              <a:buAutoNum type="arabicPeriod"/>
-            </a:pPr>
-            <a:r>
-              <a:rPr lang="en-US" dirty="0" smtClean="0"/>
-              <a:t>Setup the environment for RPT profiling </a:t>
-            </a:r>
-          </a:p>
-          <a:p>
-            <a:pPr marL="514350" indent="-514350">
-              <a:buFont typeface="+mj-lt"/>
-              <a:buAutoNum type="arabicPeriod"/>
-            </a:pPr>
-            <a:r>
-              <a:rPr lang="en-US" dirty="0" smtClean="0"/>
-              <a:t>Create a performance test suite for the Plant web application.</a:t>
-            </a:r>
-          </a:p>
-          <a:p>
-            <a:pPr marL="514350" indent="-514350">
-              <a:buFont typeface="+mj-lt"/>
-              <a:buAutoNum type="arabicPeriod"/>
-            </a:pPr>
-            <a:r>
-              <a:rPr lang="en-US" dirty="0" smtClean="0"/>
-              <a:t>Run the performance test suite by RPT while collecting profiling data by RPT. The profiling data is stored in a local </a:t>
-            </a:r>
-            <a:r>
-              <a:rPr lang="en-US" dirty="0" err="1" smtClean="0"/>
-              <a:t>trcxml</a:t>
-            </a:r>
-            <a:r>
-              <a:rPr lang="en-US" dirty="0" smtClean="0"/>
-              <a:t> file (t1_rpt.trcxml)</a:t>
-            </a:r>
-          </a:p>
-          <a:p>
-            <a:pPr marL="514350" indent="-514350">
-              <a:buFont typeface="+mj-lt"/>
-              <a:buAutoNum type="arabicPeriod"/>
-            </a:pPr>
-            <a:r>
-              <a:rPr lang="en-US" dirty="0" smtClean="0"/>
-              <a:t>Restart the Plant web application (after </a:t>
-            </a:r>
-            <a:r>
-              <a:rPr lang="en-US" dirty="0" err="1" smtClean="0"/>
-              <a:t>uninstrumentation</a:t>
-            </a:r>
-            <a:r>
-              <a:rPr lang="en-US" dirty="0" smtClean="0"/>
-              <a:t>)</a:t>
-            </a:r>
-          </a:p>
-          <a:p>
-            <a:pPr marL="514350" indent="-514350">
-              <a:buFont typeface="+mj-lt"/>
-              <a:buAutoNum type="arabicPeriod"/>
-            </a:pPr>
-            <a:r>
-              <a:rPr lang="en-US" dirty="0" smtClean="0"/>
-              <a:t>Setup the environment for TPTP profiling </a:t>
-            </a:r>
-          </a:p>
-          <a:p>
-            <a:pPr marL="514350" indent="-514350">
-              <a:buFont typeface="+mj-lt"/>
-              <a:buAutoNum type="arabicPeriod"/>
-            </a:pPr>
-            <a:r>
-              <a:rPr lang="en-US" dirty="0" smtClean="0"/>
-              <a:t>Run the performance test suite by RPT while collecting profiling data by TPTP. The profiling data is stored in a local </a:t>
-            </a:r>
-            <a:r>
-              <a:rPr lang="en-US" dirty="0" err="1" smtClean="0"/>
-              <a:t>trcxml</a:t>
-            </a:r>
-            <a:r>
-              <a:rPr lang="en-US" dirty="0" smtClean="0"/>
-              <a:t> file (t1_tptp.trcxml)</a:t>
-            </a:r>
-          </a:p>
-          <a:p>
-            <a:pPr marL="514350" indent="-514350">
-              <a:buFont typeface="+mj-lt"/>
-              <a:buAutoNum type="arabicPeriod"/>
-            </a:pPr>
-            <a:r>
-              <a:rPr lang="en-US" dirty="0" smtClean="0"/>
-              <a:t>Compare t1_rpt.trcxml and t1_tptp.trcxml to figure out the difference.</a:t>
-            </a:r>
-            <a:endParaRPr lang="en-US" dirty="0"/>
-          </a:p>
-        </p:txBody>
-      </p:sp>
-    </p:spTree>
-  </p:cSld>
-  <p:clrMapOvr>
-    <a:masterClrMapping/>
-  </p:clrMapOvr>
-</p:sld>
-</file>
-
-<file path=ppt/slides/slide23.xml><?xml version="1.0" encoding="utf-8"?>
-<p:sld xmlns:a="http://schemas.openxmlformats.org/drawingml/2006/main" xmlns:r="http://schemas.openxmlformats.org/officeDocument/2006/relationships" xmlns:p="http://schemas.openxmlformats.org/presentationml/2006/main">
-  <p:cSld>
-    <p:spTree>
-      <p:nvGrpSpPr>
-        <p:cNvPr id="1" name=""/>
-        <p:cNvGrpSpPr/>
-        <p:nvPr/>
-      </p:nvGrpSpPr>
-      <p:grpSpPr>
-        <a:xfrm>
-          <a:off x="0" y="0"/>
-          <a:ext cx="0" cy="0"/>
-          <a:chOff x="0" y="0"/>
-          <a:chExt cx="0" cy="0"/>
-        </a:xfrm>
-      </p:grpSpPr>
-      <p:sp>
-        <p:nvSpPr>
-          <p:cNvPr id="4" name="Title 3"/>
-          <p:cNvSpPr>
-            <a:spLocks noGrp="1"/>
-          </p:cNvSpPr>
-          <p:nvPr>
-            <p:ph type="title"/>
-          </p:nvPr>
-        </p:nvSpPr>
-        <p:spPr/>
-        <p:txBody>
-          <a:bodyPr/>
-          <a:lstStyle/>
-          <a:p>
-            <a:r>
-              <a:rPr lang="en-US" dirty="0" smtClean="0"/>
-              <a:t>Trouble Shooting</a:t>
-            </a:r>
-            <a:endParaRPr lang="en-US" dirty="0"/>
-          </a:p>
-        </p:txBody>
-      </p:sp>
-      <p:sp>
-        <p:nvSpPr>
-          <p:cNvPr id="5" name="Text Placeholder 4"/>
-          <p:cNvSpPr>
-            <a:spLocks noGrp="1"/>
-          </p:cNvSpPr>
-          <p:nvPr>
-            <p:ph type="body" idx="1"/>
-          </p:nvPr>
-        </p:nvSpPr>
-        <p:spPr/>
-        <p:txBody>
-          <a:bodyPr/>
-          <a:lstStyle/>
-          <a:p>
-            <a:endParaRPr lang="en-US"/>
-          </a:p>
-        </p:txBody>
-      </p:sp>
-    </p:spTree>
-  </p:cSld>
-  <p:clrMapOvr>
-    <a:masterClrMapping/>
-  </p:clrMapOvr>
-</p:sld>
-</file>
-
-<file path=ppt/slides/slide24.xml><?xml version="1.0" encoding="utf-8"?>
-<p:sld xmlns:a="http://schemas.openxmlformats.org/drawingml/2006/main" xmlns:r="http://schemas.openxmlformats.org/officeDocument/2006/relationships" xmlns:p="http://schemas.openxmlformats.org/presentationml/2006/main">
-  <p:cSld>
-    <p:spTree>
-      <p:nvGrpSpPr>
-        <p:cNvPr id="1" name=""/>
-        <p:cNvGrpSpPr/>
-        <p:nvPr/>
-      </p:nvGrpSpPr>
-      <p:grpSpPr>
-        <a:xfrm>
-          <a:off x="0" y="0"/>
-          <a:ext cx="0" cy="0"/>
-          <a:chOff x="0" y="0"/>
-          <a:chExt cx="0" cy="0"/>
-        </a:xfrm>
-      </p:grpSpPr>
-      <p:sp>
-        <p:nvSpPr>
-          <p:cNvPr id="2" name="Title 1"/>
-          <p:cNvSpPr>
-            <a:spLocks noGrp="1"/>
-          </p:cNvSpPr>
-          <p:nvPr>
-            <p:ph type="title"/>
-          </p:nvPr>
-        </p:nvSpPr>
-        <p:spPr/>
-        <p:txBody>
-          <a:bodyPr/>
-          <a:lstStyle/>
-          <a:p>
-            <a:endParaRPr lang="en-US"/>
-          </a:p>
-        </p:txBody>
-      </p:sp>
-      <p:sp>
-        <p:nvSpPr>
-          <p:cNvPr id="3" name="Content Placeholder 2"/>
-          <p:cNvSpPr>
-            <a:spLocks noGrp="1"/>
-          </p:cNvSpPr>
-          <p:nvPr>
-            <p:ph idx="1"/>
-          </p:nvPr>
-        </p:nvSpPr>
-        <p:spPr/>
-        <p:txBody>
-          <a:bodyPr/>
-          <a:lstStyle/>
-          <a:p>
-            <a:r>
-              <a:rPr lang="en-US" dirty="0" smtClean="0"/>
-              <a:t>IWAT0284E</a:t>
-            </a:r>
-            <a:endParaRPr lang="en-US" dirty="0"/>
-          </a:p>
-        </p:txBody>
-      </p:sp>
-      <p:pic>
-        <p:nvPicPr>
-          <p:cNvPr id="1026" name="Picture 2"/>
-          <p:cNvPicPr>
-            <a:picLocks noChangeAspect="1" noChangeArrowheads="1"/>
-          </p:cNvPicPr>
-          <p:nvPr/>
-        </p:nvPicPr>
-        <p:blipFill>
-          <a:blip r:embed="rId2" cstate="print"/>
-          <a:srcRect/>
-          <a:stretch>
-            <a:fillRect/>
-          </a:stretch>
-        </p:blipFill>
-        <p:spPr bwMode="auto">
-          <a:xfrm>
-            <a:off x="2209800" y="2514600"/>
-            <a:ext cx="4219575" cy="2581275"/>
-          </a:xfrm>
-          <a:prstGeom prst="rect">
-            <a:avLst/>
-          </a:prstGeom>
-          <a:noFill/>
-          <a:ln w="9525">
-            <a:noFill/>
-            <a:miter lim="800000"/>
-            <a:headEnd/>
-            <a:tailEnd/>
-          </a:ln>
-        </p:spPr>
-      </p:pic>
-    </p:spTree>
-  </p:cSld>
-  <p:clrMapOvr>
-    <a:masterClrMapping/>
-  </p:clrMapOvr>
-</p:sld>
-</file>
-
-<file path=ppt/slides/slide25.xml><?xml version="1.0" encoding="utf-8"?>
-<p:sld xmlns:a="http://schemas.openxmlformats.org/drawingml/2006/main" xmlns:r="http://schemas.openxmlformats.org/officeDocument/2006/relationships" xmlns:p="http://schemas.openxmlformats.org/presentationml/2006/main">
-  <p:cSld>
-    <p:spTree>
-      <p:nvGrpSpPr>
-        <p:cNvPr id="1" name=""/>
-        <p:cNvGrpSpPr/>
-        <p:nvPr/>
-      </p:nvGrpSpPr>
-      <p:grpSpPr>
-        <a:xfrm>
-          <a:off x="0" y="0"/>
-          <a:ext cx="0" cy="0"/>
-          <a:chOff x="0" y="0"/>
-          <a:chExt cx="0" cy="0"/>
-        </a:xfrm>
-      </p:grpSpPr>
-      <p:sp>
-        <p:nvSpPr>
-          <p:cNvPr id="2" name="Title 1"/>
-          <p:cNvSpPr>
-            <a:spLocks noGrp="1"/>
-          </p:cNvSpPr>
-          <p:nvPr>
-            <p:ph type="title"/>
-          </p:nvPr>
-        </p:nvSpPr>
-        <p:spPr/>
-        <p:txBody>
-          <a:bodyPr/>
-          <a:lstStyle/>
-          <a:p>
-            <a:r>
-              <a:rPr lang="en-US" dirty="0" smtClean="0"/>
-              <a:t>Trouble Shooting</a:t>
-            </a:r>
-            <a:endParaRPr lang="en-US" dirty="0"/>
-          </a:p>
-        </p:txBody>
-      </p:sp>
-      <p:sp>
-        <p:nvSpPr>
-          <p:cNvPr id="3" name="Content Placeholder 2"/>
-          <p:cNvSpPr>
-            <a:spLocks noGrp="1"/>
-          </p:cNvSpPr>
-          <p:nvPr>
-            <p:ph idx="1"/>
-          </p:nvPr>
-        </p:nvSpPr>
-        <p:spPr/>
-        <p:txBody>
-          <a:bodyPr/>
-          <a:lstStyle/>
-          <a:p>
-            <a:endParaRPr lang="en-US"/>
-          </a:p>
-        </p:txBody>
-      </p:sp>
-      <p:pic>
-        <p:nvPicPr>
-          <p:cNvPr id="1026" name="Picture 2"/>
-          <p:cNvPicPr>
-            <a:picLocks noChangeAspect="1" noChangeArrowheads="1"/>
-          </p:cNvPicPr>
-          <p:nvPr/>
-        </p:nvPicPr>
-        <p:blipFill>
-          <a:blip r:embed="rId2" cstate="print"/>
-          <a:srcRect/>
-          <a:stretch>
-            <a:fillRect/>
-          </a:stretch>
-        </p:blipFill>
-        <p:spPr bwMode="auto">
-          <a:xfrm>
-            <a:off x="519113" y="2790825"/>
-            <a:ext cx="8105775" cy="1276350"/>
-          </a:xfrm>
-          <a:prstGeom prst="rect">
-            <a:avLst/>
-          </a:prstGeom>
-          <a:noFill/>
-          <a:ln w="9525">
-            <a:noFill/>
-            <a:miter lim="800000"/>
-            <a:headEnd/>
-            <a:tailEnd/>
-          </a:ln>
-        </p:spPr>
-      </p:pic>
-    </p:spTree>
-  </p:cSld>
-  <p:clrMapOvr>
-    <a:masterClrMapping/>
-  </p:clrMapOvr>
-</p:sld>
-</file>
-
-<file path=ppt/slides/slide26.xml><?xml version="1.0" encoding="utf-8"?>
-<p:sld xmlns:a="http://schemas.openxmlformats.org/drawingml/2006/main" xmlns:r="http://schemas.openxmlformats.org/officeDocument/2006/relationships" xmlns:p="http://schemas.openxmlformats.org/presentationml/2006/main">
-  <p:cSld>
-    <p:spTree>
-      <p:nvGrpSpPr>
-        <p:cNvPr id="1" name=""/>
-        <p:cNvGrpSpPr/>
-        <p:nvPr/>
-      </p:nvGrpSpPr>
-      <p:grpSpPr>
-        <a:xfrm>
-          <a:off x="0" y="0"/>
-          <a:ext cx="0" cy="0"/>
-          <a:chOff x="0" y="0"/>
-          <a:chExt cx="0" cy="0"/>
-        </a:xfrm>
-      </p:grpSpPr>
-      <p:sp>
-        <p:nvSpPr>
-          <p:cNvPr id="2" name="Title 1"/>
-          <p:cNvSpPr>
-            <a:spLocks noGrp="1"/>
-          </p:cNvSpPr>
-          <p:nvPr>
-            <p:ph type="title"/>
-          </p:nvPr>
-        </p:nvSpPr>
-        <p:spPr/>
-        <p:txBody>
-          <a:bodyPr/>
-          <a:lstStyle/>
-          <a:p>
-            <a:endParaRPr lang="en-US"/>
-          </a:p>
-        </p:txBody>
-      </p:sp>
-      <p:sp>
-        <p:nvSpPr>
-          <p:cNvPr id="3" name="Content Placeholder 2"/>
-          <p:cNvSpPr>
-            <a:spLocks noGrp="1"/>
-          </p:cNvSpPr>
-          <p:nvPr>
-            <p:ph idx="1"/>
-          </p:nvPr>
-        </p:nvSpPr>
-        <p:spPr/>
-        <p:txBody>
-          <a:bodyPr/>
-          <a:lstStyle/>
-          <a:p>
-            <a:r>
-              <a:rPr lang="en-US" dirty="0" smtClean="0"/>
-              <a:t>IWAT0435E</a:t>
-            </a:r>
-            <a:endParaRPr lang="en-US" dirty="0"/>
-          </a:p>
-        </p:txBody>
-      </p:sp>
-      <p:pic>
-        <p:nvPicPr>
-          <p:cNvPr id="3074" name="Picture 2"/>
-          <p:cNvPicPr>
-            <a:picLocks noChangeAspect="1" noChangeArrowheads="1"/>
-          </p:cNvPicPr>
-          <p:nvPr/>
-        </p:nvPicPr>
-        <p:blipFill>
-          <a:blip r:embed="rId2" cstate="print"/>
-          <a:srcRect/>
-          <a:stretch>
-            <a:fillRect/>
-          </a:stretch>
-        </p:blipFill>
-        <p:spPr bwMode="auto">
-          <a:xfrm>
-            <a:off x="762000" y="2152650"/>
-            <a:ext cx="7543800" cy="4705350"/>
-          </a:xfrm>
-          <a:prstGeom prst="rect">
-            <a:avLst/>
-          </a:prstGeom>
-          <a:noFill/>
-          <a:ln w="9525">
-            <a:noFill/>
-            <a:miter lim="800000"/>
-            <a:headEnd/>
-            <a:tailEnd/>
-          </a:ln>
-        </p:spPr>
-      </p:pic>
-    </p:spTree>
-  </p:cSld>
-  <p:clrMapOvr>
-    <a:masterClrMapping/>
-  </p:clrMapOvr>
-</p:sld>
-</file>
-
-<file path=ppt/slides/slide27.xml><?xml version="1.0" encoding="utf-8"?>
-<p:sld xmlns:a="http://schemas.openxmlformats.org/drawingml/2006/main" xmlns:r="http://schemas.openxmlformats.org/officeDocument/2006/relationships" xmlns:p="http://schemas.openxmlformats.org/presentationml/2006/main">
-  <p:cSld>
-    <p:spTree>
-      <p:nvGrpSpPr>
-        <p:cNvPr id="1" name=""/>
-        <p:cNvGrpSpPr/>
-        <p:nvPr/>
-      </p:nvGrpSpPr>
-      <p:grpSpPr>
-        <a:xfrm>
-          <a:off x="0" y="0"/>
-          <a:ext cx="0" cy="0"/>
-          <a:chOff x="0" y="0"/>
-          <a:chExt cx="0" cy="0"/>
-        </a:xfrm>
-      </p:grpSpPr>
-      <p:sp>
-        <p:nvSpPr>
-          <p:cNvPr id="2" name="Title 1"/>
-          <p:cNvSpPr>
-            <a:spLocks noGrp="1"/>
-          </p:cNvSpPr>
-          <p:nvPr>
-            <p:ph type="title"/>
-          </p:nvPr>
-        </p:nvSpPr>
-        <p:spPr/>
-        <p:txBody>
-          <a:bodyPr/>
-          <a:lstStyle/>
-          <a:p>
-            <a:r>
-              <a:rPr lang="en-US" dirty="0" smtClean="0"/>
-              <a:t>Trouble Shooting</a:t>
-            </a:r>
-            <a:endParaRPr lang="en-US" dirty="0"/>
-          </a:p>
-        </p:txBody>
-      </p:sp>
-      <p:sp>
-        <p:nvSpPr>
-          <p:cNvPr id="3" name="Content Placeholder 2"/>
-          <p:cNvSpPr>
-            <a:spLocks noGrp="1"/>
-          </p:cNvSpPr>
-          <p:nvPr>
-            <p:ph idx="1"/>
-          </p:nvPr>
-        </p:nvSpPr>
-        <p:spPr/>
-        <p:txBody>
-          <a:bodyPr/>
-          <a:lstStyle/>
-          <a:p>
-            <a:r>
-              <a:rPr lang="en-US" dirty="0" smtClean="0"/>
-              <a:t>No data available for display</a:t>
-            </a:r>
-            <a:endParaRPr lang="en-US" dirty="0"/>
-          </a:p>
-        </p:txBody>
-      </p:sp>
-      <p:pic>
-        <p:nvPicPr>
-          <p:cNvPr id="4098" name="Picture 2"/>
-          <p:cNvPicPr>
-            <a:picLocks noChangeAspect="1" noChangeArrowheads="1"/>
-          </p:cNvPicPr>
-          <p:nvPr/>
-        </p:nvPicPr>
-        <p:blipFill>
-          <a:blip r:embed="rId2" cstate="print"/>
-          <a:srcRect/>
-          <a:stretch>
-            <a:fillRect/>
-          </a:stretch>
-        </p:blipFill>
-        <p:spPr bwMode="auto">
-          <a:xfrm>
-            <a:off x="1752600" y="2286000"/>
-            <a:ext cx="5181600" cy="3762375"/>
-          </a:xfrm>
-          <a:prstGeom prst="rect">
-            <a:avLst/>
-          </a:prstGeom>
-          <a:noFill/>
-          <a:ln w="9525">
-            <a:noFill/>
-            <a:miter lim="800000"/>
-            <a:headEnd/>
-            <a:tailEnd/>
-          </a:ln>
-        </p:spPr>
-      </p:pic>
-    </p:spTree>
-  </p:cSld>
-  <p:clrMapOvr>
-    <a:masterClrMapping/>
-  </p:clrMapOvr>
-</p:sld>
-</file>
-
-<file path=ppt/slides/slide28.xml><?xml version="1.0" encoding="utf-8"?>
-<p:sld xmlns:a="http://schemas.openxmlformats.org/drawingml/2006/main" xmlns:r="http://schemas.openxmlformats.org/officeDocument/2006/relationships" xmlns:p="http://schemas.openxmlformats.org/presentationml/2006/main">
-  <p:cSld>
-    <p:spTree>
-      <p:nvGrpSpPr>
-        <p:cNvPr id="1" name=""/>
-        <p:cNvGrpSpPr/>
-        <p:nvPr/>
-      </p:nvGrpSpPr>
-      <p:grpSpPr>
-        <a:xfrm>
-          <a:off x="0" y="0"/>
-          <a:ext cx="0" cy="0"/>
-          <a:chOff x="0" y="0"/>
-          <a:chExt cx="0" cy="0"/>
-        </a:xfrm>
-      </p:grpSpPr>
-      <p:sp>
-        <p:nvSpPr>
-          <p:cNvPr id="2" name="Title 1"/>
-          <p:cNvSpPr>
-            <a:spLocks noGrp="1"/>
-          </p:cNvSpPr>
-          <p:nvPr>
-            <p:ph type="title"/>
-          </p:nvPr>
-        </p:nvSpPr>
-        <p:spPr/>
-        <p:txBody>
-          <a:bodyPr/>
-          <a:lstStyle/>
-          <a:p>
-            <a:endParaRPr lang="en-US"/>
-          </a:p>
-        </p:txBody>
-      </p:sp>
-      <p:sp>
-        <p:nvSpPr>
-          <p:cNvPr id="3" name="Content Placeholder 2"/>
-          <p:cNvSpPr>
-            <a:spLocks noGrp="1"/>
-          </p:cNvSpPr>
-          <p:nvPr>
-            <p:ph idx="1"/>
-          </p:nvPr>
-        </p:nvSpPr>
-        <p:spPr/>
-        <p:txBody>
-          <a:bodyPr/>
-          <a:lstStyle/>
-          <a:p>
-            <a:r>
-              <a:rPr lang="en-US" dirty="0" smtClean="0"/>
-              <a:t>IWAT0284E</a:t>
-            </a:r>
-            <a:endParaRPr lang="en-US" dirty="0"/>
-          </a:p>
-        </p:txBody>
-      </p:sp>
-    </p:spTree>
-  </p:cSld>
-  <p:clrMapOvr>
-    <a:masterClrMapping/>
-  </p:clrMapOvr>
-</p:sld>
-</file>
-
-<file path=ppt/slides/slide29.xml><?xml version="1.0" encoding="utf-8"?>
-<p:sld xmlns:a="http://schemas.openxmlformats.org/drawingml/2006/main" xmlns:r="http://schemas.openxmlformats.org/officeDocument/2006/relationships" xmlns:p="http://schemas.openxmlformats.org/presentationml/2006/main">
-  <p:cSld>
-    <p:spTree>
-      <p:nvGrpSpPr>
-        <p:cNvPr id="1" name=""/>
-        <p:cNvGrpSpPr/>
-        <p:nvPr/>
-      </p:nvGrpSpPr>
-      <p:grpSpPr>
-        <a:xfrm>
-          <a:off x="0" y="0"/>
-          <a:ext cx="0" cy="0"/>
-          <a:chOff x="0" y="0"/>
-          <a:chExt cx="0" cy="0"/>
-        </a:xfrm>
-      </p:grpSpPr>
-      <p:sp>
-        <p:nvSpPr>
-          <p:cNvPr id="2" name="Title 1"/>
-          <p:cNvSpPr>
-            <a:spLocks noGrp="1"/>
-          </p:cNvSpPr>
-          <p:nvPr>
-            <p:ph type="title"/>
-          </p:nvPr>
-        </p:nvSpPr>
-        <p:spPr/>
-        <p:txBody>
-          <a:bodyPr/>
-          <a:lstStyle/>
-          <a:p>
-            <a:r>
-              <a:rPr lang="en-US" dirty="0" smtClean="0"/>
-              <a:t>Trouble Shooting</a:t>
-            </a:r>
-            <a:endParaRPr lang="en-US" dirty="0"/>
-          </a:p>
-        </p:txBody>
-      </p:sp>
-      <p:sp>
-        <p:nvSpPr>
-          <p:cNvPr id="3" name="Content Placeholder 2"/>
-          <p:cNvSpPr>
-            <a:spLocks noGrp="1"/>
-          </p:cNvSpPr>
-          <p:nvPr>
-            <p:ph idx="1"/>
-          </p:nvPr>
-        </p:nvSpPr>
-        <p:spPr/>
-        <p:txBody>
-          <a:bodyPr/>
-          <a:lstStyle/>
-          <a:p>
-            <a:endParaRPr lang="en-US"/>
-          </a:p>
-        </p:txBody>
-      </p:sp>
-    </p:spTree>
-  </p:cSld>
-  <p:clrMapOvr>
-    <a:masterClrMapping/>
-  </p:clrMapOvr>
-</p:sld>
-</file>
-
-<file path=ppt/slides/slide3.xml><?xml version="1.0" encoding="utf-8"?>
-<p:sld xmlns:a="http://schemas.openxmlformats.org/drawingml/2006/main" xmlns:r="http://schemas.openxmlformats.org/officeDocument/2006/relationships" xmlns:p="http://schemas.openxmlformats.org/presentationml/2006/main">
-  <p:cSld>
-    <p:spTree>
-      <p:nvGrpSpPr>
-        <p:cNvPr id="1" name=""/>
-        <p:cNvGrpSpPr/>
-        <p:nvPr/>
-      </p:nvGrpSpPr>
-      <p:grpSpPr>
-        <a:xfrm>
-          <a:off x="0" y="0"/>
-          <a:ext cx="0" cy="0"/>
-          <a:chOff x="0" y="0"/>
-          <a:chExt cx="0" cy="0"/>
-        </a:xfrm>
-      </p:grpSpPr>
-      <p:sp>
-        <p:nvSpPr>
-          <p:cNvPr id="2" name="Title 1"/>
-          <p:cNvSpPr>
-            <a:spLocks noGrp="1"/>
-          </p:cNvSpPr>
-          <p:nvPr>
-            <p:ph type="title"/>
-          </p:nvPr>
-        </p:nvSpPr>
-        <p:spPr/>
-        <p:txBody>
-          <a:bodyPr/>
-          <a:lstStyle/>
-          <a:p>
-            <a:r>
-              <a:rPr lang="en-US" dirty="0" smtClean="0"/>
-              <a:t>Instrumentation</a:t>
-            </a:r>
-            <a:endParaRPr lang="en-US" dirty="0"/>
-          </a:p>
-        </p:txBody>
-      </p:sp>
-      <p:sp>
-        <p:nvSpPr>
-          <p:cNvPr id="3" name="Content Placeholder 2"/>
-          <p:cNvSpPr>
-            <a:spLocks noGrp="1"/>
-          </p:cNvSpPr>
-          <p:nvPr>
-            <p:ph idx="1"/>
-          </p:nvPr>
-        </p:nvSpPr>
-        <p:spPr/>
-        <p:txBody>
-          <a:bodyPr/>
-          <a:lstStyle/>
-          <a:p>
-            <a:pPr marL="514350" lvl="0" indent="-514350">
-              <a:defRPr/>
-            </a:pPr>
-            <a:r>
-              <a:rPr lang="en-US" dirty="0" smtClean="0">
-                <a:latin typeface="Courier New" pitchFamily="49" charset="0"/>
-                <a:cs typeface="Courier New" pitchFamily="49" charset="0"/>
-              </a:rPr>
-              <a:t># /root/</a:t>
-            </a:r>
-            <a:r>
-              <a:rPr lang="en-US" dirty="0" err="1" smtClean="0">
-                <a:latin typeface="Courier New" pitchFamily="49" charset="0"/>
-                <a:cs typeface="Courier New" pitchFamily="49" charset="0"/>
-              </a:rPr>
-              <a:t>perftest</a:t>
-            </a:r>
-            <a:r>
-              <a:rPr lang="en-US" dirty="0" smtClean="0">
-                <a:latin typeface="Courier New" pitchFamily="49" charset="0"/>
-                <a:cs typeface="Courier New" pitchFamily="49" charset="0"/>
-              </a:rPr>
-              <a:t>/gotoARM.sh</a:t>
-            </a:r>
-          </a:p>
-          <a:p>
-            <a:pPr marL="914400" lvl="1" indent="-514350">
-              <a:buFont typeface="+mj-lt"/>
-              <a:buAutoNum type="arabicPeriod"/>
-              <a:defRPr/>
-            </a:pPr>
-            <a:r>
-              <a:rPr lang="en-US" dirty="0" smtClean="0"/>
-              <a:t>Start </a:t>
-            </a:r>
-            <a:r>
-              <a:rPr lang="en-US" dirty="0" err="1" smtClean="0"/>
-              <a:t>WebSphere</a:t>
-            </a:r>
-            <a:r>
-              <a:rPr lang="en-US" dirty="0" smtClean="0"/>
-              <a:t> Application Server (WSAS)</a:t>
-            </a:r>
-          </a:p>
-          <a:p>
-            <a:pPr marL="1314450" lvl="2" indent="-514350">
-              <a:defRPr/>
-            </a:pPr>
-            <a:r>
-              <a:rPr lang="en-US" dirty="0" smtClean="0"/>
-              <a:t>Note: WSAS should be running before applications are instrumented.</a:t>
-            </a:r>
-          </a:p>
-          <a:p>
-            <a:pPr marL="914400" lvl="1" indent="-514350">
-              <a:buFont typeface="+mj-lt"/>
-              <a:buAutoNum type="arabicPeriod"/>
-              <a:defRPr/>
-            </a:pPr>
-            <a:r>
-              <a:rPr lang="en-US" dirty="0" smtClean="0"/>
-              <a:t>Start Instrumentation</a:t>
-            </a:r>
-          </a:p>
-          <a:p>
-            <a:pPr marL="914400" lvl="1" indent="-514350">
-              <a:buFont typeface="+mj-lt"/>
-              <a:buAutoNum type="arabicPeriod"/>
-              <a:defRPr/>
-            </a:pPr>
-            <a:r>
-              <a:rPr lang="en-US" dirty="0" smtClean="0"/>
-              <a:t>Restart the server</a:t>
-            </a:r>
-            <a:endParaRPr lang="en-US" dirty="0"/>
-          </a:p>
-        </p:txBody>
-      </p:sp>
-      <p:sp>
-        <p:nvSpPr>
-          <p:cNvPr id="4" name="Rounded Rectangular Callout 3"/>
-          <p:cNvSpPr/>
-          <p:nvPr/>
-        </p:nvSpPr>
-        <p:spPr>
-          <a:xfrm>
-            <a:off x="914400" y="5791200"/>
-            <a:ext cx="7315200" cy="457200"/>
-          </a:xfrm>
-          <a:prstGeom prst="wedgeRoundRectCallout">
-            <a:avLst>
-              <a:gd name="adj1" fmla="val -32721"/>
-              <a:gd name="adj2" fmla="val -49935"/>
-              <a:gd name="adj3" fmla="val 16667"/>
-            </a:avLst>
-          </a:prstGeom>
-          <a:solidFill>
-            <a:srgbClr val="FFC000"/>
-          </a:solidFill>
-        </p:spPr>
-        <p:style>
-          <a:lnRef idx="2">
-            <a:schemeClr val="accent1">
-              <a:shade val="50000"/>
-            </a:schemeClr>
-          </a:lnRef>
-          <a:fillRef idx="1">
-            <a:schemeClr val="accent1"/>
-          </a:fillRef>
-          <a:effectRef idx="0">
-            <a:schemeClr val="accent1"/>
-          </a:effectRef>
-          <a:fontRef idx="minor">
-            <a:schemeClr val="lt1"/>
-          </a:fontRef>
-        </p:style>
-        <p:txBody>
-          <a:bodyPr rtlCol="0" anchor="ctr"/>
-          <a:lstStyle/>
-          <a:p>
-            <a:r>
-              <a:rPr lang="en-US" dirty="0" smtClean="0">
-                <a:solidFill>
-                  <a:srgbClr val="FF0000"/>
-                </a:solidFill>
-              </a:rPr>
-              <a:t>Note:  This task should be done only once.</a:t>
-            </a:r>
-            <a:endParaRPr lang="en-US" dirty="0">
-              <a:solidFill>
-                <a:srgbClr val="FF0000"/>
-              </a:solidFill>
-            </a:endParaRPr>
-          </a:p>
-        </p:txBody>
-      </p:sp>
-    </p:spTree>
-  </p:cSld>
-  <p:clrMapOvr>
-    <a:masterClrMapping/>
-  </p:clrMapOvr>
-</p:sld>
-</file>
-
-<file path=ppt/slides/slide30.xml><?xml version="1.0" encoding="utf-8"?>
-<p:sld xmlns:a="http://schemas.openxmlformats.org/drawingml/2006/main" xmlns:r="http://schemas.openxmlformats.org/officeDocument/2006/relationships" xmlns:p="http://schemas.openxmlformats.org/presentationml/2006/main">
-  <p:cSld>
-    <p:spTree>
-      <p:nvGrpSpPr>
-        <p:cNvPr id="1" name=""/>
-        <p:cNvGrpSpPr/>
-        <p:nvPr/>
-      </p:nvGrpSpPr>
-      <p:grpSpPr>
-        <a:xfrm>
-          <a:off x="0" y="0"/>
-          <a:ext cx="0" cy="0"/>
-          <a:chOff x="0" y="0"/>
-          <a:chExt cx="0" cy="0"/>
-        </a:xfrm>
-      </p:grpSpPr>
-      <p:sp>
-        <p:nvSpPr>
-          <p:cNvPr id="2" name="Title 1"/>
-          <p:cNvSpPr>
-            <a:spLocks noGrp="1"/>
-          </p:cNvSpPr>
-          <p:nvPr>
-            <p:ph type="title"/>
-          </p:nvPr>
-        </p:nvSpPr>
-        <p:spPr/>
-        <p:txBody>
-          <a:bodyPr>
-            <a:normAutofit/>
-          </a:bodyPr>
-          <a:lstStyle/>
-          <a:p>
-            <a:r>
-              <a:rPr lang="en-US" dirty="0" smtClean="0"/>
-              <a:t>References</a:t>
-            </a:r>
-            <a:endParaRPr lang="en-US" dirty="0"/>
-          </a:p>
-        </p:txBody>
-      </p:sp>
-      <p:sp>
-        <p:nvSpPr>
-          <p:cNvPr id="3" name="Content Placeholder 2"/>
-          <p:cNvSpPr>
-            <a:spLocks noGrp="1"/>
-          </p:cNvSpPr>
-          <p:nvPr>
-            <p:ph idx="1"/>
-          </p:nvPr>
-        </p:nvSpPr>
-        <p:spPr/>
-        <p:txBody>
-          <a:bodyPr>
-            <a:normAutofit/>
-          </a:bodyPr>
-          <a:lstStyle/>
-          <a:p>
-            <a:r>
-              <a:rPr lang="en-US" sz="2800" dirty="0" smtClean="0"/>
-              <a:t>Install </a:t>
-            </a:r>
-            <a:r>
-              <a:rPr lang="en-US" sz="2800" dirty="0" err="1" smtClean="0"/>
-              <a:t>WebSphere</a:t>
-            </a:r>
-            <a:r>
-              <a:rPr lang="en-US" sz="2800" dirty="0" smtClean="0"/>
-              <a:t> Application Server V6.0 for Linux on POWER (</a:t>
-            </a:r>
-            <a:r>
-              <a:rPr lang="en-US" sz="2800" dirty="0" smtClean="0">
-                <a:hlinkClick r:id="rId2"/>
-              </a:rPr>
-              <a:t>http://www.ibm.com/developerworks/systems/library/es-webapp/index.html</a:t>
-            </a:r>
-            <a:r>
-              <a:rPr lang="en-US" sz="2800" dirty="0" smtClean="0"/>
-              <a:t>)</a:t>
-            </a:r>
-          </a:p>
-          <a:p>
-            <a:r>
-              <a:rPr lang="en-US" sz="2800" dirty="0" err="1" smtClean="0"/>
-              <a:t>WebSphere</a:t>
-            </a:r>
-            <a:r>
-              <a:rPr lang="en-US" sz="2800" dirty="0" smtClean="0"/>
-              <a:t> Application Server 6.1 Headless Install (</a:t>
-            </a:r>
-            <a:r>
-              <a:rPr lang="en-US" sz="2800" dirty="0" smtClean="0">
-                <a:hlinkClick r:id="rId3"/>
-              </a:rPr>
-              <a:t>http://bishop.camp.clarkson.edu/wiki/en/WebSphere_Application_Server_6.1_Headless_Install</a:t>
-            </a:r>
-            <a:r>
-              <a:rPr lang="en-US" sz="2800" dirty="0" smtClean="0"/>
-              <a:t>)</a:t>
-            </a:r>
-            <a:endParaRPr lang="en-US" sz="2800" dirty="0"/>
-          </a:p>
-        </p:txBody>
-      </p:sp>
-    </p:spTree>
-  </p:cSld>
-  <p:clrMapOvr>
-    <a:masterClrMapping/>
-  </p:clrMapOvr>
-</p:sld>
-</file>
-
-<file path=ppt/slides/slide31.xml><?xml version="1.0" encoding="utf-8"?>
-<p:sld xmlns:a="http://schemas.openxmlformats.org/drawingml/2006/main" xmlns:r="http://schemas.openxmlformats.org/officeDocument/2006/relationships" xmlns:p="http://schemas.openxmlformats.org/presentationml/2006/main">
-  <p:cSld>
-    <p:spTree>
-      <p:nvGrpSpPr>
-        <p:cNvPr id="1" name=""/>
-        <p:cNvGrpSpPr/>
-        <p:nvPr/>
-      </p:nvGrpSpPr>
-      <p:grpSpPr>
-        <a:xfrm>
-          <a:off x="0" y="0"/>
-          <a:ext cx="0" cy="0"/>
-          <a:chOff x="0" y="0"/>
-          <a:chExt cx="0" cy="0"/>
-        </a:xfrm>
-      </p:grpSpPr>
-      <p:sp>
-        <p:nvSpPr>
-          <p:cNvPr id="2" name="Title 1"/>
-          <p:cNvSpPr>
-            <a:spLocks noGrp="1"/>
-          </p:cNvSpPr>
-          <p:nvPr>
-            <p:ph type="title"/>
-          </p:nvPr>
-        </p:nvSpPr>
-        <p:spPr/>
-        <p:txBody>
-          <a:bodyPr/>
-          <a:lstStyle/>
-          <a:p>
-            <a:r>
-              <a:rPr lang="en-US" dirty="0" smtClean="0"/>
-              <a:t>References</a:t>
-            </a:r>
-            <a:endParaRPr lang="en-US" dirty="0"/>
-          </a:p>
-        </p:txBody>
-      </p:sp>
-      <p:sp>
-        <p:nvSpPr>
-          <p:cNvPr id="3" name="Content Placeholder 2"/>
-          <p:cNvSpPr>
-            <a:spLocks noGrp="1"/>
-          </p:cNvSpPr>
-          <p:nvPr>
-            <p:ph idx="1"/>
-          </p:nvPr>
-        </p:nvSpPr>
-        <p:spPr/>
-        <p:txBody>
-          <a:bodyPr>
-            <a:normAutofit fontScale="77500" lnSpcReduction="20000"/>
-          </a:bodyPr>
-          <a:lstStyle/>
-          <a:p>
-            <a:r>
-              <a:rPr lang="en-US" dirty="0" smtClean="0"/>
-              <a:t>Using IBM Rational Performance Tester: Application Monitoring Part 1, Configuring your environment (</a:t>
-            </a:r>
-            <a:r>
-              <a:rPr lang="en-US" dirty="0" smtClean="0">
-                <a:hlinkClick r:id="rId2"/>
-              </a:rPr>
-              <a:t>http://www.ibm.com/developerworks/rational/library/07/0515_patel/index.html</a:t>
-            </a:r>
-            <a:r>
-              <a:rPr lang="en-US" dirty="0" smtClean="0"/>
-              <a:t>)</a:t>
-            </a:r>
-          </a:p>
-          <a:p>
-            <a:r>
-              <a:rPr lang="en-US" dirty="0" smtClean="0"/>
-              <a:t>Using IBM Rational Performance Tester: Application Monitoring Part 2, Enabling real-time monitoring (</a:t>
-            </a:r>
-            <a:r>
-              <a:rPr lang="en-US" dirty="0" smtClean="0">
-                <a:hlinkClick r:id="rId3"/>
-              </a:rPr>
-              <a:t>http://www.ibm.com/developerworks/rational/library/07/0515_patel2/index.html</a:t>
-            </a:r>
-            <a:r>
-              <a:rPr lang="en-US" dirty="0" smtClean="0"/>
-              <a:t>)</a:t>
-            </a:r>
-          </a:p>
-          <a:p>
-            <a:r>
-              <a:rPr lang="en-US" dirty="0" smtClean="0"/>
-              <a:t>Using IBM Rational Performance Tester: Application monitoring, Part 3: Importing data from IBM Tivoli database products (</a:t>
-            </a:r>
-            <a:r>
-              <a:rPr lang="en-US" dirty="0" smtClean="0">
-                <a:hlinkClick r:id="rId4"/>
-              </a:rPr>
-              <a:t>http://www.ibm.com/developerworks/rational/library/07/0605_patel/index.html</a:t>
-            </a:r>
-            <a:r>
-              <a:rPr lang="en-US" dirty="0" smtClean="0"/>
-              <a:t>)</a:t>
-            </a:r>
-            <a:endParaRPr lang="en-US" dirty="0"/>
-          </a:p>
-        </p:txBody>
-      </p:sp>
-    </p:spTree>
-  </p:cSld>
-  <p:clrMapOvr>
-    <a:masterClrMapping/>
-  </p:clrMapOvr>
-</p:sld>
-</file>
-
-<file path=ppt/slides/slide4.xml><?xml version="1.0" encoding="utf-8"?>
-<p:sld xmlns:a="http://schemas.openxmlformats.org/drawingml/2006/main" xmlns:r="http://schemas.openxmlformats.org/officeDocument/2006/relationships" xmlns:p="http://schemas.openxmlformats.org/presentationml/2006/main">
-  <p:cSld>
-    <p:spTree>
-      <p:nvGrpSpPr>
-        <p:cNvPr id="1" name=""/>
-        <p:cNvGrpSpPr/>
-        <p:nvPr/>
-      </p:nvGrpSpPr>
-      <p:grpSpPr>
-        <a:xfrm>
-          <a:off x="0" y="0"/>
-          <a:ext cx="0" cy="0"/>
-          <a:chOff x="0" y="0"/>
-          <a:chExt cx="0" cy="0"/>
-        </a:xfrm>
-      </p:grpSpPr>
-      <p:sp>
-        <p:nvSpPr>
-          <p:cNvPr id="2" name="Title 1"/>
-          <p:cNvSpPr>
-            <a:spLocks noGrp="1"/>
-          </p:cNvSpPr>
-          <p:nvPr>
-            <p:ph type="title"/>
-          </p:nvPr>
-        </p:nvSpPr>
-        <p:spPr/>
-        <p:txBody>
-          <a:bodyPr>
-            <a:normAutofit fontScale="90000"/>
-          </a:bodyPr>
-          <a:lstStyle/>
-          <a:p>
-            <a:r>
-              <a:rPr lang="en-US" dirty="0" smtClean="0"/>
-              <a:t>Environment for ARM Instrumentation</a:t>
-            </a:r>
-            <a:endParaRPr lang="en-US" dirty="0"/>
-          </a:p>
-        </p:txBody>
-      </p:sp>
-      <p:sp>
-        <p:nvSpPr>
-          <p:cNvPr id="3" name="Content Placeholder 2"/>
-          <p:cNvSpPr>
-            <a:spLocks noGrp="1"/>
-          </p:cNvSpPr>
-          <p:nvPr>
-            <p:ph idx="1"/>
-          </p:nvPr>
-        </p:nvSpPr>
-        <p:spPr>
-          <a:xfrm>
-            <a:off x="457200" y="1600200"/>
-            <a:ext cx="8229600" cy="4571999"/>
-          </a:xfrm>
-        </p:spPr>
-        <p:txBody>
-          <a:bodyPr/>
-          <a:lstStyle/>
-          <a:p>
-            <a:endParaRPr lang="en-US" dirty="0"/>
-          </a:p>
-        </p:txBody>
-      </p:sp>
-      <p:pic>
-        <p:nvPicPr>
-          <p:cNvPr id="4" name="Picture 2" descr="C:\Documents and Settings\Yoonki\Local Settings\Temporary Internet Files\Content.IE5\JGH7Q211\j0431616[1].png"/>
-          <p:cNvPicPr>
-            <a:picLocks noChangeAspect="1" noChangeArrowheads="1"/>
-          </p:cNvPicPr>
-          <p:nvPr/>
-        </p:nvPicPr>
-        <p:blipFill>
-          <a:blip r:embed="rId2" cstate="print"/>
-          <a:srcRect/>
-          <a:stretch>
-            <a:fillRect/>
-          </a:stretch>
-        </p:blipFill>
-        <p:spPr bwMode="auto">
-          <a:xfrm>
-            <a:off x="1524000" y="1676400"/>
-            <a:ext cx="1828572" cy="1828572"/>
-          </a:xfrm>
-          <a:prstGeom prst="rect">
-            <a:avLst/>
-          </a:prstGeom>
-          <a:noFill/>
-        </p:spPr>
-      </p:pic>
-      <p:pic>
-        <p:nvPicPr>
-          <p:cNvPr id="5" name="Picture 3" descr="C:\Documents and Settings\Yoonki\Local Settings\Temporary Internet Files\Content.IE5\1UZTH24C\j0431595[1].png"/>
-          <p:cNvPicPr>
-            <a:picLocks noChangeAspect="1" noChangeArrowheads="1"/>
-          </p:cNvPicPr>
-          <p:nvPr/>
-        </p:nvPicPr>
-        <p:blipFill>
-          <a:blip r:embed="rId3" cstate="print"/>
-          <a:srcRect/>
-          <a:stretch>
-            <a:fillRect/>
-          </a:stretch>
-        </p:blipFill>
-        <p:spPr bwMode="auto">
-          <a:xfrm>
-            <a:off x="3048000" y="4800600"/>
-            <a:ext cx="1828572" cy="1828572"/>
-          </a:xfrm>
-          <a:prstGeom prst="rect">
-            <a:avLst/>
-          </a:prstGeom>
-          <a:noFill/>
-        </p:spPr>
-      </p:pic>
-      <p:pic>
-        <p:nvPicPr>
-          <p:cNvPr id="6" name="Picture 4" descr="C:\Documents and Settings\Yoonki\Local Settings\Temporary Internet Files\Content.IE5\79GYPFSZ\j0431637[1].png"/>
-          <p:cNvPicPr>
-            <a:picLocks noChangeAspect="1" noChangeArrowheads="1"/>
-          </p:cNvPicPr>
-          <p:nvPr/>
-        </p:nvPicPr>
-        <p:blipFill>
-          <a:blip r:embed="rId4" cstate="print"/>
-          <a:srcRect/>
-          <a:stretch>
-            <a:fillRect/>
-          </a:stretch>
-        </p:blipFill>
-        <p:spPr bwMode="auto">
-          <a:xfrm>
-            <a:off x="6019800" y="1676400"/>
-            <a:ext cx="1714500" cy="1714500"/>
-          </a:xfrm>
-          <a:prstGeom prst="rect">
-            <a:avLst/>
-          </a:prstGeom>
-          <a:noFill/>
-        </p:spPr>
-      </p:pic>
-      <p:sp>
-        <p:nvSpPr>
-          <p:cNvPr id="8" name="Rounded Rectangle 7"/>
-          <p:cNvSpPr/>
-          <p:nvPr/>
-        </p:nvSpPr>
-        <p:spPr>
-          <a:xfrm>
-            <a:off x="4724400" y="3581400"/>
-            <a:ext cx="3962400" cy="2590800"/>
-          </a:xfrm>
-          <a:prstGeom prst="roundRect">
-            <a:avLst/>
-          </a:prstGeom>
-        </p:spPr>
-        <p:style>
-          <a:lnRef idx="1">
-            <a:schemeClr val="dk1"/>
-          </a:lnRef>
-          <a:fillRef idx="2">
-            <a:schemeClr val="dk1"/>
-          </a:fillRef>
-          <a:effectRef idx="1">
-            <a:schemeClr val="dk1"/>
-          </a:effectRef>
-          <a:fontRef idx="minor">
-            <a:schemeClr val="dk1"/>
-          </a:fontRef>
-        </p:style>
-        <p:txBody>
-          <a:bodyPr rtlCol="0" anchor="t"/>
-          <a:lstStyle/>
-          <a:p>
-            <a:pPr algn="ctr"/>
-            <a:r>
-              <a:rPr lang="en-US" sz="1400" dirty="0" smtClean="0"/>
-              <a:t>Server:</a:t>
-            </a:r>
-          </a:p>
-          <a:p>
-            <a:pPr algn="ctr"/>
-            <a:r>
-              <a:rPr lang="en-US" sz="1400" dirty="0" smtClean="0"/>
-              <a:t>eb2-2241-grd03.csc.ncsu.edu (152.14.90.72)</a:t>
-            </a:r>
-          </a:p>
-          <a:p>
-            <a:pPr algn="ctr"/>
-            <a:endParaRPr lang="en-US" sz="1400" dirty="0" smtClean="0"/>
-          </a:p>
-          <a:p>
-            <a:pPr>
-              <a:buFont typeface="Wingdings" pitchFamily="2" charset="2"/>
-              <a:buChar char="§"/>
-            </a:pPr>
-            <a:r>
-              <a:rPr lang="en-US" sz="1400" dirty="0" smtClean="0"/>
-              <a:t> </a:t>
-            </a:r>
-            <a:r>
-              <a:rPr lang="en-US" sz="1400" dirty="0" err="1" smtClean="0"/>
-              <a:t>WebSphere</a:t>
-            </a:r>
-            <a:r>
-              <a:rPr lang="en-US" sz="1400" dirty="0" smtClean="0"/>
-              <a:t> Application Server v6.1</a:t>
-            </a:r>
-          </a:p>
-          <a:p>
-            <a:pPr>
-              <a:buFont typeface="Wingdings" pitchFamily="2" charset="2"/>
-              <a:buChar char="§"/>
-            </a:pPr>
-            <a:r>
-              <a:rPr lang="en-US" sz="1400" dirty="0" smtClean="0"/>
-              <a:t> Rational Performance Tester Agent  </a:t>
-            </a:r>
-          </a:p>
-          <a:p>
-            <a:r>
-              <a:rPr lang="en-US" sz="1400" dirty="0" smtClean="0"/>
-              <a:t>   (Data Collection </a:t>
-            </a:r>
-            <a:r>
-              <a:rPr lang="en-US" sz="1400" dirty="0" err="1" smtClean="0"/>
-              <a:t>Inftrastructure</a:t>
-            </a:r>
-            <a:r>
-              <a:rPr lang="en-US" sz="1400" dirty="0" smtClean="0"/>
-              <a:t> v7.0)</a:t>
-            </a:r>
-          </a:p>
-        </p:txBody>
-      </p:sp>
-      <p:sp>
-        <p:nvSpPr>
-          <p:cNvPr id="9" name="Rounded Rectangle 8"/>
-          <p:cNvSpPr/>
-          <p:nvPr/>
-        </p:nvSpPr>
-        <p:spPr>
-          <a:xfrm>
-            <a:off x="457200" y="3581400"/>
-            <a:ext cx="3962400" cy="2590800"/>
-          </a:xfrm>
-          <a:prstGeom prst="roundRect">
-            <a:avLst/>
-          </a:prstGeom>
-        </p:spPr>
-        <p:style>
-          <a:lnRef idx="1">
-            <a:schemeClr val="dk1"/>
-          </a:lnRef>
-          <a:fillRef idx="2">
-            <a:schemeClr val="dk1"/>
-          </a:fillRef>
-          <a:effectRef idx="1">
-            <a:schemeClr val="dk1"/>
-          </a:effectRef>
-          <a:fontRef idx="minor">
-            <a:schemeClr val="dk1"/>
-          </a:fontRef>
-        </p:style>
-        <p:txBody>
-          <a:bodyPr rtlCol="0" anchor="t"/>
-          <a:lstStyle/>
-          <a:p>
-            <a:pPr algn="ctr"/>
-            <a:r>
-              <a:rPr lang="en-US" sz="1400" dirty="0" smtClean="0"/>
-              <a:t>Client:</a:t>
-            </a:r>
-          </a:p>
-          <a:p>
-            <a:pPr algn="ctr"/>
-            <a:r>
-              <a:rPr lang="en-US" sz="1400" dirty="0" smtClean="0"/>
-              <a:t>My desktop (Dynamic IP)</a:t>
-            </a:r>
-          </a:p>
-          <a:p>
-            <a:pPr algn="ctr"/>
-            <a:endParaRPr lang="en-US" sz="1400" dirty="0" smtClean="0"/>
-          </a:p>
-          <a:p>
-            <a:pPr>
-              <a:buFont typeface="Wingdings" pitchFamily="2" charset="2"/>
-              <a:buChar char="§"/>
-            </a:pPr>
-            <a:r>
-              <a:rPr lang="en-US" sz="1400" dirty="0" smtClean="0"/>
-              <a:t> Rational Performance Tester v8.0</a:t>
-            </a:r>
-          </a:p>
-          <a:p>
-            <a:pPr marL="177800" lvl="1">
-              <a:buFont typeface="Wingdings" pitchFamily="2" charset="2"/>
-              <a:buChar char="§"/>
-            </a:pPr>
-            <a:r>
-              <a:rPr lang="en-US" sz="1400" dirty="0" smtClean="0"/>
-              <a:t> with Agent (Data Collection </a:t>
-            </a:r>
-            <a:r>
-              <a:rPr lang="en-US" sz="1400" dirty="0" err="1" smtClean="0"/>
-              <a:t>Inftrastructure</a:t>
-            </a:r>
-            <a:r>
-              <a:rPr lang="en-US" sz="1400" dirty="0" smtClean="0"/>
-              <a:t> v7.0)</a:t>
-            </a:r>
-          </a:p>
-          <a:p>
-            <a:pPr algn="ctr"/>
-            <a:endParaRPr lang="en-US" sz="1400" dirty="0"/>
-          </a:p>
-        </p:txBody>
-      </p:sp>
-      <p:sp>
-        <p:nvSpPr>
-          <p:cNvPr id="10" name="Left-Right Arrow 9"/>
-          <p:cNvSpPr/>
-          <p:nvPr/>
-        </p:nvSpPr>
-        <p:spPr>
-          <a:xfrm>
-            <a:off x="4038600" y="2133600"/>
-            <a:ext cx="1066800" cy="533400"/>
-          </a:xfrm>
-          <a:prstGeom prst="leftRightArrow">
-            <a:avLst/>
-          </a:prstGeom>
-        </p:spPr>
-        <p:style>
-          <a:lnRef idx="2">
-            <a:schemeClr val="accent1">
-              <a:shade val="50000"/>
-            </a:schemeClr>
-          </a:lnRef>
-          <a:fillRef idx="1">
-            <a:schemeClr val="accent1"/>
-          </a:fillRef>
-          <a:effectRef idx="0">
-            <a:schemeClr val="accent1"/>
-          </a:effectRef>
-          <a:fontRef idx="minor">
-            <a:schemeClr val="lt1"/>
-          </a:fontRef>
-        </p:style>
-        <p:txBody>
-          <a:bodyPr rtlCol="0" anchor="ctr"/>
-          <a:lstStyle/>
-          <a:p>
-            <a:pPr algn="ctr"/>
-            <a:endParaRPr lang="en-US"/>
-          </a:p>
-        </p:txBody>
-      </p:sp>
-    </p:spTree>
-  </p:cSld>
-  <p:clrMapOvr>
-    <a:masterClrMapping/>
-  </p:clrMapOvr>
-  <p:timing>
-    <p:tnLst>
-      <p:par>
-        <p:cTn id="1" dur="indefinite" restart="never" nodeType="tmRoot"/>
-      </p:par>
-    </p:tnLst>
-  </p:timing>
-</p:sld>
-</file>
-
-<file path=ppt/slides/slide5.xml><?xml version="1.0" encoding="utf-8"?>
-<p:sld xmlns:a="http://schemas.openxmlformats.org/drawingml/2006/main" xmlns:r="http://schemas.openxmlformats.org/officeDocument/2006/relationships" xmlns:p="http://schemas.openxmlformats.org/presentationml/2006/main">
-  <p:cSld>
-    <p:spTree>
-      <p:nvGrpSpPr>
-        <p:cNvPr id="1" name=""/>
-        <p:cNvGrpSpPr/>
-        <p:nvPr/>
-      </p:nvGrpSpPr>
-      <p:grpSpPr>
-        <a:xfrm>
-          <a:off x="0" y="0"/>
-          <a:ext cx="0" cy="0"/>
-          <a:chOff x="0" y="0"/>
-          <a:chExt cx="0" cy="0"/>
-        </a:xfrm>
-      </p:grpSpPr>
-      <p:sp>
-        <p:nvSpPr>
-          <p:cNvPr id="9" name="Title 8"/>
-          <p:cNvSpPr>
-            <a:spLocks noGrp="1"/>
-          </p:cNvSpPr>
-          <p:nvPr>
-            <p:ph type="title"/>
-          </p:nvPr>
-        </p:nvSpPr>
-        <p:spPr/>
-        <p:txBody>
-          <a:bodyPr>
-            <a:normAutofit fontScale="90000"/>
-          </a:bodyPr>
-          <a:lstStyle/>
-          <a:p>
-            <a:r>
-              <a:rPr lang="en-US" dirty="0" smtClean="0"/>
-              <a:t>Sequence for Collecting Trace data with Instrumentation (RPT-ARM)</a:t>
-            </a:r>
-            <a:endParaRPr lang="en-US" dirty="0"/>
-          </a:p>
-        </p:txBody>
-      </p:sp>
-      <p:sp>
-        <p:nvSpPr>
-          <p:cNvPr id="10" name="Text Placeholder 9"/>
-          <p:cNvSpPr>
-            <a:spLocks noGrp="1"/>
-          </p:cNvSpPr>
-          <p:nvPr>
-            <p:ph type="body" idx="1"/>
-          </p:nvPr>
-        </p:nvSpPr>
-        <p:spPr/>
-        <p:txBody>
-          <a:bodyPr/>
-          <a:lstStyle/>
-          <a:p>
-            <a:r>
-              <a:rPr lang="en-US" dirty="0" smtClean="0"/>
-              <a:t>Client</a:t>
-            </a:r>
-            <a:endParaRPr lang="en-US" dirty="0"/>
-          </a:p>
-        </p:txBody>
-      </p:sp>
-      <p:sp>
-        <p:nvSpPr>
-          <p:cNvPr id="11" name="Content Placeholder 10"/>
-          <p:cNvSpPr>
-            <a:spLocks noGrp="1"/>
-          </p:cNvSpPr>
-          <p:nvPr>
-            <p:ph sz="half" idx="2"/>
-          </p:nvPr>
-        </p:nvSpPr>
-        <p:spPr>
-          <a:xfrm>
-            <a:off x="457200" y="3581400"/>
-            <a:ext cx="3657600" cy="1219199"/>
-          </a:xfrm>
-        </p:spPr>
-        <p:txBody>
-          <a:bodyPr>
-            <a:normAutofit fontScale="92500" lnSpcReduction="10000"/>
-          </a:bodyPr>
-          <a:lstStyle/>
-          <a:p>
-            <a:pPr>
-              <a:buNone/>
-            </a:pPr>
-            <a:r>
-              <a:rPr lang="en-US" sz="1800" dirty="0" smtClean="0"/>
-              <a:t>4. Start DCI</a:t>
-            </a:r>
-          </a:p>
-          <a:p>
-            <a:pPr>
-              <a:buNone/>
-            </a:pPr>
-            <a:r>
-              <a:rPr lang="en-US" sz="1800" dirty="0" smtClean="0"/>
-              <a:t>5. Start RPTv8.0</a:t>
-            </a:r>
-          </a:p>
-          <a:p>
-            <a:pPr>
-              <a:buNone/>
-            </a:pPr>
-            <a:r>
-              <a:rPr lang="en-US" sz="1800" dirty="0" smtClean="0"/>
-              <a:t>6. Start Recording and Launching Test/Schedule via RPT</a:t>
-            </a:r>
-            <a:endParaRPr lang="en-US" sz="1800" dirty="0"/>
-          </a:p>
-        </p:txBody>
-      </p:sp>
-      <p:sp>
-        <p:nvSpPr>
-          <p:cNvPr id="12" name="Text Placeholder 11"/>
-          <p:cNvSpPr>
-            <a:spLocks noGrp="1"/>
-          </p:cNvSpPr>
-          <p:nvPr>
-            <p:ph type="body" sz="quarter" idx="3"/>
-          </p:nvPr>
-        </p:nvSpPr>
-        <p:spPr>
-          <a:xfrm>
-            <a:off x="4343401" y="1535113"/>
-            <a:ext cx="4343400" cy="639762"/>
-          </a:xfrm>
-        </p:spPr>
-        <p:txBody>
-          <a:bodyPr/>
-          <a:lstStyle/>
-          <a:p>
-            <a:r>
-              <a:rPr lang="en-US" dirty="0" smtClean="0"/>
-              <a:t>Server</a:t>
-            </a:r>
-            <a:endParaRPr lang="en-US" dirty="0"/>
-          </a:p>
-        </p:txBody>
-      </p:sp>
-      <p:sp>
-        <p:nvSpPr>
-          <p:cNvPr id="13" name="Content Placeholder 12"/>
-          <p:cNvSpPr>
-            <a:spLocks noGrp="1"/>
-          </p:cNvSpPr>
-          <p:nvPr>
-            <p:ph sz="quarter" idx="4"/>
-          </p:nvPr>
-        </p:nvSpPr>
-        <p:spPr>
-          <a:xfrm>
-            <a:off x="4267201" y="2286000"/>
-            <a:ext cx="4419600" cy="3840162"/>
-          </a:xfrm>
-        </p:spPr>
-        <p:txBody>
-          <a:bodyPr>
-            <a:normAutofit/>
-          </a:bodyPr>
-          <a:lstStyle/>
-          <a:p>
-            <a:pPr marL="231775" indent="-231775"/>
-            <a:r>
-              <a:rPr lang="en-US" sz="1800" dirty="0" smtClean="0">
-                <a:latin typeface="Courier New" pitchFamily="49" charset="0"/>
-                <a:cs typeface="Courier New" pitchFamily="49" charset="0"/>
-              </a:rPr>
-              <a:t>#/root/</a:t>
-            </a:r>
-            <a:r>
-              <a:rPr lang="en-US" sz="1800" dirty="0" err="1" smtClean="0">
-                <a:latin typeface="Courier New" pitchFamily="49" charset="0"/>
-                <a:cs typeface="Courier New" pitchFamily="49" charset="0"/>
-              </a:rPr>
-              <a:t>perftest</a:t>
-            </a:r>
-            <a:r>
-              <a:rPr lang="en-US" sz="1800" dirty="0" smtClean="0">
-                <a:latin typeface="Courier New" pitchFamily="49" charset="0"/>
-                <a:cs typeface="Courier New" pitchFamily="49" charset="0"/>
-              </a:rPr>
-              <a:t>/startARM.sh</a:t>
-            </a:r>
-          </a:p>
-          <a:p>
-            <a:pPr marL="466725" lvl="1" indent="-234950">
-              <a:buAutoNum type="arabicPeriod"/>
-            </a:pPr>
-            <a:r>
-              <a:rPr lang="en-US" sz="1400" dirty="0" smtClean="0"/>
-              <a:t>Start Rational Agent Controller (RAC)</a:t>
-            </a:r>
-          </a:p>
-          <a:p>
-            <a:pPr marL="687388" lvl="2" indent="-234950"/>
-            <a:r>
-              <a:rPr lang="en-US" sz="1200" dirty="0" smtClean="0"/>
-              <a:t>Note: RAC should be running prior to DCI</a:t>
-            </a:r>
-          </a:p>
-          <a:p>
-            <a:pPr marL="466725" lvl="1" indent="-234950">
-              <a:buAutoNum type="arabicPeriod"/>
-            </a:pPr>
-            <a:r>
-              <a:rPr lang="en-US" sz="1400" dirty="0" smtClean="0"/>
-              <a:t>Start Data Collection Infrastructure (DCI)</a:t>
-            </a:r>
-          </a:p>
-          <a:p>
-            <a:pPr marL="677863" lvl="2" indent="-234950"/>
-            <a:r>
-              <a:rPr lang="en-US" sz="1200" dirty="0" smtClean="0"/>
-              <a:t>Note: DCI should be running prior to WSAS</a:t>
-            </a:r>
-          </a:p>
-          <a:p>
-            <a:pPr marL="466725" lvl="1" indent="-234950">
-              <a:buFont typeface="Wingdings" pitchFamily="2" charset="2"/>
-              <a:buAutoNum type="arabicPeriod"/>
-            </a:pPr>
-            <a:r>
-              <a:rPr lang="en-US" sz="1400" dirty="0" smtClean="0"/>
-              <a:t>Start </a:t>
-            </a:r>
-            <a:r>
-              <a:rPr lang="en-US" sz="1400" dirty="0" err="1" smtClean="0"/>
-              <a:t>WebSphere</a:t>
-            </a:r>
-            <a:r>
-              <a:rPr lang="en-US" sz="1400" dirty="0" smtClean="0"/>
-              <a:t> Application Server (WSAS)</a:t>
-            </a:r>
-          </a:p>
-          <a:p>
-            <a:pPr marL="457200" indent="-457200">
-              <a:buAutoNum type="arabicPeriod"/>
-            </a:pPr>
-            <a:endParaRPr lang="en-US" sz="1800" dirty="0"/>
-          </a:p>
-        </p:txBody>
-      </p:sp>
-      <p:sp>
-        <p:nvSpPr>
-          <p:cNvPr id="16" name="Rounded Rectangular Callout 15"/>
-          <p:cNvSpPr/>
-          <p:nvPr/>
-        </p:nvSpPr>
-        <p:spPr>
-          <a:xfrm>
-            <a:off x="914400" y="5791200"/>
-            <a:ext cx="7315200" cy="457200"/>
-          </a:xfrm>
-          <a:prstGeom prst="wedgeRoundRectCallout">
-            <a:avLst>
-              <a:gd name="adj1" fmla="val -32721"/>
-              <a:gd name="adj2" fmla="val -49935"/>
-              <a:gd name="adj3" fmla="val 16667"/>
-            </a:avLst>
-          </a:prstGeom>
-          <a:solidFill>
-            <a:srgbClr val="FFC000"/>
-          </a:solidFill>
-        </p:spPr>
-        <p:style>
-          <a:lnRef idx="2">
-            <a:schemeClr val="accent1">
-              <a:shade val="50000"/>
-            </a:schemeClr>
-          </a:lnRef>
-          <a:fillRef idx="1">
-            <a:schemeClr val="accent1"/>
-          </a:fillRef>
-          <a:effectRef idx="0">
-            <a:schemeClr val="accent1"/>
-          </a:effectRef>
-          <a:fontRef idx="minor">
-            <a:schemeClr val="lt1"/>
-          </a:fontRef>
-        </p:style>
-        <p:txBody>
-          <a:bodyPr rtlCol="0" anchor="ctr"/>
-          <a:lstStyle/>
-          <a:p>
-            <a:r>
-              <a:rPr lang="en-US" dirty="0" smtClean="0">
-                <a:solidFill>
-                  <a:srgbClr val="FF0000"/>
-                </a:solidFill>
-              </a:rPr>
-              <a:t>Note:  This task should be always done whenever the server/client reboots.</a:t>
-            </a:r>
-            <a:endParaRPr lang="en-US" dirty="0">
-              <a:solidFill>
-                <a:srgbClr val="FF0000"/>
-              </a:solidFill>
-            </a:endParaRPr>
-          </a:p>
-        </p:txBody>
-      </p:sp>
-      <p:pic>
-        <p:nvPicPr>
-          <p:cNvPr id="17" name="Picture 2" descr="C:\Documents and Settings\Yoonki\Local Settings\Temporary Internet Files\Content.IE5\3JR7YVV4\j0432599[1].png"/>
-          <p:cNvPicPr>
-            <a:picLocks noChangeAspect="1" noChangeArrowheads="1"/>
-          </p:cNvPicPr>
-          <p:nvPr/>
-        </p:nvPicPr>
-        <p:blipFill>
-          <a:blip r:embed="rId3" cstate="print"/>
-          <a:srcRect/>
-          <a:stretch>
-            <a:fillRect/>
-          </a:stretch>
-        </p:blipFill>
-        <p:spPr bwMode="auto">
-          <a:xfrm>
-            <a:off x="1752600" y="4876800"/>
-            <a:ext cx="990600" cy="990600"/>
-          </a:xfrm>
-          <a:prstGeom prst="rect">
-            <a:avLst/>
-          </a:prstGeom>
-          <a:noFill/>
-        </p:spPr>
-      </p:pic>
-      <p:sp>
-        <p:nvSpPr>
-          <p:cNvPr id="19" name="Rounded Rectangular Callout 18"/>
-          <p:cNvSpPr/>
-          <p:nvPr/>
-        </p:nvSpPr>
-        <p:spPr>
-          <a:xfrm>
-            <a:off x="2667000" y="5105400"/>
-            <a:ext cx="1676400" cy="457200"/>
-          </a:xfrm>
-          <a:prstGeom prst="wedgeRoundRectCallout">
-            <a:avLst>
-              <a:gd name="adj1" fmla="val -55102"/>
-              <a:gd name="adj2" fmla="val 3436"/>
-              <a:gd name="adj3" fmla="val 16667"/>
-            </a:avLst>
-          </a:prstGeom>
-          <a:solidFill>
-            <a:schemeClr val="bg1"/>
-          </a:solidFill>
-        </p:spPr>
-        <p:style>
-          <a:lnRef idx="2">
-            <a:schemeClr val="accent1">
-              <a:shade val="50000"/>
-            </a:schemeClr>
-          </a:lnRef>
-          <a:fillRef idx="1">
-            <a:schemeClr val="accent1"/>
-          </a:fillRef>
-          <a:effectRef idx="0">
-            <a:schemeClr val="accent1"/>
-          </a:effectRef>
-          <a:fontRef idx="minor">
-            <a:schemeClr val="lt1"/>
-          </a:fontRef>
-        </p:style>
-        <p:txBody>
-          <a:bodyPr rtlCol="0" anchor="ctr"/>
-          <a:lstStyle/>
-          <a:p>
-            <a:pPr algn="ctr"/>
-            <a:r>
-              <a:rPr lang="en-US" dirty="0" smtClean="0">
-                <a:solidFill>
-                  <a:schemeClr val="accent6">
-                    <a:lumMod val="50000"/>
-                  </a:schemeClr>
-                </a:solidFill>
-              </a:rPr>
-              <a:t>Trace data (A)</a:t>
-            </a:r>
-            <a:endParaRPr lang="en-US" dirty="0">
-              <a:solidFill>
-                <a:schemeClr val="accent6">
-                  <a:lumMod val="50000"/>
-                </a:schemeClr>
-              </a:solidFill>
-            </a:endParaRPr>
-          </a:p>
-        </p:txBody>
-      </p:sp>
-    </p:spTree>
-  </p:cSld>
-  <p:clrMapOvr>
-    <a:masterClrMapping/>
-  </p:clrMapOvr>
-  <p:timing>
-    <p:tnLst>
-      <p:par>
-        <p:cTn id="1" dur="indefinite" restart="never" nodeType="tmRoot"/>
-      </p:par>
-    </p:tnLst>
-  </p:timing>
-</p:sld>
-</file>
-
-<file path=ppt/slides/slide6.xml><?xml version="1.0" encoding="utf-8"?>
-<p:sld xmlns:a="http://schemas.openxmlformats.org/drawingml/2006/main" xmlns:r="http://schemas.openxmlformats.org/officeDocument/2006/relationships" xmlns:p="http://schemas.openxmlformats.org/presentationml/2006/main">
-  <p:cSld>
-    <p:spTree>
-      <p:nvGrpSpPr>
-        <p:cNvPr id="1" name=""/>
-        <p:cNvGrpSpPr/>
-        <p:nvPr/>
-      </p:nvGrpSpPr>
-      <p:grpSpPr>
-        <a:xfrm>
-          <a:off x="0" y="0"/>
-          <a:ext cx="0" cy="0"/>
-          <a:chOff x="0" y="0"/>
-          <a:chExt cx="0" cy="0"/>
-        </a:xfrm>
-      </p:grpSpPr>
-      <p:sp>
-        <p:nvSpPr>
-          <p:cNvPr id="2" name="Title 1"/>
-          <p:cNvSpPr>
-            <a:spLocks noGrp="1"/>
-          </p:cNvSpPr>
-          <p:nvPr>
-            <p:ph type="title"/>
-          </p:nvPr>
-        </p:nvSpPr>
-        <p:spPr/>
-        <p:txBody>
-          <a:bodyPr>
-            <a:normAutofit fontScale="90000"/>
-          </a:bodyPr>
-          <a:lstStyle/>
-          <a:p>
-            <a:r>
-              <a:rPr lang="en-US" dirty="0" smtClean="0"/>
-              <a:t>Converting ARM-instrumented to </a:t>
-            </a:r>
-            <a:br>
-              <a:rPr lang="en-US" dirty="0" smtClean="0"/>
-            </a:br>
-            <a:r>
-              <a:rPr lang="en-US" dirty="0" smtClean="0"/>
-              <a:t>TPTP Environment</a:t>
-            </a:r>
-            <a:endParaRPr lang="en-US" dirty="0"/>
-          </a:p>
-        </p:txBody>
-      </p:sp>
-      <p:sp>
-        <p:nvSpPr>
-          <p:cNvPr id="3" name="Text Placeholder 2"/>
-          <p:cNvSpPr>
-            <a:spLocks noGrp="1"/>
-          </p:cNvSpPr>
-          <p:nvPr>
-            <p:ph type="body" idx="1"/>
-          </p:nvPr>
-        </p:nvSpPr>
-        <p:spPr/>
-        <p:txBody>
-          <a:bodyPr/>
-          <a:lstStyle/>
-          <a:p>
-            <a:r>
-              <a:rPr lang="en-US" dirty="0" smtClean="0"/>
-              <a:t>Client</a:t>
-            </a:r>
-            <a:endParaRPr lang="en-US" dirty="0"/>
-          </a:p>
-        </p:txBody>
-      </p:sp>
-      <p:sp>
-        <p:nvSpPr>
-          <p:cNvPr id="4" name="Content Placeholder 3"/>
-          <p:cNvSpPr>
-            <a:spLocks noGrp="1"/>
-          </p:cNvSpPr>
-          <p:nvPr>
-            <p:ph sz="half" idx="2"/>
-          </p:nvPr>
-        </p:nvSpPr>
-        <p:spPr/>
-        <p:txBody>
-          <a:bodyPr/>
-          <a:lstStyle/>
-          <a:p>
-            <a:pPr marL="457200" indent="-457200">
-              <a:buFont typeface="+mj-lt"/>
-              <a:buAutoNum type="arabicPeriod"/>
-            </a:pPr>
-            <a:endParaRPr lang="en-US" dirty="0"/>
-          </a:p>
-        </p:txBody>
-      </p:sp>
-      <p:sp>
-        <p:nvSpPr>
-          <p:cNvPr id="5" name="Text Placeholder 4"/>
-          <p:cNvSpPr>
-            <a:spLocks noGrp="1"/>
-          </p:cNvSpPr>
-          <p:nvPr>
-            <p:ph type="body" sz="quarter" idx="3"/>
-          </p:nvPr>
-        </p:nvSpPr>
-        <p:spPr/>
-        <p:txBody>
-          <a:bodyPr/>
-          <a:lstStyle/>
-          <a:p>
-            <a:r>
-              <a:rPr lang="en-US" dirty="0" smtClean="0"/>
-              <a:t>Server</a:t>
-            </a:r>
-            <a:endParaRPr lang="en-US" dirty="0"/>
-          </a:p>
-        </p:txBody>
-      </p:sp>
-      <p:sp>
-        <p:nvSpPr>
-          <p:cNvPr id="6" name="Content Placeholder 5"/>
-          <p:cNvSpPr>
-            <a:spLocks noGrp="1"/>
-          </p:cNvSpPr>
-          <p:nvPr>
-            <p:ph sz="quarter" idx="4"/>
-          </p:nvPr>
-        </p:nvSpPr>
-        <p:spPr/>
-        <p:txBody>
-          <a:bodyPr/>
-          <a:lstStyle/>
-          <a:p>
-            <a:pPr marL="457200" indent="-457200">
-              <a:buFont typeface="+mj-lt"/>
-              <a:buAutoNum type="arabicPeriod"/>
-            </a:pPr>
-            <a:r>
-              <a:rPr lang="en-US" dirty="0" smtClean="0"/>
-              <a:t>Check if WSAS is running</a:t>
-            </a:r>
-          </a:p>
-          <a:p>
-            <a:pPr marL="914400" lvl="1" indent="-457200">
-              <a:buFont typeface="Wingdings" pitchFamily="2" charset="2"/>
-              <a:buChar char="§"/>
-            </a:pPr>
-            <a:r>
-              <a:rPr lang="en-US" dirty="0" smtClean="0"/>
-              <a:t>If not, start WSAS</a:t>
-            </a:r>
-          </a:p>
-          <a:p>
-            <a:pPr marL="457200" indent="-457200">
-              <a:buFont typeface="+mj-lt"/>
-              <a:buAutoNum type="arabicPeriod"/>
-            </a:pPr>
-            <a:r>
-              <a:rPr lang="en-US" dirty="0" smtClean="0"/>
-              <a:t>Un-instrumentation</a:t>
-            </a:r>
-          </a:p>
-          <a:p>
-            <a:pPr marL="457200" indent="-457200">
-              <a:buFont typeface="+mj-lt"/>
-              <a:buAutoNum type="arabicPeriod"/>
-            </a:pPr>
-            <a:r>
-              <a:rPr lang="en-US" dirty="0" smtClean="0"/>
-              <a:t>Reboot the server</a:t>
-            </a:r>
-          </a:p>
-          <a:p>
-            <a:endParaRPr lang="en-US" dirty="0"/>
-          </a:p>
-        </p:txBody>
-      </p:sp>
-    </p:spTree>
-  </p:cSld>
-  <p:clrMapOvr>
-    <a:masterClrMapping/>
-  </p:clrMapOvr>
-</p:sld>
-</file>
-
-<file path=ppt/slides/slide7.xml><?xml version="1.0" encoding="utf-8"?>
-<p:sld xmlns:a="http://schemas.openxmlformats.org/drawingml/2006/main" xmlns:r="http://schemas.openxmlformats.org/officeDocument/2006/relationships" xmlns:p="http://schemas.openxmlformats.org/presentationml/2006/main">
-  <p:cSld>
-    <p:spTree>
-      <p:nvGrpSpPr>
-        <p:cNvPr id="1" name=""/>
-        <p:cNvGrpSpPr/>
-        <p:nvPr/>
-      </p:nvGrpSpPr>
-      <p:grpSpPr>
-        <a:xfrm>
-          <a:off x="0" y="0"/>
-          <a:ext cx="0" cy="0"/>
-          <a:chOff x="0" y="0"/>
-          <a:chExt cx="0" cy="0"/>
-        </a:xfrm>
-      </p:grpSpPr>
-      <p:sp>
-        <p:nvSpPr>
-          <p:cNvPr id="2" name="Title 1"/>
-          <p:cNvSpPr>
-            <a:spLocks noGrp="1"/>
-          </p:cNvSpPr>
-          <p:nvPr>
-            <p:ph type="title"/>
-          </p:nvPr>
-        </p:nvSpPr>
-        <p:spPr/>
-        <p:txBody>
-          <a:bodyPr>
-            <a:normAutofit fontScale="90000"/>
-          </a:bodyPr>
-          <a:lstStyle/>
-          <a:p>
-            <a:r>
-              <a:rPr lang="en-US" dirty="0" smtClean="0"/>
-              <a:t>Environment for non-ARM Instrumentation</a:t>
-            </a:r>
-            <a:endParaRPr lang="en-US" dirty="0"/>
-          </a:p>
-        </p:txBody>
-      </p:sp>
-      <p:sp>
-        <p:nvSpPr>
-          <p:cNvPr id="3" name="Content Placeholder 2"/>
-          <p:cNvSpPr>
-            <a:spLocks noGrp="1"/>
-          </p:cNvSpPr>
-          <p:nvPr>
-            <p:ph idx="1"/>
-          </p:nvPr>
-        </p:nvSpPr>
-        <p:spPr/>
-        <p:txBody>
-          <a:bodyPr/>
-          <a:lstStyle/>
-          <a:p>
-            <a:endParaRPr lang="en-US" dirty="0"/>
-          </a:p>
-        </p:txBody>
-      </p:sp>
-      <p:pic>
-        <p:nvPicPr>
-          <p:cNvPr id="5" name="Picture 3" descr="C:\Documents and Settings\Yoonki\Local Settings\Temporary Internet Files\Content.IE5\1UZTH24C\j0431595[1].png"/>
-          <p:cNvPicPr>
-            <a:picLocks noChangeAspect="1" noChangeArrowheads="1"/>
-          </p:cNvPicPr>
-          <p:nvPr/>
-        </p:nvPicPr>
-        <p:blipFill>
-          <a:blip r:embed="rId2" cstate="print"/>
-          <a:srcRect/>
-          <a:stretch>
-            <a:fillRect/>
-          </a:stretch>
-        </p:blipFill>
-        <p:spPr bwMode="auto">
-          <a:xfrm>
-            <a:off x="1447800" y="1600200"/>
-            <a:ext cx="1828572" cy="1828572"/>
-          </a:xfrm>
-          <a:prstGeom prst="rect">
-            <a:avLst/>
-          </a:prstGeom>
-          <a:noFill/>
-        </p:spPr>
-      </p:pic>
-      <p:pic>
-        <p:nvPicPr>
-          <p:cNvPr id="6" name="Picture 4" descr="C:\Documents and Settings\Yoonki\Local Settings\Temporary Internet Files\Content.IE5\79GYPFSZ\j0431637[1].png"/>
-          <p:cNvPicPr>
-            <a:picLocks noChangeAspect="1" noChangeArrowheads="1"/>
-          </p:cNvPicPr>
-          <p:nvPr/>
-        </p:nvPicPr>
-        <p:blipFill>
-          <a:blip r:embed="rId3" cstate="print"/>
-          <a:srcRect/>
-          <a:stretch>
-            <a:fillRect/>
-          </a:stretch>
-        </p:blipFill>
-        <p:spPr bwMode="auto">
-          <a:xfrm>
-            <a:off x="5943600" y="1600200"/>
-            <a:ext cx="1714500" cy="1714500"/>
-          </a:xfrm>
-          <a:prstGeom prst="rect">
-            <a:avLst/>
-          </a:prstGeom>
-          <a:noFill/>
-        </p:spPr>
-      </p:pic>
-      <p:sp>
-        <p:nvSpPr>
-          <p:cNvPr id="10" name="Left-Right Arrow 9"/>
-          <p:cNvSpPr/>
-          <p:nvPr/>
-        </p:nvSpPr>
-        <p:spPr>
-          <a:xfrm>
-            <a:off x="4038600" y="2133600"/>
-            <a:ext cx="1066800" cy="533400"/>
-          </a:xfrm>
-          <a:prstGeom prst="leftRightArrow">
-            <a:avLst/>
-          </a:prstGeom>
-        </p:spPr>
-        <p:style>
-          <a:lnRef idx="2">
-            <a:schemeClr val="accent1">
-              <a:shade val="50000"/>
-            </a:schemeClr>
-          </a:lnRef>
-          <a:fillRef idx="1">
-            <a:schemeClr val="accent1"/>
-          </a:fillRef>
-          <a:effectRef idx="0">
-            <a:schemeClr val="accent1"/>
-          </a:effectRef>
-          <a:fontRef idx="minor">
-            <a:schemeClr val="lt1"/>
-          </a:fontRef>
-        </p:style>
-        <p:txBody>
-          <a:bodyPr rtlCol="0" anchor="ctr"/>
-          <a:lstStyle/>
-          <a:p>
-            <a:pPr algn="ctr"/>
-            <a:endParaRPr lang="en-US"/>
-          </a:p>
-        </p:txBody>
-      </p:sp>
-      <p:sp>
-        <p:nvSpPr>
-          <p:cNvPr id="11" name="Rounded Rectangle 10"/>
-          <p:cNvSpPr/>
-          <p:nvPr/>
-        </p:nvSpPr>
-        <p:spPr>
-          <a:xfrm>
-            <a:off x="4724400" y="3505200"/>
-            <a:ext cx="3962400" cy="2590800"/>
-          </a:xfrm>
-          <a:prstGeom prst="roundRect">
-            <a:avLst/>
-          </a:prstGeom>
-        </p:spPr>
-        <p:style>
-          <a:lnRef idx="1">
-            <a:schemeClr val="dk1"/>
-          </a:lnRef>
-          <a:fillRef idx="2">
-            <a:schemeClr val="dk1"/>
-          </a:fillRef>
-          <a:effectRef idx="1">
-            <a:schemeClr val="dk1"/>
-          </a:effectRef>
-          <a:fontRef idx="minor">
-            <a:schemeClr val="dk1"/>
-          </a:fontRef>
-        </p:style>
-        <p:txBody>
-          <a:bodyPr rtlCol="0" anchor="t"/>
-          <a:lstStyle/>
-          <a:p>
-            <a:pPr algn="ctr"/>
-            <a:r>
-              <a:rPr lang="en-US" sz="1400" dirty="0" smtClean="0"/>
-              <a:t>Server:</a:t>
-            </a:r>
-          </a:p>
-          <a:p>
-            <a:pPr algn="ctr"/>
-            <a:r>
-              <a:rPr lang="en-US" sz="1400" dirty="0" smtClean="0"/>
-              <a:t>eb2-2241-grd02.csc.ncsu.edu (152.14.90.8)</a:t>
-            </a:r>
-          </a:p>
-          <a:p>
-            <a:pPr algn="ctr"/>
-            <a:endParaRPr lang="en-US" sz="1400" dirty="0" smtClean="0"/>
-          </a:p>
-          <a:p>
-            <a:pPr>
-              <a:buFont typeface="Wingdings" pitchFamily="2" charset="2"/>
-              <a:buChar char="§"/>
-            </a:pPr>
-            <a:r>
-              <a:rPr lang="en-US" sz="1400" dirty="0" smtClean="0"/>
-              <a:t> </a:t>
-            </a:r>
-            <a:r>
-              <a:rPr lang="en-US" sz="1400" dirty="0" err="1" smtClean="0"/>
-              <a:t>WebSphere</a:t>
-            </a:r>
-            <a:r>
-              <a:rPr lang="en-US" sz="1400" dirty="0" smtClean="0"/>
-              <a:t> Application Server v6.1</a:t>
-            </a:r>
-          </a:p>
-          <a:p>
-            <a:pPr>
-              <a:buFont typeface="Wingdings" pitchFamily="2" charset="2"/>
-              <a:buChar char="§"/>
-            </a:pPr>
-            <a:r>
-              <a:rPr lang="en-US" sz="1400" dirty="0" smtClean="0"/>
-              <a:t> Standalone </a:t>
-            </a:r>
-            <a:r>
-              <a:rPr lang="en-US" sz="1400" smtClean="0"/>
-              <a:t>Agent Controller  </a:t>
-            </a:r>
-            <a:endParaRPr lang="en-US" sz="1400" dirty="0" smtClean="0"/>
-          </a:p>
-          <a:p>
-            <a:r>
-              <a:rPr lang="en-US" sz="1400" dirty="0" smtClean="0"/>
-              <a:t>   (Data Collection </a:t>
-            </a:r>
-            <a:r>
-              <a:rPr lang="en-US" sz="1400" dirty="0" err="1" smtClean="0"/>
-              <a:t>Inftrastructure</a:t>
-            </a:r>
-            <a:r>
-              <a:rPr lang="en-US" sz="1400" dirty="0" smtClean="0"/>
-              <a:t> v7.0)</a:t>
-            </a:r>
-          </a:p>
-        </p:txBody>
-      </p:sp>
-      <p:sp>
-        <p:nvSpPr>
-          <p:cNvPr id="12" name="Rounded Rectangle 11"/>
-          <p:cNvSpPr/>
-          <p:nvPr/>
-        </p:nvSpPr>
-        <p:spPr>
-          <a:xfrm>
-            <a:off x="457200" y="3505200"/>
-            <a:ext cx="3962400" cy="2590800"/>
-          </a:xfrm>
-          <a:prstGeom prst="roundRect">
-            <a:avLst/>
-          </a:prstGeom>
-        </p:spPr>
-        <p:style>
-          <a:lnRef idx="1">
-            <a:schemeClr val="dk1"/>
-          </a:lnRef>
-          <a:fillRef idx="2">
-            <a:schemeClr val="dk1"/>
-          </a:fillRef>
-          <a:effectRef idx="1">
-            <a:schemeClr val="dk1"/>
-          </a:effectRef>
-          <a:fontRef idx="minor">
-            <a:schemeClr val="dk1"/>
-          </a:fontRef>
-        </p:style>
-        <p:txBody>
-          <a:bodyPr rtlCol="0" anchor="t"/>
-          <a:lstStyle/>
-          <a:p>
-            <a:pPr algn="ctr"/>
-            <a:r>
-              <a:rPr lang="en-US" sz="1400" dirty="0" smtClean="0"/>
-              <a:t>Client:</a:t>
-            </a:r>
-          </a:p>
-          <a:p>
-            <a:pPr algn="ctr"/>
-            <a:r>
-              <a:rPr lang="en-US" sz="1400" dirty="0" smtClean="0"/>
-              <a:t>My laptop (Dynamic IP)</a:t>
-            </a:r>
-          </a:p>
-          <a:p>
-            <a:pPr algn="ctr"/>
-            <a:endParaRPr lang="en-US" sz="1400" dirty="0" smtClean="0"/>
-          </a:p>
-          <a:p>
-            <a:pPr>
-              <a:buFont typeface="Wingdings" pitchFamily="2" charset="2"/>
-              <a:buChar char="§"/>
-            </a:pPr>
-            <a:r>
-              <a:rPr lang="en-US" sz="1400" dirty="0" smtClean="0"/>
-              <a:t> TPTP all-in-one v4.5.1</a:t>
-            </a:r>
-          </a:p>
-          <a:p>
-            <a:pPr marL="177800" lvl="1">
-              <a:buFont typeface="Wingdings" pitchFamily="2" charset="2"/>
-              <a:buChar char="§"/>
-            </a:pPr>
-            <a:r>
-              <a:rPr lang="en-US" sz="1400" dirty="0" smtClean="0"/>
-              <a:t> with Agent (Data Collection </a:t>
-            </a:r>
-            <a:r>
-              <a:rPr lang="en-US" sz="1400" dirty="0" err="1" smtClean="0"/>
-              <a:t>Inftrastructure</a:t>
-            </a:r>
-            <a:r>
-              <a:rPr lang="en-US" sz="1400" dirty="0" smtClean="0"/>
-              <a:t> v7.0)</a:t>
-            </a:r>
-          </a:p>
-          <a:p>
-            <a:pPr algn="ctr"/>
-            <a:endParaRPr lang="en-US" sz="1400" dirty="0"/>
-          </a:p>
-        </p:txBody>
-      </p:sp>
-    </p:spTree>
-  </p:cSld>
-  <p:clrMapOvr>
-    <a:masterClrMapping/>
-  </p:clrMapOvr>
-</p:sld>
-</file>
-
-<file path=ppt/slides/slide8.xml><?xml version="1.0" encoding="utf-8"?>
-<p:sld xmlns:a="http://schemas.openxmlformats.org/drawingml/2006/main" xmlns:r="http://schemas.openxmlformats.org/officeDocument/2006/relationships" xmlns:p="http://schemas.openxmlformats.org/presentationml/2006/main">
-  <p:cSld>
-    <p:spTree>
-      <p:nvGrpSpPr>
-        <p:cNvPr id="1" name=""/>
-        <p:cNvGrpSpPr/>
-        <p:nvPr/>
-      </p:nvGrpSpPr>
-      <p:grpSpPr>
-        <a:xfrm>
-          <a:off x="0" y="0"/>
-          <a:ext cx="0" cy="0"/>
-          <a:chOff x="0" y="0"/>
-          <a:chExt cx="0" cy="0"/>
-        </a:xfrm>
-      </p:grpSpPr>
-      <p:sp>
-        <p:nvSpPr>
-          <p:cNvPr id="9" name="Title 8"/>
-          <p:cNvSpPr>
-            <a:spLocks noGrp="1"/>
-          </p:cNvSpPr>
-          <p:nvPr>
-            <p:ph type="title"/>
-          </p:nvPr>
-        </p:nvSpPr>
-        <p:spPr/>
-        <p:txBody>
-          <a:bodyPr>
-            <a:normAutofit fontScale="90000"/>
-          </a:bodyPr>
-          <a:lstStyle/>
-          <a:p>
-            <a:r>
-              <a:rPr lang="en-US" dirty="0" smtClean="0"/>
-              <a:t>Sequence for Collecting Trace data with non-ARM Instrumentation(TPTP)</a:t>
-            </a:r>
-            <a:endParaRPr lang="en-US" dirty="0"/>
-          </a:p>
-        </p:txBody>
-      </p:sp>
-      <p:sp>
-        <p:nvSpPr>
-          <p:cNvPr id="10" name="Text Placeholder 9"/>
-          <p:cNvSpPr>
-            <a:spLocks noGrp="1"/>
-          </p:cNvSpPr>
-          <p:nvPr>
-            <p:ph type="body" idx="1"/>
-          </p:nvPr>
-        </p:nvSpPr>
-        <p:spPr/>
-        <p:txBody>
-          <a:bodyPr/>
-          <a:lstStyle/>
-          <a:p>
-            <a:r>
-              <a:rPr lang="en-US" dirty="0" smtClean="0"/>
-              <a:t>Client</a:t>
-            </a:r>
-            <a:endParaRPr lang="en-US" dirty="0"/>
-          </a:p>
-        </p:txBody>
-      </p:sp>
-      <p:sp>
-        <p:nvSpPr>
-          <p:cNvPr id="11" name="Content Placeholder 10"/>
-          <p:cNvSpPr>
-            <a:spLocks noGrp="1"/>
-          </p:cNvSpPr>
-          <p:nvPr>
-            <p:ph sz="half" idx="2"/>
-          </p:nvPr>
-        </p:nvSpPr>
-        <p:spPr>
-          <a:xfrm>
-            <a:off x="457200" y="3810001"/>
-            <a:ext cx="4040188" cy="2316162"/>
-          </a:xfrm>
-        </p:spPr>
-        <p:txBody>
-          <a:bodyPr>
-            <a:normAutofit/>
-          </a:bodyPr>
-          <a:lstStyle/>
-          <a:p>
-            <a:pPr marL="342900" lvl="1" indent="-342900">
-              <a:buNone/>
-            </a:pPr>
-            <a:r>
-              <a:rPr lang="en-US" sz="1800" dirty="0" smtClean="0"/>
-              <a:t>4. Use TPTP to collect trace data</a:t>
-            </a:r>
-          </a:p>
-          <a:p>
-            <a:pPr>
-              <a:buNone/>
-            </a:pPr>
-            <a:r>
-              <a:rPr lang="en-US" sz="1800" dirty="0" smtClean="0"/>
-              <a:t>5. Our plug-in analyzes trace data (B)</a:t>
-            </a:r>
-            <a:endParaRPr lang="en-US" sz="1800" dirty="0"/>
-          </a:p>
-        </p:txBody>
-      </p:sp>
-      <p:sp>
-        <p:nvSpPr>
-          <p:cNvPr id="12" name="Text Placeholder 11"/>
-          <p:cNvSpPr>
-            <a:spLocks noGrp="1"/>
-          </p:cNvSpPr>
-          <p:nvPr>
-            <p:ph type="body" sz="quarter" idx="3"/>
-          </p:nvPr>
-        </p:nvSpPr>
-        <p:spPr/>
-        <p:txBody>
-          <a:bodyPr/>
-          <a:lstStyle/>
-          <a:p>
-            <a:r>
-              <a:rPr lang="en-US" dirty="0" smtClean="0"/>
-              <a:t>Server</a:t>
-            </a:r>
-            <a:endParaRPr lang="en-US" dirty="0"/>
-          </a:p>
-        </p:txBody>
-      </p:sp>
-      <p:sp>
-        <p:nvSpPr>
-          <p:cNvPr id="13" name="Content Placeholder 12"/>
-          <p:cNvSpPr>
-            <a:spLocks noGrp="1"/>
-          </p:cNvSpPr>
-          <p:nvPr>
-            <p:ph sz="quarter" idx="4"/>
-          </p:nvPr>
-        </p:nvSpPr>
-        <p:spPr>
-          <a:xfrm>
-            <a:off x="4343401" y="2286000"/>
-            <a:ext cx="4343400" cy="3840162"/>
-          </a:xfrm>
-        </p:spPr>
-        <p:txBody>
-          <a:bodyPr>
-            <a:normAutofit/>
-          </a:bodyPr>
-          <a:lstStyle/>
-          <a:p>
-            <a:pPr marL="457200" indent="-457200"/>
-            <a:r>
-              <a:rPr lang="en-US" sz="1800" dirty="0" smtClean="0"/>
-              <a:t>/root/</a:t>
-            </a:r>
-            <a:r>
-              <a:rPr lang="en-US" sz="1800" dirty="0" err="1" smtClean="0"/>
-              <a:t>perftest</a:t>
-            </a:r>
-            <a:r>
-              <a:rPr lang="en-US" sz="1800" dirty="0" smtClean="0"/>
-              <a:t>/*.sh</a:t>
-            </a:r>
-          </a:p>
-          <a:p>
-            <a:pPr marL="857250" lvl="1" indent="-457200">
-              <a:buAutoNum type="arabicPeriod"/>
-            </a:pPr>
-            <a:r>
-              <a:rPr lang="en-US" sz="1400" dirty="0" smtClean="0"/>
-              <a:t>Start TPTP Agent Controller (TPTP-AC)</a:t>
-            </a:r>
-          </a:p>
-          <a:p>
-            <a:pPr marL="857250" lvl="1" indent="-457200">
-              <a:buAutoNum type="arabicPeriod"/>
-            </a:pPr>
-            <a:r>
-              <a:rPr lang="en-US" sz="1400" dirty="0" smtClean="0"/>
-              <a:t>Start Data Collection Infrastructure (DCI)</a:t>
-            </a:r>
-          </a:p>
-          <a:p>
-            <a:pPr marL="857250" lvl="1" indent="-457200">
-              <a:buAutoNum type="arabicPeriod"/>
-            </a:pPr>
-            <a:r>
-              <a:rPr lang="en-US" sz="1400" dirty="0" smtClean="0"/>
-              <a:t>Start </a:t>
-            </a:r>
-            <a:r>
-              <a:rPr lang="en-US" sz="1400" dirty="0" err="1" smtClean="0"/>
-              <a:t>WebSphere</a:t>
-            </a:r>
-            <a:r>
-              <a:rPr lang="en-US" sz="1400" dirty="0" smtClean="0"/>
-              <a:t> Application Server (WSAS)</a:t>
-            </a:r>
-          </a:p>
-        </p:txBody>
-      </p:sp>
-      <p:sp>
-        <p:nvSpPr>
-          <p:cNvPr id="7" name="Rounded Rectangular Callout 6"/>
-          <p:cNvSpPr/>
-          <p:nvPr/>
-        </p:nvSpPr>
-        <p:spPr>
-          <a:xfrm>
-            <a:off x="2667000" y="5105400"/>
-            <a:ext cx="1676400" cy="457200"/>
-          </a:xfrm>
-          <a:prstGeom prst="wedgeRoundRectCallout">
-            <a:avLst>
-              <a:gd name="adj1" fmla="val -55102"/>
-              <a:gd name="adj2" fmla="val 3436"/>
-              <a:gd name="adj3" fmla="val 16667"/>
-            </a:avLst>
-          </a:prstGeom>
-          <a:solidFill>
-            <a:schemeClr val="bg1"/>
-          </a:solidFill>
-        </p:spPr>
-        <p:style>
-          <a:lnRef idx="2">
-            <a:schemeClr val="accent1">
-              <a:shade val="50000"/>
-            </a:schemeClr>
-          </a:lnRef>
-          <a:fillRef idx="1">
-            <a:schemeClr val="accent1"/>
-          </a:fillRef>
-          <a:effectRef idx="0">
-            <a:schemeClr val="accent1"/>
-          </a:effectRef>
-          <a:fontRef idx="minor">
-            <a:schemeClr val="lt1"/>
-          </a:fontRef>
-        </p:style>
-        <p:txBody>
-          <a:bodyPr rtlCol="0" anchor="ctr"/>
-          <a:lstStyle/>
-          <a:p>
-            <a:pPr algn="ctr"/>
-            <a:r>
-              <a:rPr lang="en-US" dirty="0" smtClean="0">
-                <a:solidFill>
-                  <a:schemeClr val="accent6">
-                    <a:lumMod val="50000"/>
-                  </a:schemeClr>
-                </a:solidFill>
-              </a:rPr>
-              <a:t>Trace data (B)</a:t>
-            </a:r>
-            <a:endParaRPr lang="en-US" dirty="0">
-              <a:solidFill>
-                <a:schemeClr val="accent6">
-                  <a:lumMod val="50000"/>
-                </a:schemeClr>
-              </a:solidFill>
-            </a:endParaRPr>
-          </a:p>
-        </p:txBody>
-      </p:sp>
-      <p:pic>
-        <p:nvPicPr>
-          <p:cNvPr id="14" name="Picture 3" descr="C:\Documents and Settings\Yoonki\Local Settings\Temporary Internet Files\Content.IE5\U9BQB4VW\j0432605[1].png"/>
-          <p:cNvPicPr>
-            <a:picLocks noChangeAspect="1" noChangeArrowheads="1"/>
-          </p:cNvPicPr>
-          <p:nvPr/>
-        </p:nvPicPr>
-        <p:blipFill>
-          <a:blip r:embed="rId2" cstate="print"/>
-          <a:srcRect/>
-          <a:stretch>
-            <a:fillRect/>
-          </a:stretch>
-        </p:blipFill>
-        <p:spPr bwMode="auto">
-          <a:xfrm>
-            <a:off x="1676400" y="4800600"/>
-            <a:ext cx="990600" cy="990600"/>
-          </a:xfrm>
-          <a:prstGeom prst="rect">
-            <a:avLst/>
-          </a:prstGeom>
-          <a:noFill/>
-        </p:spPr>
-      </p:pic>
-    </p:spTree>
-  </p:cSld>
-  <p:clrMapOvr>
-    <a:masterClrMapping/>
-  </p:clrMapOvr>
-</p:sld>
-</file>
-
-<file path=ppt/slides/slide9.xml><?xml version="1.0" encoding="utf-8"?>
-<p:sld xmlns:a="http://schemas.openxmlformats.org/drawingml/2006/main" xmlns:r="http://schemas.openxmlformats.org/officeDocument/2006/relationships" xmlns:p="http://schemas.openxmlformats.org/presentationml/2006/main">
-  <p:cSld>
-    <p:spTree>
-      <p:nvGrpSpPr>
-        <p:cNvPr id="1" name=""/>
-        <p:cNvGrpSpPr/>
-        <p:nvPr/>
-      </p:nvGrpSpPr>
-      <p:grpSpPr>
-        <a:xfrm>
-          <a:off x="0" y="0"/>
-          <a:ext cx="0" cy="0"/>
-          <a:chOff x="0" y="0"/>
-          <a:chExt cx="0" cy="0"/>
-        </a:xfrm>
-      </p:grpSpPr>
-      <p:sp>
-        <p:nvSpPr>
-          <p:cNvPr id="7" name="Title 6"/>
-          <p:cNvSpPr>
-            <a:spLocks noGrp="1"/>
-          </p:cNvSpPr>
-          <p:nvPr>
-            <p:ph type="title"/>
-          </p:nvPr>
-        </p:nvSpPr>
-        <p:spPr/>
-        <p:txBody>
-          <a:bodyPr>
-            <a:normAutofit fontScale="90000"/>
-          </a:bodyPr>
-          <a:lstStyle/>
-          <a:p>
-            <a:r>
-              <a:rPr lang="en-US" dirty="0" smtClean="0"/>
-              <a:t>Environment Variables on Windows</a:t>
-            </a:r>
-            <a:endParaRPr lang="en-US" dirty="0"/>
-          </a:p>
-        </p:txBody>
-      </p:sp>
-      <p:sp>
-        <p:nvSpPr>
-          <p:cNvPr id="8" name="Content Placeholder 7"/>
-          <p:cNvSpPr>
-            <a:spLocks noGrp="1"/>
-          </p:cNvSpPr>
-          <p:nvPr>
-            <p:ph idx="1"/>
-          </p:nvPr>
-        </p:nvSpPr>
-        <p:spPr/>
-        <p:txBody>
-          <a:bodyPr/>
-          <a:lstStyle/>
-          <a:p>
-            <a:r>
-              <a:rPr lang="en-US" dirty="0" smtClean="0"/>
-              <a:t>JAVA_PROFILER_HOME=%TPTP_AC_HOME%\</a:t>
-            </a:r>
-            <a:r>
-              <a:rPr lang="en-US" dirty="0" err="1" smtClean="0"/>
-              <a:t>plugins</a:t>
-            </a:r>
-            <a:r>
-              <a:rPr lang="en-US" dirty="0" smtClean="0"/>
-              <a:t>\</a:t>
-            </a:r>
-            <a:r>
-              <a:rPr lang="en-US" dirty="0" err="1" smtClean="0"/>
-              <a:t>org.eclipse.tptp.javaprofiler</a:t>
-            </a:r>
-            <a:endParaRPr lang="en-US" dirty="0" smtClean="0"/>
-          </a:p>
-          <a:p>
-            <a:r>
-              <a:rPr lang="en-US" dirty="0" smtClean="0"/>
-              <a:t>TPTP_AC_HOME=C:\DevTools\eclipse\tptp.runtime.allInOne.win32.win32.x86-TPTP-4.5.1</a:t>
-            </a:r>
-          </a:p>
-          <a:p>
-            <a:r>
-              <a:rPr lang="en-US" dirty="0" smtClean="0"/>
-              <a:t>PATH=%PATH%;%JAVA_PROFILER_HOME%;%TPTP_AC_HOME%\bin</a:t>
-            </a:r>
-            <a:endParaRPr lang="en-US" dirty="0"/>
-          </a:p>
-        </p:txBody>
-      </p:sp>
     </p:spTree>
   </p:cSld>
   <p:clrMapOvr>
